--- a/Presentation/Final_part_A_Presentation.pptx
+++ b/Presentation/Final_part_A_Presentation.pptx
@@ -5,7 +5,7 @@
     <p:sldMasterId id="2147483684" r:id="rId1"/>
   </p:sldMasterIdLst>
   <p:notesMasterIdLst>
-    <p:notesMasterId r:id="rId28"/>
+    <p:notesMasterId r:id="rId34"/>
   </p:notesMasterIdLst>
   <p:sldIdLst>
     <p:sldId id="256" r:id="rId2"/>
@@ -32,8 +32,14 @@
     <p:sldId id="305" r:id="rId23"/>
     <p:sldId id="306" r:id="rId24"/>
     <p:sldId id="307" r:id="rId25"/>
-    <p:sldId id="294" r:id="rId26"/>
-    <p:sldId id="301" r:id="rId27"/>
+    <p:sldId id="309" r:id="rId26"/>
+    <p:sldId id="310" r:id="rId27"/>
+    <p:sldId id="311" r:id="rId28"/>
+    <p:sldId id="312" r:id="rId29"/>
+    <p:sldId id="313" r:id="rId30"/>
+    <p:sldId id="314" r:id="rId31"/>
+    <p:sldId id="294" r:id="rId32"/>
+    <p:sldId id="301" r:id="rId33"/>
   </p:sldIdLst>
   <p:sldSz cx="9144000" cy="6858000" type="screen4x3"/>
   <p:notesSz cx="6858000" cy="9144000"/>
@@ -1450,7 +1456,48 @@
           <a:bodyPr/>
           <a:lstStyle/>
           <a:p>
-            <a:endParaRPr lang="he-IL" dirty="0"/>
+            <a:r>
+              <a:rPr lang="he-IL" dirty="0" smtClean="0"/>
+              <a:t>התמונה</a:t>
+            </a:r>
+            <a:r>
+              <a:rPr lang="he-IL" baseline="0" dirty="0" smtClean="0"/>
+              <a:t> בזיכרון אמורה לשבת כולה בכתובות רצופות מ1 והלאה, לכן לקחנו את התמונה (מערך דו-</a:t>
+            </a:r>
+            <a:r>
+              <a:rPr lang="he-IL" baseline="0" dirty="0" err="1" smtClean="0"/>
+              <a:t>מימדי</a:t>
+            </a:r>
+            <a:r>
+              <a:rPr lang="he-IL" baseline="0" dirty="0" smtClean="0"/>
+              <a:t>) והפכנו אותה למערך אחד ארוך – זה בעצם </a:t>
+            </a:r>
+            <a:r>
+              <a:rPr lang="he-IL" baseline="0" dirty="0" err="1" smtClean="0"/>
+              <a:t>ממדל</a:t>
+            </a:r>
+            <a:r>
+              <a:rPr lang="he-IL" baseline="0" dirty="0" smtClean="0"/>
+              <a:t> לנו את הזיכרון.</a:t>
+            </a:r>
+          </a:p>
+          <a:p>
+            <a:r>
+              <a:rPr lang="he-IL" baseline="0" dirty="0" smtClean="0"/>
+              <a:t>לאחר מכן לקחנו את קובץ הפלט של הקואורדינטות ובנינו על פיו את תמונת הפלט.</a:t>
+            </a:r>
+          </a:p>
+          <a:p>
+            <a:r>
+              <a:rPr lang="he-IL" baseline="0" dirty="0" smtClean="0"/>
+              <a:t>כאשר את הבי-לינאריות ביצענו על ידי המטלב כרגע ע"פ הפרמטרים (משקלי השברים) שבקובץ הטקסט</a:t>
+            </a:r>
+          </a:p>
+          <a:p>
+            <a:r>
+              <a:rPr lang="he-IL" baseline="0" dirty="0" smtClean="0"/>
+              <a:t>התמונה הסופית הינה כפי שהתקבלה במטלב</a:t>
+            </a:r>
           </a:p>
         </p:txBody>
       </p:sp>
@@ -1472,7 +1519,7 @@
             <a:fld id="{2C03A9CB-966F-4A57-B2C3-5A442A549DBA}" type="slidenum">
               <a:rPr lang="he-IL" smtClean="0"/>
               <a:pPr/>
-              <a:t>25</a:t>
+              <a:t>28</a:t>
             </a:fld>
             <a:endParaRPr lang="he-IL"/>
           </a:p>
@@ -1481,7 +1528,7 @@
     </p:spTree>
     <p:extLst>
       <p:ext uri="{BB962C8B-B14F-4D97-AF65-F5344CB8AC3E}">
-        <p14:creationId xmlns:p14="http://schemas.microsoft.com/office/powerpoint/2010/main" val="1491151206"/>
+        <p14:creationId xmlns:p14="http://schemas.microsoft.com/office/powerpoint/2010/main" val="3043422891"/>
       </p:ext>
     </p:extLst>
   </p:cSld>
@@ -1532,12 +1579,10 @@
         </p:nvSpPr>
         <p:spPr/>
         <p:txBody>
-          <a:bodyPr>
-            <a:normAutofit/>
-          </a:bodyPr>
+          <a:bodyPr/>
           <a:lstStyle/>
           <a:p>
-            <a:endParaRPr lang="he-IL"/>
+            <a:endParaRPr lang="he-IL" dirty="0"/>
           </a:p>
         </p:txBody>
       </p:sp>
@@ -1559,13 +1604,18 @@
             <a:fld id="{2C03A9CB-966F-4A57-B2C3-5A442A549DBA}" type="slidenum">
               <a:rPr lang="he-IL" smtClean="0"/>
               <a:pPr/>
-              <a:t>26</a:t>
+              <a:t>31</a:t>
             </a:fld>
             <a:endParaRPr lang="he-IL"/>
           </a:p>
         </p:txBody>
       </p:sp>
     </p:spTree>
+    <p:extLst>
+      <p:ext uri="{BB962C8B-B14F-4D97-AF65-F5344CB8AC3E}">
+        <p14:creationId xmlns:p14="http://schemas.microsoft.com/office/powerpoint/2010/main" val="1491151206"/>
+      </p:ext>
+    </p:extLst>
   </p:cSld>
   <p:clrMapOvr>
     <a:masterClrMapping/>
@@ -1642,6 +1692,88 @@
               <a:rPr lang="he-IL" smtClean="0"/>
               <a:pPr/>
               <a:t>2</a:t>
+            </a:fld>
+            <a:endParaRPr lang="he-IL"/>
+          </a:p>
+        </p:txBody>
+      </p:sp>
+    </p:spTree>
+  </p:cSld>
+  <p:clrMapOvr>
+    <a:masterClrMapping/>
+  </p:clrMapOvr>
+</p:notes>
+</file>
+
+<file path=ppt/notesSlides/notesSlide20.xml><?xml version="1.0" encoding="utf-8"?>
+<p:notes xmlns:a="http://schemas.openxmlformats.org/drawingml/2006/main" xmlns:r="http://schemas.openxmlformats.org/officeDocument/2006/relationships" xmlns:p="http://schemas.openxmlformats.org/presentationml/2006/main">
+  <p:cSld>
+    <p:spTree>
+      <p:nvGrpSpPr>
+        <p:cNvPr id="1" name=""/>
+        <p:cNvGrpSpPr/>
+        <p:nvPr/>
+      </p:nvGrpSpPr>
+      <p:grpSpPr>
+        <a:xfrm>
+          <a:off x="0" y="0"/>
+          <a:ext cx="0" cy="0"/>
+          <a:chOff x="0" y="0"/>
+          <a:chExt cx="0" cy="0"/>
+        </a:xfrm>
+      </p:grpSpPr>
+      <p:sp>
+        <p:nvSpPr>
+          <p:cNvPr id="2" name="Slide Image Placeholder 1"/>
+          <p:cNvSpPr>
+            <a:spLocks noGrp="1" noRot="1" noChangeAspect="1"/>
+          </p:cNvSpPr>
+          <p:nvPr>
+            <p:ph type="sldImg"/>
+          </p:nvPr>
+        </p:nvSpPr>
+        <p:spPr/>
+      </p:sp>
+      <p:sp>
+        <p:nvSpPr>
+          <p:cNvPr id="3" name="Notes Placeholder 2"/>
+          <p:cNvSpPr>
+            <a:spLocks noGrp="1"/>
+          </p:cNvSpPr>
+          <p:nvPr>
+            <p:ph type="body" idx="1"/>
+          </p:nvPr>
+        </p:nvSpPr>
+        <p:spPr/>
+        <p:txBody>
+          <a:bodyPr>
+            <a:normAutofit/>
+          </a:bodyPr>
+          <a:lstStyle/>
+          <a:p>
+            <a:endParaRPr lang="he-IL"/>
+          </a:p>
+        </p:txBody>
+      </p:sp>
+      <p:sp>
+        <p:nvSpPr>
+          <p:cNvPr id="4" name="Slide Number Placeholder 3"/>
+          <p:cNvSpPr>
+            <a:spLocks noGrp="1"/>
+          </p:cNvSpPr>
+          <p:nvPr>
+            <p:ph type="sldNum" sz="quarter" idx="10"/>
+          </p:nvPr>
+        </p:nvSpPr>
+        <p:spPr/>
+        <p:txBody>
+          <a:bodyPr/>
+          <a:lstStyle/>
+          <a:p>
+            <a:fld id="{2C03A9CB-966F-4A57-B2C3-5A442A549DBA}" type="slidenum">
+              <a:rPr lang="he-IL" smtClean="0"/>
+              <a:pPr/>
+              <a:t>32</a:t>
             </a:fld>
             <a:endParaRPr lang="he-IL"/>
           </a:p>
@@ -2185,15 +2317,7 @@
           <a:p>
             <a:r>
               <a:rPr lang="he-IL" dirty="0" smtClean="0"/>
-              <a:t>לפני השינוי מערכת </a:t>
-            </a:r>
-            <a:r>
-              <a:rPr lang="he-IL" dirty="0" err="1" smtClean="0"/>
-              <a:t>המטלב</a:t>
-            </a:r>
-            <a:r>
-              <a:rPr lang="he-IL" dirty="0" smtClean="0"/>
-              <a:t> דחסה תמונה בקידוד </a:t>
+              <a:t>לפני השינוי מערכת המטלב דחסה תמונה בקידוד </a:t>
             </a:r>
             <a:r>
               <a:rPr lang="en-US" dirty="0" err="1" smtClean="0"/>
@@ -20397,7 +20521,7 @@
           <a:graphicData uri="http://schemas.openxmlformats.org/presentationml/2006/ole">
             <mc:AlternateContent xmlns:mc="http://schemas.openxmlformats.org/markup-compatibility/2006">
               <mc:Choice xmlns:v="urn:schemas-microsoft-com:vml" Requires="v">
-                <p:oleObj spid="_x0000_s1035" name="Equation" r:id="rId3" imgW="6197400" imgH="888840" progId="Equation.DSMT4">
+                <p:oleObj spid="_x0000_s1058" name="Equation" r:id="rId3" imgW="6197400" imgH="888840" progId="Equation.DSMT4">
                   <p:embed/>
                 </p:oleObj>
               </mc:Choice>
@@ -20535,13 +20659,8 @@
           <a:p>
             <a:r>
               <a:rPr lang="en-US" sz="1200" dirty="0"/>
-              <a:t>Angle =60 </a:t>
-            </a:r>
-            <a:r>
-              <a:rPr lang="en-US" sz="1200" dirty="0" err="1"/>
-              <a:t>deg</a:t>
-            </a:r>
-            <a:endParaRPr lang="en-US" sz="1200" dirty="0"/>
+              <a:t>Angle =60 deg</a:t>
+            </a:r>
           </a:p>
           <a:p>
             <a:r>
@@ -21071,15 +21190,21 @@
           </a:xfrm>
         </p:spPr>
         <p:txBody>
-          <a:bodyPr/>
+          <a:bodyPr>
+            <a:normAutofit/>
+          </a:bodyPr>
           <a:lstStyle/>
           <a:p>
             <a:pPr rtl="0"/>
             <a:r>
-              <a:rPr lang="en-US" dirty="0" smtClean="0"/>
-              <a:t>Initial implementation</a:t>
-            </a:r>
-            <a:endParaRPr lang="he-IL" dirty="0"/>
+              <a:rPr lang="en-US" sz="3600" dirty="0"/>
+              <a:t>Addr. Calc. </a:t>
+            </a:r>
+            <a:r>
+              <a:rPr lang="en-US" sz="3600" dirty="0" smtClean="0"/>
+              <a:t> - Initial implementation</a:t>
+            </a:r>
+            <a:endParaRPr lang="he-IL" sz="3600" dirty="0"/>
           </a:p>
         </p:txBody>
       </p:sp>
@@ -21443,15 +21568,21 @@
           </a:xfrm>
         </p:spPr>
         <p:txBody>
-          <a:bodyPr/>
+          <a:bodyPr>
+            <a:noAutofit/>
+          </a:bodyPr>
           <a:lstStyle/>
           <a:p>
             <a:pPr rtl="0"/>
             <a:r>
-              <a:rPr lang="en-US" dirty="0" smtClean="0"/>
+              <a:rPr lang="en-US" sz="3200" dirty="0"/>
+              <a:t>Addr. Calc.  - </a:t>
+            </a:r>
+            <a:r>
+              <a:rPr lang="en-US" sz="3200" dirty="0" smtClean="0"/>
               <a:t>Improved implementation</a:t>
             </a:r>
-            <a:endParaRPr lang="he-IL" dirty="0"/>
+            <a:endParaRPr lang="he-IL" sz="3200" dirty="0"/>
           </a:p>
         </p:txBody>
       </p:sp>
@@ -21618,15 +21749,21 @@
           </a:xfrm>
         </p:spPr>
         <p:txBody>
-          <a:bodyPr/>
+          <a:bodyPr>
+            <a:normAutofit/>
+          </a:bodyPr>
           <a:lstStyle/>
           <a:p>
             <a:pPr rtl="0"/>
             <a:r>
-              <a:rPr lang="en-US" dirty="0" smtClean="0"/>
-              <a:t>Improved implementation</a:t>
-            </a:r>
-            <a:endParaRPr lang="he-IL" dirty="0"/>
+              <a:rPr lang="en-US" sz="3600" dirty="0"/>
+              <a:t>Addr. Calc.</a:t>
+            </a:r>
+            <a:r>
+              <a:rPr lang="en-US" sz="3600" dirty="0" smtClean="0"/>
+              <a:t>– first valid output</a:t>
+            </a:r>
+            <a:endParaRPr lang="he-IL" sz="3600" dirty="0"/>
           </a:p>
         </p:txBody>
       </p:sp>
@@ -21716,7 +21853,7 @@
           <a:graphicData uri="http://schemas.openxmlformats.org/presentationml/2006/ole">
             <mc:AlternateContent xmlns:mc="http://schemas.openxmlformats.org/markup-compatibility/2006">
               <mc:Choice xmlns:v="urn:schemas-microsoft-com:vml" Requires="v">
-                <p:oleObj spid="_x0000_s4105" name="Equation" r:id="rId4" imgW="190440" imgH="152280" progId="Equation.DSMT4">
+                <p:oleObj spid="_x0000_s4128" name="Equation" r:id="rId4" imgW="190440" imgH="152280" progId="Equation.DSMT4">
                   <p:embed/>
                 </p:oleObj>
               </mc:Choice>
@@ -22206,9 +22343,610 @@
   <p:timing>
     <p:tnLst>
       <p:par>
-        <p:cTn id="1" dur="indefinite" restart="never" nodeType="tmRoot"/>
+        <p:cTn id="1" dur="indefinite" restart="never" nodeType="tmRoot">
+          <p:childTnLst>
+            <p:seq concurrent="1" nextAc="seek">
+              <p:cTn id="2" dur="indefinite" nodeType="mainSeq">
+                <p:childTnLst>
+                  <p:par>
+                    <p:cTn id="3" fill="hold">
+                      <p:stCondLst>
+                        <p:cond delay="indefinite"/>
+                      </p:stCondLst>
+                      <p:childTnLst>
+                        <p:par>
+                          <p:cTn id="4" fill="hold">
+                            <p:stCondLst>
+                              <p:cond delay="0"/>
+                            </p:stCondLst>
+                            <p:childTnLst>
+                              <p:par>
+                                <p:cTn id="5" presetID="16" presetClass="entr" presetSubtype="21" fill="hold" grpId="0" nodeType="clickEffect">
+                                  <p:stCondLst>
+                                    <p:cond delay="0"/>
+                                  </p:stCondLst>
+                                  <p:childTnLst>
+                                    <p:set>
+                                      <p:cBhvr>
+                                        <p:cTn id="6" dur="1" fill="hold">
+                                          <p:stCondLst>
+                                            <p:cond delay="0"/>
+                                          </p:stCondLst>
+                                        </p:cTn>
+                                        <p:tgtEl>
+                                          <p:spTgt spid="20"/>
+                                        </p:tgtEl>
+                                        <p:attrNameLst>
+                                          <p:attrName>style.visibility</p:attrName>
+                                        </p:attrNameLst>
+                                      </p:cBhvr>
+                                      <p:to>
+                                        <p:strVal val="visible"/>
+                                      </p:to>
+                                    </p:set>
+                                    <p:animEffect transition="in" filter="barn(inVertical)">
+                                      <p:cBhvr>
+                                        <p:cTn id="7" dur="500"/>
+                                        <p:tgtEl>
+                                          <p:spTgt spid="20"/>
+                                        </p:tgtEl>
+                                      </p:cBhvr>
+                                    </p:animEffect>
+                                  </p:childTnLst>
+                                </p:cTn>
+                              </p:par>
+                            </p:childTnLst>
+                          </p:cTn>
+                        </p:par>
+                      </p:childTnLst>
+                    </p:cTn>
+                  </p:par>
+                  <p:par>
+                    <p:cTn id="8" fill="hold">
+                      <p:stCondLst>
+                        <p:cond delay="indefinite"/>
+                      </p:stCondLst>
+                      <p:childTnLst>
+                        <p:par>
+                          <p:cTn id="9" fill="hold">
+                            <p:stCondLst>
+                              <p:cond delay="0"/>
+                            </p:stCondLst>
+                            <p:childTnLst>
+                              <p:par>
+                                <p:cTn id="10" presetID="14" presetClass="entr" presetSubtype="10" fill="hold" grpId="0" nodeType="clickEffect">
+                                  <p:stCondLst>
+                                    <p:cond delay="0"/>
+                                  </p:stCondLst>
+                                  <p:childTnLst>
+                                    <p:set>
+                                      <p:cBhvr>
+                                        <p:cTn id="11" dur="1" fill="hold">
+                                          <p:stCondLst>
+                                            <p:cond delay="0"/>
+                                          </p:stCondLst>
+                                        </p:cTn>
+                                        <p:tgtEl>
+                                          <p:spTgt spid="21"/>
+                                        </p:tgtEl>
+                                        <p:attrNameLst>
+                                          <p:attrName>style.visibility</p:attrName>
+                                        </p:attrNameLst>
+                                      </p:cBhvr>
+                                      <p:to>
+                                        <p:strVal val="visible"/>
+                                      </p:to>
+                                    </p:set>
+                                    <p:animEffect transition="in" filter="randombar(horizontal)">
+                                      <p:cBhvr>
+                                        <p:cTn id="12" dur="500"/>
+                                        <p:tgtEl>
+                                          <p:spTgt spid="21"/>
+                                        </p:tgtEl>
+                                      </p:cBhvr>
+                                    </p:animEffect>
+                                  </p:childTnLst>
+                                </p:cTn>
+                              </p:par>
+                              <p:par>
+                                <p:cTn id="13" presetID="14" presetClass="entr" presetSubtype="10" fill="hold" nodeType="withEffect">
+                                  <p:stCondLst>
+                                    <p:cond delay="0"/>
+                                  </p:stCondLst>
+                                  <p:childTnLst>
+                                    <p:set>
+                                      <p:cBhvr>
+                                        <p:cTn id="14" dur="1" fill="hold">
+                                          <p:stCondLst>
+                                            <p:cond delay="0"/>
+                                          </p:stCondLst>
+                                        </p:cTn>
+                                        <p:tgtEl>
+                                          <p:spTgt spid="32"/>
+                                        </p:tgtEl>
+                                        <p:attrNameLst>
+                                          <p:attrName>style.visibility</p:attrName>
+                                        </p:attrNameLst>
+                                      </p:cBhvr>
+                                      <p:to>
+                                        <p:strVal val="visible"/>
+                                      </p:to>
+                                    </p:set>
+                                    <p:animEffect transition="in" filter="randombar(horizontal)">
+                                      <p:cBhvr>
+                                        <p:cTn id="15" dur="500"/>
+                                        <p:tgtEl>
+                                          <p:spTgt spid="32"/>
+                                        </p:tgtEl>
+                                      </p:cBhvr>
+                                    </p:animEffect>
+                                  </p:childTnLst>
+                                </p:cTn>
+                              </p:par>
+                              <p:par>
+                                <p:cTn id="16" presetID="14" presetClass="entr" presetSubtype="10" fill="hold" grpId="0" nodeType="withEffect">
+                                  <p:stCondLst>
+                                    <p:cond delay="0"/>
+                                  </p:stCondLst>
+                                  <p:childTnLst>
+                                    <p:set>
+                                      <p:cBhvr>
+                                        <p:cTn id="17" dur="1" fill="hold">
+                                          <p:stCondLst>
+                                            <p:cond delay="0"/>
+                                          </p:stCondLst>
+                                        </p:cTn>
+                                        <p:tgtEl>
+                                          <p:spTgt spid="23"/>
+                                        </p:tgtEl>
+                                        <p:attrNameLst>
+                                          <p:attrName>style.visibility</p:attrName>
+                                        </p:attrNameLst>
+                                      </p:cBhvr>
+                                      <p:to>
+                                        <p:strVal val="visible"/>
+                                      </p:to>
+                                    </p:set>
+                                    <p:animEffect transition="in" filter="randombar(horizontal)">
+                                      <p:cBhvr>
+                                        <p:cTn id="18" dur="500"/>
+                                        <p:tgtEl>
+                                          <p:spTgt spid="23"/>
+                                        </p:tgtEl>
+                                      </p:cBhvr>
+                                    </p:animEffect>
+                                  </p:childTnLst>
+                                </p:cTn>
+                              </p:par>
+                            </p:childTnLst>
+                          </p:cTn>
+                        </p:par>
+                      </p:childTnLst>
+                    </p:cTn>
+                  </p:par>
+                  <p:par>
+                    <p:cTn id="19" fill="hold">
+                      <p:stCondLst>
+                        <p:cond delay="indefinite"/>
+                      </p:stCondLst>
+                      <p:childTnLst>
+                        <p:par>
+                          <p:cTn id="20" fill="hold">
+                            <p:stCondLst>
+                              <p:cond delay="0"/>
+                            </p:stCondLst>
+                            <p:childTnLst>
+                              <p:par>
+                                <p:cTn id="21" presetID="53" presetClass="entr" presetSubtype="16" fill="hold" grpId="0" nodeType="clickEffect">
+                                  <p:stCondLst>
+                                    <p:cond delay="0"/>
+                                  </p:stCondLst>
+                                  <p:childTnLst>
+                                    <p:set>
+                                      <p:cBhvr>
+                                        <p:cTn id="22" dur="1" fill="hold">
+                                          <p:stCondLst>
+                                            <p:cond delay="0"/>
+                                          </p:stCondLst>
+                                        </p:cTn>
+                                        <p:tgtEl>
+                                          <p:spTgt spid="34"/>
+                                        </p:tgtEl>
+                                        <p:attrNameLst>
+                                          <p:attrName>style.visibility</p:attrName>
+                                        </p:attrNameLst>
+                                      </p:cBhvr>
+                                      <p:to>
+                                        <p:strVal val="visible"/>
+                                      </p:to>
+                                    </p:set>
+                                    <p:anim calcmode="lin" valueType="num">
+                                      <p:cBhvr>
+                                        <p:cTn id="23" dur="500" fill="hold"/>
+                                        <p:tgtEl>
+                                          <p:spTgt spid="34"/>
+                                        </p:tgtEl>
+                                        <p:attrNameLst>
+                                          <p:attrName>ppt_w</p:attrName>
+                                        </p:attrNameLst>
+                                      </p:cBhvr>
+                                      <p:tavLst>
+                                        <p:tav tm="0">
+                                          <p:val>
+                                            <p:fltVal val="0"/>
+                                          </p:val>
+                                        </p:tav>
+                                        <p:tav tm="100000">
+                                          <p:val>
+                                            <p:strVal val="#ppt_w"/>
+                                          </p:val>
+                                        </p:tav>
+                                      </p:tavLst>
+                                    </p:anim>
+                                    <p:anim calcmode="lin" valueType="num">
+                                      <p:cBhvr>
+                                        <p:cTn id="24" dur="500" fill="hold"/>
+                                        <p:tgtEl>
+                                          <p:spTgt spid="34"/>
+                                        </p:tgtEl>
+                                        <p:attrNameLst>
+                                          <p:attrName>ppt_h</p:attrName>
+                                        </p:attrNameLst>
+                                      </p:cBhvr>
+                                      <p:tavLst>
+                                        <p:tav tm="0">
+                                          <p:val>
+                                            <p:fltVal val="0"/>
+                                          </p:val>
+                                        </p:tav>
+                                        <p:tav tm="100000">
+                                          <p:val>
+                                            <p:strVal val="#ppt_h"/>
+                                          </p:val>
+                                        </p:tav>
+                                      </p:tavLst>
+                                    </p:anim>
+                                    <p:animEffect transition="in" filter="fade">
+                                      <p:cBhvr>
+                                        <p:cTn id="25" dur="500"/>
+                                        <p:tgtEl>
+                                          <p:spTgt spid="34"/>
+                                        </p:tgtEl>
+                                      </p:cBhvr>
+                                    </p:animEffect>
+                                  </p:childTnLst>
+                                </p:cTn>
+                              </p:par>
+                              <p:par>
+                                <p:cTn id="26" presetID="14" presetClass="entr" presetSubtype="10" fill="hold" grpId="0" nodeType="withEffect">
+                                  <p:stCondLst>
+                                    <p:cond delay="0"/>
+                                  </p:stCondLst>
+                                  <p:childTnLst>
+                                    <p:set>
+                                      <p:cBhvr>
+                                        <p:cTn id="27" dur="1" fill="hold">
+                                          <p:stCondLst>
+                                            <p:cond delay="0"/>
+                                          </p:stCondLst>
+                                        </p:cTn>
+                                        <p:tgtEl>
+                                          <p:spTgt spid="36"/>
+                                        </p:tgtEl>
+                                        <p:attrNameLst>
+                                          <p:attrName>style.visibility</p:attrName>
+                                        </p:attrNameLst>
+                                      </p:cBhvr>
+                                      <p:to>
+                                        <p:strVal val="visible"/>
+                                      </p:to>
+                                    </p:set>
+                                    <p:animEffect transition="in" filter="randombar(horizontal)">
+                                      <p:cBhvr>
+                                        <p:cTn id="28" dur="500"/>
+                                        <p:tgtEl>
+                                          <p:spTgt spid="36"/>
+                                        </p:tgtEl>
+                                      </p:cBhvr>
+                                    </p:animEffect>
+                                  </p:childTnLst>
+                                </p:cTn>
+                              </p:par>
+                            </p:childTnLst>
+                          </p:cTn>
+                        </p:par>
+                      </p:childTnLst>
+                    </p:cTn>
+                  </p:par>
+                  <p:par>
+                    <p:cTn id="29" fill="hold">
+                      <p:stCondLst>
+                        <p:cond delay="indefinite"/>
+                      </p:stCondLst>
+                      <p:childTnLst>
+                        <p:par>
+                          <p:cTn id="30" fill="hold">
+                            <p:stCondLst>
+                              <p:cond delay="0"/>
+                            </p:stCondLst>
+                            <p:childTnLst>
+                              <p:par>
+                                <p:cTn id="31" presetID="22" presetClass="entr" presetSubtype="4" fill="hold" grpId="0" nodeType="clickEffect">
+                                  <p:stCondLst>
+                                    <p:cond delay="0"/>
+                                  </p:stCondLst>
+                                  <p:childTnLst>
+                                    <p:set>
+                                      <p:cBhvr>
+                                        <p:cTn id="32" dur="1" fill="hold">
+                                          <p:stCondLst>
+                                            <p:cond delay="0"/>
+                                          </p:stCondLst>
+                                        </p:cTn>
+                                        <p:tgtEl>
+                                          <p:spTgt spid="26"/>
+                                        </p:tgtEl>
+                                        <p:attrNameLst>
+                                          <p:attrName>style.visibility</p:attrName>
+                                        </p:attrNameLst>
+                                      </p:cBhvr>
+                                      <p:to>
+                                        <p:strVal val="visible"/>
+                                      </p:to>
+                                    </p:set>
+                                    <p:animEffect transition="in" filter="wipe(down)">
+                                      <p:cBhvr>
+                                        <p:cTn id="33" dur="500"/>
+                                        <p:tgtEl>
+                                          <p:spTgt spid="26"/>
+                                        </p:tgtEl>
+                                      </p:cBhvr>
+                                    </p:animEffect>
+                                  </p:childTnLst>
+                                </p:cTn>
+                              </p:par>
+                              <p:par>
+                                <p:cTn id="34" presetID="22" presetClass="entr" presetSubtype="4" fill="hold" nodeType="withEffect">
+                                  <p:stCondLst>
+                                    <p:cond delay="0"/>
+                                  </p:stCondLst>
+                                  <p:childTnLst>
+                                    <p:set>
+                                      <p:cBhvr>
+                                        <p:cTn id="35" dur="1" fill="hold">
+                                          <p:stCondLst>
+                                            <p:cond delay="0"/>
+                                          </p:stCondLst>
+                                        </p:cTn>
+                                        <p:tgtEl>
+                                          <p:spTgt spid="29"/>
+                                        </p:tgtEl>
+                                        <p:attrNameLst>
+                                          <p:attrName>style.visibility</p:attrName>
+                                        </p:attrNameLst>
+                                      </p:cBhvr>
+                                      <p:to>
+                                        <p:strVal val="visible"/>
+                                      </p:to>
+                                    </p:set>
+                                    <p:animEffect transition="in" filter="wipe(down)">
+                                      <p:cBhvr>
+                                        <p:cTn id="36" dur="500"/>
+                                        <p:tgtEl>
+                                          <p:spTgt spid="29"/>
+                                        </p:tgtEl>
+                                      </p:cBhvr>
+                                    </p:animEffect>
+                                  </p:childTnLst>
+                                </p:cTn>
+                              </p:par>
+                              <p:par>
+                                <p:cTn id="37" presetID="22" presetClass="entr" presetSubtype="4" fill="hold" grpId="0" nodeType="withEffect">
+                                  <p:stCondLst>
+                                    <p:cond delay="0"/>
+                                  </p:stCondLst>
+                                  <p:childTnLst>
+                                    <p:set>
+                                      <p:cBhvr>
+                                        <p:cTn id="38" dur="1" fill="hold">
+                                          <p:stCondLst>
+                                            <p:cond delay="0"/>
+                                          </p:stCondLst>
+                                        </p:cTn>
+                                        <p:tgtEl>
+                                          <p:spTgt spid="24"/>
+                                        </p:tgtEl>
+                                        <p:attrNameLst>
+                                          <p:attrName>style.visibility</p:attrName>
+                                        </p:attrNameLst>
+                                      </p:cBhvr>
+                                      <p:to>
+                                        <p:strVal val="visible"/>
+                                      </p:to>
+                                    </p:set>
+                                    <p:animEffect transition="in" filter="wipe(down)">
+                                      <p:cBhvr>
+                                        <p:cTn id="39" dur="500"/>
+                                        <p:tgtEl>
+                                          <p:spTgt spid="24"/>
+                                        </p:tgtEl>
+                                      </p:cBhvr>
+                                    </p:animEffect>
+                                  </p:childTnLst>
+                                </p:cTn>
+                              </p:par>
+                            </p:childTnLst>
+                          </p:cTn>
+                        </p:par>
+                      </p:childTnLst>
+                    </p:cTn>
+                  </p:par>
+                  <p:par>
+                    <p:cTn id="40" fill="hold">
+                      <p:stCondLst>
+                        <p:cond delay="indefinite"/>
+                      </p:stCondLst>
+                      <p:childTnLst>
+                        <p:par>
+                          <p:cTn id="41" fill="hold">
+                            <p:stCondLst>
+                              <p:cond delay="0"/>
+                            </p:stCondLst>
+                            <p:childTnLst>
+                              <p:par>
+                                <p:cTn id="42" presetID="53" presetClass="entr" presetSubtype="16" fill="hold" grpId="0" nodeType="clickEffect">
+                                  <p:stCondLst>
+                                    <p:cond delay="0"/>
+                                  </p:stCondLst>
+                                  <p:childTnLst>
+                                    <p:set>
+                                      <p:cBhvr>
+                                        <p:cTn id="43" dur="1" fill="hold">
+                                          <p:stCondLst>
+                                            <p:cond delay="0"/>
+                                          </p:stCondLst>
+                                        </p:cTn>
+                                        <p:tgtEl>
+                                          <p:spTgt spid="35"/>
+                                        </p:tgtEl>
+                                        <p:attrNameLst>
+                                          <p:attrName>style.visibility</p:attrName>
+                                        </p:attrNameLst>
+                                      </p:cBhvr>
+                                      <p:to>
+                                        <p:strVal val="visible"/>
+                                      </p:to>
+                                    </p:set>
+                                    <p:anim calcmode="lin" valueType="num">
+                                      <p:cBhvr>
+                                        <p:cTn id="44" dur="500" fill="hold"/>
+                                        <p:tgtEl>
+                                          <p:spTgt spid="35"/>
+                                        </p:tgtEl>
+                                        <p:attrNameLst>
+                                          <p:attrName>ppt_w</p:attrName>
+                                        </p:attrNameLst>
+                                      </p:cBhvr>
+                                      <p:tavLst>
+                                        <p:tav tm="0">
+                                          <p:val>
+                                            <p:fltVal val="0"/>
+                                          </p:val>
+                                        </p:tav>
+                                        <p:tav tm="100000">
+                                          <p:val>
+                                            <p:strVal val="#ppt_w"/>
+                                          </p:val>
+                                        </p:tav>
+                                      </p:tavLst>
+                                    </p:anim>
+                                    <p:anim calcmode="lin" valueType="num">
+                                      <p:cBhvr>
+                                        <p:cTn id="45" dur="500" fill="hold"/>
+                                        <p:tgtEl>
+                                          <p:spTgt spid="35"/>
+                                        </p:tgtEl>
+                                        <p:attrNameLst>
+                                          <p:attrName>ppt_h</p:attrName>
+                                        </p:attrNameLst>
+                                      </p:cBhvr>
+                                      <p:tavLst>
+                                        <p:tav tm="0">
+                                          <p:val>
+                                            <p:fltVal val="0"/>
+                                          </p:val>
+                                        </p:tav>
+                                        <p:tav tm="100000">
+                                          <p:val>
+                                            <p:strVal val="#ppt_h"/>
+                                          </p:val>
+                                        </p:tav>
+                                      </p:tavLst>
+                                    </p:anim>
+                                    <p:animEffect transition="in" filter="fade">
+                                      <p:cBhvr>
+                                        <p:cTn id="46" dur="500"/>
+                                        <p:tgtEl>
+                                          <p:spTgt spid="35"/>
+                                        </p:tgtEl>
+                                      </p:cBhvr>
+                                    </p:animEffect>
+                                  </p:childTnLst>
+                                </p:cTn>
+                              </p:par>
+                              <p:par>
+                                <p:cTn id="47" presetID="14" presetClass="entr" presetSubtype="10" fill="hold" grpId="0" nodeType="withEffect">
+                                  <p:stCondLst>
+                                    <p:cond delay="0"/>
+                                  </p:stCondLst>
+                                  <p:childTnLst>
+                                    <p:set>
+                                      <p:cBhvr>
+                                        <p:cTn id="48" dur="1" fill="hold">
+                                          <p:stCondLst>
+                                            <p:cond delay="0"/>
+                                          </p:stCondLst>
+                                        </p:cTn>
+                                        <p:tgtEl>
+                                          <p:spTgt spid="39"/>
+                                        </p:tgtEl>
+                                        <p:attrNameLst>
+                                          <p:attrName>style.visibility</p:attrName>
+                                        </p:attrNameLst>
+                                      </p:cBhvr>
+                                      <p:to>
+                                        <p:strVal val="visible"/>
+                                      </p:to>
+                                    </p:set>
+                                    <p:animEffect transition="in" filter="randombar(horizontal)">
+                                      <p:cBhvr>
+                                        <p:cTn id="49" dur="500"/>
+                                        <p:tgtEl>
+                                          <p:spTgt spid="39"/>
+                                        </p:tgtEl>
+                                      </p:cBhvr>
+                                    </p:animEffect>
+                                  </p:childTnLst>
+                                </p:cTn>
+                              </p:par>
+                            </p:childTnLst>
+                          </p:cTn>
+                        </p:par>
+                      </p:childTnLst>
+                    </p:cTn>
+                  </p:par>
+                </p:childTnLst>
+              </p:cTn>
+              <p:prevCondLst>
+                <p:cond evt="onPrev" delay="0">
+                  <p:tgtEl>
+                    <p:sldTgt/>
+                  </p:tgtEl>
+                </p:cond>
+              </p:prevCondLst>
+              <p:nextCondLst>
+                <p:cond evt="onNext" delay="0">
+                  <p:tgtEl>
+                    <p:sldTgt/>
+                  </p:tgtEl>
+                </p:cond>
+              </p:nextCondLst>
+            </p:seq>
+          </p:childTnLst>
+        </p:cTn>
       </p:par>
     </p:tnLst>
+    <p:bldLst>
+      <p:bldP spid="20" grpId="0" animBg="1"/>
+      <p:bldP spid="23" grpId="0" animBg="1"/>
+      <p:bldP spid="24" grpId="0" animBg="1"/>
+      <p:bldP spid="21" grpId="0" animBg="1"/>
+      <p:bldP spid="26" grpId="0" animBg="1"/>
+      <p:bldP spid="34" grpId="0" animBg="1"/>
+      <p:bldP spid="35" grpId="0" animBg="1"/>
+      <p:bldP spid="36" grpId="0"/>
+      <p:bldP spid="39" grpId="0"/>
+    </p:bldLst>
   </p:timing>
 </p:sld>
 </file>
@@ -22230,50 +22968,73 @@
           <a:chExt cx="0" cy="0"/>
         </a:xfrm>
       </p:grpSpPr>
+      <p:pic>
+        <p:nvPicPr>
+          <p:cNvPr id="5122" name="Picture 2"/>
+          <p:cNvPicPr>
+            <a:picLocks noChangeAspect="1" noChangeArrowheads="1"/>
+          </p:cNvPicPr>
+          <p:nvPr/>
+        </p:nvPicPr>
+        <p:blipFill>
+          <a:blip r:embed="rId2">
+            <a:extLst>
+              <a:ext uri="{28A0092B-C50C-407E-A947-70E740481C1C}">
+                <a14:useLocalDpi xmlns:a14="http://schemas.microsoft.com/office/drawing/2010/main" val="0"/>
+              </a:ext>
+            </a:extLst>
+          </a:blip>
+          <a:srcRect/>
+          <a:stretch>
+            <a:fillRect/>
+          </a:stretch>
+        </p:blipFill>
+        <p:spPr bwMode="auto">
+          <a:xfrm>
+            <a:off x="39284" y="1376363"/>
+            <a:ext cx="9029700" cy="4105275"/>
+          </a:xfrm>
+          <a:prstGeom prst="rect">
+            <a:avLst/>
+          </a:prstGeom>
+          <a:noFill/>
+          <a:ln>
+            <a:noFill/>
+          </a:ln>
+          <a:effectLst/>
+          <a:extLst>
+            <a:ext uri="{909E8E84-426E-40DD-AFC4-6F175D3DCCD1}">
+              <a14:hiddenFill xmlns:a14="http://schemas.microsoft.com/office/drawing/2010/main">
+                <a:solidFill>
+                  <a:schemeClr val="accent1"/>
+                </a:solidFill>
+              </a14:hiddenFill>
+            </a:ext>
+            <a:ext uri="{91240B29-F687-4F45-9708-019B960494DF}">
+              <a14:hiddenLine xmlns:a14="http://schemas.microsoft.com/office/drawing/2010/main" w="9525">
+                <a:solidFill>
+                  <a:schemeClr val="tx1"/>
+                </a:solidFill>
+                <a:miter lim="800000"/>
+                <a:headEnd/>
+                <a:tailEnd/>
+              </a14:hiddenLine>
+            </a:ext>
+            <a:ext uri="{AF507438-7753-43E0-B8FC-AC1667EBCBE1}">
+              <a14:hiddenEffects xmlns:a14="http://schemas.microsoft.com/office/drawing/2010/main">
+                <a:effectLst>
+                  <a:outerShdw dist="35921" dir="2700000" algn="ctr" rotWithShape="0">
+                    <a:schemeClr val="bg2"/>
+                  </a:outerShdw>
+                </a:effectLst>
+              </a14:hiddenEffects>
+            </a:ext>
+          </a:extLst>
+        </p:spPr>
+      </p:pic>
       <p:sp>
         <p:nvSpPr>
-          <p:cNvPr id="2" name="Content Placeholder 1"/>
-          <p:cNvSpPr>
-            <a:spLocks noGrp="1"/>
-          </p:cNvSpPr>
-          <p:nvPr>
-            <p:ph idx="1"/>
-          </p:nvPr>
-        </p:nvSpPr>
-        <p:spPr/>
-        <p:txBody>
-          <a:bodyPr/>
-          <a:lstStyle/>
-          <a:p>
-            <a:pPr algn="l" rtl="0"/>
-            <a:r>
-              <a:rPr lang="en-US" dirty="0" smtClean="0"/>
-              <a:t>Burn current system (without image manipulation) to FPGA</a:t>
-            </a:r>
-          </a:p>
-          <a:p>
-            <a:pPr algn="l" rtl="0"/>
-            <a:r>
-              <a:rPr lang="en-US" dirty="0" smtClean="0"/>
-              <a:t>Create image manipulation block</a:t>
-            </a:r>
-          </a:p>
-          <a:p>
-            <a:pPr algn="l" rtl="0"/>
-            <a:r>
-              <a:rPr lang="en-US" dirty="0" smtClean="0"/>
-              <a:t>Test and debugging</a:t>
-            </a:r>
-          </a:p>
-          <a:p>
-            <a:pPr algn="l" rtl="0"/>
-            <a:endParaRPr lang="he-IL" dirty="0"/>
-          </a:p>
-        </p:txBody>
-      </p:sp>
-      <p:sp>
-        <p:nvSpPr>
-          <p:cNvPr id="3" name="Title 2"/>
+          <p:cNvPr id="5" name="Title 2"/>
           <p:cNvSpPr>
             <a:spLocks noGrp="1"/>
           </p:cNvSpPr>
@@ -22281,24 +23042,242 @@
             <p:ph type="title"/>
           </p:nvPr>
         </p:nvSpPr>
-        <p:spPr/>
+        <p:spPr>
+          <a:xfrm>
+            <a:off x="457200" y="274638"/>
+            <a:ext cx="8229600" cy="1143000"/>
+          </a:xfrm>
+        </p:spPr>
         <p:txBody>
-          <a:bodyPr/>
+          <a:bodyPr>
+            <a:normAutofit/>
+          </a:bodyPr>
           <a:lstStyle/>
           <a:p>
             <a:pPr rtl="0"/>
             <a:r>
-              <a:rPr lang="en-US" dirty="0" smtClean="0"/>
-              <a:t>Missions ahead</a:t>
-            </a:r>
-            <a:endParaRPr lang="he-IL" dirty="0"/>
+              <a:rPr lang="en-US" sz="3700" dirty="0"/>
+              <a:t>Addr. Calc.</a:t>
+            </a:r>
+            <a:r>
+              <a:rPr lang="en-US" sz="3700" dirty="0" smtClean="0"/>
+              <a:t>– mid valid output</a:t>
+            </a:r>
+            <a:endParaRPr lang="he-IL" sz="3700" dirty="0"/>
+          </a:p>
+        </p:txBody>
+      </p:sp>
+      <p:sp>
+        <p:nvSpPr>
+          <p:cNvPr id="6" name="Flowchart: Punched Tape 5"/>
+          <p:cNvSpPr/>
+          <p:nvPr/>
+        </p:nvSpPr>
+        <p:spPr>
+          <a:xfrm>
+            <a:off x="8336226" y="3032956"/>
+            <a:ext cx="680459" cy="288032"/>
+          </a:xfrm>
+          <a:prstGeom prst="flowChartPunchedTape">
+            <a:avLst/>
+          </a:prstGeom>
+        </p:spPr>
+        <p:style>
+          <a:lnRef idx="1">
+            <a:schemeClr val="accent3"/>
+          </a:lnRef>
+          <a:fillRef idx="2">
+            <a:schemeClr val="accent3"/>
+          </a:fillRef>
+          <a:effectRef idx="1">
+            <a:schemeClr val="accent3"/>
+          </a:effectRef>
+          <a:fontRef idx="minor">
+            <a:schemeClr val="dk1"/>
+          </a:fontRef>
+        </p:style>
+        <p:txBody>
+          <a:bodyPr rtlCol="1" anchor="ctr"/>
+          <a:lstStyle/>
+          <a:p>
+            <a:pPr algn="ctr"/>
+            <a:r>
+              <a:rPr lang="en-US" sz="900" dirty="0" smtClean="0"/>
+              <a:t>output</a:t>
+            </a:r>
+            <a:endParaRPr lang="he-IL" sz="900" dirty="0"/>
+          </a:p>
+        </p:txBody>
+      </p:sp>
+      <p:sp>
+        <p:nvSpPr>
+          <p:cNvPr id="7" name="Rectangle 6"/>
+          <p:cNvSpPr/>
+          <p:nvPr/>
+        </p:nvSpPr>
+        <p:spPr>
+          <a:xfrm>
+            <a:off x="4404498" y="2852936"/>
+            <a:ext cx="299271" cy="360040"/>
+          </a:xfrm>
+          <a:prstGeom prst="rect">
+            <a:avLst/>
+          </a:prstGeom>
+          <a:noFill/>
+          <a:ln w="38100">
+            <a:solidFill>
+              <a:srgbClr val="FFFF00"/>
+            </a:solidFill>
+          </a:ln>
+        </p:spPr>
+        <p:style>
+          <a:lnRef idx="1">
+            <a:schemeClr val="accent6"/>
+          </a:lnRef>
+          <a:fillRef idx="2">
+            <a:schemeClr val="accent6"/>
+          </a:fillRef>
+          <a:effectRef idx="1">
+            <a:schemeClr val="accent6"/>
+          </a:effectRef>
+          <a:fontRef idx="minor">
+            <a:schemeClr val="dk1"/>
+          </a:fontRef>
+        </p:style>
+        <p:txBody>
+          <a:bodyPr rtlCol="1" anchor="ctr"/>
+          <a:lstStyle/>
+          <a:p>
+            <a:pPr algn="ctr"/>
+            <a:endParaRPr lang="he-IL"/>
+          </a:p>
+        </p:txBody>
+      </p:sp>
+      <p:sp>
+        <p:nvSpPr>
+          <p:cNvPr id="8" name="Rectangle 7"/>
+          <p:cNvSpPr/>
+          <p:nvPr/>
+        </p:nvSpPr>
+        <p:spPr>
+          <a:xfrm>
+            <a:off x="6876256" y="4887497"/>
+            <a:ext cx="1872208" cy="319718"/>
+          </a:xfrm>
+          <a:prstGeom prst="rect">
+            <a:avLst/>
+          </a:prstGeom>
+          <a:noFill/>
+          <a:ln w="38100">
+            <a:solidFill>
+              <a:srgbClr val="FFFF00"/>
+            </a:solidFill>
+          </a:ln>
+        </p:spPr>
+        <p:style>
+          <a:lnRef idx="1">
+            <a:schemeClr val="accent6"/>
+          </a:lnRef>
+          <a:fillRef idx="2">
+            <a:schemeClr val="accent6"/>
+          </a:fillRef>
+          <a:effectRef idx="1">
+            <a:schemeClr val="accent6"/>
+          </a:effectRef>
+          <a:fontRef idx="minor">
+            <a:schemeClr val="dk1"/>
+          </a:fontRef>
+        </p:style>
+        <p:txBody>
+          <a:bodyPr rtlCol="1" anchor="ctr"/>
+          <a:lstStyle/>
+          <a:p>
+            <a:pPr algn="ctr"/>
+            <a:endParaRPr lang="he-IL"/>
+          </a:p>
+        </p:txBody>
+      </p:sp>
+      <p:cxnSp>
+        <p:nvCxnSpPr>
+          <p:cNvPr id="9" name="Straight Arrow Connector 8"/>
+          <p:cNvCxnSpPr/>
+          <p:nvPr/>
+        </p:nvCxnSpPr>
+        <p:spPr>
+          <a:xfrm>
+            <a:off x="4703769" y="3212976"/>
+            <a:ext cx="3972687" cy="1368152"/>
+          </a:xfrm>
+          <a:prstGeom prst="straightConnector1">
+            <a:avLst/>
+          </a:prstGeom>
+          <a:ln w="19050">
+            <a:tailEnd type="arrow"/>
+          </a:ln>
+        </p:spPr>
+        <p:style>
+          <a:lnRef idx="1">
+            <a:schemeClr val="accent3"/>
+          </a:lnRef>
+          <a:fillRef idx="0">
+            <a:schemeClr val="accent3"/>
+          </a:fillRef>
+          <a:effectRef idx="0">
+            <a:schemeClr val="accent3"/>
+          </a:effectRef>
+          <a:fontRef idx="minor">
+            <a:schemeClr val="tx1"/>
+          </a:fontRef>
+        </p:style>
+      </p:cxnSp>
+      <p:sp>
+        <p:nvSpPr>
+          <p:cNvPr id="12" name="Rectangle 11"/>
+          <p:cNvSpPr/>
+          <p:nvPr/>
+        </p:nvSpPr>
+        <p:spPr>
+          <a:xfrm>
+            <a:off x="7956376" y="3359526"/>
+            <a:ext cx="1039679" cy="1293609"/>
+          </a:xfrm>
+          <a:prstGeom prst="rect">
+            <a:avLst/>
+          </a:prstGeom>
+          <a:noFill/>
+          <a:ln w="38100">
+            <a:solidFill>
+              <a:srgbClr val="FFC000"/>
+            </a:solidFill>
+          </a:ln>
+        </p:spPr>
+        <p:style>
+          <a:lnRef idx="1">
+            <a:schemeClr val="accent6"/>
+          </a:lnRef>
+          <a:fillRef idx="2">
+            <a:schemeClr val="accent6"/>
+          </a:fillRef>
+          <a:effectRef idx="1">
+            <a:schemeClr val="accent6"/>
+          </a:effectRef>
+          <a:fontRef idx="minor">
+            <a:schemeClr val="dk1"/>
+          </a:fontRef>
+        </p:style>
+        <p:txBody>
+          <a:bodyPr rtlCol="1" anchor="ctr"/>
+          <a:lstStyle/>
+          <a:p>
+            <a:pPr algn="ctr"/>
+            <a:endParaRPr lang="he-IL"/>
           </a:p>
         </p:txBody>
       </p:sp>
     </p:spTree>
     <p:extLst>
       <p:ext uri="{BB962C8B-B14F-4D97-AF65-F5344CB8AC3E}">
-        <p14:creationId xmlns:p14="http://schemas.microsoft.com/office/powerpoint/2010/main" val="918018118"/>
+        <p14:creationId xmlns:p14="http://schemas.microsoft.com/office/powerpoint/2010/main" val="177292871"/>
       </p:ext>
     </p:extLst>
   </p:cSld>
@@ -22308,9 +23287,313 @@
   <p:timing>
     <p:tnLst>
       <p:par>
-        <p:cTn id="1" dur="indefinite" restart="never" nodeType="tmRoot"/>
+        <p:cTn id="1" dur="indefinite" restart="never" nodeType="tmRoot">
+          <p:childTnLst>
+            <p:seq concurrent="1" nextAc="seek">
+              <p:cTn id="2" dur="indefinite" nodeType="mainSeq">
+                <p:childTnLst>
+                  <p:par>
+                    <p:cTn id="3" fill="hold">
+                      <p:stCondLst>
+                        <p:cond delay="indefinite"/>
+                      </p:stCondLst>
+                      <p:childTnLst>
+                        <p:par>
+                          <p:cTn id="4" fill="hold">
+                            <p:stCondLst>
+                              <p:cond delay="0"/>
+                            </p:stCondLst>
+                            <p:childTnLst>
+                              <p:par>
+                                <p:cTn id="5" presetID="14" presetClass="entr" presetSubtype="10" fill="hold" grpId="0" nodeType="clickEffect">
+                                  <p:stCondLst>
+                                    <p:cond delay="0"/>
+                                  </p:stCondLst>
+                                  <p:childTnLst>
+                                    <p:set>
+                                      <p:cBhvr>
+                                        <p:cTn id="6" dur="1" fill="hold">
+                                          <p:stCondLst>
+                                            <p:cond delay="0"/>
+                                          </p:stCondLst>
+                                        </p:cTn>
+                                        <p:tgtEl>
+                                          <p:spTgt spid="7"/>
+                                        </p:tgtEl>
+                                        <p:attrNameLst>
+                                          <p:attrName>style.visibility</p:attrName>
+                                        </p:attrNameLst>
+                                      </p:cBhvr>
+                                      <p:to>
+                                        <p:strVal val="visible"/>
+                                      </p:to>
+                                    </p:set>
+                                    <p:animEffect transition="in" filter="randombar(horizontal)">
+                                      <p:cBhvr>
+                                        <p:cTn id="7" dur="500"/>
+                                        <p:tgtEl>
+                                          <p:spTgt spid="7"/>
+                                        </p:tgtEl>
+                                      </p:cBhvr>
+                                    </p:animEffect>
+                                  </p:childTnLst>
+                                </p:cTn>
+                              </p:par>
+                              <p:par>
+                                <p:cTn id="8" presetID="14" presetClass="entr" presetSubtype="10" fill="hold" grpId="0" nodeType="withEffect">
+                                  <p:stCondLst>
+                                    <p:cond delay="0"/>
+                                  </p:stCondLst>
+                                  <p:childTnLst>
+                                    <p:set>
+                                      <p:cBhvr>
+                                        <p:cTn id="9" dur="1" fill="hold">
+                                          <p:stCondLst>
+                                            <p:cond delay="0"/>
+                                          </p:stCondLst>
+                                        </p:cTn>
+                                        <p:tgtEl>
+                                          <p:spTgt spid="6"/>
+                                        </p:tgtEl>
+                                        <p:attrNameLst>
+                                          <p:attrName>style.visibility</p:attrName>
+                                        </p:attrNameLst>
+                                      </p:cBhvr>
+                                      <p:to>
+                                        <p:strVal val="visible"/>
+                                      </p:to>
+                                    </p:set>
+                                    <p:animEffect transition="in" filter="randombar(horizontal)">
+                                      <p:cBhvr>
+                                        <p:cTn id="10" dur="500"/>
+                                        <p:tgtEl>
+                                          <p:spTgt spid="6"/>
+                                        </p:tgtEl>
+                                      </p:cBhvr>
+                                    </p:animEffect>
+                                  </p:childTnLst>
+                                </p:cTn>
+                              </p:par>
+                            </p:childTnLst>
+                          </p:cTn>
+                        </p:par>
+                      </p:childTnLst>
+                    </p:cTn>
+                  </p:par>
+                  <p:par>
+                    <p:cTn id="11" fill="hold">
+                      <p:stCondLst>
+                        <p:cond delay="indefinite"/>
+                      </p:stCondLst>
+                      <p:childTnLst>
+                        <p:par>
+                          <p:cTn id="12" fill="hold">
+                            <p:stCondLst>
+                              <p:cond delay="0"/>
+                            </p:stCondLst>
+                            <p:childTnLst>
+                              <p:par>
+                                <p:cTn id="13" presetID="53" presetClass="entr" presetSubtype="16" fill="hold" grpId="0" nodeType="clickEffect">
+                                  <p:stCondLst>
+                                    <p:cond delay="0"/>
+                                  </p:stCondLst>
+                                  <p:childTnLst>
+                                    <p:set>
+                                      <p:cBhvr>
+                                        <p:cTn id="14" dur="1" fill="hold">
+                                          <p:stCondLst>
+                                            <p:cond delay="0"/>
+                                          </p:stCondLst>
+                                        </p:cTn>
+                                        <p:tgtEl>
+                                          <p:spTgt spid="8"/>
+                                        </p:tgtEl>
+                                        <p:attrNameLst>
+                                          <p:attrName>style.visibility</p:attrName>
+                                        </p:attrNameLst>
+                                      </p:cBhvr>
+                                      <p:to>
+                                        <p:strVal val="visible"/>
+                                      </p:to>
+                                    </p:set>
+                                    <p:anim calcmode="lin" valueType="num">
+                                      <p:cBhvr>
+                                        <p:cTn id="15" dur="500" fill="hold"/>
+                                        <p:tgtEl>
+                                          <p:spTgt spid="8"/>
+                                        </p:tgtEl>
+                                        <p:attrNameLst>
+                                          <p:attrName>ppt_w</p:attrName>
+                                        </p:attrNameLst>
+                                      </p:cBhvr>
+                                      <p:tavLst>
+                                        <p:tav tm="0">
+                                          <p:val>
+                                            <p:fltVal val="0"/>
+                                          </p:val>
+                                        </p:tav>
+                                        <p:tav tm="100000">
+                                          <p:val>
+                                            <p:strVal val="#ppt_w"/>
+                                          </p:val>
+                                        </p:tav>
+                                      </p:tavLst>
+                                    </p:anim>
+                                    <p:anim calcmode="lin" valueType="num">
+                                      <p:cBhvr>
+                                        <p:cTn id="16" dur="500" fill="hold"/>
+                                        <p:tgtEl>
+                                          <p:spTgt spid="8"/>
+                                        </p:tgtEl>
+                                        <p:attrNameLst>
+                                          <p:attrName>ppt_h</p:attrName>
+                                        </p:attrNameLst>
+                                      </p:cBhvr>
+                                      <p:tavLst>
+                                        <p:tav tm="0">
+                                          <p:val>
+                                            <p:fltVal val="0"/>
+                                          </p:val>
+                                        </p:tav>
+                                        <p:tav tm="100000">
+                                          <p:val>
+                                            <p:strVal val="#ppt_h"/>
+                                          </p:val>
+                                        </p:tav>
+                                      </p:tavLst>
+                                    </p:anim>
+                                    <p:animEffect transition="in" filter="fade">
+                                      <p:cBhvr>
+                                        <p:cTn id="17" dur="500"/>
+                                        <p:tgtEl>
+                                          <p:spTgt spid="8"/>
+                                        </p:tgtEl>
+                                      </p:cBhvr>
+                                    </p:animEffect>
+                                  </p:childTnLst>
+                                </p:cTn>
+                              </p:par>
+                              <p:par>
+                                <p:cTn id="18" presetID="14" presetClass="entr" presetSubtype="10" fill="hold" nodeType="withEffect">
+                                  <p:stCondLst>
+                                    <p:cond delay="0"/>
+                                  </p:stCondLst>
+                                  <p:childTnLst>
+                                    <p:set>
+                                      <p:cBhvr>
+                                        <p:cTn id="19" dur="1" fill="hold">
+                                          <p:stCondLst>
+                                            <p:cond delay="0"/>
+                                          </p:stCondLst>
+                                        </p:cTn>
+                                        <p:tgtEl>
+                                          <p:spTgt spid="9"/>
+                                        </p:tgtEl>
+                                        <p:attrNameLst>
+                                          <p:attrName>style.visibility</p:attrName>
+                                        </p:attrNameLst>
+                                      </p:cBhvr>
+                                      <p:to>
+                                        <p:strVal val="visible"/>
+                                      </p:to>
+                                    </p:set>
+                                    <p:animEffect transition="in" filter="randombar(horizontal)">
+                                      <p:cBhvr>
+                                        <p:cTn id="20" dur="500"/>
+                                        <p:tgtEl>
+                                          <p:spTgt spid="9"/>
+                                        </p:tgtEl>
+                                      </p:cBhvr>
+                                    </p:animEffect>
+                                  </p:childTnLst>
+                                </p:cTn>
+                              </p:par>
+                            </p:childTnLst>
+                          </p:cTn>
+                        </p:par>
+                      </p:childTnLst>
+                    </p:cTn>
+                  </p:par>
+                  <p:par>
+                    <p:cTn id="21" fill="hold">
+                      <p:stCondLst>
+                        <p:cond delay="indefinite"/>
+                      </p:stCondLst>
+                      <p:childTnLst>
+                        <p:par>
+                          <p:cTn id="22" fill="hold">
+                            <p:stCondLst>
+                              <p:cond delay="0"/>
+                            </p:stCondLst>
+                            <p:childTnLst>
+                              <p:par>
+                                <p:cTn id="23" presetID="14" presetClass="entr" presetSubtype="10" fill="hold" grpId="0" nodeType="clickEffect">
+                                  <p:stCondLst>
+                                    <p:cond delay="0"/>
+                                  </p:stCondLst>
+                                  <p:childTnLst>
+                                    <p:set>
+                                      <p:cBhvr>
+                                        <p:cTn id="24" dur="1" fill="hold">
+                                          <p:stCondLst>
+                                            <p:cond delay="0"/>
+                                          </p:stCondLst>
+                                        </p:cTn>
+                                        <p:tgtEl>
+                                          <p:spTgt spid="12"/>
+                                        </p:tgtEl>
+                                        <p:attrNameLst>
+                                          <p:attrName>style.visibility</p:attrName>
+                                        </p:attrNameLst>
+                                      </p:cBhvr>
+                                      <p:to>
+                                        <p:strVal val="visible"/>
+                                      </p:to>
+                                    </p:set>
+                                    <p:animEffect transition="in" filter="randombar(horizontal)">
+                                      <p:cBhvr>
+                                        <p:cTn id="25" dur="500"/>
+                                        <p:tgtEl>
+                                          <p:spTgt spid="12"/>
+                                        </p:tgtEl>
+                                      </p:cBhvr>
+                                    </p:animEffect>
+                                  </p:childTnLst>
+                                </p:cTn>
+                              </p:par>
+                            </p:childTnLst>
+                          </p:cTn>
+                        </p:par>
+                      </p:childTnLst>
+                    </p:cTn>
+                  </p:par>
+                </p:childTnLst>
+              </p:cTn>
+              <p:prevCondLst>
+                <p:cond evt="onPrev" delay="0">
+                  <p:tgtEl>
+                    <p:sldTgt/>
+                  </p:tgtEl>
+                </p:cond>
+              </p:prevCondLst>
+              <p:nextCondLst>
+                <p:cond evt="onNext" delay="0">
+                  <p:tgtEl>
+                    <p:sldTgt/>
+                  </p:tgtEl>
+                </p:cond>
+              </p:nextCondLst>
+            </p:seq>
+          </p:childTnLst>
+        </p:cTn>
       </p:par>
     </p:tnLst>
+    <p:bldLst>
+      <p:bldP spid="6" grpId="0" animBg="1"/>
+      <p:bldP spid="7" grpId="0" animBg="1"/>
+      <p:bldP spid="8" grpId="0" animBg="1"/>
+      <p:bldP spid="12" grpId="0" animBg="1"/>
+    </p:bldLst>
   </p:timing>
 </p:sld>
 </file>
@@ -22332,410 +23615,70 @@
           <a:chExt cx="0" cy="0"/>
         </a:xfrm>
       </p:grpSpPr>
-      <p:graphicFrame>
-        <p:nvGraphicFramePr>
-          <p:cNvPr id="4" name="Content Placeholder 3"/>
-          <p:cNvGraphicFramePr>
-            <a:graphicFrameLocks noGrp="1"/>
-          </p:cNvGraphicFramePr>
-          <p:nvPr>
-            <p:ph idx="1"/>
-            <p:extLst>
-              <p:ext uri="{D42A27DB-BD31-4B8C-83A1-F6EECF244321}">
-                <p14:modId xmlns:p14="http://schemas.microsoft.com/office/powerpoint/2010/main" val="1724531721"/>
-              </p:ext>
-            </p:extLst>
-          </p:nvPr>
-        </p:nvGraphicFramePr>
-        <p:xfrm>
-          <a:off x="457200" y="1481138"/>
-          <a:ext cx="8229600" cy="3606800"/>
-        </p:xfrm>
-        <a:graphic>
-          <a:graphicData uri="http://schemas.openxmlformats.org/drawingml/2006/table">
-            <a:tbl>
-              <a:tblPr rtl="1" firstRow="1" bandRow="1">
-                <a:tableStyleId>{5C22544A-7EE6-4342-B048-85BDC9FD1C3A}</a:tableStyleId>
-              </a:tblPr>
-              <a:tblGrid>
-                <a:gridCol w="5908404"/>
-                <a:gridCol w="2321196"/>
-              </a:tblGrid>
-              <a:tr h="370840">
-                <a:tc>
-                  <a:txBody>
-                    <a:bodyPr/>
-                    <a:lstStyle/>
-                    <a:p>
-                      <a:pPr algn="l" rtl="0"/>
-                      <a:r>
-                        <a:rPr lang="en-US" dirty="0" smtClean="0"/>
-                        <a:t>Tasks</a:t>
-                      </a:r>
-                      <a:endParaRPr lang="he-IL" dirty="0"/>
-                    </a:p>
-                  </a:txBody>
-                  <a:tcPr/>
-                </a:tc>
-                <a:tc>
-                  <a:txBody>
-                    <a:bodyPr/>
-                    <a:lstStyle/>
-                    <a:p>
-                      <a:pPr algn="ctr" rtl="0"/>
-                      <a:r>
-                        <a:rPr lang="en-US" dirty="0" smtClean="0"/>
-                        <a:t>Month</a:t>
-                      </a:r>
-                      <a:endParaRPr lang="he-IL" dirty="0"/>
-                    </a:p>
-                  </a:txBody>
-                  <a:tcPr/>
-                </a:tc>
-              </a:tr>
-              <a:tr h="370840">
-                <a:tc>
-                  <a:txBody>
-                    <a:bodyPr/>
-                    <a:lstStyle/>
-                    <a:p>
-                      <a:pPr algn="l" rtl="0"/>
-                      <a:r>
-                        <a:rPr lang="en-US" dirty="0" smtClean="0"/>
-                        <a:t>Exams Period</a:t>
-                      </a:r>
-                    </a:p>
-                  </a:txBody>
-                  <a:tcPr/>
-                </a:tc>
-                <a:tc>
-                  <a:txBody>
-                    <a:bodyPr/>
-                    <a:lstStyle/>
-                    <a:p>
-                      <a:pPr algn="ctr" rtl="0"/>
-                      <a:r>
-                        <a:rPr lang="en-US" dirty="0" smtClean="0"/>
-                        <a:t>February</a:t>
-                      </a:r>
-                      <a:endParaRPr lang="he-IL" dirty="0"/>
-                    </a:p>
-                  </a:txBody>
-                  <a:tcPr anchor="ctr"/>
-                </a:tc>
-              </a:tr>
-              <a:tr h="370840">
-                <a:tc>
-                  <a:txBody>
-                    <a:bodyPr/>
-                    <a:lstStyle/>
-                    <a:p>
-                      <a:pPr algn="l" rtl="0"/>
-                      <a:r>
-                        <a:rPr lang="en-US" dirty="0" smtClean="0"/>
-                        <a:t>VHDL implementation of</a:t>
-                      </a:r>
-                      <a:r>
-                        <a:rPr lang="en-US" baseline="0" dirty="0" smtClean="0"/>
-                        <a:t> Image manipulation block</a:t>
-                      </a:r>
-                      <a:endParaRPr lang="en-US" dirty="0" smtClean="0"/>
-                    </a:p>
-                  </a:txBody>
-                  <a:tcPr/>
-                </a:tc>
-                <a:tc>
-                  <a:txBody>
-                    <a:bodyPr/>
-                    <a:lstStyle/>
-                    <a:p>
-                      <a:pPr algn="ctr" rtl="0"/>
-                      <a:r>
-                        <a:rPr lang="en-US" dirty="0" smtClean="0"/>
-                        <a:t>March - April</a:t>
-                      </a:r>
-                      <a:endParaRPr lang="he-IL" dirty="0"/>
-                    </a:p>
-                  </a:txBody>
-                  <a:tcPr anchor="ctr"/>
-                </a:tc>
-              </a:tr>
-              <a:tr h="370840">
-                <a:tc>
-                  <a:txBody>
-                    <a:bodyPr/>
-                    <a:lstStyle/>
-                    <a:p>
-                      <a:pPr algn="l"/>
-                      <a:r>
-                        <a:rPr lang="en-US" dirty="0" smtClean="0"/>
-                        <a:t>Final Presentation</a:t>
-                      </a:r>
-                      <a:r>
-                        <a:rPr lang="en-US" baseline="0" dirty="0" smtClean="0"/>
-                        <a:t> – Part A</a:t>
-                      </a:r>
-                      <a:endParaRPr lang="he-IL" dirty="0"/>
-                    </a:p>
-                  </a:txBody>
-                  <a:tcPr/>
-                </a:tc>
-                <a:tc>
-                  <a:txBody>
-                    <a:bodyPr/>
-                    <a:lstStyle/>
-                    <a:p>
-                      <a:pPr marL="0" marR="0" indent="0" algn="ctr" defTabSz="914400" rtl="1" eaLnBrk="1" fontAlgn="auto" latinLnBrk="0" hangingPunct="1">
-                        <a:lnSpc>
-                          <a:spcPct val="100000"/>
-                        </a:lnSpc>
-                        <a:spcBef>
-                          <a:spcPts val="0"/>
-                        </a:spcBef>
-                        <a:spcAft>
-                          <a:spcPts val="0"/>
-                        </a:spcAft>
-                        <a:buClrTx/>
-                        <a:buSzTx/>
-                        <a:buFontTx/>
-                        <a:buNone/>
-                        <a:tabLst/>
-                        <a:defRPr/>
-                      </a:pPr>
-                      <a:r>
-                        <a:rPr lang="en-US" dirty="0" smtClean="0"/>
-                        <a:t>May</a:t>
-                      </a:r>
-                      <a:endParaRPr lang="he-IL" dirty="0" smtClean="0"/>
-                    </a:p>
-                  </a:txBody>
-                  <a:tcPr anchor="ctr"/>
-                </a:tc>
-              </a:tr>
-              <a:tr h="370840">
-                <a:tc>
-                  <a:txBody>
-                    <a:bodyPr/>
-                    <a:lstStyle/>
-                    <a:p>
-                      <a:pPr algn="l" rtl="0"/>
-                      <a:r>
-                        <a:rPr lang="en-US" dirty="0" smtClean="0"/>
-                        <a:t>Simulation</a:t>
-                      </a:r>
-                      <a:endParaRPr lang="he-IL" dirty="0"/>
-                    </a:p>
-                  </a:txBody>
-                  <a:tcPr/>
-                </a:tc>
-                <a:tc>
-                  <a:txBody>
-                    <a:bodyPr/>
-                    <a:lstStyle/>
-                    <a:p>
-                      <a:pPr algn="ctr" rtl="0"/>
-                      <a:r>
-                        <a:rPr lang="en-US" dirty="0" smtClean="0"/>
-                        <a:t>May – June</a:t>
-                      </a:r>
-                      <a:endParaRPr lang="he-IL" dirty="0"/>
-                    </a:p>
-                  </a:txBody>
-                  <a:tcPr anchor="ctr"/>
-                </a:tc>
-              </a:tr>
-              <a:tr h="370840">
-                <a:tc>
-                  <a:txBody>
-                    <a:bodyPr/>
-                    <a:lstStyle/>
-                    <a:p>
-                      <a:pPr algn="l" rtl="0"/>
-                      <a:r>
-                        <a:rPr lang="en-US" dirty="0" smtClean="0"/>
-                        <a:t>Synthesis</a:t>
-                      </a:r>
-                      <a:endParaRPr lang="he-IL" dirty="0"/>
-                    </a:p>
-                  </a:txBody>
-                  <a:tcPr/>
-                </a:tc>
-                <a:tc>
-                  <a:txBody>
-                    <a:bodyPr/>
-                    <a:lstStyle/>
-                    <a:p>
-                      <a:pPr algn="ctr" rtl="0"/>
-                      <a:r>
-                        <a:rPr lang="en-US" dirty="0" smtClean="0"/>
-                        <a:t>June</a:t>
-                      </a:r>
-                      <a:endParaRPr lang="he-IL" dirty="0"/>
-                    </a:p>
-                  </a:txBody>
-                  <a:tcPr anchor="ctr"/>
-                </a:tc>
-              </a:tr>
-              <a:tr h="370840">
-                <a:tc>
-                  <a:txBody>
-                    <a:bodyPr/>
-                    <a:lstStyle/>
-                    <a:p>
-                      <a:pPr marL="0" marR="0" indent="0" algn="l" defTabSz="914400" rtl="0" eaLnBrk="1" fontAlgn="auto" latinLnBrk="0" hangingPunct="1">
-                        <a:lnSpc>
-                          <a:spcPct val="100000"/>
-                        </a:lnSpc>
-                        <a:spcBef>
-                          <a:spcPts val="0"/>
-                        </a:spcBef>
-                        <a:spcAft>
-                          <a:spcPts val="0"/>
-                        </a:spcAft>
-                        <a:buClrTx/>
-                        <a:buSzTx/>
-                        <a:buFontTx/>
-                        <a:buNone/>
-                        <a:tabLst/>
-                        <a:defRPr/>
-                      </a:pPr>
-                      <a:r>
-                        <a:rPr lang="en-US" dirty="0" smtClean="0"/>
-                        <a:t>Exam Period</a:t>
-                      </a:r>
-                      <a:endParaRPr lang="he-IL" dirty="0" smtClean="0"/>
-                    </a:p>
-                  </a:txBody>
-                  <a:tcPr/>
-                </a:tc>
-                <a:tc>
-                  <a:txBody>
-                    <a:bodyPr/>
-                    <a:lstStyle/>
-                    <a:p>
-                      <a:pPr algn="ctr" rtl="0"/>
-                      <a:r>
-                        <a:rPr lang="en-US" dirty="0" smtClean="0"/>
-                        <a:t>July</a:t>
-                      </a:r>
-                      <a:endParaRPr lang="he-IL" dirty="0"/>
-                    </a:p>
-                  </a:txBody>
-                  <a:tcPr anchor="ctr"/>
-                </a:tc>
-              </a:tr>
-              <a:tr h="370840">
-                <a:tc>
-                  <a:txBody>
-                    <a:bodyPr/>
-                    <a:lstStyle/>
-                    <a:p>
-                      <a:pPr marL="0" marR="0" indent="0" algn="l" defTabSz="914400" rtl="0" eaLnBrk="1" fontAlgn="auto" latinLnBrk="0" hangingPunct="1">
-                        <a:lnSpc>
-                          <a:spcPct val="100000"/>
-                        </a:lnSpc>
-                        <a:spcBef>
-                          <a:spcPts val="0"/>
-                        </a:spcBef>
-                        <a:spcAft>
-                          <a:spcPts val="0"/>
-                        </a:spcAft>
-                        <a:buClrTx/>
-                        <a:buSzTx/>
-                        <a:buFontTx/>
-                        <a:buNone/>
-                        <a:tabLst/>
-                        <a:defRPr/>
-                      </a:pPr>
-                      <a:r>
-                        <a:rPr lang="en-US" dirty="0" smtClean="0"/>
-                        <a:t>Integration and </a:t>
-                      </a:r>
-                      <a:r>
-                        <a:rPr lang="en-US" smtClean="0"/>
-                        <a:t>lab testing</a:t>
-                      </a:r>
-                      <a:endParaRPr lang="he-IL" dirty="0" smtClean="0"/>
-                    </a:p>
-                  </a:txBody>
-                  <a:tcPr/>
-                </a:tc>
-                <a:tc>
-                  <a:txBody>
-                    <a:bodyPr/>
-                    <a:lstStyle/>
-                    <a:p>
-                      <a:pPr algn="ctr" rtl="0"/>
-                      <a:r>
-                        <a:rPr lang="en-US" dirty="0" smtClean="0"/>
-                        <a:t>August</a:t>
-                      </a:r>
-                      <a:r>
-                        <a:rPr lang="en-US" baseline="0" dirty="0" smtClean="0"/>
-                        <a:t> - September</a:t>
-                      </a:r>
-                      <a:endParaRPr lang="he-IL" dirty="0"/>
-                    </a:p>
-                  </a:txBody>
-                  <a:tcPr anchor="ctr"/>
-                </a:tc>
-              </a:tr>
-              <a:tr h="370840">
-                <a:tc>
-                  <a:txBody>
-                    <a:bodyPr/>
-                    <a:lstStyle/>
-                    <a:p>
-                      <a:pPr marL="0" marR="0" indent="0" algn="l" defTabSz="914400" rtl="0" eaLnBrk="1" fontAlgn="auto" latinLnBrk="0" hangingPunct="1">
-                        <a:lnSpc>
-                          <a:spcPct val="100000"/>
-                        </a:lnSpc>
-                        <a:spcBef>
-                          <a:spcPts val="0"/>
-                        </a:spcBef>
-                        <a:spcAft>
-                          <a:spcPts val="0"/>
-                        </a:spcAft>
-                        <a:buClrTx/>
-                        <a:buSzTx/>
-                        <a:buFontTx/>
-                        <a:buNone/>
-                        <a:tabLst/>
-                        <a:defRPr/>
-                      </a:pPr>
-                      <a:r>
-                        <a:rPr lang="en-US" dirty="0" smtClean="0"/>
-                        <a:t>Final</a:t>
-                      </a:r>
-                      <a:r>
-                        <a:rPr lang="en-US" baseline="0" dirty="0" smtClean="0"/>
-                        <a:t> Presentation + Documentation</a:t>
-                      </a:r>
-                      <a:endParaRPr lang="he-IL" dirty="0" smtClean="0"/>
-                    </a:p>
-                  </a:txBody>
-                  <a:tcPr/>
-                </a:tc>
-                <a:tc>
-                  <a:txBody>
-                    <a:bodyPr/>
-                    <a:lstStyle/>
-                    <a:p>
-                      <a:pPr algn="ctr" rtl="0"/>
-                      <a:r>
-                        <a:rPr lang="en-US" dirty="0" smtClean="0"/>
-                        <a:t>October</a:t>
-                      </a:r>
-                      <a:endParaRPr lang="he-IL" dirty="0"/>
-                    </a:p>
-                  </a:txBody>
-                  <a:tcPr anchor="ctr"/>
-                </a:tc>
-              </a:tr>
-            </a:tbl>
-          </a:graphicData>
-        </a:graphic>
-      </p:graphicFrame>
+      <p:pic>
+        <p:nvPicPr>
+          <p:cNvPr id="6147" name="Picture 3"/>
+          <p:cNvPicPr>
+            <a:picLocks noChangeAspect="1" noChangeArrowheads="1"/>
+          </p:cNvPicPr>
+          <p:nvPr/>
+        </p:nvPicPr>
+        <p:blipFill>
+          <a:blip r:embed="rId2">
+            <a:extLst>
+              <a:ext uri="{28A0092B-C50C-407E-A947-70E740481C1C}">
+                <a14:useLocalDpi xmlns:a14="http://schemas.microsoft.com/office/drawing/2010/main" val="0"/>
+              </a:ext>
+            </a:extLst>
+          </a:blip>
+          <a:srcRect/>
+          <a:stretch>
+            <a:fillRect/>
+          </a:stretch>
+        </p:blipFill>
+        <p:spPr bwMode="auto">
+          <a:xfrm>
+            <a:off x="60502" y="1617622"/>
+            <a:ext cx="8975994" cy="3683586"/>
+          </a:xfrm>
+          <a:prstGeom prst="rect">
+            <a:avLst/>
+          </a:prstGeom>
+          <a:noFill/>
+          <a:ln>
+            <a:noFill/>
+          </a:ln>
+          <a:effectLst/>
+          <a:extLst>
+            <a:ext uri="{909E8E84-426E-40DD-AFC4-6F175D3DCCD1}">
+              <a14:hiddenFill xmlns:a14="http://schemas.microsoft.com/office/drawing/2010/main">
+                <a:solidFill>
+                  <a:schemeClr val="accent1"/>
+                </a:solidFill>
+              </a14:hiddenFill>
+            </a:ext>
+            <a:ext uri="{91240B29-F687-4F45-9708-019B960494DF}">
+              <a14:hiddenLine xmlns:a14="http://schemas.microsoft.com/office/drawing/2010/main" w="9525">
+                <a:solidFill>
+                  <a:schemeClr val="tx1"/>
+                </a:solidFill>
+                <a:miter lim="800000"/>
+                <a:headEnd/>
+                <a:tailEnd/>
+              </a14:hiddenLine>
+            </a:ext>
+            <a:ext uri="{AF507438-7753-43E0-B8FC-AC1667EBCBE1}">
+              <a14:hiddenEffects xmlns:a14="http://schemas.microsoft.com/office/drawing/2010/main">
+                <a:effectLst>
+                  <a:outerShdw dist="35921" dir="2700000" algn="ctr" rotWithShape="0">
+                    <a:schemeClr val="bg2"/>
+                  </a:outerShdw>
+                </a:effectLst>
+              </a14:hiddenEffects>
+            </a:ext>
+          </a:extLst>
+        </p:spPr>
+      </p:pic>
       <p:sp>
         <p:nvSpPr>
           <p:cNvPr id="3" name="Title 2"/>
@@ -22748,21 +23691,4694 @@
         </p:nvSpPr>
         <p:spPr/>
         <p:txBody>
-          <a:bodyPr/>
+          <a:bodyPr>
+            <a:normAutofit/>
+          </a:bodyPr>
           <a:lstStyle/>
           <a:p>
             <a:r>
-              <a:rPr lang="en-US" dirty="0" smtClean="0"/>
-              <a:t>Time Table - 2012</a:t>
-            </a:r>
-            <a:endParaRPr lang="he-IL" dirty="0"/>
+              <a:rPr lang="en-US" sz="3700" dirty="0"/>
+              <a:t>Addr. Calc.</a:t>
+            </a:r>
+            <a:r>
+              <a:rPr lang="en-US" sz="3700" dirty="0" smtClean="0"/>
+              <a:t>– end of calc. process</a:t>
+            </a:r>
+            <a:endParaRPr lang="he-IL" sz="3700" dirty="0"/>
+          </a:p>
+        </p:txBody>
+      </p:sp>
+      <p:sp>
+        <p:nvSpPr>
+          <p:cNvPr id="5" name="Flowchart: Punched Tape 4"/>
+          <p:cNvSpPr/>
+          <p:nvPr/>
+        </p:nvSpPr>
+        <p:spPr>
+          <a:xfrm>
+            <a:off x="8152589" y="4347102"/>
+            <a:ext cx="680459" cy="288032"/>
+          </a:xfrm>
+          <a:prstGeom prst="flowChartPunchedTape">
+            <a:avLst/>
+          </a:prstGeom>
+        </p:spPr>
+        <p:style>
+          <a:lnRef idx="1">
+            <a:schemeClr val="accent3"/>
+          </a:lnRef>
+          <a:fillRef idx="2">
+            <a:schemeClr val="accent3"/>
+          </a:fillRef>
+          <a:effectRef idx="1">
+            <a:schemeClr val="accent3"/>
+          </a:effectRef>
+          <a:fontRef idx="minor">
+            <a:schemeClr val="dk1"/>
+          </a:fontRef>
+        </p:style>
+        <p:txBody>
+          <a:bodyPr rtlCol="1" anchor="ctr"/>
+          <a:lstStyle/>
+          <a:p>
+            <a:pPr algn="ctr"/>
+            <a:r>
+              <a:rPr lang="en-US" sz="900" dirty="0" smtClean="0"/>
+              <a:t>finish</a:t>
+            </a:r>
+            <a:endParaRPr lang="he-IL" sz="900" dirty="0"/>
+          </a:p>
+        </p:txBody>
+      </p:sp>
+      <p:sp>
+        <p:nvSpPr>
+          <p:cNvPr id="6" name="Rectangle 5"/>
+          <p:cNvSpPr/>
+          <p:nvPr/>
+        </p:nvSpPr>
+        <p:spPr>
+          <a:xfrm>
+            <a:off x="4788024" y="2888940"/>
+            <a:ext cx="221643" cy="468052"/>
+          </a:xfrm>
+          <a:prstGeom prst="rect">
+            <a:avLst/>
+          </a:prstGeom>
+          <a:noFill/>
+          <a:ln w="38100">
+            <a:solidFill>
+              <a:srgbClr val="FFFF00"/>
+            </a:solidFill>
+          </a:ln>
+        </p:spPr>
+        <p:style>
+          <a:lnRef idx="1">
+            <a:schemeClr val="accent6"/>
+          </a:lnRef>
+          <a:fillRef idx="2">
+            <a:schemeClr val="accent6"/>
+          </a:fillRef>
+          <a:effectRef idx="1">
+            <a:schemeClr val="accent6"/>
+          </a:effectRef>
+          <a:fontRef idx="minor">
+            <a:schemeClr val="dk1"/>
+          </a:fontRef>
+        </p:style>
+        <p:txBody>
+          <a:bodyPr rtlCol="1" anchor="ctr"/>
+          <a:lstStyle/>
+          <a:p>
+            <a:pPr algn="ctr"/>
+            <a:endParaRPr lang="he-IL"/>
+          </a:p>
+        </p:txBody>
+      </p:sp>
+      <p:cxnSp>
+        <p:nvCxnSpPr>
+          <p:cNvPr id="7" name="Straight Arrow Connector 6"/>
+          <p:cNvCxnSpPr>
+            <a:stCxn id="6" idx="2"/>
+          </p:cNvCxnSpPr>
+          <p:nvPr/>
+        </p:nvCxnSpPr>
+        <p:spPr>
+          <a:xfrm>
+            <a:off x="4898846" y="3356992"/>
+            <a:ext cx="2913514" cy="1278142"/>
+          </a:xfrm>
+          <a:prstGeom prst="straightConnector1">
+            <a:avLst/>
+          </a:prstGeom>
+          <a:ln w="19050">
+            <a:tailEnd type="arrow"/>
+          </a:ln>
+        </p:spPr>
+        <p:style>
+          <a:lnRef idx="1">
+            <a:schemeClr val="accent3"/>
+          </a:lnRef>
+          <a:fillRef idx="0">
+            <a:schemeClr val="accent3"/>
+          </a:fillRef>
+          <a:effectRef idx="0">
+            <a:schemeClr val="accent3"/>
+          </a:effectRef>
+          <a:fontRef idx="minor">
+            <a:schemeClr val="tx1"/>
+          </a:fontRef>
+        </p:style>
+      </p:cxnSp>
+      <p:sp>
+        <p:nvSpPr>
+          <p:cNvPr id="11" name="Rectangle 10"/>
+          <p:cNvSpPr/>
+          <p:nvPr/>
+        </p:nvSpPr>
+        <p:spPr>
+          <a:xfrm>
+            <a:off x="467544" y="4635134"/>
+            <a:ext cx="2021843" cy="234026"/>
+          </a:xfrm>
+          <a:prstGeom prst="rect">
+            <a:avLst/>
+          </a:prstGeom>
+          <a:noFill/>
+          <a:ln w="38100">
+            <a:solidFill>
+              <a:schemeClr val="accent2">
+                <a:lumMod val="75000"/>
+              </a:schemeClr>
+            </a:solidFill>
+          </a:ln>
+        </p:spPr>
+        <p:style>
+          <a:lnRef idx="1">
+            <a:schemeClr val="accent6"/>
+          </a:lnRef>
+          <a:fillRef idx="2">
+            <a:schemeClr val="accent6"/>
+          </a:fillRef>
+          <a:effectRef idx="1">
+            <a:schemeClr val="accent6"/>
+          </a:effectRef>
+          <a:fontRef idx="minor">
+            <a:schemeClr val="dk1"/>
+          </a:fontRef>
+        </p:style>
+        <p:txBody>
+          <a:bodyPr rtlCol="1" anchor="ctr"/>
+          <a:lstStyle/>
+          <a:p>
+            <a:pPr algn="ctr"/>
+            <a:endParaRPr lang="he-IL"/>
+          </a:p>
+        </p:txBody>
+      </p:sp>
+      <p:sp>
+        <p:nvSpPr>
+          <p:cNvPr id="15" name="Flowchart: Punched Tape 14"/>
+          <p:cNvSpPr/>
+          <p:nvPr/>
+        </p:nvSpPr>
+        <p:spPr>
+          <a:xfrm>
+            <a:off x="5148064" y="2744924"/>
+            <a:ext cx="1512168" cy="288032"/>
+          </a:xfrm>
+          <a:prstGeom prst="flowChartPunchedTape">
+            <a:avLst/>
+          </a:prstGeom>
+        </p:spPr>
+        <p:style>
+          <a:lnRef idx="1">
+            <a:schemeClr val="accent3"/>
+          </a:lnRef>
+          <a:fillRef idx="2">
+            <a:schemeClr val="accent3"/>
+          </a:fillRef>
+          <a:effectRef idx="1">
+            <a:schemeClr val="accent3"/>
+          </a:effectRef>
+          <a:fontRef idx="minor">
+            <a:schemeClr val="dk1"/>
+          </a:fontRef>
+        </p:style>
+        <p:txBody>
+          <a:bodyPr rtlCol="1" anchor="ctr"/>
+          <a:lstStyle/>
+          <a:p>
+            <a:pPr algn="ctr"/>
+            <a:r>
+              <a:rPr lang="en-US" sz="900" dirty="0" smtClean="0"/>
+              <a:t>New image indexes</a:t>
+            </a:r>
+            <a:endParaRPr lang="he-IL" sz="900" dirty="0"/>
           </a:p>
         </p:txBody>
       </p:sp>
     </p:spTree>
     <p:extLst>
       <p:ext uri="{BB962C8B-B14F-4D97-AF65-F5344CB8AC3E}">
-        <p14:creationId xmlns:p14="http://schemas.microsoft.com/office/powerpoint/2010/main" val="2848690065"/>
+        <p14:creationId xmlns:p14="http://schemas.microsoft.com/office/powerpoint/2010/main" val="3946454589"/>
+      </p:ext>
+    </p:extLst>
+  </p:cSld>
+  <p:clrMapOvr>
+    <a:masterClrMapping/>
+  </p:clrMapOvr>
+  <p:timing>
+    <p:tnLst>
+      <p:par>
+        <p:cTn id="1" dur="indefinite" restart="never" nodeType="tmRoot">
+          <p:childTnLst>
+            <p:seq concurrent="1" nextAc="seek">
+              <p:cTn id="2" dur="indefinite" nodeType="mainSeq">
+                <p:childTnLst>
+                  <p:par>
+                    <p:cTn id="3" fill="hold">
+                      <p:stCondLst>
+                        <p:cond delay="indefinite"/>
+                      </p:stCondLst>
+                      <p:childTnLst>
+                        <p:par>
+                          <p:cTn id="4" fill="hold">
+                            <p:stCondLst>
+                              <p:cond delay="0"/>
+                            </p:stCondLst>
+                            <p:childTnLst>
+                              <p:par>
+                                <p:cTn id="5" presetID="14" presetClass="entr" presetSubtype="10" fill="hold" grpId="0" nodeType="clickEffect">
+                                  <p:stCondLst>
+                                    <p:cond delay="0"/>
+                                  </p:stCondLst>
+                                  <p:childTnLst>
+                                    <p:set>
+                                      <p:cBhvr>
+                                        <p:cTn id="6" dur="1" fill="hold">
+                                          <p:stCondLst>
+                                            <p:cond delay="0"/>
+                                          </p:stCondLst>
+                                        </p:cTn>
+                                        <p:tgtEl>
+                                          <p:spTgt spid="11"/>
+                                        </p:tgtEl>
+                                        <p:attrNameLst>
+                                          <p:attrName>style.visibility</p:attrName>
+                                        </p:attrNameLst>
+                                      </p:cBhvr>
+                                      <p:to>
+                                        <p:strVal val="visible"/>
+                                      </p:to>
+                                    </p:set>
+                                    <p:animEffect transition="in" filter="randombar(horizontal)">
+                                      <p:cBhvr>
+                                        <p:cTn id="7" dur="500"/>
+                                        <p:tgtEl>
+                                          <p:spTgt spid="11"/>
+                                        </p:tgtEl>
+                                      </p:cBhvr>
+                                    </p:animEffect>
+                                  </p:childTnLst>
+                                </p:cTn>
+                              </p:par>
+                            </p:childTnLst>
+                          </p:cTn>
+                        </p:par>
+                      </p:childTnLst>
+                    </p:cTn>
+                  </p:par>
+                  <p:par>
+                    <p:cTn id="8" fill="hold">
+                      <p:stCondLst>
+                        <p:cond delay="indefinite"/>
+                      </p:stCondLst>
+                      <p:childTnLst>
+                        <p:par>
+                          <p:cTn id="9" fill="hold">
+                            <p:stCondLst>
+                              <p:cond delay="0"/>
+                            </p:stCondLst>
+                            <p:childTnLst>
+                              <p:par>
+                                <p:cTn id="10" presetID="14" presetClass="entr" presetSubtype="10" fill="hold" grpId="0" nodeType="clickEffect">
+                                  <p:stCondLst>
+                                    <p:cond delay="0"/>
+                                  </p:stCondLst>
+                                  <p:childTnLst>
+                                    <p:set>
+                                      <p:cBhvr>
+                                        <p:cTn id="11" dur="1" fill="hold">
+                                          <p:stCondLst>
+                                            <p:cond delay="0"/>
+                                          </p:stCondLst>
+                                        </p:cTn>
+                                        <p:tgtEl>
+                                          <p:spTgt spid="6"/>
+                                        </p:tgtEl>
+                                        <p:attrNameLst>
+                                          <p:attrName>style.visibility</p:attrName>
+                                        </p:attrNameLst>
+                                      </p:cBhvr>
+                                      <p:to>
+                                        <p:strVal val="visible"/>
+                                      </p:to>
+                                    </p:set>
+                                    <p:animEffect transition="in" filter="randombar(horizontal)">
+                                      <p:cBhvr>
+                                        <p:cTn id="12" dur="500"/>
+                                        <p:tgtEl>
+                                          <p:spTgt spid="6"/>
+                                        </p:tgtEl>
+                                      </p:cBhvr>
+                                    </p:animEffect>
+                                  </p:childTnLst>
+                                </p:cTn>
+                              </p:par>
+                              <p:par>
+                                <p:cTn id="13" presetID="14" presetClass="entr" presetSubtype="10" fill="hold" grpId="0" nodeType="withEffect">
+                                  <p:stCondLst>
+                                    <p:cond delay="0"/>
+                                  </p:stCondLst>
+                                  <p:childTnLst>
+                                    <p:set>
+                                      <p:cBhvr>
+                                        <p:cTn id="14" dur="1" fill="hold">
+                                          <p:stCondLst>
+                                            <p:cond delay="0"/>
+                                          </p:stCondLst>
+                                        </p:cTn>
+                                        <p:tgtEl>
+                                          <p:spTgt spid="5"/>
+                                        </p:tgtEl>
+                                        <p:attrNameLst>
+                                          <p:attrName>style.visibility</p:attrName>
+                                        </p:attrNameLst>
+                                      </p:cBhvr>
+                                      <p:to>
+                                        <p:strVal val="visible"/>
+                                      </p:to>
+                                    </p:set>
+                                    <p:animEffect transition="in" filter="randombar(horizontal)">
+                                      <p:cBhvr>
+                                        <p:cTn id="15" dur="500"/>
+                                        <p:tgtEl>
+                                          <p:spTgt spid="5"/>
+                                        </p:tgtEl>
+                                      </p:cBhvr>
+                                    </p:animEffect>
+                                  </p:childTnLst>
+                                </p:cTn>
+                              </p:par>
+                              <p:par>
+                                <p:cTn id="16" presetID="14" presetClass="entr" presetSubtype="10" fill="hold" nodeType="withEffect">
+                                  <p:stCondLst>
+                                    <p:cond delay="0"/>
+                                  </p:stCondLst>
+                                  <p:childTnLst>
+                                    <p:set>
+                                      <p:cBhvr>
+                                        <p:cTn id="17" dur="1" fill="hold">
+                                          <p:stCondLst>
+                                            <p:cond delay="0"/>
+                                          </p:stCondLst>
+                                        </p:cTn>
+                                        <p:tgtEl>
+                                          <p:spTgt spid="7"/>
+                                        </p:tgtEl>
+                                        <p:attrNameLst>
+                                          <p:attrName>style.visibility</p:attrName>
+                                        </p:attrNameLst>
+                                      </p:cBhvr>
+                                      <p:to>
+                                        <p:strVal val="visible"/>
+                                      </p:to>
+                                    </p:set>
+                                    <p:animEffect transition="in" filter="randombar(horizontal)">
+                                      <p:cBhvr>
+                                        <p:cTn id="18" dur="500"/>
+                                        <p:tgtEl>
+                                          <p:spTgt spid="7"/>
+                                        </p:tgtEl>
+                                      </p:cBhvr>
+                                    </p:animEffect>
+                                  </p:childTnLst>
+                                </p:cTn>
+                              </p:par>
+                            </p:childTnLst>
+                          </p:cTn>
+                        </p:par>
+                      </p:childTnLst>
+                    </p:cTn>
+                  </p:par>
+                  <p:par>
+                    <p:cTn id="19" fill="hold">
+                      <p:stCondLst>
+                        <p:cond delay="indefinite"/>
+                      </p:stCondLst>
+                      <p:childTnLst>
+                        <p:par>
+                          <p:cTn id="20" fill="hold">
+                            <p:stCondLst>
+                              <p:cond delay="0"/>
+                            </p:stCondLst>
+                            <p:childTnLst>
+                              <p:par>
+                                <p:cTn id="21" presetID="53" presetClass="entr" presetSubtype="16" fill="hold" grpId="0" nodeType="clickEffect">
+                                  <p:stCondLst>
+                                    <p:cond delay="0"/>
+                                  </p:stCondLst>
+                                  <p:childTnLst>
+                                    <p:set>
+                                      <p:cBhvr>
+                                        <p:cTn id="22" dur="1" fill="hold">
+                                          <p:stCondLst>
+                                            <p:cond delay="0"/>
+                                          </p:stCondLst>
+                                        </p:cTn>
+                                        <p:tgtEl>
+                                          <p:spTgt spid="15"/>
+                                        </p:tgtEl>
+                                        <p:attrNameLst>
+                                          <p:attrName>style.visibility</p:attrName>
+                                        </p:attrNameLst>
+                                      </p:cBhvr>
+                                      <p:to>
+                                        <p:strVal val="visible"/>
+                                      </p:to>
+                                    </p:set>
+                                    <p:anim calcmode="lin" valueType="num">
+                                      <p:cBhvr>
+                                        <p:cTn id="23" dur="500" fill="hold"/>
+                                        <p:tgtEl>
+                                          <p:spTgt spid="15"/>
+                                        </p:tgtEl>
+                                        <p:attrNameLst>
+                                          <p:attrName>ppt_w</p:attrName>
+                                        </p:attrNameLst>
+                                      </p:cBhvr>
+                                      <p:tavLst>
+                                        <p:tav tm="0">
+                                          <p:val>
+                                            <p:fltVal val="0"/>
+                                          </p:val>
+                                        </p:tav>
+                                        <p:tav tm="100000">
+                                          <p:val>
+                                            <p:strVal val="#ppt_w"/>
+                                          </p:val>
+                                        </p:tav>
+                                      </p:tavLst>
+                                    </p:anim>
+                                    <p:anim calcmode="lin" valueType="num">
+                                      <p:cBhvr>
+                                        <p:cTn id="24" dur="500" fill="hold"/>
+                                        <p:tgtEl>
+                                          <p:spTgt spid="15"/>
+                                        </p:tgtEl>
+                                        <p:attrNameLst>
+                                          <p:attrName>ppt_h</p:attrName>
+                                        </p:attrNameLst>
+                                      </p:cBhvr>
+                                      <p:tavLst>
+                                        <p:tav tm="0">
+                                          <p:val>
+                                            <p:fltVal val="0"/>
+                                          </p:val>
+                                        </p:tav>
+                                        <p:tav tm="100000">
+                                          <p:val>
+                                            <p:strVal val="#ppt_h"/>
+                                          </p:val>
+                                        </p:tav>
+                                      </p:tavLst>
+                                    </p:anim>
+                                    <p:animEffect transition="in" filter="fade">
+                                      <p:cBhvr>
+                                        <p:cTn id="25" dur="500"/>
+                                        <p:tgtEl>
+                                          <p:spTgt spid="15"/>
+                                        </p:tgtEl>
+                                      </p:cBhvr>
+                                    </p:animEffect>
+                                  </p:childTnLst>
+                                </p:cTn>
+                              </p:par>
+                            </p:childTnLst>
+                          </p:cTn>
+                        </p:par>
+                      </p:childTnLst>
+                    </p:cTn>
+                  </p:par>
+                </p:childTnLst>
+              </p:cTn>
+              <p:prevCondLst>
+                <p:cond evt="onPrev" delay="0">
+                  <p:tgtEl>
+                    <p:sldTgt/>
+                  </p:tgtEl>
+                </p:cond>
+              </p:prevCondLst>
+              <p:nextCondLst>
+                <p:cond evt="onNext" delay="0">
+                  <p:tgtEl>
+                    <p:sldTgt/>
+                  </p:tgtEl>
+                </p:cond>
+              </p:nextCondLst>
+            </p:seq>
+          </p:childTnLst>
+        </p:cTn>
+      </p:par>
+    </p:tnLst>
+    <p:bldLst>
+      <p:bldP spid="5" grpId="0" animBg="1"/>
+      <p:bldP spid="6" grpId="0" animBg="1"/>
+      <p:bldP spid="11" grpId="0" animBg="1"/>
+      <p:bldP spid="15" grpId="0" animBg="1"/>
+    </p:bldLst>
+  </p:timing>
+</p:sld>
+</file>
+
+<file path=ppt/slides/slide27.xml><?xml version="1.0" encoding="utf-8"?>
+<p:sld xmlns:a="http://schemas.openxmlformats.org/drawingml/2006/main" xmlns:r="http://schemas.openxmlformats.org/officeDocument/2006/relationships" xmlns:p="http://schemas.openxmlformats.org/presentationml/2006/main">
+  <p:cSld>
+    <p:spTree>
+      <p:nvGrpSpPr>
+        <p:cNvPr id="1" name=""/>
+        <p:cNvGrpSpPr/>
+        <p:nvPr/>
+      </p:nvGrpSpPr>
+      <p:grpSpPr>
+        <a:xfrm>
+          <a:off x="0" y="0"/>
+          <a:ext cx="0" cy="0"/>
+          <a:chOff x="0" y="0"/>
+          <a:chExt cx="0" cy="0"/>
+        </a:xfrm>
+      </p:grpSpPr>
+      <p:sp>
+        <p:nvSpPr>
+          <p:cNvPr id="3" name="Title 2"/>
+          <p:cNvSpPr>
+            <a:spLocks noGrp="1"/>
+          </p:cNvSpPr>
+          <p:nvPr>
+            <p:ph type="title"/>
+          </p:nvPr>
+        </p:nvSpPr>
+        <p:spPr/>
+        <p:txBody>
+          <a:bodyPr>
+            <a:normAutofit/>
+          </a:bodyPr>
+          <a:lstStyle/>
+          <a:p>
+            <a:pPr rtl="0"/>
+            <a:r>
+              <a:rPr lang="en-US" sz="3600" dirty="0" smtClean="0"/>
+              <a:t>Addr</a:t>
+            </a:r>
+            <a:r>
+              <a:rPr lang="en-US" sz="3600" dirty="0"/>
+              <a:t>. Calc</a:t>
+            </a:r>
+            <a:r>
+              <a:rPr lang="en-US" sz="3600" dirty="0" smtClean="0"/>
+              <a:t>. – Testing – Test Bench</a:t>
+            </a:r>
+            <a:endParaRPr lang="he-IL" sz="3600" dirty="0"/>
+          </a:p>
+        </p:txBody>
+      </p:sp>
+      <p:sp>
+        <p:nvSpPr>
+          <p:cNvPr id="4" name="Rectangle 3"/>
+          <p:cNvSpPr/>
+          <p:nvPr/>
+        </p:nvSpPr>
+        <p:spPr>
+          <a:xfrm>
+            <a:off x="395536" y="2034426"/>
+            <a:ext cx="1656184" cy="3122766"/>
+          </a:xfrm>
+          <a:prstGeom prst="rect">
+            <a:avLst/>
+          </a:prstGeom>
+        </p:spPr>
+        <p:style>
+          <a:lnRef idx="1">
+            <a:schemeClr val="dk1"/>
+          </a:lnRef>
+          <a:fillRef idx="2">
+            <a:schemeClr val="dk1"/>
+          </a:fillRef>
+          <a:effectRef idx="1">
+            <a:schemeClr val="dk1"/>
+          </a:effectRef>
+          <a:fontRef idx="minor">
+            <a:schemeClr val="dk1"/>
+          </a:fontRef>
+        </p:style>
+        <p:txBody>
+          <a:bodyPr rtlCol="1" anchor="ctr"/>
+          <a:lstStyle/>
+          <a:p>
+            <a:pPr algn="ctr"/>
+            <a:r>
+              <a:rPr lang="en-US" dirty="0" smtClean="0"/>
+              <a:t>Addr_calc_tb</a:t>
+            </a:r>
+            <a:endParaRPr lang="he-IL" dirty="0"/>
+          </a:p>
+        </p:txBody>
+      </p:sp>
+      <p:sp>
+        <p:nvSpPr>
+          <p:cNvPr id="6" name="Rectangle 5"/>
+          <p:cNvSpPr/>
+          <p:nvPr/>
+        </p:nvSpPr>
+        <p:spPr>
+          <a:xfrm>
+            <a:off x="6562775" y="2050053"/>
+            <a:ext cx="1944216" cy="3122766"/>
+          </a:xfrm>
+          <a:prstGeom prst="rect">
+            <a:avLst/>
+          </a:prstGeom>
+          <a:noFill/>
+        </p:spPr>
+        <p:style>
+          <a:lnRef idx="1">
+            <a:schemeClr val="dk1"/>
+          </a:lnRef>
+          <a:fillRef idx="2">
+            <a:schemeClr val="dk1"/>
+          </a:fillRef>
+          <a:effectRef idx="1">
+            <a:schemeClr val="dk1"/>
+          </a:effectRef>
+          <a:fontRef idx="minor">
+            <a:schemeClr val="dk1"/>
+          </a:fontRef>
+        </p:style>
+        <p:txBody>
+          <a:bodyPr rtlCol="1" anchor="ctr"/>
+          <a:lstStyle/>
+          <a:p>
+            <a:pPr algn="ctr"/>
+            <a:endParaRPr lang="he-IL" dirty="0"/>
+          </a:p>
+        </p:txBody>
+      </p:sp>
+      <p:pic>
+        <p:nvPicPr>
+          <p:cNvPr id="7171" name="Picture 3"/>
+          <p:cNvPicPr>
+            <a:picLocks noChangeAspect="1" noChangeArrowheads="1"/>
+          </p:cNvPicPr>
+          <p:nvPr/>
+        </p:nvPicPr>
+        <p:blipFill>
+          <a:blip r:embed="rId2">
+            <a:extLst>
+              <a:ext uri="{28A0092B-C50C-407E-A947-70E740481C1C}">
+                <a14:useLocalDpi xmlns:a14="http://schemas.microsoft.com/office/drawing/2010/main" val="0"/>
+              </a:ext>
+            </a:extLst>
+          </a:blip>
+          <a:srcRect/>
+          <a:stretch>
+            <a:fillRect/>
+          </a:stretch>
+        </p:blipFill>
+        <p:spPr bwMode="auto">
+          <a:xfrm>
+            <a:off x="2060898" y="2034426"/>
+            <a:ext cx="1524000" cy="2971800"/>
+          </a:xfrm>
+          <a:prstGeom prst="rect">
+            <a:avLst/>
+          </a:prstGeom>
+          <a:noFill/>
+          <a:ln>
+            <a:noFill/>
+          </a:ln>
+          <a:effectLst/>
+          <a:extLst>
+            <a:ext uri="{909E8E84-426E-40DD-AFC4-6F175D3DCCD1}">
+              <a14:hiddenFill xmlns:a14="http://schemas.microsoft.com/office/drawing/2010/main">
+                <a:solidFill>
+                  <a:schemeClr val="accent1"/>
+                </a:solidFill>
+              </a14:hiddenFill>
+            </a:ext>
+            <a:ext uri="{91240B29-F687-4F45-9708-019B960494DF}">
+              <a14:hiddenLine xmlns:a14="http://schemas.microsoft.com/office/drawing/2010/main" w="9525">
+                <a:solidFill>
+                  <a:schemeClr val="tx1"/>
+                </a:solidFill>
+                <a:miter lim="800000"/>
+                <a:headEnd/>
+                <a:tailEnd/>
+              </a14:hiddenLine>
+            </a:ext>
+            <a:ext uri="{AF507438-7753-43E0-B8FC-AC1667EBCBE1}">
+              <a14:hiddenEffects xmlns:a14="http://schemas.microsoft.com/office/drawing/2010/main">
+                <a:effectLst>
+                  <a:outerShdw dist="35921" dir="2700000" algn="ctr" rotWithShape="0">
+                    <a:schemeClr val="bg2"/>
+                  </a:outerShdw>
+                </a:effectLst>
+              </a14:hiddenEffects>
+            </a:ext>
+          </a:extLst>
+        </p:spPr>
+      </p:pic>
+      <p:sp>
+        <p:nvSpPr>
+          <p:cNvPr id="13" name="Rectangle 12"/>
+          <p:cNvSpPr/>
+          <p:nvPr/>
+        </p:nvSpPr>
+        <p:spPr>
+          <a:xfrm>
+            <a:off x="3649291" y="2050053"/>
+            <a:ext cx="1656184" cy="3122766"/>
+          </a:xfrm>
+          <a:prstGeom prst="rect">
+            <a:avLst/>
+          </a:prstGeom>
+        </p:spPr>
+        <p:style>
+          <a:lnRef idx="1">
+            <a:schemeClr val="accent6"/>
+          </a:lnRef>
+          <a:fillRef idx="3">
+            <a:schemeClr val="accent6"/>
+          </a:fillRef>
+          <a:effectRef idx="2">
+            <a:schemeClr val="accent6"/>
+          </a:effectRef>
+          <a:fontRef idx="minor">
+            <a:schemeClr val="lt1"/>
+          </a:fontRef>
+        </p:style>
+        <p:txBody>
+          <a:bodyPr rtlCol="1" anchor="ctr"/>
+          <a:lstStyle/>
+          <a:p>
+            <a:pPr algn="ctr"/>
+            <a:r>
+              <a:rPr lang="en-US" dirty="0" smtClean="0"/>
+              <a:t>Addr_calc</a:t>
+            </a:r>
+            <a:endParaRPr lang="he-IL" dirty="0"/>
+          </a:p>
+        </p:txBody>
+      </p:sp>
+      <p:pic>
+        <p:nvPicPr>
+          <p:cNvPr id="7172" name="Picture 4"/>
+          <p:cNvPicPr>
+            <a:picLocks noChangeAspect="1" noChangeArrowheads="1"/>
+          </p:cNvPicPr>
+          <p:nvPr/>
+        </p:nvPicPr>
+        <p:blipFill>
+          <a:blip r:embed="rId3">
+            <a:extLst>
+              <a:ext uri="{28A0092B-C50C-407E-A947-70E740481C1C}">
+                <a14:useLocalDpi xmlns:a14="http://schemas.microsoft.com/office/drawing/2010/main" val="0"/>
+              </a:ext>
+            </a:extLst>
+          </a:blip>
+          <a:srcRect/>
+          <a:stretch>
+            <a:fillRect/>
+          </a:stretch>
+        </p:blipFill>
+        <p:spPr bwMode="auto">
+          <a:xfrm>
+            <a:off x="5305475" y="2276872"/>
+            <a:ext cx="1257300" cy="2200275"/>
+          </a:xfrm>
+          <a:prstGeom prst="rect">
+            <a:avLst/>
+          </a:prstGeom>
+          <a:noFill/>
+          <a:ln>
+            <a:noFill/>
+          </a:ln>
+          <a:effectLst/>
+          <a:extLst>
+            <a:ext uri="{909E8E84-426E-40DD-AFC4-6F175D3DCCD1}">
+              <a14:hiddenFill xmlns:a14="http://schemas.microsoft.com/office/drawing/2010/main">
+                <a:solidFill>
+                  <a:schemeClr val="accent1"/>
+                </a:solidFill>
+              </a14:hiddenFill>
+            </a:ext>
+            <a:ext uri="{91240B29-F687-4F45-9708-019B960494DF}">
+              <a14:hiddenLine xmlns:a14="http://schemas.microsoft.com/office/drawing/2010/main" w="9525">
+                <a:solidFill>
+                  <a:schemeClr val="tx1"/>
+                </a:solidFill>
+                <a:miter lim="800000"/>
+                <a:headEnd/>
+                <a:tailEnd/>
+              </a14:hiddenLine>
+            </a:ext>
+            <a:ext uri="{AF507438-7753-43E0-B8FC-AC1667EBCBE1}">
+              <a14:hiddenEffects xmlns:a14="http://schemas.microsoft.com/office/drawing/2010/main">
+                <a:effectLst>
+                  <a:outerShdw dist="35921" dir="2700000" algn="ctr" rotWithShape="0">
+                    <a:schemeClr val="bg2"/>
+                  </a:outerShdw>
+                </a:effectLst>
+              </a14:hiddenEffects>
+            </a:ext>
+          </a:extLst>
+        </p:spPr>
+      </p:pic>
+      <p:sp>
+        <p:nvSpPr>
+          <p:cNvPr id="19" name="TextBox 18"/>
+          <p:cNvSpPr txBox="1"/>
+          <p:nvPr/>
+        </p:nvSpPr>
+        <p:spPr>
+          <a:xfrm>
+            <a:off x="6660232" y="2092206"/>
+            <a:ext cx="1584176" cy="307777"/>
+          </a:xfrm>
+          <a:prstGeom prst="rect">
+            <a:avLst/>
+          </a:prstGeom>
+          <a:solidFill>
+            <a:srgbClr val="92D050"/>
+          </a:solidFill>
+        </p:spPr>
+        <p:txBody>
+          <a:bodyPr wrap="square" rtlCol="1">
+            <a:spAutoFit/>
+          </a:bodyPr>
+          <a:lstStyle/>
+          <a:p>
+            <a:r>
+              <a:rPr lang="en-US" sz="1400" dirty="0" smtClean="0">
+                <a:solidFill>
+                  <a:srgbClr val="000000"/>
+                </a:solidFill>
+              </a:rPr>
+              <a:t>Output 1,1</a:t>
+            </a:r>
+            <a:endParaRPr lang="he-IL" sz="1400" dirty="0">
+              <a:solidFill>
+                <a:srgbClr val="000000"/>
+              </a:solidFill>
+            </a:endParaRPr>
+          </a:p>
+        </p:txBody>
+      </p:sp>
+      <p:sp>
+        <p:nvSpPr>
+          <p:cNvPr id="20" name="TextBox 19"/>
+          <p:cNvSpPr txBox="1"/>
+          <p:nvPr/>
+        </p:nvSpPr>
+        <p:spPr>
+          <a:xfrm>
+            <a:off x="6516216" y="1628800"/>
+            <a:ext cx="1656184" cy="369332"/>
+          </a:xfrm>
+          <a:prstGeom prst="rect">
+            <a:avLst/>
+          </a:prstGeom>
+          <a:noFill/>
+        </p:spPr>
+        <p:txBody>
+          <a:bodyPr wrap="square" rtlCol="1">
+            <a:spAutoFit/>
+          </a:bodyPr>
+          <a:lstStyle/>
+          <a:p>
+            <a:r>
+              <a:rPr lang="en-US" dirty="0" smtClean="0"/>
+              <a:t>Output.txt</a:t>
+            </a:r>
+            <a:endParaRPr lang="he-IL" dirty="0"/>
+          </a:p>
+        </p:txBody>
+      </p:sp>
+      <p:sp>
+        <p:nvSpPr>
+          <p:cNvPr id="16" name="Oval 15"/>
+          <p:cNvSpPr/>
+          <p:nvPr/>
+        </p:nvSpPr>
+        <p:spPr>
+          <a:xfrm>
+            <a:off x="2159732" y="2417279"/>
+            <a:ext cx="360040" cy="360040"/>
+          </a:xfrm>
+          <a:prstGeom prst="ellipse">
+            <a:avLst/>
+          </a:prstGeom>
+          <a:solidFill>
+            <a:srgbClr val="92D050"/>
+          </a:solidFill>
+        </p:spPr>
+        <p:style>
+          <a:lnRef idx="1">
+            <a:schemeClr val="accent3"/>
+          </a:lnRef>
+          <a:fillRef idx="3">
+            <a:schemeClr val="accent3"/>
+          </a:fillRef>
+          <a:effectRef idx="2">
+            <a:schemeClr val="accent3"/>
+          </a:effectRef>
+          <a:fontRef idx="minor">
+            <a:schemeClr val="lt1"/>
+          </a:fontRef>
+        </p:style>
+        <p:txBody>
+          <a:bodyPr rtlCol="1" anchor="ctr"/>
+          <a:lstStyle/>
+          <a:p>
+            <a:pPr algn="ctr"/>
+            <a:r>
+              <a:rPr lang="en-US" dirty="0" smtClean="0"/>
+              <a:t>1</a:t>
+            </a:r>
+            <a:endParaRPr lang="he-IL" dirty="0"/>
+          </a:p>
+        </p:txBody>
+      </p:sp>
+      <p:sp>
+        <p:nvSpPr>
+          <p:cNvPr id="24" name="Oval 23"/>
+          <p:cNvSpPr/>
+          <p:nvPr/>
+        </p:nvSpPr>
+        <p:spPr>
+          <a:xfrm>
+            <a:off x="2175384" y="3717032"/>
+            <a:ext cx="360040" cy="360040"/>
+          </a:xfrm>
+          <a:prstGeom prst="ellipse">
+            <a:avLst/>
+          </a:prstGeom>
+          <a:solidFill>
+            <a:srgbClr val="92D050"/>
+          </a:solidFill>
+        </p:spPr>
+        <p:style>
+          <a:lnRef idx="1">
+            <a:schemeClr val="accent3"/>
+          </a:lnRef>
+          <a:fillRef idx="3">
+            <a:schemeClr val="accent3"/>
+          </a:fillRef>
+          <a:effectRef idx="2">
+            <a:schemeClr val="accent3"/>
+          </a:effectRef>
+          <a:fontRef idx="minor">
+            <a:schemeClr val="lt1"/>
+          </a:fontRef>
+        </p:style>
+        <p:txBody>
+          <a:bodyPr rtlCol="1" anchor="ctr"/>
+          <a:lstStyle/>
+          <a:p>
+            <a:pPr algn="ctr"/>
+            <a:r>
+              <a:rPr lang="en-US" dirty="0" smtClean="0"/>
+              <a:t>1</a:t>
+            </a:r>
+            <a:endParaRPr lang="he-IL" dirty="0"/>
+          </a:p>
+        </p:txBody>
+      </p:sp>
+      <p:sp>
+        <p:nvSpPr>
+          <p:cNvPr id="25" name="Oval 24"/>
+          <p:cNvSpPr/>
+          <p:nvPr/>
+        </p:nvSpPr>
+        <p:spPr>
+          <a:xfrm>
+            <a:off x="2572569" y="3717032"/>
+            <a:ext cx="360040" cy="360040"/>
+          </a:xfrm>
+          <a:prstGeom prst="ellipse">
+            <a:avLst/>
+          </a:prstGeom>
+          <a:solidFill>
+            <a:srgbClr val="92D050"/>
+          </a:solidFill>
+        </p:spPr>
+        <p:style>
+          <a:lnRef idx="1">
+            <a:schemeClr val="accent3"/>
+          </a:lnRef>
+          <a:fillRef idx="3">
+            <a:schemeClr val="accent3"/>
+          </a:fillRef>
+          <a:effectRef idx="2">
+            <a:schemeClr val="accent3"/>
+          </a:effectRef>
+          <a:fontRef idx="minor">
+            <a:schemeClr val="lt1"/>
+          </a:fontRef>
+        </p:style>
+        <p:txBody>
+          <a:bodyPr rtlCol="1" anchor="ctr"/>
+          <a:lstStyle/>
+          <a:p>
+            <a:pPr algn="ctr"/>
+            <a:r>
+              <a:rPr lang="en-US" dirty="0"/>
+              <a:t>2</a:t>
+            </a:r>
+            <a:endParaRPr lang="he-IL" dirty="0"/>
+          </a:p>
+        </p:txBody>
+      </p:sp>
+      <p:sp>
+        <p:nvSpPr>
+          <p:cNvPr id="26" name="Oval 25"/>
+          <p:cNvSpPr/>
+          <p:nvPr/>
+        </p:nvSpPr>
+        <p:spPr>
+          <a:xfrm>
+            <a:off x="2932609" y="3722551"/>
+            <a:ext cx="360040" cy="360040"/>
+          </a:xfrm>
+          <a:prstGeom prst="ellipse">
+            <a:avLst/>
+          </a:prstGeom>
+          <a:solidFill>
+            <a:srgbClr val="92D050"/>
+          </a:solidFill>
+        </p:spPr>
+        <p:style>
+          <a:lnRef idx="1">
+            <a:schemeClr val="accent3"/>
+          </a:lnRef>
+          <a:fillRef idx="3">
+            <a:schemeClr val="accent3"/>
+          </a:fillRef>
+          <a:effectRef idx="2">
+            <a:schemeClr val="accent3"/>
+          </a:effectRef>
+          <a:fontRef idx="minor">
+            <a:schemeClr val="lt1"/>
+          </a:fontRef>
+        </p:style>
+        <p:txBody>
+          <a:bodyPr rtlCol="1" anchor="ctr"/>
+          <a:lstStyle/>
+          <a:p>
+            <a:pPr algn="ctr"/>
+            <a:r>
+              <a:rPr lang="en-US" dirty="0" smtClean="0"/>
+              <a:t>3</a:t>
+            </a:r>
+            <a:endParaRPr lang="he-IL" dirty="0"/>
+          </a:p>
+        </p:txBody>
+      </p:sp>
+      <p:sp>
+        <p:nvSpPr>
+          <p:cNvPr id="27" name="TextBox 26"/>
+          <p:cNvSpPr txBox="1"/>
+          <p:nvPr/>
+        </p:nvSpPr>
+        <p:spPr>
+          <a:xfrm>
+            <a:off x="6660232" y="2339588"/>
+            <a:ext cx="1584176" cy="307777"/>
+          </a:xfrm>
+          <a:prstGeom prst="rect">
+            <a:avLst/>
+          </a:prstGeom>
+          <a:solidFill>
+            <a:srgbClr val="92D050"/>
+          </a:solidFill>
+        </p:spPr>
+        <p:txBody>
+          <a:bodyPr wrap="square" rtlCol="1">
+            <a:spAutoFit/>
+          </a:bodyPr>
+          <a:lstStyle/>
+          <a:p>
+            <a:r>
+              <a:rPr lang="en-US" sz="1400" dirty="0" smtClean="0"/>
+              <a:t>Output 1,2</a:t>
+            </a:r>
+            <a:endParaRPr lang="he-IL" sz="1400" dirty="0"/>
+          </a:p>
+        </p:txBody>
+      </p:sp>
+      <p:sp>
+        <p:nvSpPr>
+          <p:cNvPr id="28" name="TextBox 27"/>
+          <p:cNvSpPr txBox="1"/>
+          <p:nvPr/>
+        </p:nvSpPr>
+        <p:spPr>
+          <a:xfrm>
+            <a:off x="6660232" y="2564904"/>
+            <a:ext cx="1584176" cy="307777"/>
+          </a:xfrm>
+          <a:prstGeom prst="rect">
+            <a:avLst/>
+          </a:prstGeom>
+          <a:solidFill>
+            <a:srgbClr val="92D050"/>
+          </a:solidFill>
+        </p:spPr>
+        <p:txBody>
+          <a:bodyPr wrap="square" rtlCol="1">
+            <a:spAutoFit/>
+          </a:bodyPr>
+          <a:lstStyle/>
+          <a:p>
+            <a:r>
+              <a:rPr lang="en-US" sz="1400" dirty="0" smtClean="0"/>
+              <a:t>Output 1,3</a:t>
+            </a:r>
+            <a:endParaRPr lang="he-IL" sz="1400" dirty="0"/>
+          </a:p>
+        </p:txBody>
+      </p:sp>
+      <p:sp>
+        <p:nvSpPr>
+          <p:cNvPr id="29" name="TextBox 28"/>
+          <p:cNvSpPr txBox="1"/>
+          <p:nvPr/>
+        </p:nvSpPr>
+        <p:spPr>
+          <a:xfrm>
+            <a:off x="6660232" y="4442631"/>
+            <a:ext cx="1800200" cy="307777"/>
+          </a:xfrm>
+          <a:prstGeom prst="rect">
+            <a:avLst/>
+          </a:prstGeom>
+          <a:solidFill>
+            <a:srgbClr val="92D050"/>
+          </a:solidFill>
+        </p:spPr>
+        <p:txBody>
+          <a:bodyPr wrap="square" rtlCol="1">
+            <a:spAutoFit/>
+          </a:bodyPr>
+          <a:lstStyle/>
+          <a:p>
+            <a:r>
+              <a:rPr lang="en-US" sz="1400" dirty="0" smtClean="0"/>
+              <a:t>Output 600,800</a:t>
+            </a:r>
+            <a:endParaRPr lang="he-IL" sz="1400" dirty="0"/>
+          </a:p>
+        </p:txBody>
+      </p:sp>
+      <p:sp>
+        <p:nvSpPr>
+          <p:cNvPr id="30" name="Oval 29"/>
+          <p:cNvSpPr/>
+          <p:nvPr/>
+        </p:nvSpPr>
+        <p:spPr>
+          <a:xfrm>
+            <a:off x="2418520" y="2416959"/>
+            <a:ext cx="625152" cy="360040"/>
+          </a:xfrm>
+          <a:prstGeom prst="ellipse">
+            <a:avLst/>
+          </a:prstGeom>
+          <a:solidFill>
+            <a:srgbClr val="92D050"/>
+          </a:solidFill>
+        </p:spPr>
+        <p:style>
+          <a:lnRef idx="1">
+            <a:schemeClr val="accent3"/>
+          </a:lnRef>
+          <a:fillRef idx="3">
+            <a:schemeClr val="accent3"/>
+          </a:fillRef>
+          <a:effectRef idx="2">
+            <a:schemeClr val="accent3"/>
+          </a:effectRef>
+          <a:fontRef idx="minor">
+            <a:schemeClr val="lt1"/>
+          </a:fontRef>
+        </p:style>
+        <p:txBody>
+          <a:bodyPr rtlCol="1" anchor="ctr"/>
+          <a:lstStyle/>
+          <a:p>
+            <a:pPr algn="ctr"/>
+            <a:r>
+              <a:rPr lang="en-US" sz="1000" dirty="0" smtClean="0"/>
+              <a:t>600</a:t>
+            </a:r>
+            <a:endParaRPr lang="he-IL" sz="600" dirty="0"/>
+          </a:p>
+        </p:txBody>
+      </p:sp>
+      <p:sp>
+        <p:nvSpPr>
+          <p:cNvPr id="31" name="Oval 30"/>
+          <p:cNvSpPr/>
+          <p:nvPr/>
+        </p:nvSpPr>
+        <p:spPr>
+          <a:xfrm>
+            <a:off x="2418520" y="4082591"/>
+            <a:ext cx="625152" cy="360040"/>
+          </a:xfrm>
+          <a:prstGeom prst="ellipse">
+            <a:avLst/>
+          </a:prstGeom>
+          <a:solidFill>
+            <a:srgbClr val="92D050"/>
+          </a:solidFill>
+        </p:spPr>
+        <p:style>
+          <a:lnRef idx="1">
+            <a:schemeClr val="accent3"/>
+          </a:lnRef>
+          <a:fillRef idx="3">
+            <a:schemeClr val="accent3"/>
+          </a:fillRef>
+          <a:effectRef idx="2">
+            <a:schemeClr val="accent3"/>
+          </a:effectRef>
+          <a:fontRef idx="minor">
+            <a:schemeClr val="lt1"/>
+          </a:fontRef>
+        </p:style>
+        <p:txBody>
+          <a:bodyPr rtlCol="1" anchor="ctr"/>
+          <a:lstStyle/>
+          <a:p>
+            <a:pPr algn="ctr"/>
+            <a:r>
+              <a:rPr lang="en-US" sz="1000" dirty="0" smtClean="0"/>
+              <a:t>800</a:t>
+            </a:r>
+            <a:endParaRPr lang="he-IL" sz="600" dirty="0"/>
+          </a:p>
+        </p:txBody>
+      </p:sp>
+      <p:sp>
+        <p:nvSpPr>
+          <p:cNvPr id="17" name="TextBox 16"/>
+          <p:cNvSpPr txBox="1"/>
+          <p:nvPr/>
+        </p:nvSpPr>
+        <p:spPr>
+          <a:xfrm>
+            <a:off x="6881936" y="2872681"/>
+            <a:ext cx="576064" cy="1569660"/>
+          </a:xfrm>
+          <a:prstGeom prst="rect">
+            <a:avLst/>
+          </a:prstGeom>
+          <a:solidFill>
+            <a:srgbClr val="92D050"/>
+          </a:solidFill>
+        </p:spPr>
+        <p:txBody>
+          <a:bodyPr wrap="square" rtlCol="1">
+            <a:spAutoFit/>
+          </a:bodyPr>
+          <a:lstStyle/>
+          <a:p>
+            <a:r>
+              <a:rPr lang="en-US" sz="2400" dirty="0" smtClean="0"/>
+              <a:t>.</a:t>
+            </a:r>
+          </a:p>
+          <a:p>
+            <a:r>
+              <a:rPr lang="en-US" sz="2400" dirty="0" smtClean="0"/>
+              <a:t>.</a:t>
+            </a:r>
+          </a:p>
+          <a:p>
+            <a:r>
+              <a:rPr lang="en-US" sz="2400" dirty="0" smtClean="0"/>
+              <a:t>.</a:t>
+            </a:r>
+          </a:p>
+          <a:p>
+            <a:r>
+              <a:rPr lang="en-US" sz="2400" dirty="0"/>
+              <a:t>.</a:t>
+            </a:r>
+            <a:endParaRPr lang="he-IL" sz="2400" dirty="0"/>
+          </a:p>
+        </p:txBody>
+      </p:sp>
+      <p:pic>
+        <p:nvPicPr>
+          <p:cNvPr id="7173" name="Picture 5"/>
+          <p:cNvPicPr>
+            <a:picLocks noChangeAspect="1" noChangeArrowheads="1"/>
+          </p:cNvPicPr>
+          <p:nvPr/>
+        </p:nvPicPr>
+        <p:blipFill>
+          <a:blip r:embed="rId4">
+            <a:extLst>
+              <a:ext uri="{28A0092B-C50C-407E-A947-70E740481C1C}">
+                <a14:useLocalDpi xmlns:a14="http://schemas.microsoft.com/office/drawing/2010/main" val="0"/>
+              </a:ext>
+            </a:extLst>
+          </a:blip>
+          <a:srcRect/>
+          <a:stretch>
+            <a:fillRect/>
+          </a:stretch>
+        </p:blipFill>
+        <p:spPr bwMode="auto">
+          <a:xfrm>
+            <a:off x="5271914" y="1911499"/>
+            <a:ext cx="3581400" cy="2543175"/>
+          </a:xfrm>
+          <a:prstGeom prst="rect">
+            <a:avLst/>
+          </a:prstGeom>
+          <a:ln>
+            <a:noFill/>
+          </a:ln>
+          <a:effectLst>
+            <a:reflection blurRad="12700" stA="30000" endPos="30000" dist="5000" dir="5400000" sy="-100000" algn="bl" rotWithShape="0"/>
+          </a:effectLst>
+          <a:scene3d>
+            <a:camera prst="perspectiveContrastingLeftFacing">
+              <a:rot lat="300000" lon="19800000" rev="0"/>
+            </a:camera>
+            <a:lightRig rig="threePt" dir="t">
+              <a:rot lat="0" lon="0" rev="2700000"/>
+            </a:lightRig>
+          </a:scene3d>
+          <a:sp3d>
+            <a:bevelT w="63500" h="50800"/>
+          </a:sp3d>
+          <a:extLst>
+            <a:ext uri="{909E8E84-426E-40DD-AFC4-6F175D3DCCD1}">
+              <a14:hiddenFill xmlns:a14="http://schemas.microsoft.com/office/drawing/2010/main">
+                <a:solidFill>
+                  <a:schemeClr val="accent1"/>
+                </a:solidFill>
+              </a14:hiddenFill>
+            </a:ext>
+            <a:ext uri="{91240B29-F687-4F45-9708-019B960494DF}">
+              <a14:hiddenLine xmlns:a14="http://schemas.microsoft.com/office/drawing/2010/main" w="9525">
+                <a:solidFill>
+                  <a:schemeClr val="tx1"/>
+                </a:solidFill>
+                <a:miter lim="800000"/>
+                <a:headEnd/>
+                <a:tailEnd/>
+              </a14:hiddenLine>
+            </a:ext>
+            <a:ext uri="{AF507438-7753-43E0-B8FC-AC1667EBCBE1}">
+              <a14:hiddenEffects xmlns:a14="http://schemas.microsoft.com/office/drawing/2010/main">
+                <a:effectLst>
+                  <a:outerShdw dist="35921" dir="2700000" algn="ctr" rotWithShape="0">
+                    <a:schemeClr val="bg2"/>
+                  </a:outerShdw>
+                </a:effectLst>
+              </a14:hiddenEffects>
+            </a:ext>
+          </a:extLst>
+        </p:spPr>
+      </p:pic>
+    </p:spTree>
+    <p:extLst>
+      <p:ext uri="{BB962C8B-B14F-4D97-AF65-F5344CB8AC3E}">
+        <p14:creationId xmlns:p14="http://schemas.microsoft.com/office/powerpoint/2010/main" val="1621142351"/>
+      </p:ext>
+    </p:extLst>
+  </p:cSld>
+  <p:clrMapOvr>
+    <a:masterClrMapping/>
+  </p:clrMapOvr>
+  <p:timing>
+    <p:tnLst>
+      <p:par>
+        <p:cTn id="1" dur="indefinite" restart="never" nodeType="tmRoot">
+          <p:childTnLst>
+            <p:seq concurrent="1" nextAc="seek">
+              <p:cTn id="2" dur="indefinite" nodeType="mainSeq">
+                <p:childTnLst>
+                  <p:par>
+                    <p:cTn id="3" fill="hold">
+                      <p:stCondLst>
+                        <p:cond delay="indefinite"/>
+                        <p:cond evt="onBegin" delay="0">
+                          <p:tn val="2"/>
+                        </p:cond>
+                      </p:stCondLst>
+                      <p:childTnLst>
+                        <p:par>
+                          <p:cTn id="4" fill="hold">
+                            <p:stCondLst>
+                              <p:cond delay="0"/>
+                            </p:stCondLst>
+                            <p:childTnLst>
+                              <p:par>
+                                <p:cTn id="5" presetID="1" presetClass="exit" presetSubtype="0" fill="hold" grpId="0" nodeType="afterEffect">
+                                  <p:stCondLst>
+                                    <p:cond delay="0"/>
+                                  </p:stCondLst>
+                                  <p:childTnLst>
+                                    <p:set>
+                                      <p:cBhvr>
+                                        <p:cTn id="6" dur="1" fill="hold">
+                                          <p:stCondLst>
+                                            <p:cond delay="0"/>
+                                          </p:stCondLst>
+                                        </p:cTn>
+                                        <p:tgtEl>
+                                          <p:spTgt spid="17"/>
+                                        </p:tgtEl>
+                                        <p:attrNameLst>
+                                          <p:attrName>style.visibility</p:attrName>
+                                        </p:attrNameLst>
+                                      </p:cBhvr>
+                                      <p:to>
+                                        <p:strVal val="hidden"/>
+                                      </p:to>
+                                    </p:set>
+                                  </p:childTnLst>
+                                </p:cTn>
+                              </p:par>
+                            </p:childTnLst>
+                          </p:cTn>
+                        </p:par>
+                        <p:par>
+                          <p:cTn id="7" fill="hold">
+                            <p:stCondLst>
+                              <p:cond delay="0"/>
+                            </p:stCondLst>
+                            <p:childTnLst>
+                              <p:par>
+                                <p:cTn id="8" presetID="1" presetClass="exit" presetSubtype="0" fill="hold" grpId="0" nodeType="afterEffect">
+                                  <p:stCondLst>
+                                    <p:cond delay="0"/>
+                                  </p:stCondLst>
+                                  <p:childTnLst>
+                                    <p:set>
+                                      <p:cBhvr>
+                                        <p:cTn id="9" dur="1" fill="hold">
+                                          <p:stCondLst>
+                                            <p:cond delay="0"/>
+                                          </p:stCondLst>
+                                        </p:cTn>
+                                        <p:tgtEl>
+                                          <p:spTgt spid="16"/>
+                                        </p:tgtEl>
+                                        <p:attrNameLst>
+                                          <p:attrName>style.visibility</p:attrName>
+                                        </p:attrNameLst>
+                                      </p:cBhvr>
+                                      <p:to>
+                                        <p:strVal val="hidden"/>
+                                      </p:to>
+                                    </p:set>
+                                  </p:childTnLst>
+                                </p:cTn>
+                              </p:par>
+                            </p:childTnLst>
+                          </p:cTn>
+                        </p:par>
+                        <p:par>
+                          <p:cTn id="10" fill="hold">
+                            <p:stCondLst>
+                              <p:cond delay="0"/>
+                            </p:stCondLst>
+                            <p:childTnLst>
+                              <p:par>
+                                <p:cTn id="11" presetID="1" presetClass="exit" presetSubtype="0" fill="hold" grpId="0" nodeType="afterEffect">
+                                  <p:stCondLst>
+                                    <p:cond delay="0"/>
+                                  </p:stCondLst>
+                                  <p:childTnLst>
+                                    <p:set>
+                                      <p:cBhvr>
+                                        <p:cTn id="12" dur="1" fill="hold">
+                                          <p:stCondLst>
+                                            <p:cond delay="0"/>
+                                          </p:stCondLst>
+                                        </p:cTn>
+                                        <p:tgtEl>
+                                          <p:spTgt spid="24"/>
+                                        </p:tgtEl>
+                                        <p:attrNameLst>
+                                          <p:attrName>style.visibility</p:attrName>
+                                        </p:attrNameLst>
+                                      </p:cBhvr>
+                                      <p:to>
+                                        <p:strVal val="hidden"/>
+                                      </p:to>
+                                    </p:set>
+                                  </p:childTnLst>
+                                </p:cTn>
+                              </p:par>
+                            </p:childTnLst>
+                          </p:cTn>
+                        </p:par>
+                        <p:par>
+                          <p:cTn id="13" fill="hold">
+                            <p:stCondLst>
+                              <p:cond delay="0"/>
+                            </p:stCondLst>
+                            <p:childTnLst>
+                              <p:par>
+                                <p:cTn id="14" presetID="1" presetClass="exit" presetSubtype="0" fill="hold" grpId="0" nodeType="afterEffect">
+                                  <p:stCondLst>
+                                    <p:cond delay="0"/>
+                                  </p:stCondLst>
+                                  <p:childTnLst>
+                                    <p:set>
+                                      <p:cBhvr>
+                                        <p:cTn id="15" dur="1" fill="hold">
+                                          <p:stCondLst>
+                                            <p:cond delay="0"/>
+                                          </p:stCondLst>
+                                        </p:cTn>
+                                        <p:tgtEl>
+                                          <p:spTgt spid="30"/>
+                                        </p:tgtEl>
+                                        <p:attrNameLst>
+                                          <p:attrName>style.visibility</p:attrName>
+                                        </p:attrNameLst>
+                                      </p:cBhvr>
+                                      <p:to>
+                                        <p:strVal val="hidden"/>
+                                      </p:to>
+                                    </p:set>
+                                  </p:childTnLst>
+                                </p:cTn>
+                              </p:par>
+                            </p:childTnLst>
+                          </p:cTn>
+                        </p:par>
+                        <p:par>
+                          <p:cTn id="16" fill="hold">
+                            <p:stCondLst>
+                              <p:cond delay="0"/>
+                            </p:stCondLst>
+                            <p:childTnLst>
+                              <p:par>
+                                <p:cTn id="17" presetID="1" presetClass="exit" presetSubtype="0" fill="hold" grpId="0" nodeType="afterEffect">
+                                  <p:stCondLst>
+                                    <p:cond delay="0"/>
+                                  </p:stCondLst>
+                                  <p:childTnLst>
+                                    <p:set>
+                                      <p:cBhvr>
+                                        <p:cTn id="18" dur="1" fill="hold">
+                                          <p:stCondLst>
+                                            <p:cond delay="0"/>
+                                          </p:stCondLst>
+                                        </p:cTn>
+                                        <p:tgtEl>
+                                          <p:spTgt spid="25"/>
+                                        </p:tgtEl>
+                                        <p:attrNameLst>
+                                          <p:attrName>style.visibility</p:attrName>
+                                        </p:attrNameLst>
+                                      </p:cBhvr>
+                                      <p:to>
+                                        <p:strVal val="hidden"/>
+                                      </p:to>
+                                    </p:set>
+                                  </p:childTnLst>
+                                </p:cTn>
+                              </p:par>
+                            </p:childTnLst>
+                          </p:cTn>
+                        </p:par>
+                        <p:par>
+                          <p:cTn id="19" fill="hold">
+                            <p:stCondLst>
+                              <p:cond delay="0"/>
+                            </p:stCondLst>
+                            <p:childTnLst>
+                              <p:par>
+                                <p:cTn id="20" presetID="1" presetClass="exit" presetSubtype="0" fill="hold" grpId="0" nodeType="afterEffect">
+                                  <p:stCondLst>
+                                    <p:cond delay="0"/>
+                                  </p:stCondLst>
+                                  <p:childTnLst>
+                                    <p:set>
+                                      <p:cBhvr>
+                                        <p:cTn id="21" dur="1" fill="hold">
+                                          <p:stCondLst>
+                                            <p:cond delay="0"/>
+                                          </p:stCondLst>
+                                        </p:cTn>
+                                        <p:tgtEl>
+                                          <p:spTgt spid="31"/>
+                                        </p:tgtEl>
+                                        <p:attrNameLst>
+                                          <p:attrName>style.visibility</p:attrName>
+                                        </p:attrNameLst>
+                                      </p:cBhvr>
+                                      <p:to>
+                                        <p:strVal val="hidden"/>
+                                      </p:to>
+                                    </p:set>
+                                  </p:childTnLst>
+                                </p:cTn>
+                              </p:par>
+                            </p:childTnLst>
+                          </p:cTn>
+                        </p:par>
+                        <p:par>
+                          <p:cTn id="22" fill="hold">
+                            <p:stCondLst>
+                              <p:cond delay="0"/>
+                            </p:stCondLst>
+                            <p:childTnLst>
+                              <p:par>
+                                <p:cTn id="23" presetID="1" presetClass="exit" presetSubtype="0" fill="hold" grpId="0" nodeType="afterEffect">
+                                  <p:stCondLst>
+                                    <p:cond delay="0"/>
+                                  </p:stCondLst>
+                                  <p:childTnLst>
+                                    <p:set>
+                                      <p:cBhvr>
+                                        <p:cTn id="24" dur="1" fill="hold">
+                                          <p:stCondLst>
+                                            <p:cond delay="0"/>
+                                          </p:stCondLst>
+                                        </p:cTn>
+                                        <p:tgtEl>
+                                          <p:spTgt spid="26"/>
+                                        </p:tgtEl>
+                                        <p:attrNameLst>
+                                          <p:attrName>style.visibility</p:attrName>
+                                        </p:attrNameLst>
+                                      </p:cBhvr>
+                                      <p:to>
+                                        <p:strVal val="hidden"/>
+                                      </p:to>
+                                    </p:set>
+                                  </p:childTnLst>
+                                </p:cTn>
+                              </p:par>
+                            </p:childTnLst>
+                          </p:cTn>
+                        </p:par>
+                        <p:par>
+                          <p:cTn id="25" fill="hold">
+                            <p:stCondLst>
+                              <p:cond delay="0"/>
+                            </p:stCondLst>
+                            <p:childTnLst>
+                              <p:par>
+                                <p:cTn id="26" presetID="1" presetClass="exit" presetSubtype="0" fill="hold" grpId="0" nodeType="afterEffect">
+                                  <p:stCondLst>
+                                    <p:cond delay="0"/>
+                                  </p:stCondLst>
+                                  <p:childTnLst>
+                                    <p:set>
+                                      <p:cBhvr>
+                                        <p:cTn id="27" dur="1" fill="hold">
+                                          <p:stCondLst>
+                                            <p:cond delay="0"/>
+                                          </p:stCondLst>
+                                        </p:cTn>
+                                        <p:tgtEl>
+                                          <p:spTgt spid="29"/>
+                                        </p:tgtEl>
+                                        <p:attrNameLst>
+                                          <p:attrName>style.visibility</p:attrName>
+                                        </p:attrNameLst>
+                                      </p:cBhvr>
+                                      <p:to>
+                                        <p:strVal val="hidden"/>
+                                      </p:to>
+                                    </p:set>
+                                  </p:childTnLst>
+                                </p:cTn>
+                              </p:par>
+                            </p:childTnLst>
+                          </p:cTn>
+                        </p:par>
+                        <p:par>
+                          <p:cTn id="28" fill="hold">
+                            <p:stCondLst>
+                              <p:cond delay="0"/>
+                            </p:stCondLst>
+                            <p:childTnLst>
+                              <p:par>
+                                <p:cTn id="29" presetID="1" presetClass="exit" presetSubtype="0" fill="hold" grpId="0" nodeType="afterEffect">
+                                  <p:stCondLst>
+                                    <p:cond delay="0"/>
+                                  </p:stCondLst>
+                                  <p:childTnLst>
+                                    <p:set>
+                                      <p:cBhvr>
+                                        <p:cTn id="30" dur="1" fill="hold">
+                                          <p:stCondLst>
+                                            <p:cond delay="0"/>
+                                          </p:stCondLst>
+                                        </p:cTn>
+                                        <p:tgtEl>
+                                          <p:spTgt spid="27"/>
+                                        </p:tgtEl>
+                                        <p:attrNameLst>
+                                          <p:attrName>style.visibility</p:attrName>
+                                        </p:attrNameLst>
+                                      </p:cBhvr>
+                                      <p:to>
+                                        <p:strVal val="hidden"/>
+                                      </p:to>
+                                    </p:set>
+                                  </p:childTnLst>
+                                </p:cTn>
+                              </p:par>
+                            </p:childTnLst>
+                          </p:cTn>
+                        </p:par>
+                        <p:par>
+                          <p:cTn id="31" fill="hold">
+                            <p:stCondLst>
+                              <p:cond delay="0"/>
+                            </p:stCondLst>
+                            <p:childTnLst>
+                              <p:par>
+                                <p:cTn id="32" presetID="1" presetClass="exit" presetSubtype="0" fill="hold" grpId="0" nodeType="afterEffect">
+                                  <p:stCondLst>
+                                    <p:cond delay="0"/>
+                                  </p:stCondLst>
+                                  <p:childTnLst>
+                                    <p:set>
+                                      <p:cBhvr>
+                                        <p:cTn id="33" dur="1" fill="hold">
+                                          <p:stCondLst>
+                                            <p:cond delay="0"/>
+                                          </p:stCondLst>
+                                        </p:cTn>
+                                        <p:tgtEl>
+                                          <p:spTgt spid="28"/>
+                                        </p:tgtEl>
+                                        <p:attrNameLst>
+                                          <p:attrName>style.visibility</p:attrName>
+                                        </p:attrNameLst>
+                                      </p:cBhvr>
+                                      <p:to>
+                                        <p:strVal val="hidden"/>
+                                      </p:to>
+                                    </p:set>
+                                  </p:childTnLst>
+                                </p:cTn>
+                              </p:par>
+                            </p:childTnLst>
+                          </p:cTn>
+                        </p:par>
+                        <p:par>
+                          <p:cTn id="34" fill="hold">
+                            <p:stCondLst>
+                              <p:cond delay="0"/>
+                            </p:stCondLst>
+                            <p:childTnLst>
+                              <p:par>
+                                <p:cTn id="35" presetID="1" presetClass="exit" presetSubtype="0" fill="hold" grpId="0" nodeType="afterEffect">
+                                  <p:stCondLst>
+                                    <p:cond delay="0"/>
+                                  </p:stCondLst>
+                                  <p:childTnLst>
+                                    <p:set>
+                                      <p:cBhvr>
+                                        <p:cTn id="36" dur="1" fill="hold">
+                                          <p:stCondLst>
+                                            <p:cond delay="0"/>
+                                          </p:stCondLst>
+                                        </p:cTn>
+                                        <p:tgtEl>
+                                          <p:spTgt spid="19"/>
+                                        </p:tgtEl>
+                                        <p:attrNameLst>
+                                          <p:attrName>style.visibility</p:attrName>
+                                        </p:attrNameLst>
+                                      </p:cBhvr>
+                                      <p:to>
+                                        <p:strVal val="hidden"/>
+                                      </p:to>
+                                    </p:set>
+                                  </p:childTnLst>
+                                </p:cTn>
+                              </p:par>
+                            </p:childTnLst>
+                          </p:cTn>
+                        </p:par>
+                      </p:childTnLst>
+                    </p:cTn>
+                  </p:par>
+                  <p:par>
+                    <p:cTn id="37" fill="hold">
+                      <p:stCondLst>
+                        <p:cond delay="indefinite"/>
+                      </p:stCondLst>
+                      <p:childTnLst>
+                        <p:par>
+                          <p:cTn id="38" fill="hold">
+                            <p:stCondLst>
+                              <p:cond delay="0"/>
+                            </p:stCondLst>
+                            <p:childTnLst>
+                              <p:par>
+                                <p:cTn id="39" presetID="22" presetClass="entr" presetSubtype="4" fill="hold" grpId="1" nodeType="clickEffect">
+                                  <p:stCondLst>
+                                    <p:cond delay="0"/>
+                                  </p:stCondLst>
+                                  <p:childTnLst>
+                                    <p:set>
+                                      <p:cBhvr>
+                                        <p:cTn id="40" dur="1" fill="hold">
+                                          <p:stCondLst>
+                                            <p:cond delay="0"/>
+                                          </p:stCondLst>
+                                        </p:cTn>
+                                        <p:tgtEl>
+                                          <p:spTgt spid="16"/>
+                                        </p:tgtEl>
+                                        <p:attrNameLst>
+                                          <p:attrName>style.visibility</p:attrName>
+                                        </p:attrNameLst>
+                                      </p:cBhvr>
+                                      <p:to>
+                                        <p:strVal val="visible"/>
+                                      </p:to>
+                                    </p:set>
+                                    <p:animEffect transition="in" filter="wipe(down)">
+                                      <p:cBhvr>
+                                        <p:cTn id="41" dur="500"/>
+                                        <p:tgtEl>
+                                          <p:spTgt spid="16"/>
+                                        </p:tgtEl>
+                                      </p:cBhvr>
+                                    </p:animEffect>
+                                  </p:childTnLst>
+                                </p:cTn>
+                              </p:par>
+                              <p:par>
+                                <p:cTn id="42" presetID="22" presetClass="entr" presetSubtype="4" fill="hold" grpId="1" nodeType="withEffect">
+                                  <p:stCondLst>
+                                    <p:cond delay="0"/>
+                                  </p:stCondLst>
+                                  <p:childTnLst>
+                                    <p:set>
+                                      <p:cBhvr>
+                                        <p:cTn id="43" dur="1" fill="hold">
+                                          <p:stCondLst>
+                                            <p:cond delay="0"/>
+                                          </p:stCondLst>
+                                        </p:cTn>
+                                        <p:tgtEl>
+                                          <p:spTgt spid="24"/>
+                                        </p:tgtEl>
+                                        <p:attrNameLst>
+                                          <p:attrName>style.visibility</p:attrName>
+                                        </p:attrNameLst>
+                                      </p:cBhvr>
+                                      <p:to>
+                                        <p:strVal val="visible"/>
+                                      </p:to>
+                                    </p:set>
+                                    <p:animEffect transition="in" filter="wipe(down)">
+                                      <p:cBhvr>
+                                        <p:cTn id="44" dur="500"/>
+                                        <p:tgtEl>
+                                          <p:spTgt spid="24"/>
+                                        </p:tgtEl>
+                                      </p:cBhvr>
+                                    </p:animEffect>
+                                  </p:childTnLst>
+                                </p:cTn>
+                              </p:par>
+                            </p:childTnLst>
+                          </p:cTn>
+                        </p:par>
+                      </p:childTnLst>
+                    </p:cTn>
+                  </p:par>
+                  <p:par>
+                    <p:cTn id="45" fill="hold">
+                      <p:stCondLst>
+                        <p:cond delay="indefinite"/>
+                      </p:stCondLst>
+                      <p:childTnLst>
+                        <p:par>
+                          <p:cTn id="46" fill="hold">
+                            <p:stCondLst>
+                              <p:cond delay="0"/>
+                            </p:stCondLst>
+                            <p:childTnLst>
+                              <p:par>
+                                <p:cTn id="47" presetID="2" presetClass="entr" presetSubtype="4" fill="hold" grpId="1" nodeType="clickEffect">
+                                  <p:stCondLst>
+                                    <p:cond delay="0"/>
+                                  </p:stCondLst>
+                                  <p:childTnLst>
+                                    <p:set>
+                                      <p:cBhvr>
+                                        <p:cTn id="48" dur="1" fill="hold">
+                                          <p:stCondLst>
+                                            <p:cond delay="0"/>
+                                          </p:stCondLst>
+                                        </p:cTn>
+                                        <p:tgtEl>
+                                          <p:spTgt spid="19"/>
+                                        </p:tgtEl>
+                                        <p:attrNameLst>
+                                          <p:attrName>style.visibility</p:attrName>
+                                        </p:attrNameLst>
+                                      </p:cBhvr>
+                                      <p:to>
+                                        <p:strVal val="visible"/>
+                                      </p:to>
+                                    </p:set>
+                                    <p:anim calcmode="lin" valueType="num">
+                                      <p:cBhvr additive="base">
+                                        <p:cTn id="49" dur="500" fill="hold"/>
+                                        <p:tgtEl>
+                                          <p:spTgt spid="19"/>
+                                        </p:tgtEl>
+                                        <p:attrNameLst>
+                                          <p:attrName>ppt_x</p:attrName>
+                                        </p:attrNameLst>
+                                      </p:cBhvr>
+                                      <p:tavLst>
+                                        <p:tav tm="0">
+                                          <p:val>
+                                            <p:strVal val="#ppt_x"/>
+                                          </p:val>
+                                        </p:tav>
+                                        <p:tav tm="100000">
+                                          <p:val>
+                                            <p:strVal val="#ppt_x"/>
+                                          </p:val>
+                                        </p:tav>
+                                      </p:tavLst>
+                                    </p:anim>
+                                    <p:anim calcmode="lin" valueType="num">
+                                      <p:cBhvr additive="base">
+                                        <p:cTn id="50" dur="500" fill="hold"/>
+                                        <p:tgtEl>
+                                          <p:spTgt spid="19"/>
+                                        </p:tgtEl>
+                                        <p:attrNameLst>
+                                          <p:attrName>ppt_y</p:attrName>
+                                        </p:attrNameLst>
+                                      </p:cBhvr>
+                                      <p:tavLst>
+                                        <p:tav tm="0">
+                                          <p:val>
+                                            <p:strVal val="1+#ppt_h/2"/>
+                                          </p:val>
+                                        </p:tav>
+                                        <p:tav tm="100000">
+                                          <p:val>
+                                            <p:strVal val="#ppt_y"/>
+                                          </p:val>
+                                        </p:tav>
+                                      </p:tavLst>
+                                    </p:anim>
+                                  </p:childTnLst>
+                                </p:cTn>
+                              </p:par>
+                            </p:childTnLst>
+                          </p:cTn>
+                        </p:par>
+                      </p:childTnLst>
+                    </p:cTn>
+                  </p:par>
+                  <p:par>
+                    <p:cTn id="51" fill="hold">
+                      <p:stCondLst>
+                        <p:cond delay="indefinite"/>
+                      </p:stCondLst>
+                      <p:childTnLst>
+                        <p:par>
+                          <p:cTn id="52" fill="hold">
+                            <p:stCondLst>
+                              <p:cond delay="0"/>
+                            </p:stCondLst>
+                            <p:childTnLst>
+                              <p:par>
+                                <p:cTn id="53" presetID="2" presetClass="exit" presetSubtype="4" fill="hold" grpId="2" nodeType="clickEffect">
+                                  <p:stCondLst>
+                                    <p:cond delay="0"/>
+                                  </p:stCondLst>
+                                  <p:childTnLst>
+                                    <p:anim calcmode="lin" valueType="num">
+                                      <p:cBhvr additive="base">
+                                        <p:cTn id="54" dur="500"/>
+                                        <p:tgtEl>
+                                          <p:spTgt spid="24"/>
+                                        </p:tgtEl>
+                                        <p:attrNameLst>
+                                          <p:attrName>ppt_x</p:attrName>
+                                        </p:attrNameLst>
+                                      </p:cBhvr>
+                                      <p:tavLst>
+                                        <p:tav tm="0">
+                                          <p:val>
+                                            <p:strVal val="ppt_x"/>
+                                          </p:val>
+                                        </p:tav>
+                                        <p:tav tm="100000">
+                                          <p:val>
+                                            <p:strVal val="ppt_x"/>
+                                          </p:val>
+                                        </p:tav>
+                                      </p:tavLst>
+                                    </p:anim>
+                                    <p:anim calcmode="lin" valueType="num">
+                                      <p:cBhvr additive="base">
+                                        <p:cTn id="55" dur="500"/>
+                                        <p:tgtEl>
+                                          <p:spTgt spid="24"/>
+                                        </p:tgtEl>
+                                        <p:attrNameLst>
+                                          <p:attrName>ppt_y</p:attrName>
+                                        </p:attrNameLst>
+                                      </p:cBhvr>
+                                      <p:tavLst>
+                                        <p:tav tm="0">
+                                          <p:val>
+                                            <p:strVal val="ppt_y"/>
+                                          </p:val>
+                                        </p:tav>
+                                        <p:tav tm="100000">
+                                          <p:val>
+                                            <p:strVal val="1+ppt_h/2"/>
+                                          </p:val>
+                                        </p:tav>
+                                      </p:tavLst>
+                                    </p:anim>
+                                    <p:set>
+                                      <p:cBhvr>
+                                        <p:cTn id="56" dur="1" fill="hold">
+                                          <p:stCondLst>
+                                            <p:cond delay="499"/>
+                                          </p:stCondLst>
+                                        </p:cTn>
+                                        <p:tgtEl>
+                                          <p:spTgt spid="24"/>
+                                        </p:tgtEl>
+                                        <p:attrNameLst>
+                                          <p:attrName>style.visibility</p:attrName>
+                                        </p:attrNameLst>
+                                      </p:cBhvr>
+                                      <p:to>
+                                        <p:strVal val="hidden"/>
+                                      </p:to>
+                                    </p:set>
+                                  </p:childTnLst>
+                                </p:cTn>
+                              </p:par>
+                            </p:childTnLst>
+                          </p:cTn>
+                        </p:par>
+                      </p:childTnLst>
+                    </p:cTn>
+                  </p:par>
+                  <p:par>
+                    <p:cTn id="57" fill="hold">
+                      <p:stCondLst>
+                        <p:cond delay="indefinite"/>
+                      </p:stCondLst>
+                      <p:childTnLst>
+                        <p:par>
+                          <p:cTn id="58" fill="hold">
+                            <p:stCondLst>
+                              <p:cond delay="0"/>
+                            </p:stCondLst>
+                            <p:childTnLst>
+                              <p:par>
+                                <p:cTn id="59" presetID="2" presetClass="entr" presetSubtype="4" fill="hold" grpId="1" nodeType="clickEffect">
+                                  <p:stCondLst>
+                                    <p:cond delay="0"/>
+                                  </p:stCondLst>
+                                  <p:childTnLst>
+                                    <p:set>
+                                      <p:cBhvr>
+                                        <p:cTn id="60" dur="1" fill="hold">
+                                          <p:stCondLst>
+                                            <p:cond delay="0"/>
+                                          </p:stCondLst>
+                                        </p:cTn>
+                                        <p:tgtEl>
+                                          <p:spTgt spid="25"/>
+                                        </p:tgtEl>
+                                        <p:attrNameLst>
+                                          <p:attrName>style.visibility</p:attrName>
+                                        </p:attrNameLst>
+                                      </p:cBhvr>
+                                      <p:to>
+                                        <p:strVal val="visible"/>
+                                      </p:to>
+                                    </p:set>
+                                    <p:anim calcmode="lin" valueType="num">
+                                      <p:cBhvr additive="base">
+                                        <p:cTn id="61" dur="500" fill="hold"/>
+                                        <p:tgtEl>
+                                          <p:spTgt spid="25"/>
+                                        </p:tgtEl>
+                                        <p:attrNameLst>
+                                          <p:attrName>ppt_x</p:attrName>
+                                        </p:attrNameLst>
+                                      </p:cBhvr>
+                                      <p:tavLst>
+                                        <p:tav tm="0">
+                                          <p:val>
+                                            <p:strVal val="#ppt_x"/>
+                                          </p:val>
+                                        </p:tav>
+                                        <p:tav tm="100000">
+                                          <p:val>
+                                            <p:strVal val="#ppt_x"/>
+                                          </p:val>
+                                        </p:tav>
+                                      </p:tavLst>
+                                    </p:anim>
+                                    <p:anim calcmode="lin" valueType="num">
+                                      <p:cBhvr additive="base">
+                                        <p:cTn id="62" dur="500" fill="hold"/>
+                                        <p:tgtEl>
+                                          <p:spTgt spid="25"/>
+                                        </p:tgtEl>
+                                        <p:attrNameLst>
+                                          <p:attrName>ppt_y</p:attrName>
+                                        </p:attrNameLst>
+                                      </p:cBhvr>
+                                      <p:tavLst>
+                                        <p:tav tm="0">
+                                          <p:val>
+                                            <p:strVal val="1+#ppt_h/2"/>
+                                          </p:val>
+                                        </p:tav>
+                                        <p:tav tm="100000">
+                                          <p:val>
+                                            <p:strVal val="#ppt_y"/>
+                                          </p:val>
+                                        </p:tav>
+                                      </p:tavLst>
+                                    </p:anim>
+                                  </p:childTnLst>
+                                </p:cTn>
+                              </p:par>
+                            </p:childTnLst>
+                          </p:cTn>
+                        </p:par>
+                      </p:childTnLst>
+                    </p:cTn>
+                  </p:par>
+                  <p:par>
+                    <p:cTn id="63" fill="hold">
+                      <p:stCondLst>
+                        <p:cond delay="indefinite"/>
+                      </p:stCondLst>
+                      <p:childTnLst>
+                        <p:par>
+                          <p:cTn id="64" fill="hold">
+                            <p:stCondLst>
+                              <p:cond delay="0"/>
+                            </p:stCondLst>
+                            <p:childTnLst>
+                              <p:par>
+                                <p:cTn id="65" presetID="2" presetClass="entr" presetSubtype="4" fill="hold" grpId="1" nodeType="clickEffect">
+                                  <p:stCondLst>
+                                    <p:cond delay="0"/>
+                                  </p:stCondLst>
+                                  <p:childTnLst>
+                                    <p:set>
+                                      <p:cBhvr>
+                                        <p:cTn id="66" dur="1" fill="hold">
+                                          <p:stCondLst>
+                                            <p:cond delay="0"/>
+                                          </p:stCondLst>
+                                        </p:cTn>
+                                        <p:tgtEl>
+                                          <p:spTgt spid="27"/>
+                                        </p:tgtEl>
+                                        <p:attrNameLst>
+                                          <p:attrName>style.visibility</p:attrName>
+                                        </p:attrNameLst>
+                                      </p:cBhvr>
+                                      <p:to>
+                                        <p:strVal val="visible"/>
+                                      </p:to>
+                                    </p:set>
+                                    <p:anim calcmode="lin" valueType="num">
+                                      <p:cBhvr additive="base">
+                                        <p:cTn id="67" dur="500" fill="hold"/>
+                                        <p:tgtEl>
+                                          <p:spTgt spid="27"/>
+                                        </p:tgtEl>
+                                        <p:attrNameLst>
+                                          <p:attrName>ppt_x</p:attrName>
+                                        </p:attrNameLst>
+                                      </p:cBhvr>
+                                      <p:tavLst>
+                                        <p:tav tm="0">
+                                          <p:val>
+                                            <p:strVal val="#ppt_x"/>
+                                          </p:val>
+                                        </p:tav>
+                                        <p:tav tm="100000">
+                                          <p:val>
+                                            <p:strVal val="#ppt_x"/>
+                                          </p:val>
+                                        </p:tav>
+                                      </p:tavLst>
+                                    </p:anim>
+                                    <p:anim calcmode="lin" valueType="num">
+                                      <p:cBhvr additive="base">
+                                        <p:cTn id="68" dur="500" fill="hold"/>
+                                        <p:tgtEl>
+                                          <p:spTgt spid="27"/>
+                                        </p:tgtEl>
+                                        <p:attrNameLst>
+                                          <p:attrName>ppt_y</p:attrName>
+                                        </p:attrNameLst>
+                                      </p:cBhvr>
+                                      <p:tavLst>
+                                        <p:tav tm="0">
+                                          <p:val>
+                                            <p:strVal val="1+#ppt_h/2"/>
+                                          </p:val>
+                                        </p:tav>
+                                        <p:tav tm="100000">
+                                          <p:val>
+                                            <p:strVal val="#ppt_y"/>
+                                          </p:val>
+                                        </p:tav>
+                                      </p:tavLst>
+                                    </p:anim>
+                                  </p:childTnLst>
+                                </p:cTn>
+                              </p:par>
+                            </p:childTnLst>
+                          </p:cTn>
+                        </p:par>
+                      </p:childTnLst>
+                    </p:cTn>
+                  </p:par>
+                  <p:par>
+                    <p:cTn id="69" fill="hold">
+                      <p:stCondLst>
+                        <p:cond delay="indefinite"/>
+                      </p:stCondLst>
+                      <p:childTnLst>
+                        <p:par>
+                          <p:cTn id="70" fill="hold">
+                            <p:stCondLst>
+                              <p:cond delay="0"/>
+                            </p:stCondLst>
+                            <p:childTnLst>
+                              <p:par>
+                                <p:cTn id="71" presetID="2" presetClass="exit" presetSubtype="4" fill="hold" grpId="2" nodeType="clickEffect">
+                                  <p:stCondLst>
+                                    <p:cond delay="0"/>
+                                  </p:stCondLst>
+                                  <p:childTnLst>
+                                    <p:anim calcmode="lin" valueType="num">
+                                      <p:cBhvr additive="base">
+                                        <p:cTn id="72" dur="500"/>
+                                        <p:tgtEl>
+                                          <p:spTgt spid="25"/>
+                                        </p:tgtEl>
+                                        <p:attrNameLst>
+                                          <p:attrName>ppt_x</p:attrName>
+                                        </p:attrNameLst>
+                                      </p:cBhvr>
+                                      <p:tavLst>
+                                        <p:tav tm="0">
+                                          <p:val>
+                                            <p:strVal val="ppt_x"/>
+                                          </p:val>
+                                        </p:tav>
+                                        <p:tav tm="100000">
+                                          <p:val>
+                                            <p:strVal val="ppt_x"/>
+                                          </p:val>
+                                        </p:tav>
+                                      </p:tavLst>
+                                    </p:anim>
+                                    <p:anim calcmode="lin" valueType="num">
+                                      <p:cBhvr additive="base">
+                                        <p:cTn id="73" dur="500"/>
+                                        <p:tgtEl>
+                                          <p:spTgt spid="25"/>
+                                        </p:tgtEl>
+                                        <p:attrNameLst>
+                                          <p:attrName>ppt_y</p:attrName>
+                                        </p:attrNameLst>
+                                      </p:cBhvr>
+                                      <p:tavLst>
+                                        <p:tav tm="0">
+                                          <p:val>
+                                            <p:strVal val="ppt_y"/>
+                                          </p:val>
+                                        </p:tav>
+                                        <p:tav tm="100000">
+                                          <p:val>
+                                            <p:strVal val="1+ppt_h/2"/>
+                                          </p:val>
+                                        </p:tav>
+                                      </p:tavLst>
+                                    </p:anim>
+                                    <p:set>
+                                      <p:cBhvr>
+                                        <p:cTn id="74" dur="1" fill="hold">
+                                          <p:stCondLst>
+                                            <p:cond delay="499"/>
+                                          </p:stCondLst>
+                                        </p:cTn>
+                                        <p:tgtEl>
+                                          <p:spTgt spid="25"/>
+                                        </p:tgtEl>
+                                        <p:attrNameLst>
+                                          <p:attrName>style.visibility</p:attrName>
+                                        </p:attrNameLst>
+                                      </p:cBhvr>
+                                      <p:to>
+                                        <p:strVal val="hidden"/>
+                                      </p:to>
+                                    </p:set>
+                                  </p:childTnLst>
+                                </p:cTn>
+                              </p:par>
+                            </p:childTnLst>
+                          </p:cTn>
+                        </p:par>
+                      </p:childTnLst>
+                    </p:cTn>
+                  </p:par>
+                  <p:par>
+                    <p:cTn id="75" fill="hold">
+                      <p:stCondLst>
+                        <p:cond delay="indefinite"/>
+                      </p:stCondLst>
+                      <p:childTnLst>
+                        <p:par>
+                          <p:cTn id="76" fill="hold">
+                            <p:stCondLst>
+                              <p:cond delay="0"/>
+                            </p:stCondLst>
+                            <p:childTnLst>
+                              <p:par>
+                                <p:cTn id="77" presetID="2" presetClass="entr" presetSubtype="4" fill="hold" grpId="1" nodeType="clickEffect">
+                                  <p:stCondLst>
+                                    <p:cond delay="0"/>
+                                  </p:stCondLst>
+                                  <p:childTnLst>
+                                    <p:set>
+                                      <p:cBhvr>
+                                        <p:cTn id="78" dur="1" fill="hold">
+                                          <p:stCondLst>
+                                            <p:cond delay="0"/>
+                                          </p:stCondLst>
+                                        </p:cTn>
+                                        <p:tgtEl>
+                                          <p:spTgt spid="26"/>
+                                        </p:tgtEl>
+                                        <p:attrNameLst>
+                                          <p:attrName>style.visibility</p:attrName>
+                                        </p:attrNameLst>
+                                      </p:cBhvr>
+                                      <p:to>
+                                        <p:strVal val="visible"/>
+                                      </p:to>
+                                    </p:set>
+                                    <p:anim calcmode="lin" valueType="num">
+                                      <p:cBhvr additive="base">
+                                        <p:cTn id="79" dur="500" fill="hold"/>
+                                        <p:tgtEl>
+                                          <p:spTgt spid="26"/>
+                                        </p:tgtEl>
+                                        <p:attrNameLst>
+                                          <p:attrName>ppt_x</p:attrName>
+                                        </p:attrNameLst>
+                                      </p:cBhvr>
+                                      <p:tavLst>
+                                        <p:tav tm="0">
+                                          <p:val>
+                                            <p:strVal val="#ppt_x"/>
+                                          </p:val>
+                                        </p:tav>
+                                        <p:tav tm="100000">
+                                          <p:val>
+                                            <p:strVal val="#ppt_x"/>
+                                          </p:val>
+                                        </p:tav>
+                                      </p:tavLst>
+                                    </p:anim>
+                                    <p:anim calcmode="lin" valueType="num">
+                                      <p:cBhvr additive="base">
+                                        <p:cTn id="80" dur="500" fill="hold"/>
+                                        <p:tgtEl>
+                                          <p:spTgt spid="26"/>
+                                        </p:tgtEl>
+                                        <p:attrNameLst>
+                                          <p:attrName>ppt_y</p:attrName>
+                                        </p:attrNameLst>
+                                      </p:cBhvr>
+                                      <p:tavLst>
+                                        <p:tav tm="0">
+                                          <p:val>
+                                            <p:strVal val="1+#ppt_h/2"/>
+                                          </p:val>
+                                        </p:tav>
+                                        <p:tav tm="100000">
+                                          <p:val>
+                                            <p:strVal val="#ppt_y"/>
+                                          </p:val>
+                                        </p:tav>
+                                      </p:tavLst>
+                                    </p:anim>
+                                  </p:childTnLst>
+                                </p:cTn>
+                              </p:par>
+                            </p:childTnLst>
+                          </p:cTn>
+                        </p:par>
+                      </p:childTnLst>
+                    </p:cTn>
+                  </p:par>
+                  <p:par>
+                    <p:cTn id="81" fill="hold">
+                      <p:stCondLst>
+                        <p:cond delay="indefinite"/>
+                      </p:stCondLst>
+                      <p:childTnLst>
+                        <p:par>
+                          <p:cTn id="82" fill="hold">
+                            <p:stCondLst>
+                              <p:cond delay="0"/>
+                            </p:stCondLst>
+                            <p:childTnLst>
+                              <p:par>
+                                <p:cTn id="83" presetID="2" presetClass="entr" presetSubtype="4" fill="hold" grpId="1" nodeType="clickEffect">
+                                  <p:stCondLst>
+                                    <p:cond delay="0"/>
+                                  </p:stCondLst>
+                                  <p:childTnLst>
+                                    <p:set>
+                                      <p:cBhvr>
+                                        <p:cTn id="84" dur="1" fill="hold">
+                                          <p:stCondLst>
+                                            <p:cond delay="0"/>
+                                          </p:stCondLst>
+                                        </p:cTn>
+                                        <p:tgtEl>
+                                          <p:spTgt spid="28"/>
+                                        </p:tgtEl>
+                                        <p:attrNameLst>
+                                          <p:attrName>style.visibility</p:attrName>
+                                        </p:attrNameLst>
+                                      </p:cBhvr>
+                                      <p:to>
+                                        <p:strVal val="visible"/>
+                                      </p:to>
+                                    </p:set>
+                                    <p:anim calcmode="lin" valueType="num">
+                                      <p:cBhvr additive="base">
+                                        <p:cTn id="85" dur="500" fill="hold"/>
+                                        <p:tgtEl>
+                                          <p:spTgt spid="28"/>
+                                        </p:tgtEl>
+                                        <p:attrNameLst>
+                                          <p:attrName>ppt_x</p:attrName>
+                                        </p:attrNameLst>
+                                      </p:cBhvr>
+                                      <p:tavLst>
+                                        <p:tav tm="0">
+                                          <p:val>
+                                            <p:strVal val="#ppt_x"/>
+                                          </p:val>
+                                        </p:tav>
+                                        <p:tav tm="100000">
+                                          <p:val>
+                                            <p:strVal val="#ppt_x"/>
+                                          </p:val>
+                                        </p:tav>
+                                      </p:tavLst>
+                                    </p:anim>
+                                    <p:anim calcmode="lin" valueType="num">
+                                      <p:cBhvr additive="base">
+                                        <p:cTn id="86" dur="500" fill="hold"/>
+                                        <p:tgtEl>
+                                          <p:spTgt spid="28"/>
+                                        </p:tgtEl>
+                                        <p:attrNameLst>
+                                          <p:attrName>ppt_y</p:attrName>
+                                        </p:attrNameLst>
+                                      </p:cBhvr>
+                                      <p:tavLst>
+                                        <p:tav tm="0">
+                                          <p:val>
+                                            <p:strVal val="1+#ppt_h/2"/>
+                                          </p:val>
+                                        </p:tav>
+                                        <p:tav tm="100000">
+                                          <p:val>
+                                            <p:strVal val="#ppt_y"/>
+                                          </p:val>
+                                        </p:tav>
+                                      </p:tavLst>
+                                    </p:anim>
+                                  </p:childTnLst>
+                                </p:cTn>
+                              </p:par>
+                            </p:childTnLst>
+                          </p:cTn>
+                        </p:par>
+                      </p:childTnLst>
+                    </p:cTn>
+                  </p:par>
+                  <p:par>
+                    <p:cTn id="87" fill="hold">
+                      <p:stCondLst>
+                        <p:cond delay="indefinite"/>
+                      </p:stCondLst>
+                      <p:childTnLst>
+                        <p:par>
+                          <p:cTn id="88" fill="hold">
+                            <p:stCondLst>
+                              <p:cond delay="0"/>
+                            </p:stCondLst>
+                            <p:childTnLst>
+                              <p:par>
+                                <p:cTn id="89" presetID="2" presetClass="exit" presetSubtype="4" fill="hold" grpId="3" nodeType="clickEffect">
+                                  <p:stCondLst>
+                                    <p:cond delay="0"/>
+                                  </p:stCondLst>
+                                  <p:childTnLst>
+                                    <p:anim calcmode="lin" valueType="num">
+                                      <p:cBhvr additive="base">
+                                        <p:cTn id="90" dur="500"/>
+                                        <p:tgtEl>
+                                          <p:spTgt spid="26"/>
+                                        </p:tgtEl>
+                                        <p:attrNameLst>
+                                          <p:attrName>ppt_x</p:attrName>
+                                        </p:attrNameLst>
+                                      </p:cBhvr>
+                                      <p:tavLst>
+                                        <p:tav tm="0">
+                                          <p:val>
+                                            <p:strVal val="ppt_x"/>
+                                          </p:val>
+                                        </p:tav>
+                                        <p:tav tm="100000">
+                                          <p:val>
+                                            <p:strVal val="ppt_x"/>
+                                          </p:val>
+                                        </p:tav>
+                                      </p:tavLst>
+                                    </p:anim>
+                                    <p:anim calcmode="lin" valueType="num">
+                                      <p:cBhvr additive="base">
+                                        <p:cTn id="91" dur="500"/>
+                                        <p:tgtEl>
+                                          <p:spTgt spid="26"/>
+                                        </p:tgtEl>
+                                        <p:attrNameLst>
+                                          <p:attrName>ppt_y</p:attrName>
+                                        </p:attrNameLst>
+                                      </p:cBhvr>
+                                      <p:tavLst>
+                                        <p:tav tm="0">
+                                          <p:val>
+                                            <p:strVal val="ppt_y"/>
+                                          </p:val>
+                                        </p:tav>
+                                        <p:tav tm="100000">
+                                          <p:val>
+                                            <p:strVal val="1+ppt_h/2"/>
+                                          </p:val>
+                                        </p:tav>
+                                      </p:tavLst>
+                                    </p:anim>
+                                    <p:set>
+                                      <p:cBhvr>
+                                        <p:cTn id="92" dur="1" fill="hold">
+                                          <p:stCondLst>
+                                            <p:cond delay="499"/>
+                                          </p:stCondLst>
+                                        </p:cTn>
+                                        <p:tgtEl>
+                                          <p:spTgt spid="26"/>
+                                        </p:tgtEl>
+                                        <p:attrNameLst>
+                                          <p:attrName>style.visibility</p:attrName>
+                                        </p:attrNameLst>
+                                      </p:cBhvr>
+                                      <p:to>
+                                        <p:strVal val="hidden"/>
+                                      </p:to>
+                                    </p:set>
+                                  </p:childTnLst>
+                                </p:cTn>
+                              </p:par>
+                            </p:childTnLst>
+                          </p:cTn>
+                        </p:par>
+                      </p:childTnLst>
+                    </p:cTn>
+                  </p:par>
+                  <p:par>
+                    <p:cTn id="93" fill="hold">
+                      <p:stCondLst>
+                        <p:cond delay="indefinite"/>
+                      </p:stCondLst>
+                      <p:childTnLst>
+                        <p:par>
+                          <p:cTn id="94" fill="hold">
+                            <p:stCondLst>
+                              <p:cond delay="0"/>
+                            </p:stCondLst>
+                            <p:childTnLst>
+                              <p:par>
+                                <p:cTn id="95" presetID="2" presetClass="exit" presetSubtype="4" fill="hold" grpId="2" nodeType="clickEffect">
+                                  <p:stCondLst>
+                                    <p:cond delay="0"/>
+                                  </p:stCondLst>
+                                  <p:childTnLst>
+                                    <p:anim calcmode="lin" valueType="num">
+                                      <p:cBhvr additive="base">
+                                        <p:cTn id="96" dur="500"/>
+                                        <p:tgtEl>
+                                          <p:spTgt spid="16"/>
+                                        </p:tgtEl>
+                                        <p:attrNameLst>
+                                          <p:attrName>ppt_x</p:attrName>
+                                        </p:attrNameLst>
+                                      </p:cBhvr>
+                                      <p:tavLst>
+                                        <p:tav tm="0">
+                                          <p:val>
+                                            <p:strVal val="ppt_x"/>
+                                          </p:val>
+                                        </p:tav>
+                                        <p:tav tm="100000">
+                                          <p:val>
+                                            <p:strVal val="ppt_x"/>
+                                          </p:val>
+                                        </p:tav>
+                                      </p:tavLst>
+                                    </p:anim>
+                                    <p:anim calcmode="lin" valueType="num">
+                                      <p:cBhvr additive="base">
+                                        <p:cTn id="97" dur="500"/>
+                                        <p:tgtEl>
+                                          <p:spTgt spid="16"/>
+                                        </p:tgtEl>
+                                        <p:attrNameLst>
+                                          <p:attrName>ppt_y</p:attrName>
+                                        </p:attrNameLst>
+                                      </p:cBhvr>
+                                      <p:tavLst>
+                                        <p:tav tm="0">
+                                          <p:val>
+                                            <p:strVal val="ppt_y"/>
+                                          </p:val>
+                                        </p:tav>
+                                        <p:tav tm="100000">
+                                          <p:val>
+                                            <p:strVal val="1+ppt_h/2"/>
+                                          </p:val>
+                                        </p:tav>
+                                      </p:tavLst>
+                                    </p:anim>
+                                    <p:set>
+                                      <p:cBhvr>
+                                        <p:cTn id="98" dur="1" fill="hold">
+                                          <p:stCondLst>
+                                            <p:cond delay="499"/>
+                                          </p:stCondLst>
+                                        </p:cTn>
+                                        <p:tgtEl>
+                                          <p:spTgt spid="16"/>
+                                        </p:tgtEl>
+                                        <p:attrNameLst>
+                                          <p:attrName>style.visibility</p:attrName>
+                                        </p:attrNameLst>
+                                      </p:cBhvr>
+                                      <p:to>
+                                        <p:strVal val="hidden"/>
+                                      </p:to>
+                                    </p:set>
+                                  </p:childTnLst>
+                                </p:cTn>
+                              </p:par>
+                            </p:childTnLst>
+                          </p:cTn>
+                        </p:par>
+                      </p:childTnLst>
+                    </p:cTn>
+                  </p:par>
+                  <p:par>
+                    <p:cTn id="99" fill="hold">
+                      <p:stCondLst>
+                        <p:cond delay="indefinite"/>
+                      </p:stCondLst>
+                      <p:childTnLst>
+                        <p:par>
+                          <p:cTn id="100" fill="hold">
+                            <p:stCondLst>
+                              <p:cond delay="0"/>
+                            </p:stCondLst>
+                            <p:childTnLst>
+                              <p:par>
+                                <p:cTn id="101" presetID="2" presetClass="entr" presetSubtype="4" fill="hold" grpId="1" nodeType="clickEffect">
+                                  <p:stCondLst>
+                                    <p:cond delay="0"/>
+                                  </p:stCondLst>
+                                  <p:childTnLst>
+                                    <p:set>
+                                      <p:cBhvr>
+                                        <p:cTn id="102" dur="1" fill="hold">
+                                          <p:stCondLst>
+                                            <p:cond delay="0"/>
+                                          </p:stCondLst>
+                                        </p:cTn>
+                                        <p:tgtEl>
+                                          <p:spTgt spid="17"/>
+                                        </p:tgtEl>
+                                        <p:attrNameLst>
+                                          <p:attrName>style.visibility</p:attrName>
+                                        </p:attrNameLst>
+                                      </p:cBhvr>
+                                      <p:to>
+                                        <p:strVal val="visible"/>
+                                      </p:to>
+                                    </p:set>
+                                    <p:anim calcmode="lin" valueType="num">
+                                      <p:cBhvr additive="base">
+                                        <p:cTn id="103" dur="500" fill="hold"/>
+                                        <p:tgtEl>
+                                          <p:spTgt spid="17"/>
+                                        </p:tgtEl>
+                                        <p:attrNameLst>
+                                          <p:attrName>ppt_x</p:attrName>
+                                        </p:attrNameLst>
+                                      </p:cBhvr>
+                                      <p:tavLst>
+                                        <p:tav tm="0">
+                                          <p:val>
+                                            <p:strVal val="#ppt_x"/>
+                                          </p:val>
+                                        </p:tav>
+                                        <p:tav tm="100000">
+                                          <p:val>
+                                            <p:strVal val="#ppt_x"/>
+                                          </p:val>
+                                        </p:tav>
+                                      </p:tavLst>
+                                    </p:anim>
+                                    <p:anim calcmode="lin" valueType="num">
+                                      <p:cBhvr additive="base">
+                                        <p:cTn id="104" dur="500" fill="hold"/>
+                                        <p:tgtEl>
+                                          <p:spTgt spid="17"/>
+                                        </p:tgtEl>
+                                        <p:attrNameLst>
+                                          <p:attrName>ppt_y</p:attrName>
+                                        </p:attrNameLst>
+                                      </p:cBhvr>
+                                      <p:tavLst>
+                                        <p:tav tm="0">
+                                          <p:val>
+                                            <p:strVal val="1+#ppt_h/2"/>
+                                          </p:val>
+                                        </p:tav>
+                                        <p:tav tm="100000">
+                                          <p:val>
+                                            <p:strVal val="#ppt_y"/>
+                                          </p:val>
+                                        </p:tav>
+                                      </p:tavLst>
+                                    </p:anim>
+                                  </p:childTnLst>
+                                </p:cTn>
+                              </p:par>
+                            </p:childTnLst>
+                          </p:cTn>
+                        </p:par>
+                      </p:childTnLst>
+                    </p:cTn>
+                  </p:par>
+                  <p:par>
+                    <p:cTn id="105" fill="hold">
+                      <p:stCondLst>
+                        <p:cond delay="indefinite"/>
+                      </p:stCondLst>
+                      <p:childTnLst>
+                        <p:par>
+                          <p:cTn id="106" fill="hold">
+                            <p:stCondLst>
+                              <p:cond delay="0"/>
+                            </p:stCondLst>
+                            <p:childTnLst>
+                              <p:par>
+                                <p:cTn id="107" presetID="53" presetClass="entr" presetSubtype="16" fill="hold" grpId="1" nodeType="clickEffect">
+                                  <p:stCondLst>
+                                    <p:cond delay="0"/>
+                                  </p:stCondLst>
+                                  <p:childTnLst>
+                                    <p:set>
+                                      <p:cBhvr>
+                                        <p:cTn id="108" dur="1" fill="hold">
+                                          <p:stCondLst>
+                                            <p:cond delay="0"/>
+                                          </p:stCondLst>
+                                        </p:cTn>
+                                        <p:tgtEl>
+                                          <p:spTgt spid="30"/>
+                                        </p:tgtEl>
+                                        <p:attrNameLst>
+                                          <p:attrName>style.visibility</p:attrName>
+                                        </p:attrNameLst>
+                                      </p:cBhvr>
+                                      <p:to>
+                                        <p:strVal val="visible"/>
+                                      </p:to>
+                                    </p:set>
+                                    <p:anim calcmode="lin" valueType="num">
+                                      <p:cBhvr>
+                                        <p:cTn id="109" dur="500" fill="hold"/>
+                                        <p:tgtEl>
+                                          <p:spTgt spid="30"/>
+                                        </p:tgtEl>
+                                        <p:attrNameLst>
+                                          <p:attrName>ppt_w</p:attrName>
+                                        </p:attrNameLst>
+                                      </p:cBhvr>
+                                      <p:tavLst>
+                                        <p:tav tm="0">
+                                          <p:val>
+                                            <p:fltVal val="0"/>
+                                          </p:val>
+                                        </p:tav>
+                                        <p:tav tm="100000">
+                                          <p:val>
+                                            <p:strVal val="#ppt_w"/>
+                                          </p:val>
+                                        </p:tav>
+                                      </p:tavLst>
+                                    </p:anim>
+                                    <p:anim calcmode="lin" valueType="num">
+                                      <p:cBhvr>
+                                        <p:cTn id="110" dur="500" fill="hold"/>
+                                        <p:tgtEl>
+                                          <p:spTgt spid="30"/>
+                                        </p:tgtEl>
+                                        <p:attrNameLst>
+                                          <p:attrName>ppt_h</p:attrName>
+                                        </p:attrNameLst>
+                                      </p:cBhvr>
+                                      <p:tavLst>
+                                        <p:tav tm="0">
+                                          <p:val>
+                                            <p:fltVal val="0"/>
+                                          </p:val>
+                                        </p:tav>
+                                        <p:tav tm="100000">
+                                          <p:val>
+                                            <p:strVal val="#ppt_h"/>
+                                          </p:val>
+                                        </p:tav>
+                                      </p:tavLst>
+                                    </p:anim>
+                                    <p:animEffect transition="in" filter="fade">
+                                      <p:cBhvr>
+                                        <p:cTn id="111" dur="500"/>
+                                        <p:tgtEl>
+                                          <p:spTgt spid="30"/>
+                                        </p:tgtEl>
+                                      </p:cBhvr>
+                                    </p:animEffect>
+                                  </p:childTnLst>
+                                </p:cTn>
+                              </p:par>
+                            </p:childTnLst>
+                          </p:cTn>
+                        </p:par>
+                      </p:childTnLst>
+                    </p:cTn>
+                  </p:par>
+                  <p:par>
+                    <p:cTn id="112" fill="hold">
+                      <p:stCondLst>
+                        <p:cond delay="indefinite"/>
+                      </p:stCondLst>
+                      <p:childTnLst>
+                        <p:par>
+                          <p:cTn id="113" fill="hold">
+                            <p:stCondLst>
+                              <p:cond delay="0"/>
+                            </p:stCondLst>
+                            <p:childTnLst>
+                              <p:par>
+                                <p:cTn id="114" presetID="53" presetClass="entr" presetSubtype="16" fill="hold" grpId="1" nodeType="clickEffect">
+                                  <p:stCondLst>
+                                    <p:cond delay="0"/>
+                                  </p:stCondLst>
+                                  <p:childTnLst>
+                                    <p:set>
+                                      <p:cBhvr>
+                                        <p:cTn id="115" dur="1" fill="hold">
+                                          <p:stCondLst>
+                                            <p:cond delay="0"/>
+                                          </p:stCondLst>
+                                        </p:cTn>
+                                        <p:tgtEl>
+                                          <p:spTgt spid="31"/>
+                                        </p:tgtEl>
+                                        <p:attrNameLst>
+                                          <p:attrName>style.visibility</p:attrName>
+                                        </p:attrNameLst>
+                                      </p:cBhvr>
+                                      <p:to>
+                                        <p:strVal val="visible"/>
+                                      </p:to>
+                                    </p:set>
+                                    <p:anim calcmode="lin" valueType="num">
+                                      <p:cBhvr>
+                                        <p:cTn id="116" dur="500" fill="hold"/>
+                                        <p:tgtEl>
+                                          <p:spTgt spid="31"/>
+                                        </p:tgtEl>
+                                        <p:attrNameLst>
+                                          <p:attrName>ppt_w</p:attrName>
+                                        </p:attrNameLst>
+                                      </p:cBhvr>
+                                      <p:tavLst>
+                                        <p:tav tm="0">
+                                          <p:val>
+                                            <p:fltVal val="0"/>
+                                          </p:val>
+                                        </p:tav>
+                                        <p:tav tm="100000">
+                                          <p:val>
+                                            <p:strVal val="#ppt_w"/>
+                                          </p:val>
+                                        </p:tav>
+                                      </p:tavLst>
+                                    </p:anim>
+                                    <p:anim calcmode="lin" valueType="num">
+                                      <p:cBhvr>
+                                        <p:cTn id="117" dur="500" fill="hold"/>
+                                        <p:tgtEl>
+                                          <p:spTgt spid="31"/>
+                                        </p:tgtEl>
+                                        <p:attrNameLst>
+                                          <p:attrName>ppt_h</p:attrName>
+                                        </p:attrNameLst>
+                                      </p:cBhvr>
+                                      <p:tavLst>
+                                        <p:tav tm="0">
+                                          <p:val>
+                                            <p:fltVal val="0"/>
+                                          </p:val>
+                                        </p:tav>
+                                        <p:tav tm="100000">
+                                          <p:val>
+                                            <p:strVal val="#ppt_h"/>
+                                          </p:val>
+                                        </p:tav>
+                                      </p:tavLst>
+                                    </p:anim>
+                                    <p:animEffect transition="in" filter="fade">
+                                      <p:cBhvr>
+                                        <p:cTn id="118" dur="500"/>
+                                        <p:tgtEl>
+                                          <p:spTgt spid="31"/>
+                                        </p:tgtEl>
+                                      </p:cBhvr>
+                                    </p:animEffect>
+                                  </p:childTnLst>
+                                </p:cTn>
+                              </p:par>
+                            </p:childTnLst>
+                          </p:cTn>
+                        </p:par>
+                      </p:childTnLst>
+                    </p:cTn>
+                  </p:par>
+                  <p:par>
+                    <p:cTn id="119" fill="hold">
+                      <p:stCondLst>
+                        <p:cond delay="indefinite"/>
+                      </p:stCondLst>
+                      <p:childTnLst>
+                        <p:par>
+                          <p:cTn id="120" fill="hold">
+                            <p:stCondLst>
+                              <p:cond delay="0"/>
+                            </p:stCondLst>
+                            <p:childTnLst>
+                              <p:par>
+                                <p:cTn id="121" presetID="53" presetClass="entr" presetSubtype="16" fill="hold" grpId="1" nodeType="clickEffect">
+                                  <p:stCondLst>
+                                    <p:cond delay="0"/>
+                                  </p:stCondLst>
+                                  <p:childTnLst>
+                                    <p:set>
+                                      <p:cBhvr>
+                                        <p:cTn id="122" dur="1" fill="hold">
+                                          <p:stCondLst>
+                                            <p:cond delay="0"/>
+                                          </p:stCondLst>
+                                        </p:cTn>
+                                        <p:tgtEl>
+                                          <p:spTgt spid="29"/>
+                                        </p:tgtEl>
+                                        <p:attrNameLst>
+                                          <p:attrName>style.visibility</p:attrName>
+                                        </p:attrNameLst>
+                                      </p:cBhvr>
+                                      <p:to>
+                                        <p:strVal val="visible"/>
+                                      </p:to>
+                                    </p:set>
+                                    <p:anim calcmode="lin" valueType="num">
+                                      <p:cBhvr>
+                                        <p:cTn id="123" dur="500" fill="hold"/>
+                                        <p:tgtEl>
+                                          <p:spTgt spid="29"/>
+                                        </p:tgtEl>
+                                        <p:attrNameLst>
+                                          <p:attrName>ppt_w</p:attrName>
+                                        </p:attrNameLst>
+                                      </p:cBhvr>
+                                      <p:tavLst>
+                                        <p:tav tm="0">
+                                          <p:val>
+                                            <p:fltVal val="0"/>
+                                          </p:val>
+                                        </p:tav>
+                                        <p:tav tm="100000">
+                                          <p:val>
+                                            <p:strVal val="#ppt_w"/>
+                                          </p:val>
+                                        </p:tav>
+                                      </p:tavLst>
+                                    </p:anim>
+                                    <p:anim calcmode="lin" valueType="num">
+                                      <p:cBhvr>
+                                        <p:cTn id="124" dur="500" fill="hold"/>
+                                        <p:tgtEl>
+                                          <p:spTgt spid="29"/>
+                                        </p:tgtEl>
+                                        <p:attrNameLst>
+                                          <p:attrName>ppt_h</p:attrName>
+                                        </p:attrNameLst>
+                                      </p:cBhvr>
+                                      <p:tavLst>
+                                        <p:tav tm="0">
+                                          <p:val>
+                                            <p:fltVal val="0"/>
+                                          </p:val>
+                                        </p:tav>
+                                        <p:tav tm="100000">
+                                          <p:val>
+                                            <p:strVal val="#ppt_h"/>
+                                          </p:val>
+                                        </p:tav>
+                                      </p:tavLst>
+                                    </p:anim>
+                                    <p:animEffect transition="in" filter="fade">
+                                      <p:cBhvr>
+                                        <p:cTn id="125" dur="500"/>
+                                        <p:tgtEl>
+                                          <p:spTgt spid="29"/>
+                                        </p:tgtEl>
+                                      </p:cBhvr>
+                                    </p:animEffect>
+                                  </p:childTnLst>
+                                </p:cTn>
+                              </p:par>
+                            </p:childTnLst>
+                          </p:cTn>
+                        </p:par>
+                      </p:childTnLst>
+                    </p:cTn>
+                  </p:par>
+                  <p:par>
+                    <p:cTn id="126" fill="hold">
+                      <p:stCondLst>
+                        <p:cond delay="indefinite"/>
+                      </p:stCondLst>
+                      <p:childTnLst>
+                        <p:par>
+                          <p:cTn id="127" fill="hold">
+                            <p:stCondLst>
+                              <p:cond delay="0"/>
+                            </p:stCondLst>
+                            <p:childTnLst>
+                              <p:par>
+                                <p:cTn id="128" presetID="26" presetClass="entr" presetSubtype="0" fill="hold" nodeType="clickEffect">
+                                  <p:stCondLst>
+                                    <p:cond delay="0"/>
+                                  </p:stCondLst>
+                                  <p:childTnLst>
+                                    <p:set>
+                                      <p:cBhvr>
+                                        <p:cTn id="129" dur="1" fill="hold">
+                                          <p:stCondLst>
+                                            <p:cond delay="0"/>
+                                          </p:stCondLst>
+                                        </p:cTn>
+                                        <p:tgtEl>
+                                          <p:spTgt spid="7173"/>
+                                        </p:tgtEl>
+                                        <p:attrNameLst>
+                                          <p:attrName>style.visibility</p:attrName>
+                                        </p:attrNameLst>
+                                      </p:cBhvr>
+                                      <p:to>
+                                        <p:strVal val="visible"/>
+                                      </p:to>
+                                    </p:set>
+                                    <p:animEffect transition="in" filter="wipe(down)">
+                                      <p:cBhvr>
+                                        <p:cTn id="130" dur="580">
+                                          <p:stCondLst>
+                                            <p:cond delay="0"/>
+                                          </p:stCondLst>
+                                        </p:cTn>
+                                        <p:tgtEl>
+                                          <p:spTgt spid="7173"/>
+                                        </p:tgtEl>
+                                      </p:cBhvr>
+                                    </p:animEffect>
+                                    <p:anim calcmode="lin" valueType="num">
+                                      <p:cBhvr>
+                                        <p:cTn id="131" dur="1822" tmFilter="0,0; 0.14,0.36; 0.43,0.73; 0.71,0.91; 1.0,1.0">
+                                          <p:stCondLst>
+                                            <p:cond delay="0"/>
+                                          </p:stCondLst>
+                                        </p:cTn>
+                                        <p:tgtEl>
+                                          <p:spTgt spid="7173"/>
+                                        </p:tgtEl>
+                                        <p:attrNameLst>
+                                          <p:attrName>ppt_x</p:attrName>
+                                        </p:attrNameLst>
+                                      </p:cBhvr>
+                                      <p:tavLst>
+                                        <p:tav tm="0">
+                                          <p:val>
+                                            <p:strVal val="#ppt_x-0.25"/>
+                                          </p:val>
+                                        </p:tav>
+                                        <p:tav tm="100000">
+                                          <p:val>
+                                            <p:strVal val="#ppt_x"/>
+                                          </p:val>
+                                        </p:tav>
+                                      </p:tavLst>
+                                    </p:anim>
+                                    <p:anim calcmode="lin" valueType="num">
+                                      <p:cBhvr>
+                                        <p:cTn id="132" dur="664" tmFilter="0.0,0.0; 0.25,0.07; 0.50,0.2; 0.75,0.467; 1.0,1.0">
+                                          <p:stCondLst>
+                                            <p:cond delay="0"/>
+                                          </p:stCondLst>
+                                        </p:cTn>
+                                        <p:tgtEl>
+                                          <p:spTgt spid="7173"/>
+                                        </p:tgtEl>
+                                        <p:attrNameLst>
+                                          <p:attrName>ppt_y</p:attrName>
+                                        </p:attrNameLst>
+                                      </p:cBhvr>
+                                      <p:tavLst>
+                                        <p:tav tm="0" fmla="#ppt_y-sin(pi*$)/3">
+                                          <p:val>
+                                            <p:fltVal val="0.5"/>
+                                          </p:val>
+                                        </p:tav>
+                                        <p:tav tm="100000">
+                                          <p:val>
+                                            <p:fltVal val="1"/>
+                                          </p:val>
+                                        </p:tav>
+                                      </p:tavLst>
+                                    </p:anim>
+                                    <p:anim calcmode="lin" valueType="num">
+                                      <p:cBhvr>
+                                        <p:cTn id="133" dur="664" tmFilter="0, 0; 0.125,0.2665; 0.25,0.4; 0.375,0.465; 0.5,0.5;  0.625,0.535; 0.75,0.6; 0.875,0.7335; 1,1">
+                                          <p:stCondLst>
+                                            <p:cond delay="664"/>
+                                          </p:stCondLst>
+                                        </p:cTn>
+                                        <p:tgtEl>
+                                          <p:spTgt spid="7173"/>
+                                        </p:tgtEl>
+                                        <p:attrNameLst>
+                                          <p:attrName>ppt_y</p:attrName>
+                                        </p:attrNameLst>
+                                      </p:cBhvr>
+                                      <p:tavLst>
+                                        <p:tav tm="0" fmla="#ppt_y-sin(pi*$)/9">
+                                          <p:val>
+                                            <p:fltVal val="0"/>
+                                          </p:val>
+                                        </p:tav>
+                                        <p:tav tm="100000">
+                                          <p:val>
+                                            <p:fltVal val="1"/>
+                                          </p:val>
+                                        </p:tav>
+                                      </p:tavLst>
+                                    </p:anim>
+                                    <p:anim calcmode="lin" valueType="num">
+                                      <p:cBhvr>
+                                        <p:cTn id="134" dur="332" tmFilter="0, 0; 0.125,0.2665; 0.25,0.4; 0.375,0.465; 0.5,0.5;  0.625,0.535; 0.75,0.6; 0.875,0.7335; 1,1">
+                                          <p:stCondLst>
+                                            <p:cond delay="1324"/>
+                                          </p:stCondLst>
+                                        </p:cTn>
+                                        <p:tgtEl>
+                                          <p:spTgt spid="7173"/>
+                                        </p:tgtEl>
+                                        <p:attrNameLst>
+                                          <p:attrName>ppt_y</p:attrName>
+                                        </p:attrNameLst>
+                                      </p:cBhvr>
+                                      <p:tavLst>
+                                        <p:tav tm="0" fmla="#ppt_y-sin(pi*$)/27">
+                                          <p:val>
+                                            <p:fltVal val="0"/>
+                                          </p:val>
+                                        </p:tav>
+                                        <p:tav tm="100000">
+                                          <p:val>
+                                            <p:fltVal val="1"/>
+                                          </p:val>
+                                        </p:tav>
+                                      </p:tavLst>
+                                    </p:anim>
+                                    <p:anim calcmode="lin" valueType="num">
+                                      <p:cBhvr>
+                                        <p:cTn id="135" dur="164" tmFilter="0, 0; 0.125,0.2665; 0.25,0.4; 0.375,0.465; 0.5,0.5;  0.625,0.535; 0.75,0.6; 0.875,0.7335; 1,1">
+                                          <p:stCondLst>
+                                            <p:cond delay="1656"/>
+                                          </p:stCondLst>
+                                        </p:cTn>
+                                        <p:tgtEl>
+                                          <p:spTgt spid="7173"/>
+                                        </p:tgtEl>
+                                        <p:attrNameLst>
+                                          <p:attrName>ppt_y</p:attrName>
+                                        </p:attrNameLst>
+                                      </p:cBhvr>
+                                      <p:tavLst>
+                                        <p:tav tm="0" fmla="#ppt_y-sin(pi*$)/81">
+                                          <p:val>
+                                            <p:fltVal val="0"/>
+                                          </p:val>
+                                        </p:tav>
+                                        <p:tav tm="100000">
+                                          <p:val>
+                                            <p:fltVal val="1"/>
+                                          </p:val>
+                                        </p:tav>
+                                      </p:tavLst>
+                                    </p:anim>
+                                    <p:animScale>
+                                      <p:cBhvr>
+                                        <p:cTn id="136" dur="26">
+                                          <p:stCondLst>
+                                            <p:cond delay="650"/>
+                                          </p:stCondLst>
+                                        </p:cTn>
+                                        <p:tgtEl>
+                                          <p:spTgt spid="7173"/>
+                                        </p:tgtEl>
+                                      </p:cBhvr>
+                                      <p:to x="100000" y="60000"/>
+                                    </p:animScale>
+                                    <p:animScale>
+                                      <p:cBhvr>
+                                        <p:cTn id="137" dur="166" decel="50000">
+                                          <p:stCondLst>
+                                            <p:cond delay="676"/>
+                                          </p:stCondLst>
+                                        </p:cTn>
+                                        <p:tgtEl>
+                                          <p:spTgt spid="7173"/>
+                                        </p:tgtEl>
+                                      </p:cBhvr>
+                                      <p:to x="100000" y="100000"/>
+                                    </p:animScale>
+                                    <p:animScale>
+                                      <p:cBhvr>
+                                        <p:cTn id="138" dur="26">
+                                          <p:stCondLst>
+                                            <p:cond delay="1312"/>
+                                          </p:stCondLst>
+                                        </p:cTn>
+                                        <p:tgtEl>
+                                          <p:spTgt spid="7173"/>
+                                        </p:tgtEl>
+                                      </p:cBhvr>
+                                      <p:to x="100000" y="80000"/>
+                                    </p:animScale>
+                                    <p:animScale>
+                                      <p:cBhvr>
+                                        <p:cTn id="139" dur="166" decel="50000">
+                                          <p:stCondLst>
+                                            <p:cond delay="1338"/>
+                                          </p:stCondLst>
+                                        </p:cTn>
+                                        <p:tgtEl>
+                                          <p:spTgt spid="7173"/>
+                                        </p:tgtEl>
+                                      </p:cBhvr>
+                                      <p:to x="100000" y="100000"/>
+                                    </p:animScale>
+                                    <p:animScale>
+                                      <p:cBhvr>
+                                        <p:cTn id="140" dur="26">
+                                          <p:stCondLst>
+                                            <p:cond delay="1642"/>
+                                          </p:stCondLst>
+                                        </p:cTn>
+                                        <p:tgtEl>
+                                          <p:spTgt spid="7173"/>
+                                        </p:tgtEl>
+                                      </p:cBhvr>
+                                      <p:to x="100000" y="90000"/>
+                                    </p:animScale>
+                                    <p:animScale>
+                                      <p:cBhvr>
+                                        <p:cTn id="141" dur="166" decel="50000">
+                                          <p:stCondLst>
+                                            <p:cond delay="1668"/>
+                                          </p:stCondLst>
+                                        </p:cTn>
+                                        <p:tgtEl>
+                                          <p:spTgt spid="7173"/>
+                                        </p:tgtEl>
+                                      </p:cBhvr>
+                                      <p:to x="100000" y="100000"/>
+                                    </p:animScale>
+                                    <p:animScale>
+                                      <p:cBhvr>
+                                        <p:cTn id="142" dur="26">
+                                          <p:stCondLst>
+                                            <p:cond delay="1808"/>
+                                          </p:stCondLst>
+                                        </p:cTn>
+                                        <p:tgtEl>
+                                          <p:spTgt spid="7173"/>
+                                        </p:tgtEl>
+                                      </p:cBhvr>
+                                      <p:to x="100000" y="95000"/>
+                                    </p:animScale>
+                                    <p:animScale>
+                                      <p:cBhvr>
+                                        <p:cTn id="143" dur="166" decel="50000">
+                                          <p:stCondLst>
+                                            <p:cond delay="1834"/>
+                                          </p:stCondLst>
+                                        </p:cTn>
+                                        <p:tgtEl>
+                                          <p:spTgt spid="7173"/>
+                                        </p:tgtEl>
+                                      </p:cBhvr>
+                                      <p:to x="100000" y="100000"/>
+                                    </p:animScale>
+                                  </p:childTnLst>
+                                </p:cTn>
+                              </p:par>
+                            </p:childTnLst>
+                          </p:cTn>
+                        </p:par>
+                      </p:childTnLst>
+                    </p:cTn>
+                  </p:par>
+                </p:childTnLst>
+              </p:cTn>
+              <p:prevCondLst>
+                <p:cond evt="onPrev" delay="0">
+                  <p:tgtEl>
+                    <p:sldTgt/>
+                  </p:tgtEl>
+                </p:cond>
+              </p:prevCondLst>
+              <p:nextCondLst>
+                <p:cond evt="onNext" delay="0">
+                  <p:tgtEl>
+                    <p:sldTgt/>
+                  </p:tgtEl>
+                </p:cond>
+              </p:nextCondLst>
+            </p:seq>
+          </p:childTnLst>
+        </p:cTn>
+      </p:par>
+    </p:tnLst>
+    <p:bldLst>
+      <p:bldP spid="19" grpId="0" animBg="1"/>
+      <p:bldP spid="19" grpId="1" animBg="1"/>
+      <p:bldP spid="16" grpId="0" animBg="1"/>
+      <p:bldP spid="16" grpId="1" animBg="1"/>
+      <p:bldP spid="16" grpId="2" animBg="1"/>
+      <p:bldP spid="24" grpId="0" animBg="1"/>
+      <p:bldP spid="24" grpId="1" animBg="1"/>
+      <p:bldP spid="24" grpId="2" animBg="1"/>
+      <p:bldP spid="25" grpId="0" animBg="1"/>
+      <p:bldP spid="25" grpId="1" animBg="1"/>
+      <p:bldP spid="25" grpId="2" animBg="1"/>
+      <p:bldP spid="26" grpId="0" animBg="1"/>
+      <p:bldP spid="26" grpId="1" animBg="1"/>
+      <p:bldP spid="26" grpId="3" animBg="1"/>
+      <p:bldP spid="27" grpId="0" animBg="1"/>
+      <p:bldP spid="27" grpId="1" animBg="1"/>
+      <p:bldP spid="28" grpId="0" animBg="1"/>
+      <p:bldP spid="28" grpId="1" animBg="1"/>
+      <p:bldP spid="29" grpId="0" animBg="1"/>
+      <p:bldP spid="29" grpId="1" animBg="1"/>
+      <p:bldP spid="30" grpId="0" animBg="1"/>
+      <p:bldP spid="30" grpId="1" animBg="1"/>
+      <p:bldP spid="31" grpId="0" animBg="1"/>
+      <p:bldP spid="31" grpId="1" animBg="1"/>
+      <p:bldP spid="17" grpId="0" animBg="1"/>
+      <p:bldP spid="17" grpId="1" animBg="1"/>
+    </p:bldLst>
+  </p:timing>
+</p:sld>
+</file>
+
+<file path=ppt/slides/slide28.xml><?xml version="1.0" encoding="utf-8"?>
+<p:sld xmlns:a="http://schemas.openxmlformats.org/drawingml/2006/main" xmlns:r="http://schemas.openxmlformats.org/officeDocument/2006/relationships" xmlns:p="http://schemas.openxmlformats.org/presentationml/2006/main">
+  <p:cSld>
+    <p:spTree>
+      <p:nvGrpSpPr>
+        <p:cNvPr id="1" name=""/>
+        <p:cNvGrpSpPr/>
+        <p:nvPr/>
+      </p:nvGrpSpPr>
+      <p:grpSpPr>
+        <a:xfrm>
+          <a:off x="0" y="0"/>
+          <a:ext cx="0" cy="0"/>
+          <a:chOff x="0" y="0"/>
+          <a:chExt cx="0" cy="0"/>
+        </a:xfrm>
+      </p:grpSpPr>
+      <p:sp>
+        <p:nvSpPr>
+          <p:cNvPr id="3" name="Title 2"/>
+          <p:cNvSpPr>
+            <a:spLocks noGrp="1"/>
+          </p:cNvSpPr>
+          <p:nvPr>
+            <p:ph type="title"/>
+          </p:nvPr>
+        </p:nvSpPr>
+        <p:spPr/>
+        <p:txBody>
+          <a:bodyPr>
+            <a:normAutofit fontScale="90000"/>
+          </a:bodyPr>
+          <a:lstStyle/>
+          <a:p>
+            <a:r>
+              <a:rPr lang="en-US" sz="4400" dirty="0"/>
+              <a:t>Addr. Calc. – </a:t>
+            </a:r>
+            <a:r>
+              <a:rPr lang="en-US" sz="4400" dirty="0" smtClean="0"/>
+              <a:t>Testing - </a:t>
+            </a:r>
+            <a:r>
+              <a:rPr lang="en-US" sz="4400" dirty="0" err="1" smtClean="0"/>
+              <a:t>Matlab</a:t>
+            </a:r>
+            <a:endParaRPr lang="he-IL" dirty="0"/>
+          </a:p>
+        </p:txBody>
+      </p:sp>
+      <p:pic>
+        <p:nvPicPr>
+          <p:cNvPr id="4" name="Picture 5"/>
+          <p:cNvPicPr>
+            <a:picLocks noChangeAspect="1" noChangeArrowheads="1"/>
+          </p:cNvPicPr>
+          <p:nvPr/>
+        </p:nvPicPr>
+        <p:blipFill>
+          <a:blip r:embed="rId3">
+            <a:extLst>
+              <a:ext uri="{28A0092B-C50C-407E-A947-70E740481C1C}">
+                <a14:useLocalDpi xmlns:a14="http://schemas.microsoft.com/office/drawing/2010/main" val="0"/>
+              </a:ext>
+            </a:extLst>
+          </a:blip>
+          <a:srcRect/>
+          <a:stretch>
+            <a:fillRect/>
+          </a:stretch>
+        </p:blipFill>
+        <p:spPr bwMode="auto">
+          <a:xfrm>
+            <a:off x="342528" y="1501167"/>
+            <a:ext cx="2207829" cy="1567793"/>
+          </a:xfrm>
+          <a:prstGeom prst="rect">
+            <a:avLst/>
+          </a:prstGeom>
+          <a:ln>
+            <a:noFill/>
+          </a:ln>
+          <a:effectLst>
+            <a:reflection blurRad="12700" stA="30000" endPos="30000" dist="5000" dir="5400000" sy="-100000" algn="bl" rotWithShape="0"/>
+          </a:effectLst>
+          <a:scene3d>
+            <a:camera prst="perspectiveContrastingLeftFacing">
+              <a:rot lat="300000" lon="19800000" rev="0"/>
+            </a:camera>
+            <a:lightRig rig="threePt" dir="t">
+              <a:rot lat="0" lon="0" rev="2700000"/>
+            </a:lightRig>
+          </a:scene3d>
+          <a:sp3d>
+            <a:bevelT w="63500" h="50800"/>
+          </a:sp3d>
+          <a:extLst>
+            <a:ext uri="{909E8E84-426E-40DD-AFC4-6F175D3DCCD1}">
+              <a14:hiddenFill xmlns:a14="http://schemas.microsoft.com/office/drawing/2010/main">
+                <a:solidFill>
+                  <a:schemeClr val="accent1"/>
+                </a:solidFill>
+              </a14:hiddenFill>
+            </a:ext>
+            <a:ext uri="{91240B29-F687-4F45-9708-019B960494DF}">
+              <a14:hiddenLine xmlns:a14="http://schemas.microsoft.com/office/drawing/2010/main" w="9525">
+                <a:solidFill>
+                  <a:schemeClr val="tx1"/>
+                </a:solidFill>
+                <a:miter lim="800000"/>
+                <a:headEnd/>
+                <a:tailEnd/>
+              </a14:hiddenLine>
+            </a:ext>
+            <a:ext uri="{AF507438-7753-43E0-B8FC-AC1667EBCBE1}">
+              <a14:hiddenEffects xmlns:a14="http://schemas.microsoft.com/office/drawing/2010/main">
+                <a:effectLst>
+                  <a:outerShdw dist="35921" dir="2700000" algn="ctr" rotWithShape="0">
+                    <a:schemeClr val="bg2"/>
+                  </a:outerShdw>
+                </a:effectLst>
+              </a14:hiddenEffects>
+            </a:ext>
+          </a:extLst>
+        </p:spPr>
+      </p:pic>
+      <p:pic>
+        <p:nvPicPr>
+          <p:cNvPr id="8196" name="Picture 4" descr="http://www.google.co.il/url?source=imglanding&amp;ct=img&amp;q=http://www.3deducators.com/images/IT/MATLAB-1.jpg&amp;sa=X&amp;ei=g8yTUI_ADMvS4QTG_oGQAg&amp;ved=0CAoQ8wc&amp;usg=AFQjCNFKtJRBTA8PqQClkMtZF38FTxaUDg"/>
+          <p:cNvPicPr>
+            <a:picLocks noChangeAspect="1" noChangeArrowheads="1"/>
+          </p:cNvPicPr>
+          <p:nvPr/>
+        </p:nvPicPr>
+        <p:blipFill>
+          <a:blip r:embed="rId4">
+            <a:extLst>
+              <a:ext uri="{28A0092B-C50C-407E-A947-70E740481C1C}">
+                <a14:useLocalDpi xmlns:a14="http://schemas.microsoft.com/office/drawing/2010/main" val="0"/>
+              </a:ext>
+            </a:extLst>
+          </a:blip>
+          <a:srcRect/>
+          <a:stretch>
+            <a:fillRect/>
+          </a:stretch>
+        </p:blipFill>
+        <p:spPr bwMode="auto">
+          <a:xfrm>
+            <a:off x="3851920" y="2473431"/>
+            <a:ext cx="1891672" cy="1891673"/>
+          </a:xfrm>
+          <a:prstGeom prst="rect">
+            <a:avLst/>
+          </a:prstGeom>
+          <a:solidFill>
+            <a:srgbClr val="FFFFFF">
+              <a:shade val="85000"/>
+            </a:srgbClr>
+          </a:solidFill>
+          <a:ln w="190500" cap="rnd">
+            <a:solidFill>
+              <a:srgbClr val="FFFFFF"/>
+            </a:solidFill>
+          </a:ln>
+          <a:effectLst>
+            <a:outerShdw blurRad="50000" algn="tl" rotWithShape="0">
+              <a:srgbClr val="000000">
+                <a:alpha val="41000"/>
+              </a:srgbClr>
+            </a:outerShdw>
+          </a:effectLst>
+          <a:scene3d>
+            <a:camera prst="orthographicFront"/>
+            <a:lightRig rig="twoPt" dir="t">
+              <a:rot lat="0" lon="0" rev="7800000"/>
+            </a:lightRig>
+          </a:scene3d>
+          <a:sp3d contourW="6350">
+            <a:bevelT w="50800" h="16510"/>
+            <a:contourClr>
+              <a:srgbClr val="C0C0C0"/>
+            </a:contourClr>
+          </a:sp3d>
+          <a:extLst>
+            <a:ext uri="{909E8E84-426E-40DD-AFC4-6F175D3DCCD1}">
+              <a14:hiddenFill xmlns:a14="http://schemas.microsoft.com/office/drawing/2010/main">
+                <a:solidFill>
+                  <a:srgbClr val="FFFFFF"/>
+                </a:solidFill>
+              </a14:hiddenFill>
+            </a:ext>
+          </a:extLst>
+        </p:spPr>
+      </p:pic>
+      <p:sp>
+        <p:nvSpPr>
+          <p:cNvPr id="5" name="Right Arrow 4"/>
+          <p:cNvSpPr/>
+          <p:nvPr/>
+        </p:nvSpPr>
+        <p:spPr>
+          <a:xfrm>
+            <a:off x="2550357" y="3364621"/>
+            <a:ext cx="1080120" cy="295661"/>
+          </a:xfrm>
+          <a:prstGeom prst="rightArrow">
+            <a:avLst/>
+          </a:prstGeom>
+        </p:spPr>
+        <p:style>
+          <a:lnRef idx="0">
+            <a:schemeClr val="accent4"/>
+          </a:lnRef>
+          <a:fillRef idx="3">
+            <a:schemeClr val="accent4"/>
+          </a:fillRef>
+          <a:effectRef idx="3">
+            <a:schemeClr val="accent4"/>
+          </a:effectRef>
+          <a:fontRef idx="minor">
+            <a:schemeClr val="lt1"/>
+          </a:fontRef>
+        </p:style>
+        <p:txBody>
+          <a:bodyPr rtlCol="1" anchor="ctr"/>
+          <a:lstStyle/>
+          <a:p>
+            <a:pPr algn="ctr"/>
+            <a:endParaRPr lang="he-IL"/>
+          </a:p>
+        </p:txBody>
+      </p:sp>
+      <p:pic>
+        <p:nvPicPr>
+          <p:cNvPr id="8197" name="Picture 5" descr="P:\image-rotation-technion-ee\Matlab\Address Calc Test\lena128.jpg"/>
+          <p:cNvPicPr>
+            <a:picLocks noChangeAspect="1" noChangeArrowheads="1"/>
+          </p:cNvPicPr>
+          <p:nvPr/>
+        </p:nvPicPr>
+        <p:blipFill>
+          <a:blip r:embed="rId5">
+            <a:extLst>
+              <a:ext uri="{28A0092B-C50C-407E-A947-70E740481C1C}">
+                <a14:useLocalDpi xmlns:a14="http://schemas.microsoft.com/office/drawing/2010/main" val="0"/>
+              </a:ext>
+            </a:extLst>
+          </a:blip>
+          <a:srcRect/>
+          <a:stretch>
+            <a:fillRect/>
+          </a:stretch>
+        </p:blipFill>
+        <p:spPr bwMode="auto">
+          <a:xfrm>
+            <a:off x="835013" y="3928467"/>
+            <a:ext cx="1299587" cy="1732782"/>
+          </a:xfrm>
+          <a:prstGeom prst="rect">
+            <a:avLst/>
+          </a:prstGeom>
+          <a:noFill/>
+          <a:extLst>
+            <a:ext uri="{909E8E84-426E-40DD-AFC4-6F175D3DCCD1}">
+              <a14:hiddenFill xmlns:a14="http://schemas.microsoft.com/office/drawing/2010/main">
+                <a:solidFill>
+                  <a:srgbClr val="FFFFFF"/>
+                </a:solidFill>
+              </a14:hiddenFill>
+            </a:ext>
+          </a:extLst>
+        </p:spPr>
+      </p:pic>
+      <p:sp>
+        <p:nvSpPr>
+          <p:cNvPr id="6" name="Plus 5"/>
+          <p:cNvSpPr/>
+          <p:nvPr/>
+        </p:nvSpPr>
+        <p:spPr>
+          <a:xfrm>
+            <a:off x="1187624" y="3364621"/>
+            <a:ext cx="504056" cy="424419"/>
+          </a:xfrm>
+          <a:prstGeom prst="mathPlus">
+            <a:avLst/>
+          </a:prstGeom>
+        </p:spPr>
+        <p:style>
+          <a:lnRef idx="0">
+            <a:schemeClr val="accent4"/>
+          </a:lnRef>
+          <a:fillRef idx="3">
+            <a:schemeClr val="accent4"/>
+          </a:fillRef>
+          <a:effectRef idx="3">
+            <a:schemeClr val="accent4"/>
+          </a:effectRef>
+          <a:fontRef idx="minor">
+            <a:schemeClr val="lt1"/>
+          </a:fontRef>
+        </p:style>
+        <p:txBody>
+          <a:bodyPr rtlCol="1" anchor="ctr"/>
+          <a:lstStyle/>
+          <a:p>
+            <a:pPr algn="ctr"/>
+            <a:endParaRPr lang="he-IL"/>
+          </a:p>
+        </p:txBody>
+      </p:sp>
+      <p:sp>
+        <p:nvSpPr>
+          <p:cNvPr id="10" name="Right Arrow 9"/>
+          <p:cNvSpPr/>
+          <p:nvPr/>
+        </p:nvSpPr>
+        <p:spPr>
+          <a:xfrm>
+            <a:off x="5940152" y="3429000"/>
+            <a:ext cx="1080120" cy="295661"/>
+          </a:xfrm>
+          <a:prstGeom prst="rightArrow">
+            <a:avLst/>
+          </a:prstGeom>
+        </p:spPr>
+        <p:style>
+          <a:lnRef idx="0">
+            <a:schemeClr val="accent4"/>
+          </a:lnRef>
+          <a:fillRef idx="3">
+            <a:schemeClr val="accent4"/>
+          </a:fillRef>
+          <a:effectRef idx="3">
+            <a:schemeClr val="accent4"/>
+          </a:effectRef>
+          <a:fontRef idx="minor">
+            <a:schemeClr val="lt1"/>
+          </a:fontRef>
+        </p:style>
+        <p:txBody>
+          <a:bodyPr rtlCol="1" anchor="ctr"/>
+          <a:lstStyle/>
+          <a:p>
+            <a:pPr algn="ctr"/>
+            <a:endParaRPr lang="he-IL"/>
+          </a:p>
+        </p:txBody>
+      </p:sp>
+      <p:pic>
+        <p:nvPicPr>
+          <p:cNvPr id="8198" name="Picture 6"/>
+          <p:cNvPicPr>
+            <a:picLocks noChangeAspect="1" noChangeArrowheads="1"/>
+          </p:cNvPicPr>
+          <p:nvPr/>
+        </p:nvPicPr>
+        <p:blipFill>
+          <a:blip r:embed="rId6">
+            <a:extLst>
+              <a:ext uri="{28A0092B-C50C-407E-A947-70E740481C1C}">
+                <a14:useLocalDpi xmlns:a14="http://schemas.microsoft.com/office/drawing/2010/main" val="0"/>
+              </a:ext>
+            </a:extLst>
+          </a:blip>
+          <a:srcRect/>
+          <a:stretch>
+            <a:fillRect/>
+          </a:stretch>
+        </p:blipFill>
+        <p:spPr bwMode="auto">
+          <a:xfrm>
+            <a:off x="7020272" y="2152842"/>
+            <a:ext cx="2076450" cy="2847975"/>
+          </a:xfrm>
+          <a:prstGeom prst="rect">
+            <a:avLst/>
+          </a:prstGeom>
+          <a:noFill/>
+          <a:ln>
+            <a:noFill/>
+          </a:ln>
+          <a:effectLst/>
+          <a:extLst>
+            <a:ext uri="{909E8E84-426E-40DD-AFC4-6F175D3DCCD1}">
+              <a14:hiddenFill xmlns:a14="http://schemas.microsoft.com/office/drawing/2010/main">
+                <a:solidFill>
+                  <a:schemeClr val="accent1"/>
+                </a:solidFill>
+              </a14:hiddenFill>
+            </a:ext>
+            <a:ext uri="{91240B29-F687-4F45-9708-019B960494DF}">
+              <a14:hiddenLine xmlns:a14="http://schemas.microsoft.com/office/drawing/2010/main" w="9525">
+                <a:solidFill>
+                  <a:schemeClr val="tx1"/>
+                </a:solidFill>
+                <a:miter lim="800000"/>
+                <a:headEnd/>
+                <a:tailEnd/>
+              </a14:hiddenLine>
+            </a:ext>
+            <a:ext uri="{AF507438-7753-43E0-B8FC-AC1667EBCBE1}">
+              <a14:hiddenEffects xmlns:a14="http://schemas.microsoft.com/office/drawing/2010/main">
+                <a:effectLst>
+                  <a:outerShdw dist="35921" dir="2700000" algn="ctr" rotWithShape="0">
+                    <a:schemeClr val="bg2"/>
+                  </a:outerShdw>
+                </a:effectLst>
+              </a14:hiddenEffects>
+            </a:ext>
+          </a:extLst>
+        </p:spPr>
+      </p:pic>
+      <p:sp>
+        <p:nvSpPr>
+          <p:cNvPr id="12" name="Rounded Rectangle 11"/>
+          <p:cNvSpPr/>
+          <p:nvPr/>
+        </p:nvSpPr>
+        <p:spPr>
+          <a:xfrm>
+            <a:off x="2411760" y="5373216"/>
+            <a:ext cx="1152128" cy="864096"/>
+          </a:xfrm>
+          <a:prstGeom prst="roundRect">
+            <a:avLst/>
+          </a:prstGeom>
+        </p:spPr>
+        <p:style>
+          <a:lnRef idx="1">
+            <a:schemeClr val="dk1"/>
+          </a:lnRef>
+          <a:fillRef idx="2">
+            <a:schemeClr val="dk1"/>
+          </a:fillRef>
+          <a:effectRef idx="1">
+            <a:schemeClr val="dk1"/>
+          </a:effectRef>
+          <a:fontRef idx="minor">
+            <a:schemeClr val="dk1"/>
+          </a:fontRef>
+        </p:style>
+        <p:txBody>
+          <a:bodyPr rtlCol="1" anchor="ctr"/>
+          <a:lstStyle/>
+          <a:p>
+            <a:r>
+              <a:rPr lang="en-US" sz="900" dirty="0"/>
+              <a:t>Zoom=x4</a:t>
+            </a:r>
+          </a:p>
+          <a:p>
+            <a:r>
+              <a:rPr lang="en-US" sz="900" dirty="0"/>
+              <a:t>Angle =60 deg</a:t>
+            </a:r>
+          </a:p>
+          <a:p>
+            <a:r>
+              <a:rPr lang="en-US" sz="900" dirty="0"/>
+              <a:t>X Start =30</a:t>
+            </a:r>
+          </a:p>
+          <a:p>
+            <a:r>
+              <a:rPr lang="en-US" sz="900" dirty="0"/>
+              <a:t>Y Start =29</a:t>
+            </a:r>
+          </a:p>
+        </p:txBody>
+      </p:sp>
+    </p:spTree>
+    <p:extLst>
+      <p:ext uri="{BB962C8B-B14F-4D97-AF65-F5344CB8AC3E}">
+        <p14:creationId xmlns:p14="http://schemas.microsoft.com/office/powerpoint/2010/main" val="3741562149"/>
+      </p:ext>
+    </p:extLst>
+  </p:cSld>
+  <p:clrMapOvr>
+    <a:masterClrMapping/>
+  </p:clrMapOvr>
+  <p:timing>
+    <p:tnLst>
+      <p:par>
+        <p:cTn id="1" dur="indefinite" restart="never" nodeType="tmRoot">
+          <p:childTnLst>
+            <p:seq concurrent="1" nextAc="seek">
+              <p:cTn id="2" dur="indefinite" nodeType="mainSeq">
+                <p:childTnLst>
+                  <p:par>
+                    <p:cTn id="3" fill="hold">
+                      <p:stCondLst>
+                        <p:cond delay="indefinite"/>
+                      </p:stCondLst>
+                      <p:childTnLst>
+                        <p:par>
+                          <p:cTn id="4" fill="hold">
+                            <p:stCondLst>
+                              <p:cond delay="0"/>
+                            </p:stCondLst>
+                            <p:childTnLst>
+                              <p:par>
+                                <p:cTn id="5" presetID="22" presetClass="entr" presetSubtype="4" fill="hold" grpId="0" nodeType="clickEffect">
+                                  <p:stCondLst>
+                                    <p:cond delay="0"/>
+                                  </p:stCondLst>
+                                  <p:childTnLst>
+                                    <p:set>
+                                      <p:cBhvr>
+                                        <p:cTn id="6" dur="1" fill="hold">
+                                          <p:stCondLst>
+                                            <p:cond delay="0"/>
+                                          </p:stCondLst>
+                                        </p:cTn>
+                                        <p:tgtEl>
+                                          <p:spTgt spid="12"/>
+                                        </p:tgtEl>
+                                        <p:attrNameLst>
+                                          <p:attrName>style.visibility</p:attrName>
+                                        </p:attrNameLst>
+                                      </p:cBhvr>
+                                      <p:to>
+                                        <p:strVal val="visible"/>
+                                      </p:to>
+                                    </p:set>
+                                    <p:animEffect transition="in" filter="wipe(down)">
+                                      <p:cBhvr>
+                                        <p:cTn id="7" dur="500"/>
+                                        <p:tgtEl>
+                                          <p:spTgt spid="12"/>
+                                        </p:tgtEl>
+                                      </p:cBhvr>
+                                    </p:animEffect>
+                                  </p:childTnLst>
+                                </p:cTn>
+                              </p:par>
+                              <p:par>
+                                <p:cTn id="8" presetID="22" presetClass="entr" presetSubtype="4" fill="hold" nodeType="withEffect">
+                                  <p:stCondLst>
+                                    <p:cond delay="0"/>
+                                  </p:stCondLst>
+                                  <p:childTnLst>
+                                    <p:set>
+                                      <p:cBhvr>
+                                        <p:cTn id="9" dur="1" fill="hold">
+                                          <p:stCondLst>
+                                            <p:cond delay="0"/>
+                                          </p:stCondLst>
+                                        </p:cTn>
+                                        <p:tgtEl>
+                                          <p:spTgt spid="8197"/>
+                                        </p:tgtEl>
+                                        <p:attrNameLst>
+                                          <p:attrName>style.visibility</p:attrName>
+                                        </p:attrNameLst>
+                                      </p:cBhvr>
+                                      <p:to>
+                                        <p:strVal val="visible"/>
+                                      </p:to>
+                                    </p:set>
+                                    <p:animEffect transition="in" filter="wipe(down)">
+                                      <p:cBhvr>
+                                        <p:cTn id="10" dur="500"/>
+                                        <p:tgtEl>
+                                          <p:spTgt spid="8197"/>
+                                        </p:tgtEl>
+                                      </p:cBhvr>
+                                    </p:animEffect>
+                                  </p:childTnLst>
+                                </p:cTn>
+                              </p:par>
+                              <p:par>
+                                <p:cTn id="11" presetID="22" presetClass="entr" presetSubtype="4" fill="hold" grpId="0" nodeType="withEffect">
+                                  <p:stCondLst>
+                                    <p:cond delay="0"/>
+                                  </p:stCondLst>
+                                  <p:childTnLst>
+                                    <p:set>
+                                      <p:cBhvr>
+                                        <p:cTn id="12" dur="1" fill="hold">
+                                          <p:stCondLst>
+                                            <p:cond delay="0"/>
+                                          </p:stCondLst>
+                                        </p:cTn>
+                                        <p:tgtEl>
+                                          <p:spTgt spid="6"/>
+                                        </p:tgtEl>
+                                        <p:attrNameLst>
+                                          <p:attrName>style.visibility</p:attrName>
+                                        </p:attrNameLst>
+                                      </p:cBhvr>
+                                      <p:to>
+                                        <p:strVal val="visible"/>
+                                      </p:to>
+                                    </p:set>
+                                    <p:animEffect transition="in" filter="wipe(down)">
+                                      <p:cBhvr>
+                                        <p:cTn id="13" dur="500"/>
+                                        <p:tgtEl>
+                                          <p:spTgt spid="6"/>
+                                        </p:tgtEl>
+                                      </p:cBhvr>
+                                    </p:animEffect>
+                                  </p:childTnLst>
+                                </p:cTn>
+                              </p:par>
+                              <p:par>
+                                <p:cTn id="14" presetID="22" presetClass="entr" presetSubtype="4" fill="hold" nodeType="withEffect">
+                                  <p:stCondLst>
+                                    <p:cond delay="0"/>
+                                  </p:stCondLst>
+                                  <p:childTnLst>
+                                    <p:set>
+                                      <p:cBhvr>
+                                        <p:cTn id="15" dur="1" fill="hold">
+                                          <p:stCondLst>
+                                            <p:cond delay="0"/>
+                                          </p:stCondLst>
+                                        </p:cTn>
+                                        <p:tgtEl>
+                                          <p:spTgt spid="4"/>
+                                        </p:tgtEl>
+                                        <p:attrNameLst>
+                                          <p:attrName>style.visibility</p:attrName>
+                                        </p:attrNameLst>
+                                      </p:cBhvr>
+                                      <p:to>
+                                        <p:strVal val="visible"/>
+                                      </p:to>
+                                    </p:set>
+                                    <p:animEffect transition="in" filter="wipe(down)">
+                                      <p:cBhvr>
+                                        <p:cTn id="16" dur="500"/>
+                                        <p:tgtEl>
+                                          <p:spTgt spid="4"/>
+                                        </p:tgtEl>
+                                      </p:cBhvr>
+                                    </p:animEffect>
+                                  </p:childTnLst>
+                                </p:cTn>
+                              </p:par>
+                            </p:childTnLst>
+                          </p:cTn>
+                        </p:par>
+                      </p:childTnLst>
+                    </p:cTn>
+                  </p:par>
+                  <p:par>
+                    <p:cTn id="17" fill="hold">
+                      <p:stCondLst>
+                        <p:cond delay="indefinite"/>
+                      </p:stCondLst>
+                      <p:childTnLst>
+                        <p:par>
+                          <p:cTn id="18" fill="hold">
+                            <p:stCondLst>
+                              <p:cond delay="0"/>
+                            </p:stCondLst>
+                            <p:childTnLst>
+                              <p:par>
+                                <p:cTn id="19" presetID="16" presetClass="entr" presetSubtype="21" fill="hold" grpId="0" nodeType="clickEffect">
+                                  <p:stCondLst>
+                                    <p:cond delay="0"/>
+                                  </p:stCondLst>
+                                  <p:childTnLst>
+                                    <p:set>
+                                      <p:cBhvr>
+                                        <p:cTn id="20" dur="1" fill="hold">
+                                          <p:stCondLst>
+                                            <p:cond delay="0"/>
+                                          </p:stCondLst>
+                                        </p:cTn>
+                                        <p:tgtEl>
+                                          <p:spTgt spid="5"/>
+                                        </p:tgtEl>
+                                        <p:attrNameLst>
+                                          <p:attrName>style.visibility</p:attrName>
+                                        </p:attrNameLst>
+                                      </p:cBhvr>
+                                      <p:to>
+                                        <p:strVal val="visible"/>
+                                      </p:to>
+                                    </p:set>
+                                    <p:animEffect transition="in" filter="barn(inVertical)">
+                                      <p:cBhvr>
+                                        <p:cTn id="21" dur="500"/>
+                                        <p:tgtEl>
+                                          <p:spTgt spid="5"/>
+                                        </p:tgtEl>
+                                      </p:cBhvr>
+                                    </p:animEffect>
+                                  </p:childTnLst>
+                                </p:cTn>
+                              </p:par>
+                            </p:childTnLst>
+                          </p:cTn>
+                        </p:par>
+                      </p:childTnLst>
+                    </p:cTn>
+                  </p:par>
+                  <p:par>
+                    <p:cTn id="22" fill="hold">
+                      <p:stCondLst>
+                        <p:cond delay="indefinite"/>
+                      </p:stCondLst>
+                      <p:childTnLst>
+                        <p:par>
+                          <p:cTn id="23" fill="hold">
+                            <p:stCondLst>
+                              <p:cond delay="0"/>
+                            </p:stCondLst>
+                            <p:childTnLst>
+                              <p:par>
+                                <p:cTn id="24" presetID="22" presetClass="entr" presetSubtype="4" fill="hold" nodeType="clickEffect">
+                                  <p:stCondLst>
+                                    <p:cond delay="0"/>
+                                  </p:stCondLst>
+                                  <p:childTnLst>
+                                    <p:set>
+                                      <p:cBhvr>
+                                        <p:cTn id="25" dur="1" fill="hold">
+                                          <p:stCondLst>
+                                            <p:cond delay="0"/>
+                                          </p:stCondLst>
+                                        </p:cTn>
+                                        <p:tgtEl>
+                                          <p:spTgt spid="8196"/>
+                                        </p:tgtEl>
+                                        <p:attrNameLst>
+                                          <p:attrName>style.visibility</p:attrName>
+                                        </p:attrNameLst>
+                                      </p:cBhvr>
+                                      <p:to>
+                                        <p:strVal val="visible"/>
+                                      </p:to>
+                                    </p:set>
+                                    <p:animEffect transition="in" filter="wipe(down)">
+                                      <p:cBhvr>
+                                        <p:cTn id="26" dur="500"/>
+                                        <p:tgtEl>
+                                          <p:spTgt spid="8196"/>
+                                        </p:tgtEl>
+                                      </p:cBhvr>
+                                    </p:animEffect>
+                                  </p:childTnLst>
+                                </p:cTn>
+                              </p:par>
+                            </p:childTnLst>
+                          </p:cTn>
+                        </p:par>
+                      </p:childTnLst>
+                    </p:cTn>
+                  </p:par>
+                  <p:par>
+                    <p:cTn id="27" fill="hold">
+                      <p:stCondLst>
+                        <p:cond delay="indefinite"/>
+                      </p:stCondLst>
+                      <p:childTnLst>
+                        <p:par>
+                          <p:cTn id="28" fill="hold">
+                            <p:stCondLst>
+                              <p:cond delay="0"/>
+                            </p:stCondLst>
+                            <p:childTnLst>
+                              <p:par>
+                                <p:cTn id="29" presetID="22" presetClass="entr" presetSubtype="4" fill="hold" grpId="0" nodeType="clickEffect">
+                                  <p:stCondLst>
+                                    <p:cond delay="0"/>
+                                  </p:stCondLst>
+                                  <p:childTnLst>
+                                    <p:set>
+                                      <p:cBhvr>
+                                        <p:cTn id="30" dur="1" fill="hold">
+                                          <p:stCondLst>
+                                            <p:cond delay="0"/>
+                                          </p:stCondLst>
+                                        </p:cTn>
+                                        <p:tgtEl>
+                                          <p:spTgt spid="10"/>
+                                        </p:tgtEl>
+                                        <p:attrNameLst>
+                                          <p:attrName>style.visibility</p:attrName>
+                                        </p:attrNameLst>
+                                      </p:cBhvr>
+                                      <p:to>
+                                        <p:strVal val="visible"/>
+                                      </p:to>
+                                    </p:set>
+                                    <p:animEffect transition="in" filter="wipe(down)">
+                                      <p:cBhvr>
+                                        <p:cTn id="31" dur="500"/>
+                                        <p:tgtEl>
+                                          <p:spTgt spid="10"/>
+                                        </p:tgtEl>
+                                      </p:cBhvr>
+                                    </p:animEffect>
+                                  </p:childTnLst>
+                                </p:cTn>
+                              </p:par>
+                            </p:childTnLst>
+                          </p:cTn>
+                        </p:par>
+                      </p:childTnLst>
+                    </p:cTn>
+                  </p:par>
+                  <p:par>
+                    <p:cTn id="32" fill="hold">
+                      <p:stCondLst>
+                        <p:cond delay="indefinite"/>
+                      </p:stCondLst>
+                      <p:childTnLst>
+                        <p:par>
+                          <p:cTn id="33" fill="hold">
+                            <p:stCondLst>
+                              <p:cond delay="0"/>
+                            </p:stCondLst>
+                            <p:childTnLst>
+                              <p:par>
+                                <p:cTn id="34" presetID="31" presetClass="entr" presetSubtype="0" fill="hold" nodeType="clickEffect">
+                                  <p:stCondLst>
+                                    <p:cond delay="0"/>
+                                  </p:stCondLst>
+                                  <p:childTnLst>
+                                    <p:set>
+                                      <p:cBhvr>
+                                        <p:cTn id="35" dur="1" fill="hold">
+                                          <p:stCondLst>
+                                            <p:cond delay="0"/>
+                                          </p:stCondLst>
+                                        </p:cTn>
+                                        <p:tgtEl>
+                                          <p:spTgt spid="8198"/>
+                                        </p:tgtEl>
+                                        <p:attrNameLst>
+                                          <p:attrName>style.visibility</p:attrName>
+                                        </p:attrNameLst>
+                                      </p:cBhvr>
+                                      <p:to>
+                                        <p:strVal val="visible"/>
+                                      </p:to>
+                                    </p:set>
+                                    <p:anim calcmode="lin" valueType="num">
+                                      <p:cBhvr>
+                                        <p:cTn id="36" dur="1000" fill="hold"/>
+                                        <p:tgtEl>
+                                          <p:spTgt spid="8198"/>
+                                        </p:tgtEl>
+                                        <p:attrNameLst>
+                                          <p:attrName>ppt_w</p:attrName>
+                                        </p:attrNameLst>
+                                      </p:cBhvr>
+                                      <p:tavLst>
+                                        <p:tav tm="0">
+                                          <p:val>
+                                            <p:fltVal val="0"/>
+                                          </p:val>
+                                        </p:tav>
+                                        <p:tav tm="100000">
+                                          <p:val>
+                                            <p:strVal val="#ppt_w"/>
+                                          </p:val>
+                                        </p:tav>
+                                      </p:tavLst>
+                                    </p:anim>
+                                    <p:anim calcmode="lin" valueType="num">
+                                      <p:cBhvr>
+                                        <p:cTn id="37" dur="1000" fill="hold"/>
+                                        <p:tgtEl>
+                                          <p:spTgt spid="8198"/>
+                                        </p:tgtEl>
+                                        <p:attrNameLst>
+                                          <p:attrName>ppt_h</p:attrName>
+                                        </p:attrNameLst>
+                                      </p:cBhvr>
+                                      <p:tavLst>
+                                        <p:tav tm="0">
+                                          <p:val>
+                                            <p:fltVal val="0"/>
+                                          </p:val>
+                                        </p:tav>
+                                        <p:tav tm="100000">
+                                          <p:val>
+                                            <p:strVal val="#ppt_h"/>
+                                          </p:val>
+                                        </p:tav>
+                                      </p:tavLst>
+                                    </p:anim>
+                                    <p:anim calcmode="lin" valueType="num">
+                                      <p:cBhvr>
+                                        <p:cTn id="38" dur="1000" fill="hold"/>
+                                        <p:tgtEl>
+                                          <p:spTgt spid="8198"/>
+                                        </p:tgtEl>
+                                        <p:attrNameLst>
+                                          <p:attrName>style.rotation</p:attrName>
+                                        </p:attrNameLst>
+                                      </p:cBhvr>
+                                      <p:tavLst>
+                                        <p:tav tm="0">
+                                          <p:val>
+                                            <p:fltVal val="90"/>
+                                          </p:val>
+                                        </p:tav>
+                                        <p:tav tm="100000">
+                                          <p:val>
+                                            <p:fltVal val="0"/>
+                                          </p:val>
+                                        </p:tav>
+                                      </p:tavLst>
+                                    </p:anim>
+                                    <p:animEffect transition="in" filter="fade">
+                                      <p:cBhvr>
+                                        <p:cTn id="39" dur="1000"/>
+                                        <p:tgtEl>
+                                          <p:spTgt spid="8198"/>
+                                        </p:tgtEl>
+                                      </p:cBhvr>
+                                    </p:animEffect>
+                                  </p:childTnLst>
+                                </p:cTn>
+                              </p:par>
+                            </p:childTnLst>
+                          </p:cTn>
+                        </p:par>
+                      </p:childTnLst>
+                    </p:cTn>
+                  </p:par>
+                </p:childTnLst>
+              </p:cTn>
+              <p:prevCondLst>
+                <p:cond evt="onPrev" delay="0">
+                  <p:tgtEl>
+                    <p:sldTgt/>
+                  </p:tgtEl>
+                </p:cond>
+              </p:prevCondLst>
+              <p:nextCondLst>
+                <p:cond evt="onNext" delay="0">
+                  <p:tgtEl>
+                    <p:sldTgt/>
+                  </p:tgtEl>
+                </p:cond>
+              </p:nextCondLst>
+            </p:seq>
+          </p:childTnLst>
+        </p:cTn>
+      </p:par>
+    </p:tnLst>
+    <p:bldLst>
+      <p:bldP spid="5" grpId="0" animBg="1"/>
+      <p:bldP spid="6" grpId="0" animBg="1"/>
+      <p:bldP spid="10" grpId="0" animBg="1"/>
+      <p:bldP spid="12" grpId="0" animBg="1"/>
+    </p:bldLst>
+  </p:timing>
+</p:sld>
+</file>
+
+<file path=ppt/slides/slide29.xml><?xml version="1.0" encoding="utf-8"?>
+<p:sld xmlns:a="http://schemas.openxmlformats.org/drawingml/2006/main" xmlns:r="http://schemas.openxmlformats.org/officeDocument/2006/relationships" xmlns:p="http://schemas.openxmlformats.org/presentationml/2006/main">
+  <p:cSld>
+    <p:spTree>
+      <p:nvGrpSpPr>
+        <p:cNvPr id="1" name=""/>
+        <p:cNvGrpSpPr/>
+        <p:nvPr/>
+      </p:nvGrpSpPr>
+      <p:grpSpPr>
+        <a:xfrm>
+          <a:off x="0" y="0"/>
+          <a:ext cx="0" cy="0"/>
+          <a:chOff x="0" y="0"/>
+          <a:chExt cx="0" cy="0"/>
+        </a:xfrm>
+      </p:grpSpPr>
+      <p:sp>
+        <p:nvSpPr>
+          <p:cNvPr id="4" name="Title 2"/>
+          <p:cNvSpPr>
+            <a:spLocks noGrp="1"/>
+          </p:cNvSpPr>
+          <p:nvPr>
+            <p:ph type="title"/>
+          </p:nvPr>
+        </p:nvSpPr>
+        <p:spPr>
+          <a:xfrm>
+            <a:off x="457200" y="274638"/>
+            <a:ext cx="8229600" cy="1143000"/>
+          </a:xfrm>
+        </p:spPr>
+        <p:txBody>
+          <a:bodyPr>
+            <a:normAutofit/>
+          </a:bodyPr>
+          <a:lstStyle/>
+          <a:p>
+            <a:pPr rtl="0"/>
+            <a:r>
+              <a:rPr lang="en-US" dirty="0" smtClean="0"/>
+              <a:t>Bilinear Interpolator</a:t>
+            </a:r>
+            <a:endParaRPr lang="he-IL" dirty="0"/>
+          </a:p>
+        </p:txBody>
+      </p:sp>
+      <p:sp>
+        <p:nvSpPr>
+          <p:cNvPr id="7" name="Content Placeholder 1"/>
+          <p:cNvSpPr>
+            <a:spLocks noGrp="1"/>
+          </p:cNvSpPr>
+          <p:nvPr>
+            <p:ph idx="1"/>
+          </p:nvPr>
+        </p:nvSpPr>
+        <p:spPr>
+          <a:xfrm>
+            <a:off x="457200" y="1340768"/>
+            <a:ext cx="8229600" cy="4666523"/>
+          </a:xfrm>
+        </p:spPr>
+        <p:txBody>
+          <a:bodyPr>
+            <a:normAutofit/>
+          </a:bodyPr>
+          <a:lstStyle/>
+          <a:p>
+            <a:pPr algn="l" rtl="0"/>
+            <a:r>
+              <a:rPr lang="en-US" sz="2300" dirty="0"/>
+              <a:t>Main Goal  </a:t>
+            </a:r>
+            <a:r>
+              <a:rPr lang="en-US" sz="2300" dirty="0" smtClean="0"/>
+              <a:t>– Calculates </a:t>
+            </a:r>
+            <a:r>
+              <a:rPr lang="en-US" sz="2300" dirty="0"/>
+              <a:t>the mean average of 4 given gray-scale values</a:t>
+            </a:r>
+            <a:r>
+              <a:rPr lang="en-US" sz="2300" dirty="0" smtClean="0"/>
+              <a:t>.</a:t>
+            </a:r>
+          </a:p>
+          <a:p>
+            <a:pPr algn="l" rtl="0"/>
+            <a:r>
+              <a:rPr lang="en-US" sz="2300" dirty="0" smtClean="0"/>
+              <a:t>Formula – </a:t>
+            </a:r>
+          </a:p>
+          <a:p>
+            <a:pPr lvl="1" algn="l" rtl="0"/>
+            <a:endParaRPr lang="en-US" dirty="0"/>
+          </a:p>
+          <a:p>
+            <a:pPr marL="393192" lvl="1" indent="0" algn="l" rtl="0">
+              <a:buNone/>
+            </a:pPr>
+            <a:endParaRPr lang="en-US" dirty="0"/>
+          </a:p>
+          <a:p>
+            <a:pPr algn="l" rtl="0"/>
+            <a:r>
+              <a:rPr lang="en-US" sz="2300" dirty="0" smtClean="0"/>
+              <a:t>Inputs</a:t>
+            </a:r>
+          </a:p>
+          <a:p>
+            <a:pPr lvl="1" algn="l" rtl="0"/>
+            <a:r>
+              <a:rPr lang="en-US" dirty="0" smtClean="0"/>
+              <a:t>4 pixels, 8bit grey scale</a:t>
+            </a:r>
+          </a:p>
+          <a:p>
+            <a:pPr lvl="1" algn="l" rtl="0"/>
+            <a:r>
+              <a:rPr lang="en-US" dirty="0" smtClean="0"/>
+              <a:t>Weight fraction (row/col)</a:t>
+            </a:r>
+          </a:p>
+          <a:p>
+            <a:pPr algn="l" rtl="0"/>
+            <a:r>
+              <a:rPr lang="en-US" sz="2300" dirty="0" smtClean="0"/>
+              <a:t>Outputs</a:t>
+            </a:r>
+          </a:p>
+          <a:p>
+            <a:pPr lvl="1" algn="l" rtl="0"/>
+            <a:r>
+              <a:rPr lang="en-US" dirty="0" smtClean="0"/>
+              <a:t>Result pixel (the mean average of the input)</a:t>
+            </a:r>
+          </a:p>
+          <a:p>
+            <a:pPr lvl="1" algn="l" rtl="0"/>
+            <a:r>
+              <a:rPr lang="en-US" dirty="0" smtClean="0"/>
+              <a:t>Valid signal</a:t>
+            </a:r>
+          </a:p>
+          <a:p>
+            <a:pPr lvl="1" algn="l" rtl="0"/>
+            <a:endParaRPr lang="en-US" dirty="0"/>
+          </a:p>
+          <a:p>
+            <a:pPr lvl="1" algn="l" rtl="0"/>
+            <a:endParaRPr lang="en-US" dirty="0"/>
+          </a:p>
+          <a:p>
+            <a:pPr algn="l" rtl="0"/>
+            <a:endParaRPr lang="he-IL" dirty="0"/>
+          </a:p>
+        </p:txBody>
+      </p:sp>
+      <p:pic>
+        <p:nvPicPr>
+          <p:cNvPr id="5" name="Picture 4"/>
+          <p:cNvPicPr/>
+          <p:nvPr/>
+        </p:nvPicPr>
+        <p:blipFill>
+          <a:blip r:embed="rId3"/>
+          <a:stretch>
+            <a:fillRect/>
+          </a:stretch>
+        </p:blipFill>
+        <p:spPr>
+          <a:xfrm>
+            <a:off x="6372200" y="2204864"/>
+            <a:ext cx="2218055" cy="1430020"/>
+          </a:xfrm>
+          <a:prstGeom prst="rect">
+            <a:avLst/>
+          </a:prstGeom>
+        </p:spPr>
+      </p:pic>
+      <p:graphicFrame>
+        <p:nvGraphicFramePr>
+          <p:cNvPr id="2" name="Object 1"/>
+          <p:cNvGraphicFramePr>
+            <a:graphicFrameLocks noChangeAspect="1"/>
+          </p:cNvGraphicFramePr>
+          <p:nvPr>
+            <p:extLst>
+              <p:ext uri="{D42A27DB-BD31-4B8C-83A1-F6EECF244321}">
+                <p14:modId xmlns:p14="http://schemas.microsoft.com/office/powerpoint/2010/main" val="2440275287"/>
+              </p:ext>
+            </p:extLst>
+          </p:nvPr>
+        </p:nvGraphicFramePr>
+        <p:xfrm>
+          <a:off x="2483768" y="2199794"/>
+          <a:ext cx="3571597" cy="864096"/>
+        </p:xfrm>
+        <a:graphic>
+          <a:graphicData uri="http://schemas.openxmlformats.org/presentationml/2006/ole">
+            <mc:AlternateContent xmlns:mc="http://schemas.openxmlformats.org/markup-compatibility/2006">
+              <mc:Choice xmlns:v="urn:schemas-microsoft-com:vml" Requires="v">
+                <p:oleObj spid="_x0000_s11269" name="Equation" r:id="rId4" imgW="3149280" imgH="761760" progId="Equation.DSMT4">
+                  <p:embed/>
+                </p:oleObj>
+              </mc:Choice>
+              <mc:Fallback>
+                <p:oleObj name="Equation" r:id="rId4" imgW="3149280" imgH="761760" progId="Equation.DSMT4">
+                  <p:embed/>
+                  <p:pic>
+                    <p:nvPicPr>
+                      <p:cNvPr id="0" name=""/>
+                      <p:cNvPicPr/>
+                      <p:nvPr/>
+                    </p:nvPicPr>
+                    <p:blipFill>
+                      <a:blip r:embed="rId5"/>
+                      <a:stretch>
+                        <a:fillRect/>
+                      </a:stretch>
+                    </p:blipFill>
+                    <p:spPr>
+                      <a:xfrm>
+                        <a:off x="2483768" y="2199794"/>
+                        <a:ext cx="3571597" cy="864096"/>
+                      </a:xfrm>
+                      <a:prstGeom prst="rect">
+                        <a:avLst/>
+                      </a:prstGeom>
+                    </p:spPr>
+                  </p:pic>
+                </p:oleObj>
+              </mc:Fallback>
+            </mc:AlternateContent>
+          </a:graphicData>
+        </a:graphic>
+      </p:graphicFrame>
+    </p:spTree>
+    <p:extLst>
+      <p:ext uri="{BB962C8B-B14F-4D97-AF65-F5344CB8AC3E}">
+        <p14:creationId xmlns:p14="http://schemas.microsoft.com/office/powerpoint/2010/main" val="1319415081"/>
       </p:ext>
     </p:extLst>
   </p:cSld>
@@ -23953,6 +29569,647 @@
       <p:bldP spid="9" grpId="1"/>
       <p:bldP spid="10" grpId="0"/>
     </p:bldLst>
+  </p:timing>
+</p:sld>
+</file>
+
+<file path=ppt/slides/slide30.xml><?xml version="1.0" encoding="utf-8"?>
+<p:sld xmlns:a="http://schemas.openxmlformats.org/drawingml/2006/main" xmlns:r="http://schemas.openxmlformats.org/officeDocument/2006/relationships" xmlns:p="http://schemas.openxmlformats.org/presentationml/2006/main">
+  <p:cSld>
+    <p:spTree>
+      <p:nvGrpSpPr>
+        <p:cNvPr id="1" name=""/>
+        <p:cNvGrpSpPr/>
+        <p:nvPr/>
+      </p:nvGrpSpPr>
+      <p:grpSpPr>
+        <a:xfrm>
+          <a:off x="0" y="0"/>
+          <a:ext cx="0" cy="0"/>
+          <a:chOff x="0" y="0"/>
+          <a:chExt cx="0" cy="0"/>
+        </a:xfrm>
+      </p:grpSpPr>
+      <p:sp>
+        <p:nvSpPr>
+          <p:cNvPr id="2" name="Content Placeholder 1"/>
+          <p:cNvSpPr>
+            <a:spLocks noGrp="1"/>
+          </p:cNvSpPr>
+          <p:nvPr>
+            <p:ph idx="1"/>
+          </p:nvPr>
+        </p:nvSpPr>
+        <p:spPr/>
+        <p:txBody>
+          <a:bodyPr/>
+          <a:lstStyle/>
+          <a:p>
+            <a:endParaRPr lang="he-IL"/>
+          </a:p>
+        </p:txBody>
+      </p:sp>
+      <p:sp>
+        <p:nvSpPr>
+          <p:cNvPr id="3" name="Title 2"/>
+          <p:cNvSpPr>
+            <a:spLocks noGrp="1"/>
+          </p:cNvSpPr>
+          <p:nvPr>
+            <p:ph type="title"/>
+          </p:nvPr>
+        </p:nvSpPr>
+        <p:spPr/>
+        <p:txBody>
+          <a:bodyPr/>
+          <a:lstStyle/>
+          <a:p>
+            <a:endParaRPr lang="he-IL"/>
+          </a:p>
+        </p:txBody>
+      </p:sp>
+    </p:spTree>
+    <p:extLst>
+      <p:ext uri="{BB962C8B-B14F-4D97-AF65-F5344CB8AC3E}">
+        <p14:creationId xmlns:p14="http://schemas.microsoft.com/office/powerpoint/2010/main" val="1987019723"/>
+      </p:ext>
+    </p:extLst>
+  </p:cSld>
+  <p:clrMapOvr>
+    <a:masterClrMapping/>
+  </p:clrMapOvr>
+  <p:timing>
+    <p:tnLst>
+      <p:par>
+        <p:cTn id="1" dur="indefinite" restart="never" nodeType="tmRoot"/>
+      </p:par>
+    </p:tnLst>
+  </p:timing>
+</p:sld>
+</file>
+
+<file path=ppt/slides/slide31.xml><?xml version="1.0" encoding="utf-8"?>
+<p:sld xmlns:a="http://schemas.openxmlformats.org/drawingml/2006/main" xmlns:r="http://schemas.openxmlformats.org/officeDocument/2006/relationships" xmlns:p="http://schemas.openxmlformats.org/presentationml/2006/main">
+  <p:cSld>
+    <p:spTree>
+      <p:nvGrpSpPr>
+        <p:cNvPr id="1" name=""/>
+        <p:cNvGrpSpPr/>
+        <p:nvPr/>
+      </p:nvGrpSpPr>
+      <p:grpSpPr>
+        <a:xfrm>
+          <a:off x="0" y="0"/>
+          <a:ext cx="0" cy="0"/>
+          <a:chOff x="0" y="0"/>
+          <a:chExt cx="0" cy="0"/>
+        </a:xfrm>
+      </p:grpSpPr>
+      <p:sp>
+        <p:nvSpPr>
+          <p:cNvPr id="2" name="Content Placeholder 1"/>
+          <p:cNvSpPr>
+            <a:spLocks noGrp="1"/>
+          </p:cNvSpPr>
+          <p:nvPr>
+            <p:ph idx="1"/>
+          </p:nvPr>
+        </p:nvSpPr>
+        <p:spPr/>
+        <p:txBody>
+          <a:bodyPr/>
+          <a:lstStyle/>
+          <a:p>
+            <a:pPr algn="l" rtl="0"/>
+            <a:r>
+              <a:rPr lang="en-US" dirty="0" smtClean="0"/>
+              <a:t>Burn current system (without image manipulation) to FPGA</a:t>
+            </a:r>
+          </a:p>
+          <a:p>
+            <a:pPr algn="l" rtl="0"/>
+            <a:r>
+              <a:rPr lang="en-US" dirty="0" smtClean="0"/>
+              <a:t>Create image manipulation block</a:t>
+            </a:r>
+          </a:p>
+          <a:p>
+            <a:pPr algn="l" rtl="0"/>
+            <a:r>
+              <a:rPr lang="en-US" dirty="0" smtClean="0"/>
+              <a:t>Test and debugging</a:t>
+            </a:r>
+          </a:p>
+          <a:p>
+            <a:pPr algn="l" rtl="0"/>
+            <a:endParaRPr lang="he-IL" dirty="0"/>
+          </a:p>
+        </p:txBody>
+      </p:sp>
+      <p:sp>
+        <p:nvSpPr>
+          <p:cNvPr id="3" name="Title 2"/>
+          <p:cNvSpPr>
+            <a:spLocks noGrp="1"/>
+          </p:cNvSpPr>
+          <p:nvPr>
+            <p:ph type="title"/>
+          </p:nvPr>
+        </p:nvSpPr>
+        <p:spPr/>
+        <p:txBody>
+          <a:bodyPr/>
+          <a:lstStyle/>
+          <a:p>
+            <a:pPr rtl="0"/>
+            <a:r>
+              <a:rPr lang="en-US" dirty="0" smtClean="0"/>
+              <a:t>Missions ahead</a:t>
+            </a:r>
+            <a:endParaRPr lang="he-IL" dirty="0"/>
+          </a:p>
+        </p:txBody>
+      </p:sp>
+    </p:spTree>
+    <p:extLst>
+      <p:ext uri="{BB962C8B-B14F-4D97-AF65-F5344CB8AC3E}">
+        <p14:creationId xmlns:p14="http://schemas.microsoft.com/office/powerpoint/2010/main" val="918018118"/>
+      </p:ext>
+    </p:extLst>
+  </p:cSld>
+  <p:clrMapOvr>
+    <a:masterClrMapping/>
+  </p:clrMapOvr>
+  <p:timing>
+    <p:tnLst>
+      <p:par>
+        <p:cTn id="1" dur="indefinite" restart="never" nodeType="tmRoot"/>
+      </p:par>
+    </p:tnLst>
+  </p:timing>
+</p:sld>
+</file>
+
+<file path=ppt/slides/slide32.xml><?xml version="1.0" encoding="utf-8"?>
+<p:sld xmlns:a="http://schemas.openxmlformats.org/drawingml/2006/main" xmlns:r="http://schemas.openxmlformats.org/officeDocument/2006/relationships" xmlns:p="http://schemas.openxmlformats.org/presentationml/2006/main">
+  <p:cSld>
+    <p:spTree>
+      <p:nvGrpSpPr>
+        <p:cNvPr id="1" name=""/>
+        <p:cNvGrpSpPr/>
+        <p:nvPr/>
+      </p:nvGrpSpPr>
+      <p:grpSpPr>
+        <a:xfrm>
+          <a:off x="0" y="0"/>
+          <a:ext cx="0" cy="0"/>
+          <a:chOff x="0" y="0"/>
+          <a:chExt cx="0" cy="0"/>
+        </a:xfrm>
+      </p:grpSpPr>
+      <p:graphicFrame>
+        <p:nvGraphicFramePr>
+          <p:cNvPr id="4" name="Content Placeholder 3"/>
+          <p:cNvGraphicFramePr>
+            <a:graphicFrameLocks noGrp="1"/>
+          </p:cNvGraphicFramePr>
+          <p:nvPr>
+            <p:ph idx="1"/>
+            <p:extLst>
+              <p:ext uri="{D42A27DB-BD31-4B8C-83A1-F6EECF244321}">
+                <p14:modId xmlns:p14="http://schemas.microsoft.com/office/powerpoint/2010/main" val="1724531721"/>
+              </p:ext>
+            </p:extLst>
+          </p:nvPr>
+        </p:nvGraphicFramePr>
+        <p:xfrm>
+          <a:off x="457200" y="1481138"/>
+          <a:ext cx="8229600" cy="3606800"/>
+        </p:xfrm>
+        <a:graphic>
+          <a:graphicData uri="http://schemas.openxmlformats.org/drawingml/2006/table">
+            <a:tbl>
+              <a:tblPr rtl="1" firstRow="1" bandRow="1">
+                <a:tableStyleId>{5C22544A-7EE6-4342-B048-85BDC9FD1C3A}</a:tableStyleId>
+              </a:tblPr>
+              <a:tblGrid>
+                <a:gridCol w="5908404"/>
+                <a:gridCol w="2321196"/>
+              </a:tblGrid>
+              <a:tr h="370840">
+                <a:tc>
+                  <a:txBody>
+                    <a:bodyPr/>
+                    <a:lstStyle/>
+                    <a:p>
+                      <a:pPr algn="l" rtl="0"/>
+                      <a:r>
+                        <a:rPr lang="en-US" dirty="0" smtClean="0"/>
+                        <a:t>Tasks</a:t>
+                      </a:r>
+                      <a:endParaRPr lang="he-IL" dirty="0"/>
+                    </a:p>
+                  </a:txBody>
+                  <a:tcPr/>
+                </a:tc>
+                <a:tc>
+                  <a:txBody>
+                    <a:bodyPr/>
+                    <a:lstStyle/>
+                    <a:p>
+                      <a:pPr algn="ctr" rtl="0"/>
+                      <a:r>
+                        <a:rPr lang="en-US" dirty="0" smtClean="0"/>
+                        <a:t>Month</a:t>
+                      </a:r>
+                      <a:endParaRPr lang="he-IL" dirty="0"/>
+                    </a:p>
+                  </a:txBody>
+                  <a:tcPr/>
+                </a:tc>
+              </a:tr>
+              <a:tr h="370840">
+                <a:tc>
+                  <a:txBody>
+                    <a:bodyPr/>
+                    <a:lstStyle/>
+                    <a:p>
+                      <a:pPr algn="l" rtl="0"/>
+                      <a:r>
+                        <a:rPr lang="en-US" dirty="0" smtClean="0"/>
+                        <a:t>Exams Period</a:t>
+                      </a:r>
+                    </a:p>
+                  </a:txBody>
+                  <a:tcPr/>
+                </a:tc>
+                <a:tc>
+                  <a:txBody>
+                    <a:bodyPr/>
+                    <a:lstStyle/>
+                    <a:p>
+                      <a:pPr algn="ctr" rtl="0"/>
+                      <a:r>
+                        <a:rPr lang="en-US" dirty="0" smtClean="0"/>
+                        <a:t>February</a:t>
+                      </a:r>
+                      <a:endParaRPr lang="he-IL" dirty="0"/>
+                    </a:p>
+                  </a:txBody>
+                  <a:tcPr anchor="ctr"/>
+                </a:tc>
+              </a:tr>
+              <a:tr h="370840">
+                <a:tc>
+                  <a:txBody>
+                    <a:bodyPr/>
+                    <a:lstStyle/>
+                    <a:p>
+                      <a:pPr algn="l" rtl="0"/>
+                      <a:r>
+                        <a:rPr lang="en-US" dirty="0" smtClean="0"/>
+                        <a:t>VHDL implementation of</a:t>
+                      </a:r>
+                      <a:r>
+                        <a:rPr lang="en-US" baseline="0" dirty="0" smtClean="0"/>
+                        <a:t> Image manipulation block</a:t>
+                      </a:r>
+                      <a:endParaRPr lang="en-US" dirty="0" smtClean="0"/>
+                    </a:p>
+                  </a:txBody>
+                  <a:tcPr/>
+                </a:tc>
+                <a:tc>
+                  <a:txBody>
+                    <a:bodyPr/>
+                    <a:lstStyle/>
+                    <a:p>
+                      <a:pPr algn="ctr" rtl="0"/>
+                      <a:r>
+                        <a:rPr lang="en-US" dirty="0" smtClean="0"/>
+                        <a:t>March - April</a:t>
+                      </a:r>
+                      <a:endParaRPr lang="he-IL" dirty="0"/>
+                    </a:p>
+                  </a:txBody>
+                  <a:tcPr anchor="ctr"/>
+                </a:tc>
+              </a:tr>
+              <a:tr h="370840">
+                <a:tc>
+                  <a:txBody>
+                    <a:bodyPr/>
+                    <a:lstStyle/>
+                    <a:p>
+                      <a:pPr algn="l"/>
+                      <a:r>
+                        <a:rPr lang="en-US" dirty="0" smtClean="0"/>
+                        <a:t>Final Presentation</a:t>
+                      </a:r>
+                      <a:r>
+                        <a:rPr lang="en-US" baseline="0" dirty="0" smtClean="0"/>
+                        <a:t> – Part A</a:t>
+                      </a:r>
+                      <a:endParaRPr lang="he-IL" dirty="0"/>
+                    </a:p>
+                  </a:txBody>
+                  <a:tcPr/>
+                </a:tc>
+                <a:tc>
+                  <a:txBody>
+                    <a:bodyPr/>
+                    <a:lstStyle/>
+                    <a:p>
+                      <a:pPr marL="0" marR="0" indent="0" algn="ctr" defTabSz="914400" rtl="1" eaLnBrk="1" fontAlgn="auto" latinLnBrk="0" hangingPunct="1">
+                        <a:lnSpc>
+                          <a:spcPct val="100000"/>
+                        </a:lnSpc>
+                        <a:spcBef>
+                          <a:spcPts val="0"/>
+                        </a:spcBef>
+                        <a:spcAft>
+                          <a:spcPts val="0"/>
+                        </a:spcAft>
+                        <a:buClrTx/>
+                        <a:buSzTx/>
+                        <a:buFontTx/>
+                        <a:buNone/>
+                        <a:tabLst/>
+                        <a:defRPr/>
+                      </a:pPr>
+                      <a:r>
+                        <a:rPr lang="en-US" dirty="0" smtClean="0"/>
+                        <a:t>May</a:t>
+                      </a:r>
+                      <a:endParaRPr lang="he-IL" dirty="0" smtClean="0"/>
+                    </a:p>
+                  </a:txBody>
+                  <a:tcPr anchor="ctr"/>
+                </a:tc>
+              </a:tr>
+              <a:tr h="370840">
+                <a:tc>
+                  <a:txBody>
+                    <a:bodyPr/>
+                    <a:lstStyle/>
+                    <a:p>
+                      <a:pPr algn="l" rtl="0"/>
+                      <a:r>
+                        <a:rPr lang="en-US" dirty="0" smtClean="0"/>
+                        <a:t>Simulation</a:t>
+                      </a:r>
+                      <a:endParaRPr lang="he-IL" dirty="0"/>
+                    </a:p>
+                  </a:txBody>
+                  <a:tcPr/>
+                </a:tc>
+                <a:tc>
+                  <a:txBody>
+                    <a:bodyPr/>
+                    <a:lstStyle/>
+                    <a:p>
+                      <a:pPr algn="ctr" rtl="0"/>
+                      <a:r>
+                        <a:rPr lang="en-US" dirty="0" smtClean="0"/>
+                        <a:t>May – June</a:t>
+                      </a:r>
+                      <a:endParaRPr lang="he-IL" dirty="0"/>
+                    </a:p>
+                  </a:txBody>
+                  <a:tcPr anchor="ctr"/>
+                </a:tc>
+              </a:tr>
+              <a:tr h="370840">
+                <a:tc>
+                  <a:txBody>
+                    <a:bodyPr/>
+                    <a:lstStyle/>
+                    <a:p>
+                      <a:pPr algn="l" rtl="0"/>
+                      <a:r>
+                        <a:rPr lang="en-US" dirty="0" smtClean="0"/>
+                        <a:t>Synthesis</a:t>
+                      </a:r>
+                      <a:endParaRPr lang="he-IL" dirty="0"/>
+                    </a:p>
+                  </a:txBody>
+                  <a:tcPr/>
+                </a:tc>
+                <a:tc>
+                  <a:txBody>
+                    <a:bodyPr/>
+                    <a:lstStyle/>
+                    <a:p>
+                      <a:pPr algn="ctr" rtl="0"/>
+                      <a:r>
+                        <a:rPr lang="en-US" dirty="0" smtClean="0"/>
+                        <a:t>June</a:t>
+                      </a:r>
+                      <a:endParaRPr lang="he-IL" dirty="0"/>
+                    </a:p>
+                  </a:txBody>
+                  <a:tcPr anchor="ctr"/>
+                </a:tc>
+              </a:tr>
+              <a:tr h="370840">
+                <a:tc>
+                  <a:txBody>
+                    <a:bodyPr/>
+                    <a:lstStyle/>
+                    <a:p>
+                      <a:pPr marL="0" marR="0" indent="0" algn="l" defTabSz="914400" rtl="0" eaLnBrk="1" fontAlgn="auto" latinLnBrk="0" hangingPunct="1">
+                        <a:lnSpc>
+                          <a:spcPct val="100000"/>
+                        </a:lnSpc>
+                        <a:spcBef>
+                          <a:spcPts val="0"/>
+                        </a:spcBef>
+                        <a:spcAft>
+                          <a:spcPts val="0"/>
+                        </a:spcAft>
+                        <a:buClrTx/>
+                        <a:buSzTx/>
+                        <a:buFontTx/>
+                        <a:buNone/>
+                        <a:tabLst/>
+                        <a:defRPr/>
+                      </a:pPr>
+                      <a:r>
+                        <a:rPr lang="en-US" dirty="0" smtClean="0"/>
+                        <a:t>Exam Period</a:t>
+                      </a:r>
+                      <a:endParaRPr lang="he-IL" dirty="0" smtClean="0"/>
+                    </a:p>
+                  </a:txBody>
+                  <a:tcPr/>
+                </a:tc>
+                <a:tc>
+                  <a:txBody>
+                    <a:bodyPr/>
+                    <a:lstStyle/>
+                    <a:p>
+                      <a:pPr algn="ctr" rtl="0"/>
+                      <a:r>
+                        <a:rPr lang="en-US" dirty="0" smtClean="0"/>
+                        <a:t>July</a:t>
+                      </a:r>
+                      <a:endParaRPr lang="he-IL" dirty="0"/>
+                    </a:p>
+                  </a:txBody>
+                  <a:tcPr anchor="ctr"/>
+                </a:tc>
+              </a:tr>
+              <a:tr h="370840">
+                <a:tc>
+                  <a:txBody>
+                    <a:bodyPr/>
+                    <a:lstStyle/>
+                    <a:p>
+                      <a:pPr marL="0" marR="0" indent="0" algn="l" defTabSz="914400" rtl="0" eaLnBrk="1" fontAlgn="auto" latinLnBrk="0" hangingPunct="1">
+                        <a:lnSpc>
+                          <a:spcPct val="100000"/>
+                        </a:lnSpc>
+                        <a:spcBef>
+                          <a:spcPts val="0"/>
+                        </a:spcBef>
+                        <a:spcAft>
+                          <a:spcPts val="0"/>
+                        </a:spcAft>
+                        <a:buClrTx/>
+                        <a:buSzTx/>
+                        <a:buFontTx/>
+                        <a:buNone/>
+                        <a:tabLst/>
+                        <a:defRPr/>
+                      </a:pPr>
+                      <a:r>
+                        <a:rPr lang="en-US" dirty="0" smtClean="0"/>
+                        <a:t>Integration and </a:t>
+                      </a:r>
+                      <a:r>
+                        <a:rPr lang="en-US" smtClean="0"/>
+                        <a:t>lab testing</a:t>
+                      </a:r>
+                      <a:endParaRPr lang="he-IL" dirty="0" smtClean="0"/>
+                    </a:p>
+                  </a:txBody>
+                  <a:tcPr/>
+                </a:tc>
+                <a:tc>
+                  <a:txBody>
+                    <a:bodyPr/>
+                    <a:lstStyle/>
+                    <a:p>
+                      <a:pPr algn="ctr" rtl="0"/>
+                      <a:r>
+                        <a:rPr lang="en-US" dirty="0" smtClean="0"/>
+                        <a:t>August</a:t>
+                      </a:r>
+                      <a:r>
+                        <a:rPr lang="en-US" baseline="0" dirty="0" smtClean="0"/>
+                        <a:t> - September</a:t>
+                      </a:r>
+                      <a:endParaRPr lang="he-IL" dirty="0"/>
+                    </a:p>
+                  </a:txBody>
+                  <a:tcPr anchor="ctr"/>
+                </a:tc>
+              </a:tr>
+              <a:tr h="370840">
+                <a:tc>
+                  <a:txBody>
+                    <a:bodyPr/>
+                    <a:lstStyle/>
+                    <a:p>
+                      <a:pPr marL="0" marR="0" indent="0" algn="l" defTabSz="914400" rtl="0" eaLnBrk="1" fontAlgn="auto" latinLnBrk="0" hangingPunct="1">
+                        <a:lnSpc>
+                          <a:spcPct val="100000"/>
+                        </a:lnSpc>
+                        <a:spcBef>
+                          <a:spcPts val="0"/>
+                        </a:spcBef>
+                        <a:spcAft>
+                          <a:spcPts val="0"/>
+                        </a:spcAft>
+                        <a:buClrTx/>
+                        <a:buSzTx/>
+                        <a:buFontTx/>
+                        <a:buNone/>
+                        <a:tabLst/>
+                        <a:defRPr/>
+                      </a:pPr>
+                      <a:r>
+                        <a:rPr lang="en-US" dirty="0" smtClean="0"/>
+                        <a:t>Final</a:t>
+                      </a:r>
+                      <a:r>
+                        <a:rPr lang="en-US" baseline="0" dirty="0" smtClean="0"/>
+                        <a:t> Presentation + Documentation</a:t>
+                      </a:r>
+                      <a:endParaRPr lang="he-IL" dirty="0" smtClean="0"/>
+                    </a:p>
+                  </a:txBody>
+                  <a:tcPr/>
+                </a:tc>
+                <a:tc>
+                  <a:txBody>
+                    <a:bodyPr/>
+                    <a:lstStyle/>
+                    <a:p>
+                      <a:pPr algn="ctr" rtl="0"/>
+                      <a:r>
+                        <a:rPr lang="en-US" dirty="0" smtClean="0"/>
+                        <a:t>October</a:t>
+                      </a:r>
+                      <a:endParaRPr lang="he-IL" dirty="0"/>
+                    </a:p>
+                  </a:txBody>
+                  <a:tcPr anchor="ctr"/>
+                </a:tc>
+              </a:tr>
+            </a:tbl>
+          </a:graphicData>
+        </a:graphic>
+      </p:graphicFrame>
+      <p:sp>
+        <p:nvSpPr>
+          <p:cNvPr id="3" name="Title 2"/>
+          <p:cNvSpPr>
+            <a:spLocks noGrp="1"/>
+          </p:cNvSpPr>
+          <p:nvPr>
+            <p:ph type="title"/>
+          </p:nvPr>
+        </p:nvSpPr>
+        <p:spPr/>
+        <p:txBody>
+          <a:bodyPr/>
+          <a:lstStyle/>
+          <a:p>
+            <a:r>
+              <a:rPr lang="en-US" dirty="0" smtClean="0"/>
+              <a:t>Time Table - 2012</a:t>
+            </a:r>
+            <a:endParaRPr lang="he-IL" dirty="0"/>
+          </a:p>
+        </p:txBody>
+      </p:sp>
+    </p:spTree>
+    <p:extLst>
+      <p:ext uri="{BB962C8B-B14F-4D97-AF65-F5344CB8AC3E}">
+        <p14:creationId xmlns:p14="http://schemas.microsoft.com/office/powerpoint/2010/main" val="2848690065"/>
+      </p:ext>
+    </p:extLst>
+  </p:cSld>
+  <p:clrMapOvr>
+    <a:masterClrMapping/>
+  </p:clrMapOvr>
+  <p:timing>
+    <p:tnLst>
+      <p:par>
+        <p:cTn id="1" dur="indefinite" restart="never" nodeType="tmRoot"/>
+      </p:par>
+    </p:tnLst>
   </p:timing>
 </p:sld>
 </file>

--- a/Presentation/Final_part_A_Presentation.pptx
+++ b/Presentation/Final_part_A_Presentation.pptx
@@ -7702,7 +7702,6 @@
               <a:rPr lang="en-US" sz="2400" dirty="0" smtClean="0"/>
               <a:t>Final Presentation – Part A</a:t>
             </a:r>
-            <a:endParaRPr lang="en-US" sz="2400" dirty="0" smtClean="0"/>
           </a:p>
           <a:p>
             <a:endParaRPr lang="en-US" sz="2400" dirty="0"/>
@@ -14580,11 +14579,11 @@
   <p:clrMapOvr>
     <a:masterClrMapping/>
   </p:clrMapOvr>
-  <mc:AlternateContent xmlns:mc="http://schemas.openxmlformats.org/markup-compatibility/2006">
-    <mc:Choice xmlns:p14="http://schemas.microsoft.com/office/powerpoint/2010/main" Requires="p14">
+  <mc:AlternateContent xmlns:mc="http://schemas.openxmlformats.org/markup-compatibility/2006" xmlns:p14="http://schemas.microsoft.com/office/powerpoint/2010/main">
+    <mc:Choice Requires="p14">
       <p:transition p14:dur="0"/>
     </mc:Choice>
-    <mc:Fallback>
+    <mc:Fallback xmlns="">
       <p:transition/>
     </mc:Fallback>
   </mc:AlternateContent>
@@ -15611,11 +15610,7 @@
             </a:r>
             <a:r>
               <a:rPr lang="en-US" sz="2000" dirty="0" smtClean="0"/>
-              <a:t>the </a:t>
-            </a:r>
-            <a:r>
-              <a:rPr lang="en-US" sz="2000" dirty="0" smtClean="0"/>
-              <a:t>bilinear-interpolation and converts the </a:t>
+              <a:t>the bilinear-interpolation and converts the </a:t>
             </a:r>
             <a:r>
               <a:rPr lang="en-US" sz="2000" dirty="0"/>
@@ -15655,768 +15650,782 @@
               <a:rPr lang="en-US" sz="2000" dirty="0" smtClean="0"/>
               <a:t>Image Manipulation Manger – Controller for the block</a:t>
             </a:r>
-            <a:endParaRPr lang="en-US" sz="2000" dirty="0" smtClean="0"/>
           </a:p>
         </p:txBody>
       </p:sp>
-      <p:sp>
-        <p:nvSpPr>
-          <p:cNvPr id="22" name="Rectangle 21"/>
-          <p:cNvSpPr/>
+      <p:grpSp>
+        <p:nvGrpSpPr>
+          <p:cNvPr id="2" name="Group 1"/>
+          <p:cNvGrpSpPr/>
           <p:nvPr/>
-        </p:nvSpPr>
-        <p:spPr>
+        </p:nvGrpSpPr>
+        <p:grpSpPr>
           <a:xfrm>
-            <a:off x="2975983" y="4583407"/>
-            <a:ext cx="4883849" cy="1925382"/>
+            <a:off x="2902014" y="4365104"/>
+            <a:ext cx="5765747" cy="2376264"/>
+            <a:chOff x="2902014" y="4365104"/>
+            <a:chExt cx="5765747" cy="2376264"/>
           </a:xfrm>
-          <a:prstGeom prst="rect">
-            <a:avLst/>
-          </a:prstGeom>
-          <a:solidFill>
-            <a:schemeClr val="accent1">
-              <a:alpha val="19000"/>
-            </a:schemeClr>
-          </a:solidFill>
-          <a:ln w="38100"/>
-        </p:spPr>
-        <p:style>
-          <a:lnRef idx="2">
-            <a:schemeClr val="accent1">
-              <a:shade val="50000"/>
-            </a:schemeClr>
-          </a:lnRef>
-          <a:fillRef idx="1">
-            <a:schemeClr val="accent1"/>
-          </a:fillRef>
-          <a:effectRef idx="0">
-            <a:schemeClr val="accent1"/>
-          </a:effectRef>
-          <a:fontRef idx="minor">
-            <a:schemeClr val="lt1"/>
-          </a:fontRef>
-        </p:style>
-        <p:txBody>
-          <a:bodyPr rtlCol="1" anchor="ctr"/>
-          <a:lstStyle/>
-          <a:p>
-            <a:pPr algn="ctr"/>
-            <a:endParaRPr lang="he-IL"/>
-          </a:p>
-        </p:txBody>
-      </p:sp>
-      <p:cxnSp>
-        <p:nvCxnSpPr>
-          <p:cNvPr id="23" name="Elbow Connector 22"/>
-          <p:cNvCxnSpPr>
-            <a:stCxn id="38" idx="1"/>
-            <a:endCxn id="31" idx="0"/>
-          </p:cNvCxnSpPr>
-          <p:nvPr/>
-        </p:nvCxnSpPr>
-        <p:spPr>
-          <a:xfrm rot="10800000" flipV="1">
-            <a:off x="4373001" y="4993121"/>
-            <a:ext cx="130568" cy="424216"/>
-          </a:xfrm>
-          <a:prstGeom prst="bentConnector2">
-            <a:avLst/>
-          </a:prstGeom>
-          <a:ln w="38100">
-            <a:tailEnd type="arrow"/>
-          </a:ln>
-        </p:spPr>
-        <p:style>
-          <a:lnRef idx="2">
-            <a:schemeClr val="accent4"/>
-          </a:lnRef>
-          <a:fillRef idx="0">
-            <a:schemeClr val="accent4"/>
-          </a:fillRef>
-          <a:effectRef idx="1">
-            <a:schemeClr val="accent4"/>
-          </a:effectRef>
-          <a:fontRef idx="minor">
-            <a:schemeClr val="tx1"/>
-          </a:fontRef>
-        </p:style>
-      </p:cxnSp>
-      <p:sp>
-        <p:nvSpPr>
-          <p:cNvPr id="24" name="TextBox 23"/>
-          <p:cNvSpPr txBox="1"/>
-          <p:nvPr/>
-        </p:nvSpPr>
-        <p:spPr>
-          <a:xfrm rot="16200000">
-            <a:off x="2731760" y="5730433"/>
-            <a:ext cx="810841" cy="470333"/>
-          </a:xfrm>
-          <a:prstGeom prst="rect">
-            <a:avLst/>
-          </a:prstGeom>
-        </p:spPr>
-        <p:style>
-          <a:lnRef idx="0">
-            <a:schemeClr val="dk1"/>
-          </a:lnRef>
-          <a:fillRef idx="3">
-            <a:schemeClr val="dk1"/>
-          </a:fillRef>
-          <a:effectRef idx="3">
-            <a:schemeClr val="dk1"/>
-          </a:effectRef>
-          <a:fontRef idx="minor">
-            <a:schemeClr val="lt1"/>
-          </a:fontRef>
-        </p:style>
-        <p:txBody>
-          <a:bodyPr wrap="square" rtlCol="1">
-            <a:spAutoFit/>
-          </a:bodyPr>
-          <a:lstStyle/>
-          <a:p>
-            <a:pPr algn="ctr"/>
-            <a:r>
-              <a:rPr lang="en-US" sz="1400" dirty="0" smtClean="0"/>
-              <a:t>WBM</a:t>
-            </a:r>
-            <a:endParaRPr lang="he-IL" sz="1400" dirty="0"/>
-          </a:p>
-        </p:txBody>
-      </p:sp>
-      <p:cxnSp>
-        <p:nvCxnSpPr>
-          <p:cNvPr id="25" name="Elbow Connector 24"/>
-          <p:cNvCxnSpPr>
-            <a:endCxn id="26" idx="0"/>
-          </p:cNvCxnSpPr>
-          <p:nvPr/>
-        </p:nvCxnSpPr>
-        <p:spPr>
-          <a:xfrm rot="10800000" flipV="1">
-            <a:off x="3139738" y="4858488"/>
-            <a:ext cx="1363835" cy="701691"/>
-          </a:xfrm>
-          <a:prstGeom prst="bentConnector2">
-            <a:avLst/>
-          </a:prstGeom>
-          <a:ln w="38100">
-            <a:tailEnd type="arrow"/>
-          </a:ln>
-        </p:spPr>
-        <p:style>
-          <a:lnRef idx="2">
-            <a:schemeClr val="accent4"/>
-          </a:lnRef>
-          <a:fillRef idx="0">
-            <a:schemeClr val="accent4"/>
-          </a:fillRef>
-          <a:effectRef idx="1">
-            <a:schemeClr val="accent4"/>
-          </a:effectRef>
-          <a:fontRef idx="minor">
-            <a:schemeClr val="tx1"/>
-          </a:fontRef>
-        </p:style>
-      </p:cxnSp>
-      <p:sp>
-        <p:nvSpPr>
-          <p:cNvPr id="26" name="Oval 25"/>
-          <p:cNvSpPr/>
-          <p:nvPr/>
-        </p:nvSpPr>
-        <p:spPr>
-          <a:xfrm>
-            <a:off x="2975983" y="5560180"/>
-            <a:ext cx="327508" cy="187118"/>
-          </a:xfrm>
-          <a:prstGeom prst="ellipse">
-            <a:avLst/>
-          </a:prstGeom>
-          <a:effectLst>
-            <a:outerShdw blurRad="40000" dist="23000" dir="5400000" rotWithShape="0">
-              <a:srgbClr val="000000">
-                <a:alpha val="35000"/>
-              </a:srgbClr>
-            </a:outerShdw>
-            <a:reflection blurRad="6350" stA="50000" endA="275" endPos="40000" dist="101600" dir="5400000" sy="-100000" algn="bl" rotWithShape="0"/>
-          </a:effectLst>
-          <a:scene3d>
-            <a:camera prst="orthographicFront">
-              <a:rot lat="0" lon="0" rev="0"/>
-            </a:camera>
-            <a:lightRig rig="threePt" dir="t">
-              <a:rot lat="0" lon="0" rev="1200000"/>
-            </a:lightRig>
-          </a:scene3d>
-          <a:sp3d>
-            <a:bevelT w="63500" h="25400" prst="coolSlant"/>
-          </a:sp3d>
-        </p:spPr>
-        <p:style>
-          <a:lnRef idx="0">
-            <a:schemeClr val="accent2"/>
-          </a:lnRef>
-          <a:fillRef idx="3">
-            <a:schemeClr val="accent2"/>
-          </a:fillRef>
-          <a:effectRef idx="3">
-            <a:schemeClr val="accent2"/>
-          </a:effectRef>
-          <a:fontRef idx="minor">
-            <a:schemeClr val="lt1"/>
-          </a:fontRef>
-        </p:style>
-        <p:txBody>
-          <a:bodyPr rtlCol="1" anchor="ctr"/>
-          <a:lstStyle/>
-          <a:p>
-            <a:pPr algn="l"/>
-            <a:r>
-              <a:rPr lang="en-US" sz="1200" dirty="0"/>
-              <a:t>F</a:t>
-            </a:r>
-            <a:endParaRPr lang="he-IL" sz="1200" dirty="0"/>
-          </a:p>
-        </p:txBody>
-      </p:sp>
-      <p:cxnSp>
-        <p:nvCxnSpPr>
-          <p:cNvPr id="27" name="Elbow Connector 26"/>
-          <p:cNvCxnSpPr/>
-          <p:nvPr/>
-        </p:nvCxnSpPr>
-        <p:spPr>
-          <a:xfrm rot="16200000" flipH="1">
-            <a:off x="6355521" y="4880684"/>
-            <a:ext cx="498659" cy="611372"/>
-          </a:xfrm>
-          <a:prstGeom prst="bentConnector3">
-            <a:avLst>
-              <a:gd name="adj1" fmla="val -1038"/>
-            </a:avLst>
-          </a:prstGeom>
-          <a:ln w="38100">
-            <a:tailEnd type="arrow"/>
-          </a:ln>
-        </p:spPr>
-        <p:style>
-          <a:lnRef idx="2">
-            <a:schemeClr val="accent4"/>
-          </a:lnRef>
-          <a:fillRef idx="0">
-            <a:schemeClr val="accent4"/>
-          </a:fillRef>
-          <a:effectRef idx="1">
-            <a:schemeClr val="accent4"/>
-          </a:effectRef>
-          <a:fontRef idx="minor">
-            <a:schemeClr val="tx1"/>
-          </a:fontRef>
-        </p:style>
-      </p:cxnSp>
-      <p:cxnSp>
-        <p:nvCxnSpPr>
-          <p:cNvPr id="29" name="Elbow Connector 28"/>
-          <p:cNvCxnSpPr>
-            <a:stCxn id="30" idx="2"/>
-          </p:cNvCxnSpPr>
-          <p:nvPr/>
-        </p:nvCxnSpPr>
-        <p:spPr>
-          <a:xfrm rot="5400000">
-            <a:off x="4757427" y="4400136"/>
-            <a:ext cx="358919" cy="3129062"/>
-          </a:xfrm>
-          <a:prstGeom prst="bentConnector2">
-            <a:avLst/>
-          </a:prstGeom>
-          <a:ln w="19050">
-            <a:tailEnd type="arrow"/>
-          </a:ln>
-        </p:spPr>
-        <p:style>
-          <a:lnRef idx="2">
-            <a:schemeClr val="dk1"/>
-          </a:lnRef>
-          <a:fillRef idx="0">
-            <a:schemeClr val="dk1"/>
-          </a:fillRef>
-          <a:effectRef idx="1">
-            <a:schemeClr val="dk1"/>
-          </a:effectRef>
-          <a:fontRef idx="minor">
-            <a:schemeClr val="tx1"/>
-          </a:fontRef>
-        </p:style>
-      </p:cxnSp>
-      <p:sp>
-        <p:nvSpPr>
-          <p:cNvPr id="30" name="TextBox 29"/>
-          <p:cNvSpPr txBox="1"/>
-          <p:nvPr/>
-        </p:nvSpPr>
-        <p:spPr>
-          <a:xfrm>
-            <a:off x="5480923" y="5435700"/>
-            <a:ext cx="2040986" cy="349508"/>
-          </a:xfrm>
-          <a:prstGeom prst="rect">
-            <a:avLst/>
-          </a:prstGeom>
-        </p:spPr>
-        <p:style>
-          <a:lnRef idx="0">
-            <a:schemeClr val="accent6"/>
-          </a:lnRef>
-          <a:fillRef idx="3">
-            <a:schemeClr val="accent6"/>
-          </a:fillRef>
-          <a:effectRef idx="3">
-            <a:schemeClr val="accent6"/>
-          </a:effectRef>
-          <a:fontRef idx="minor">
-            <a:schemeClr val="lt1"/>
-          </a:fontRef>
-        </p:style>
-        <p:txBody>
-          <a:bodyPr wrap="square" rtlCol="1">
-            <a:spAutoFit/>
-          </a:bodyPr>
-          <a:lstStyle/>
-          <a:p>
-            <a:pPr algn="ctr" rtl="0"/>
-            <a:r>
-              <a:rPr lang="en-US" sz="1400" dirty="0" smtClean="0"/>
-              <a:t>Biliniar Interpolation</a:t>
-            </a:r>
-          </a:p>
-          <a:p>
-            <a:pPr algn="ctr" rtl="0"/>
-            <a:endParaRPr lang="en-US" sz="1400" dirty="0"/>
-          </a:p>
-        </p:txBody>
-      </p:sp>
-      <p:sp>
-        <p:nvSpPr>
-          <p:cNvPr id="31" name="TextBox 30"/>
-          <p:cNvSpPr txBox="1"/>
-          <p:nvPr/>
-        </p:nvSpPr>
-        <p:spPr>
-          <a:xfrm>
-            <a:off x="3541934" y="5417337"/>
-            <a:ext cx="1662133" cy="349508"/>
-          </a:xfrm>
-          <a:prstGeom prst="rect">
-            <a:avLst/>
-          </a:prstGeom>
-        </p:spPr>
-        <p:style>
-          <a:lnRef idx="0">
-            <a:schemeClr val="accent6"/>
-          </a:lnRef>
-          <a:fillRef idx="3">
-            <a:schemeClr val="accent6"/>
-          </a:fillRef>
-          <a:effectRef idx="3">
-            <a:schemeClr val="accent6"/>
-          </a:effectRef>
-          <a:fontRef idx="minor">
-            <a:schemeClr val="lt1"/>
-          </a:fontRef>
-        </p:style>
-        <p:txBody>
-          <a:bodyPr wrap="square" rtlCol="1">
-            <a:spAutoFit/>
-          </a:bodyPr>
-          <a:lstStyle/>
-          <a:p>
-            <a:pPr algn="ctr" rtl="0"/>
-            <a:r>
-              <a:rPr lang="en-US" sz="1400" dirty="0" smtClean="0"/>
-              <a:t>Addr Calculator</a:t>
-            </a:r>
-          </a:p>
-          <a:p>
-            <a:pPr algn="ctr" rtl="0"/>
-            <a:endParaRPr lang="he-IL" sz="1400" dirty="0"/>
-          </a:p>
-        </p:txBody>
-      </p:sp>
-      <p:sp>
-        <p:nvSpPr>
-          <p:cNvPr id="32" name="TextBox 31"/>
-          <p:cNvSpPr txBox="1"/>
-          <p:nvPr/>
-        </p:nvSpPr>
-        <p:spPr>
-          <a:xfrm>
-            <a:off x="4005561" y="6462430"/>
-            <a:ext cx="1419199" cy="268719"/>
-          </a:xfrm>
-          <a:prstGeom prst="rect">
-            <a:avLst/>
-          </a:prstGeom>
-          <a:ln/>
-        </p:spPr>
-        <p:style>
-          <a:lnRef idx="0">
-            <a:schemeClr val="accent1"/>
-          </a:lnRef>
-          <a:fillRef idx="3">
-            <a:schemeClr val="accent1"/>
-          </a:fillRef>
-          <a:effectRef idx="3">
-            <a:schemeClr val="accent1"/>
-          </a:effectRef>
-          <a:fontRef idx="minor">
-            <a:schemeClr val="lt1"/>
-          </a:fontRef>
-        </p:style>
-        <p:txBody>
-          <a:bodyPr wrap="square" rtlCol="1">
-            <a:spAutoFit/>
-          </a:bodyPr>
-          <a:lstStyle/>
-          <a:p>
-            <a:pPr algn="ctr"/>
-            <a:r>
-              <a:rPr lang="en-US" sz="1400" dirty="0" smtClean="0"/>
-              <a:t>WBS</a:t>
-            </a:r>
-            <a:endParaRPr lang="he-IL" sz="1400" dirty="0"/>
-          </a:p>
-        </p:txBody>
-      </p:sp>
-      <p:sp>
-        <p:nvSpPr>
-          <p:cNvPr id="33" name="Oval 32"/>
-          <p:cNvSpPr/>
-          <p:nvPr/>
-        </p:nvSpPr>
-        <p:spPr>
-          <a:xfrm>
-            <a:off x="4045493" y="6554250"/>
-            <a:ext cx="327508" cy="187118"/>
-          </a:xfrm>
-          <a:prstGeom prst="ellipse">
-            <a:avLst/>
-          </a:prstGeom>
-          <a:effectLst>
-            <a:outerShdw blurRad="40000" dist="23000" dir="5400000" rotWithShape="0">
-              <a:srgbClr val="000000">
-                <a:alpha val="35000"/>
-              </a:srgbClr>
-            </a:outerShdw>
-            <a:reflection blurRad="6350" stA="50000" endA="275" endPos="40000" dist="101600" dir="5400000" sy="-100000" algn="bl" rotWithShape="0"/>
-          </a:effectLst>
-          <a:scene3d>
-            <a:camera prst="orthographicFront">
-              <a:rot lat="0" lon="0" rev="0"/>
-            </a:camera>
-            <a:lightRig rig="threePt" dir="t">
-              <a:rot lat="0" lon="0" rev="1200000"/>
-            </a:lightRig>
-          </a:scene3d>
-          <a:sp3d>
-            <a:bevelT w="63500" h="25400" prst="coolSlant"/>
-          </a:sp3d>
-        </p:spPr>
-        <p:style>
-          <a:lnRef idx="0">
-            <a:schemeClr val="accent2"/>
-          </a:lnRef>
-          <a:fillRef idx="3">
-            <a:schemeClr val="accent2"/>
-          </a:fillRef>
-          <a:effectRef idx="3">
-            <a:schemeClr val="accent2"/>
-          </a:effectRef>
-          <a:fontRef idx="minor">
-            <a:schemeClr val="lt1"/>
-          </a:fontRef>
-        </p:style>
-        <p:txBody>
-          <a:bodyPr rtlCol="1" anchor="ctr"/>
-          <a:lstStyle/>
-          <a:p>
-            <a:pPr algn="l"/>
-            <a:r>
-              <a:rPr lang="he-IL" sz="1200" dirty="0" smtClean="0"/>
-              <a:t>6</a:t>
-            </a:r>
-            <a:endParaRPr lang="he-IL" sz="1200" dirty="0"/>
-          </a:p>
-        </p:txBody>
-      </p:sp>
-      <p:sp>
-        <p:nvSpPr>
-          <p:cNvPr id="34" name="Rounded Rectangle 33"/>
-          <p:cNvSpPr/>
-          <p:nvPr/>
-        </p:nvSpPr>
-        <p:spPr>
-          <a:xfrm>
-            <a:off x="6338840" y="4365104"/>
-            <a:ext cx="2328921" cy="436607"/>
-          </a:xfrm>
-          <a:prstGeom prst="roundRect">
-            <a:avLst/>
-          </a:prstGeom>
-        </p:spPr>
-        <p:style>
-          <a:lnRef idx="0">
-            <a:schemeClr val="accent2"/>
-          </a:lnRef>
-          <a:fillRef idx="3">
-            <a:schemeClr val="accent2"/>
-          </a:fillRef>
-          <a:effectRef idx="3">
-            <a:schemeClr val="accent2"/>
-          </a:effectRef>
-          <a:fontRef idx="minor">
-            <a:schemeClr val="lt1"/>
-          </a:fontRef>
-        </p:style>
-        <p:txBody>
-          <a:bodyPr rtlCol="1" anchor="ctr"/>
-          <a:lstStyle/>
-          <a:p>
-            <a:pPr algn="ctr"/>
-            <a:r>
-              <a:rPr lang="en-US" sz="1200" dirty="0" smtClean="0"/>
-              <a:t>Image Manipulation</a:t>
-            </a:r>
-          </a:p>
-        </p:txBody>
-      </p:sp>
-      <p:sp>
-        <p:nvSpPr>
-          <p:cNvPr id="36" name="TextBox 35"/>
-          <p:cNvSpPr txBox="1"/>
-          <p:nvPr/>
-        </p:nvSpPr>
-        <p:spPr>
-          <a:xfrm>
-            <a:off x="5958734" y="6188762"/>
-            <a:ext cx="1795297" cy="273668"/>
-          </a:xfrm>
-          <a:prstGeom prst="rect">
-            <a:avLst/>
-          </a:prstGeom>
-        </p:spPr>
-        <p:style>
-          <a:lnRef idx="0">
-            <a:schemeClr val="accent3"/>
-          </a:lnRef>
-          <a:fillRef idx="3">
-            <a:schemeClr val="accent3"/>
-          </a:fillRef>
-          <a:effectRef idx="3">
-            <a:schemeClr val="accent3"/>
-          </a:effectRef>
-          <a:fontRef idx="minor">
-            <a:schemeClr val="lt1"/>
-          </a:fontRef>
-        </p:style>
-        <p:txBody>
-          <a:bodyPr wrap="square" rtlCol="1">
-            <a:spAutoFit/>
-          </a:bodyPr>
-          <a:lstStyle/>
-          <a:p>
-            <a:pPr algn="ctr" rtl="0"/>
-            <a:r>
-              <a:rPr lang="en-US" sz="1200" dirty="0" err="1" smtClean="0">
+        </p:grpSpPr>
+        <p:sp>
+          <p:nvSpPr>
+            <p:cNvPr id="22" name="Rectangle 21"/>
+            <p:cNvSpPr/>
+            <p:nvPr/>
+          </p:nvSpPr>
+          <p:spPr>
+            <a:xfrm>
+              <a:off x="2975983" y="4583407"/>
+              <a:ext cx="4883849" cy="1925382"/>
+            </a:xfrm>
+            <a:prstGeom prst="rect">
+              <a:avLst/>
+            </a:prstGeom>
+            <a:solidFill>
+              <a:schemeClr val="accent1">
+                <a:alpha val="19000"/>
+              </a:schemeClr>
+            </a:solidFill>
+            <a:ln w="38100"/>
+          </p:spPr>
+          <p:style>
+            <a:lnRef idx="2">
+              <a:schemeClr val="accent1">
+                <a:shade val="50000"/>
+              </a:schemeClr>
+            </a:lnRef>
+            <a:fillRef idx="1">
+              <a:schemeClr val="accent1"/>
+            </a:fillRef>
+            <a:effectRef idx="0">
+              <a:schemeClr val="accent1"/>
+            </a:effectRef>
+            <a:fontRef idx="minor">
+              <a:schemeClr val="lt1"/>
+            </a:fontRef>
+          </p:style>
+          <p:txBody>
+            <a:bodyPr rtlCol="1" anchor="ctr"/>
+            <a:lstStyle/>
+            <a:p>
+              <a:pPr algn="ctr"/>
+              <a:endParaRPr lang="he-IL"/>
+            </a:p>
+          </p:txBody>
+        </p:sp>
+        <p:cxnSp>
+          <p:nvCxnSpPr>
+            <p:cNvPr id="23" name="Elbow Connector 22"/>
+            <p:cNvCxnSpPr>
+              <a:stCxn id="38" idx="1"/>
+              <a:endCxn id="31" idx="0"/>
+            </p:cNvCxnSpPr>
+            <p:nvPr/>
+          </p:nvCxnSpPr>
+          <p:spPr>
+            <a:xfrm rot="10800000" flipV="1">
+              <a:off x="4373001" y="4993121"/>
+              <a:ext cx="130568" cy="424216"/>
+            </a:xfrm>
+            <a:prstGeom prst="bentConnector2">
+              <a:avLst/>
+            </a:prstGeom>
+            <a:ln w="38100">
+              <a:tailEnd type="arrow"/>
+            </a:ln>
+          </p:spPr>
+          <p:style>
+            <a:lnRef idx="2">
+              <a:schemeClr val="accent4"/>
+            </a:lnRef>
+            <a:fillRef idx="0">
+              <a:schemeClr val="accent4"/>
+            </a:fillRef>
+            <a:effectRef idx="1">
+              <a:schemeClr val="accent4"/>
+            </a:effectRef>
+            <a:fontRef idx="minor">
+              <a:schemeClr val="tx1"/>
+            </a:fontRef>
+          </p:style>
+        </p:cxnSp>
+        <p:sp>
+          <p:nvSpPr>
+            <p:cNvPr id="24" name="TextBox 23"/>
+            <p:cNvSpPr txBox="1"/>
+            <p:nvPr/>
+          </p:nvSpPr>
+          <p:spPr>
+            <a:xfrm rot="16200000">
+              <a:off x="2731760" y="5730433"/>
+              <a:ext cx="810841" cy="470333"/>
+            </a:xfrm>
+            <a:prstGeom prst="rect">
+              <a:avLst/>
+            </a:prstGeom>
+          </p:spPr>
+          <p:style>
+            <a:lnRef idx="0">
+              <a:schemeClr val="dk1"/>
+            </a:lnRef>
+            <a:fillRef idx="3">
+              <a:schemeClr val="dk1"/>
+            </a:fillRef>
+            <a:effectRef idx="3">
+              <a:schemeClr val="dk1"/>
+            </a:effectRef>
+            <a:fontRef idx="minor">
+              <a:schemeClr val="lt1"/>
+            </a:fontRef>
+          </p:style>
+          <p:txBody>
+            <a:bodyPr wrap="square" rtlCol="1">
+              <a:spAutoFit/>
+            </a:bodyPr>
+            <a:lstStyle/>
+            <a:p>
+              <a:pPr algn="ctr"/>
+              <a:r>
+                <a:rPr lang="en-US" sz="1400" dirty="0" smtClean="0"/>
+                <a:t>WBM</a:t>
+              </a:r>
+              <a:endParaRPr lang="he-IL" sz="1400" dirty="0"/>
+            </a:p>
+          </p:txBody>
+        </p:sp>
+        <p:cxnSp>
+          <p:nvCxnSpPr>
+            <p:cNvPr id="25" name="Elbow Connector 24"/>
+            <p:cNvCxnSpPr>
+              <a:endCxn id="26" idx="0"/>
+            </p:cNvCxnSpPr>
+            <p:nvPr/>
+          </p:nvCxnSpPr>
+          <p:spPr>
+            <a:xfrm rot="10800000" flipV="1">
+              <a:off x="3139738" y="4858488"/>
+              <a:ext cx="1363835" cy="701691"/>
+            </a:xfrm>
+            <a:prstGeom prst="bentConnector2">
+              <a:avLst/>
+            </a:prstGeom>
+            <a:ln w="38100">
+              <a:tailEnd type="arrow"/>
+            </a:ln>
+          </p:spPr>
+          <p:style>
+            <a:lnRef idx="2">
+              <a:schemeClr val="accent4"/>
+            </a:lnRef>
+            <a:fillRef idx="0">
+              <a:schemeClr val="accent4"/>
+            </a:fillRef>
+            <a:effectRef idx="1">
+              <a:schemeClr val="accent4"/>
+            </a:effectRef>
+            <a:fontRef idx="minor">
+              <a:schemeClr val="tx1"/>
+            </a:fontRef>
+          </p:style>
+        </p:cxnSp>
+        <p:sp>
+          <p:nvSpPr>
+            <p:cNvPr id="26" name="Oval 25"/>
+            <p:cNvSpPr/>
+            <p:nvPr/>
+          </p:nvSpPr>
+          <p:spPr>
+            <a:xfrm>
+              <a:off x="2975983" y="5560180"/>
+              <a:ext cx="327508" cy="187118"/>
+            </a:xfrm>
+            <a:prstGeom prst="ellipse">
+              <a:avLst/>
+            </a:prstGeom>
+            <a:effectLst>
+              <a:outerShdw blurRad="40000" dist="23000" dir="5400000" rotWithShape="0">
+                <a:srgbClr val="000000">
+                  <a:alpha val="35000"/>
+                </a:srgbClr>
+              </a:outerShdw>
+              <a:reflection blurRad="6350" stA="50000" endA="275" endPos="40000" dist="101600" dir="5400000" sy="-100000" algn="bl" rotWithShape="0"/>
+            </a:effectLst>
+            <a:scene3d>
+              <a:camera prst="orthographicFront">
+                <a:rot lat="0" lon="0" rev="0"/>
+              </a:camera>
+              <a:lightRig rig="threePt" dir="t">
+                <a:rot lat="0" lon="0" rev="1200000"/>
+              </a:lightRig>
+            </a:scene3d>
+            <a:sp3d>
+              <a:bevelT w="63500" h="25400" prst="coolSlant"/>
+            </a:sp3d>
+          </p:spPr>
+          <p:style>
+            <a:lnRef idx="0">
+              <a:schemeClr val="accent2"/>
+            </a:lnRef>
+            <a:fillRef idx="3">
+              <a:schemeClr val="accent2"/>
+            </a:fillRef>
+            <a:effectRef idx="3">
+              <a:schemeClr val="accent2"/>
+            </a:effectRef>
+            <a:fontRef idx="minor">
+              <a:schemeClr val="lt1"/>
+            </a:fontRef>
+          </p:style>
+          <p:txBody>
+            <a:bodyPr rtlCol="1" anchor="ctr"/>
+            <a:lstStyle/>
+            <a:p>
+              <a:pPr algn="l"/>
+              <a:r>
+                <a:rPr lang="en-US" sz="1200" dirty="0"/>
+                <a:t>F</a:t>
+              </a:r>
+              <a:endParaRPr lang="he-IL" sz="1200" dirty="0"/>
+            </a:p>
+          </p:txBody>
+        </p:sp>
+        <p:cxnSp>
+          <p:nvCxnSpPr>
+            <p:cNvPr id="27" name="Elbow Connector 26"/>
+            <p:cNvCxnSpPr/>
+            <p:nvPr/>
+          </p:nvCxnSpPr>
+          <p:spPr>
+            <a:xfrm rot="16200000" flipH="1">
+              <a:off x="6355521" y="4880684"/>
+              <a:ext cx="498659" cy="611372"/>
+            </a:xfrm>
+            <a:prstGeom prst="bentConnector3">
+              <a:avLst>
+                <a:gd name="adj1" fmla="val -1038"/>
+              </a:avLst>
+            </a:prstGeom>
+            <a:ln w="38100">
+              <a:tailEnd type="arrow"/>
+            </a:ln>
+          </p:spPr>
+          <p:style>
+            <a:lnRef idx="2">
+              <a:schemeClr val="accent4"/>
+            </a:lnRef>
+            <a:fillRef idx="0">
+              <a:schemeClr val="accent4"/>
+            </a:fillRef>
+            <a:effectRef idx="1">
+              <a:schemeClr val="accent4"/>
+            </a:effectRef>
+            <a:fontRef idx="minor">
+              <a:schemeClr val="tx1"/>
+            </a:fontRef>
+          </p:style>
+        </p:cxnSp>
+        <p:cxnSp>
+          <p:nvCxnSpPr>
+            <p:cNvPr id="29" name="Elbow Connector 28"/>
+            <p:cNvCxnSpPr>
+              <a:stCxn id="30" idx="2"/>
+            </p:cNvCxnSpPr>
+            <p:nvPr/>
+          </p:nvCxnSpPr>
+          <p:spPr>
+            <a:xfrm rot="5400000">
+              <a:off x="4757427" y="4400136"/>
+              <a:ext cx="358919" cy="3129062"/>
+            </a:xfrm>
+            <a:prstGeom prst="bentConnector2">
+              <a:avLst/>
+            </a:prstGeom>
+            <a:ln w="19050">
+              <a:tailEnd type="arrow"/>
+            </a:ln>
+          </p:spPr>
+          <p:style>
+            <a:lnRef idx="2">
+              <a:schemeClr val="dk1"/>
+            </a:lnRef>
+            <a:fillRef idx="0">
+              <a:schemeClr val="dk1"/>
+            </a:fillRef>
+            <a:effectRef idx="1">
+              <a:schemeClr val="dk1"/>
+            </a:effectRef>
+            <a:fontRef idx="minor">
+              <a:schemeClr val="tx1"/>
+            </a:fontRef>
+          </p:style>
+        </p:cxnSp>
+        <p:sp>
+          <p:nvSpPr>
+            <p:cNvPr id="30" name="TextBox 29"/>
+            <p:cNvSpPr txBox="1"/>
+            <p:nvPr/>
+          </p:nvSpPr>
+          <p:spPr>
+            <a:xfrm>
+              <a:off x="5480923" y="5435700"/>
+              <a:ext cx="2040986" cy="349508"/>
+            </a:xfrm>
+            <a:prstGeom prst="rect">
+              <a:avLst/>
+            </a:prstGeom>
+          </p:spPr>
+          <p:style>
+            <a:lnRef idx="0">
+              <a:schemeClr val="accent6"/>
+            </a:lnRef>
+            <a:fillRef idx="3">
+              <a:schemeClr val="accent6"/>
+            </a:fillRef>
+            <a:effectRef idx="3">
+              <a:schemeClr val="accent6"/>
+            </a:effectRef>
+            <a:fontRef idx="minor">
+              <a:schemeClr val="lt1"/>
+            </a:fontRef>
+          </p:style>
+          <p:txBody>
+            <a:bodyPr wrap="square" rtlCol="1">
+              <a:spAutoFit/>
+            </a:bodyPr>
+            <a:lstStyle/>
+            <a:p>
+              <a:pPr algn="ctr" rtl="0"/>
+              <a:r>
+                <a:rPr lang="en-US" sz="1400" dirty="0" smtClean="0"/>
+                <a:t>Biliniar Interpolation</a:t>
+              </a:r>
+            </a:p>
+            <a:p>
+              <a:pPr algn="ctr" rtl="0"/>
+              <a:endParaRPr lang="en-US" sz="1400" dirty="0"/>
+            </a:p>
+          </p:txBody>
+        </p:sp>
+        <p:sp>
+          <p:nvSpPr>
+            <p:cNvPr id="31" name="TextBox 30"/>
+            <p:cNvSpPr txBox="1"/>
+            <p:nvPr/>
+          </p:nvSpPr>
+          <p:spPr>
+            <a:xfrm>
+              <a:off x="3541934" y="5417337"/>
+              <a:ext cx="1662133" cy="349508"/>
+            </a:xfrm>
+            <a:prstGeom prst="rect">
+              <a:avLst/>
+            </a:prstGeom>
+          </p:spPr>
+          <p:style>
+            <a:lnRef idx="0">
+              <a:schemeClr val="accent6"/>
+            </a:lnRef>
+            <a:fillRef idx="3">
+              <a:schemeClr val="accent6"/>
+            </a:fillRef>
+            <a:effectRef idx="3">
+              <a:schemeClr val="accent6"/>
+            </a:effectRef>
+            <a:fontRef idx="minor">
+              <a:schemeClr val="lt1"/>
+            </a:fontRef>
+          </p:style>
+          <p:txBody>
+            <a:bodyPr wrap="square" rtlCol="1">
+              <a:spAutoFit/>
+            </a:bodyPr>
+            <a:lstStyle/>
+            <a:p>
+              <a:pPr algn="ctr" rtl="0"/>
+              <a:r>
+                <a:rPr lang="en-US" sz="1400" dirty="0" smtClean="0"/>
+                <a:t>Addr Calculator</a:t>
+              </a:r>
+            </a:p>
+            <a:p>
+              <a:pPr algn="ctr" rtl="0"/>
+              <a:endParaRPr lang="he-IL" sz="1400" dirty="0"/>
+            </a:p>
+          </p:txBody>
+        </p:sp>
+        <p:sp>
+          <p:nvSpPr>
+            <p:cNvPr id="32" name="TextBox 31"/>
+            <p:cNvSpPr txBox="1"/>
+            <p:nvPr/>
+          </p:nvSpPr>
+          <p:spPr>
+            <a:xfrm>
+              <a:off x="4005561" y="6462430"/>
+              <a:ext cx="1419199" cy="268719"/>
+            </a:xfrm>
+            <a:prstGeom prst="rect">
+              <a:avLst/>
+            </a:prstGeom>
+            <a:ln/>
+          </p:spPr>
+          <p:style>
+            <a:lnRef idx="0">
+              <a:schemeClr val="accent1"/>
+            </a:lnRef>
+            <a:fillRef idx="3">
+              <a:schemeClr val="accent1"/>
+            </a:fillRef>
+            <a:effectRef idx="3">
+              <a:schemeClr val="accent1"/>
+            </a:effectRef>
+            <a:fontRef idx="minor">
+              <a:schemeClr val="lt1"/>
+            </a:fontRef>
+          </p:style>
+          <p:txBody>
+            <a:bodyPr wrap="square" rtlCol="1">
+              <a:spAutoFit/>
+            </a:bodyPr>
+            <a:lstStyle/>
+            <a:p>
+              <a:pPr algn="ctr"/>
+              <a:r>
+                <a:rPr lang="en-US" sz="1400" dirty="0" smtClean="0"/>
+                <a:t>WBS</a:t>
+              </a:r>
+              <a:endParaRPr lang="he-IL" sz="1400" dirty="0"/>
+            </a:p>
+          </p:txBody>
+        </p:sp>
+        <p:sp>
+          <p:nvSpPr>
+            <p:cNvPr id="33" name="Oval 32"/>
+            <p:cNvSpPr/>
+            <p:nvPr/>
+          </p:nvSpPr>
+          <p:spPr>
+            <a:xfrm>
+              <a:off x="4045493" y="6554250"/>
+              <a:ext cx="327508" cy="187118"/>
+            </a:xfrm>
+            <a:prstGeom prst="ellipse">
+              <a:avLst/>
+            </a:prstGeom>
+            <a:effectLst>
+              <a:outerShdw blurRad="40000" dist="23000" dir="5400000" rotWithShape="0">
+                <a:srgbClr val="000000">
+                  <a:alpha val="35000"/>
+                </a:srgbClr>
+              </a:outerShdw>
+              <a:reflection blurRad="6350" stA="50000" endA="275" endPos="40000" dist="101600" dir="5400000" sy="-100000" algn="bl" rotWithShape="0"/>
+            </a:effectLst>
+            <a:scene3d>
+              <a:camera prst="orthographicFront">
+                <a:rot lat="0" lon="0" rev="0"/>
+              </a:camera>
+              <a:lightRig rig="threePt" dir="t">
+                <a:rot lat="0" lon="0" rev="1200000"/>
+              </a:lightRig>
+            </a:scene3d>
+            <a:sp3d>
+              <a:bevelT w="63500" h="25400" prst="coolSlant"/>
+            </a:sp3d>
+          </p:spPr>
+          <p:style>
+            <a:lnRef idx="0">
+              <a:schemeClr val="accent2"/>
+            </a:lnRef>
+            <a:fillRef idx="3">
+              <a:schemeClr val="accent2"/>
+            </a:fillRef>
+            <a:effectRef idx="3">
+              <a:schemeClr val="accent2"/>
+            </a:effectRef>
+            <a:fontRef idx="minor">
+              <a:schemeClr val="lt1"/>
+            </a:fontRef>
+          </p:style>
+          <p:txBody>
+            <a:bodyPr rtlCol="1" anchor="ctr"/>
+            <a:lstStyle/>
+            <a:p>
+              <a:pPr algn="l"/>
+              <a:r>
+                <a:rPr lang="he-IL" sz="1200" dirty="0" smtClean="0"/>
+                <a:t>6</a:t>
+              </a:r>
+              <a:endParaRPr lang="he-IL" sz="1200" dirty="0"/>
+            </a:p>
+          </p:txBody>
+        </p:sp>
+        <p:sp>
+          <p:nvSpPr>
+            <p:cNvPr id="34" name="Rounded Rectangle 33"/>
+            <p:cNvSpPr/>
+            <p:nvPr/>
+          </p:nvSpPr>
+          <p:spPr>
+            <a:xfrm>
+              <a:off x="6338840" y="4365104"/>
+              <a:ext cx="2328921" cy="436607"/>
+            </a:xfrm>
+            <a:prstGeom prst="roundRect">
+              <a:avLst/>
+            </a:prstGeom>
+          </p:spPr>
+          <p:style>
+            <a:lnRef idx="0">
+              <a:schemeClr val="accent2"/>
+            </a:lnRef>
+            <a:fillRef idx="3">
+              <a:schemeClr val="accent2"/>
+            </a:fillRef>
+            <a:effectRef idx="3">
+              <a:schemeClr val="accent2"/>
+            </a:effectRef>
+            <a:fontRef idx="minor">
+              <a:schemeClr val="lt1"/>
+            </a:fontRef>
+          </p:style>
+          <p:txBody>
+            <a:bodyPr rtlCol="1" anchor="ctr"/>
+            <a:lstStyle/>
+            <a:p>
+              <a:pPr algn="ctr"/>
+              <a:r>
+                <a:rPr lang="en-US" sz="1200" dirty="0" smtClean="0"/>
+                <a:t>Image Manipulation</a:t>
+              </a:r>
+            </a:p>
+          </p:txBody>
+        </p:sp>
+        <p:sp>
+          <p:nvSpPr>
+            <p:cNvPr id="36" name="TextBox 35"/>
+            <p:cNvSpPr txBox="1"/>
+            <p:nvPr/>
+          </p:nvSpPr>
+          <p:spPr>
+            <a:xfrm>
+              <a:off x="5958734" y="6188762"/>
+              <a:ext cx="1795297" cy="273668"/>
+            </a:xfrm>
+            <a:prstGeom prst="rect">
+              <a:avLst/>
+            </a:prstGeom>
+          </p:spPr>
+          <p:style>
+            <a:lnRef idx="0">
+              <a:schemeClr val="accent3"/>
+            </a:lnRef>
+            <a:fillRef idx="3">
+              <a:schemeClr val="accent3"/>
+            </a:fillRef>
+            <a:effectRef idx="3">
+              <a:schemeClr val="accent3"/>
+            </a:effectRef>
+            <a:fontRef idx="minor">
+              <a:schemeClr val="lt1"/>
+            </a:fontRef>
+          </p:style>
+          <p:txBody>
+            <a:bodyPr wrap="square" rtlCol="1">
+              <a:spAutoFit/>
+            </a:bodyPr>
+            <a:lstStyle/>
+            <a:p>
+              <a:pPr algn="ctr" rtl="0"/>
+              <a:r>
+                <a:rPr lang="en-US" sz="1200" dirty="0" err="1" smtClean="0">
+                  <a:solidFill>
+                    <a:schemeClr val="tx1"/>
+                  </a:solidFill>
+                </a:rPr>
+                <a:t>Param</a:t>
+              </a:r>
+              <a:r>
+                <a:rPr lang="en-US" sz="1200" dirty="0" smtClean="0">
+                  <a:solidFill>
+                    <a:schemeClr val="tx1"/>
+                  </a:solidFill>
+                </a:rPr>
+                <a:t> </a:t>
+              </a:r>
+              <a:r>
+                <a:rPr lang="en-US" sz="1200" dirty="0" err="1" smtClean="0">
+                  <a:solidFill>
+                    <a:schemeClr val="tx1"/>
+                  </a:solidFill>
+                </a:rPr>
+                <a:t>Reg</a:t>
+              </a:r>
+              <a:endParaRPr lang="en-US" sz="1200" dirty="0" smtClean="0">
                 <a:solidFill>
                   <a:schemeClr val="tx1"/>
                 </a:solidFill>
-              </a:rPr>
-              <a:t>Param</a:t>
-            </a:r>
-            <a:r>
-              <a:rPr lang="en-US" sz="1200" dirty="0" smtClean="0">
-                <a:solidFill>
-                  <a:schemeClr val="tx1"/>
-                </a:solidFill>
-              </a:rPr>
-              <a:t> </a:t>
-            </a:r>
-            <a:r>
-              <a:rPr lang="en-US" sz="1200" dirty="0" err="1" smtClean="0">
-                <a:solidFill>
-                  <a:schemeClr val="tx1"/>
-                </a:solidFill>
-              </a:rPr>
-              <a:t>Reg</a:t>
-            </a:r>
-            <a:endParaRPr lang="en-US" sz="1200" dirty="0" smtClean="0">
-              <a:solidFill>
-                <a:schemeClr val="tx1"/>
-              </a:solidFill>
-            </a:endParaRPr>
-          </a:p>
-        </p:txBody>
-      </p:sp>
-      <p:cxnSp>
-        <p:nvCxnSpPr>
-          <p:cNvPr id="37" name="Elbow Connector 36"/>
-          <p:cNvCxnSpPr>
-            <a:endCxn id="36" idx="2"/>
-          </p:cNvCxnSpPr>
-          <p:nvPr/>
-        </p:nvCxnSpPr>
-        <p:spPr>
-          <a:xfrm flipV="1">
-            <a:off x="5424759" y="6462430"/>
-            <a:ext cx="1431623" cy="185379"/>
-          </a:xfrm>
-          <a:prstGeom prst="bentConnector2">
-            <a:avLst/>
-          </a:prstGeom>
-          <a:ln w="19050">
-            <a:tailEnd type="arrow"/>
-          </a:ln>
-        </p:spPr>
-        <p:style>
-          <a:lnRef idx="2">
-            <a:schemeClr val="dk1"/>
-          </a:lnRef>
-          <a:fillRef idx="0">
-            <a:schemeClr val="dk1"/>
-          </a:fillRef>
-          <a:effectRef idx="1">
-            <a:schemeClr val="dk1"/>
-          </a:effectRef>
-          <a:fontRef idx="minor">
-            <a:schemeClr val="tx1"/>
-          </a:fontRef>
-        </p:style>
-      </p:cxnSp>
-      <p:sp>
-        <p:nvSpPr>
-          <p:cNvPr id="38" name="TextBox 37"/>
-          <p:cNvSpPr txBox="1"/>
-          <p:nvPr/>
-        </p:nvSpPr>
-        <p:spPr>
-          <a:xfrm>
-            <a:off x="4503569" y="4762288"/>
-            <a:ext cx="1795597" cy="461665"/>
-          </a:xfrm>
-          <a:prstGeom prst="rect">
-            <a:avLst/>
-          </a:prstGeom>
-        </p:spPr>
-        <p:style>
-          <a:lnRef idx="0">
-            <a:schemeClr val="accent6"/>
-          </a:lnRef>
-          <a:fillRef idx="3">
-            <a:schemeClr val="accent6"/>
-          </a:fillRef>
-          <a:effectRef idx="3">
-            <a:schemeClr val="accent6"/>
-          </a:effectRef>
-          <a:fontRef idx="minor">
-            <a:schemeClr val="lt1"/>
-          </a:fontRef>
-        </p:style>
-        <p:txBody>
-          <a:bodyPr wrap="square" rtlCol="1">
-            <a:spAutoFit/>
-          </a:bodyPr>
-          <a:lstStyle/>
-          <a:p>
-            <a:pPr algn="ctr" rtl="0"/>
-            <a:r>
-              <a:rPr lang="en-US" sz="1200" dirty="0" smtClean="0"/>
-              <a:t>Img_man_manager</a:t>
-            </a:r>
-            <a:endParaRPr lang="en-US" sz="1100" dirty="0" smtClean="0"/>
-          </a:p>
-          <a:p>
-            <a:pPr algn="ctr" rtl="0"/>
-            <a:endParaRPr lang="en-US" sz="600" dirty="0" smtClean="0"/>
-          </a:p>
-          <a:p>
-            <a:pPr algn="ctr" rtl="0"/>
-            <a:endParaRPr lang="he-IL" sz="600" dirty="0"/>
-          </a:p>
-        </p:txBody>
-      </p:sp>
-      <p:cxnSp>
-        <p:nvCxnSpPr>
-          <p:cNvPr id="39" name="Elbow Connector 38"/>
-          <p:cNvCxnSpPr/>
-          <p:nvPr/>
-        </p:nvCxnSpPr>
-        <p:spPr>
-          <a:xfrm>
-            <a:off x="5204067" y="5581598"/>
-            <a:ext cx="276857" cy="112566"/>
-          </a:xfrm>
-          <a:prstGeom prst="bentConnector3">
-            <a:avLst>
-              <a:gd name="adj1" fmla="val 50000"/>
-            </a:avLst>
-          </a:prstGeom>
-          <a:ln w="19050">
-            <a:tailEnd type="arrow"/>
-          </a:ln>
-        </p:spPr>
-        <p:style>
-          <a:lnRef idx="2">
-            <a:schemeClr val="dk1"/>
-          </a:lnRef>
-          <a:fillRef idx="0">
-            <a:schemeClr val="dk1"/>
-          </a:fillRef>
-          <a:effectRef idx="1">
-            <a:schemeClr val="dk1"/>
-          </a:effectRef>
-          <a:fontRef idx="minor">
-            <a:schemeClr val="tx1"/>
-          </a:fontRef>
-        </p:style>
-      </p:cxnSp>
-      <p:cxnSp>
-        <p:nvCxnSpPr>
-          <p:cNvPr id="40" name="Elbow Connector 39"/>
-          <p:cNvCxnSpPr>
-            <a:stCxn id="31" idx="2"/>
-          </p:cNvCxnSpPr>
-          <p:nvPr/>
-        </p:nvCxnSpPr>
-        <p:spPr>
-          <a:xfrm rot="5400000">
-            <a:off x="3728664" y="5410528"/>
-            <a:ext cx="288020" cy="1000653"/>
-          </a:xfrm>
-          <a:prstGeom prst="bentConnector2">
-            <a:avLst/>
-          </a:prstGeom>
-          <a:ln w="19050">
-            <a:tailEnd type="arrow"/>
-          </a:ln>
-        </p:spPr>
-        <p:style>
-          <a:lnRef idx="2">
-            <a:schemeClr val="dk1"/>
-          </a:lnRef>
-          <a:fillRef idx="0">
-            <a:schemeClr val="dk1"/>
-          </a:fillRef>
-          <a:effectRef idx="1">
-            <a:schemeClr val="dk1"/>
-          </a:effectRef>
-          <a:fontRef idx="minor">
-            <a:schemeClr val="tx1"/>
-          </a:fontRef>
-        </p:style>
-      </p:cxnSp>
+              </a:endParaRPr>
+            </a:p>
+          </p:txBody>
+        </p:sp>
+        <p:cxnSp>
+          <p:nvCxnSpPr>
+            <p:cNvPr id="37" name="Elbow Connector 36"/>
+            <p:cNvCxnSpPr>
+              <a:endCxn id="36" idx="2"/>
+            </p:cNvCxnSpPr>
+            <p:nvPr/>
+          </p:nvCxnSpPr>
+          <p:spPr>
+            <a:xfrm flipV="1">
+              <a:off x="5424759" y="6462430"/>
+              <a:ext cx="1431623" cy="185379"/>
+            </a:xfrm>
+            <a:prstGeom prst="bentConnector2">
+              <a:avLst/>
+            </a:prstGeom>
+            <a:ln w="19050">
+              <a:tailEnd type="arrow"/>
+            </a:ln>
+          </p:spPr>
+          <p:style>
+            <a:lnRef idx="2">
+              <a:schemeClr val="dk1"/>
+            </a:lnRef>
+            <a:fillRef idx="0">
+              <a:schemeClr val="dk1"/>
+            </a:fillRef>
+            <a:effectRef idx="1">
+              <a:schemeClr val="dk1"/>
+            </a:effectRef>
+            <a:fontRef idx="minor">
+              <a:schemeClr val="tx1"/>
+            </a:fontRef>
+          </p:style>
+        </p:cxnSp>
+        <p:sp>
+          <p:nvSpPr>
+            <p:cNvPr id="38" name="TextBox 37"/>
+            <p:cNvSpPr txBox="1"/>
+            <p:nvPr/>
+          </p:nvSpPr>
+          <p:spPr>
+            <a:xfrm>
+              <a:off x="4503569" y="4762288"/>
+              <a:ext cx="1795597" cy="461665"/>
+            </a:xfrm>
+            <a:prstGeom prst="rect">
+              <a:avLst/>
+            </a:prstGeom>
+          </p:spPr>
+          <p:style>
+            <a:lnRef idx="0">
+              <a:schemeClr val="accent6"/>
+            </a:lnRef>
+            <a:fillRef idx="3">
+              <a:schemeClr val="accent6"/>
+            </a:fillRef>
+            <a:effectRef idx="3">
+              <a:schemeClr val="accent6"/>
+            </a:effectRef>
+            <a:fontRef idx="minor">
+              <a:schemeClr val="lt1"/>
+            </a:fontRef>
+          </p:style>
+          <p:txBody>
+            <a:bodyPr wrap="square" rtlCol="1">
+              <a:spAutoFit/>
+            </a:bodyPr>
+            <a:lstStyle/>
+            <a:p>
+              <a:pPr algn="ctr" rtl="0"/>
+              <a:r>
+                <a:rPr lang="en-US" sz="1200" dirty="0" smtClean="0"/>
+                <a:t>Img_man_manager</a:t>
+              </a:r>
+              <a:endParaRPr lang="en-US" sz="1100" dirty="0" smtClean="0"/>
+            </a:p>
+            <a:p>
+              <a:pPr algn="ctr" rtl="0"/>
+              <a:endParaRPr lang="en-US" sz="600" dirty="0" smtClean="0"/>
+            </a:p>
+            <a:p>
+              <a:pPr algn="ctr" rtl="0"/>
+              <a:endParaRPr lang="he-IL" sz="600" dirty="0"/>
+            </a:p>
+          </p:txBody>
+        </p:sp>
+        <p:cxnSp>
+          <p:nvCxnSpPr>
+            <p:cNvPr id="39" name="Elbow Connector 38"/>
+            <p:cNvCxnSpPr/>
+            <p:nvPr/>
+          </p:nvCxnSpPr>
+          <p:spPr>
+            <a:xfrm>
+              <a:off x="5204067" y="5581598"/>
+              <a:ext cx="276857" cy="112566"/>
+            </a:xfrm>
+            <a:prstGeom prst="bentConnector3">
+              <a:avLst>
+                <a:gd name="adj1" fmla="val 50000"/>
+              </a:avLst>
+            </a:prstGeom>
+            <a:ln w="19050">
+              <a:tailEnd type="arrow"/>
+            </a:ln>
+          </p:spPr>
+          <p:style>
+            <a:lnRef idx="2">
+              <a:schemeClr val="dk1"/>
+            </a:lnRef>
+            <a:fillRef idx="0">
+              <a:schemeClr val="dk1"/>
+            </a:fillRef>
+            <a:effectRef idx="1">
+              <a:schemeClr val="dk1"/>
+            </a:effectRef>
+            <a:fontRef idx="minor">
+              <a:schemeClr val="tx1"/>
+            </a:fontRef>
+          </p:style>
+        </p:cxnSp>
+        <p:cxnSp>
+          <p:nvCxnSpPr>
+            <p:cNvPr id="40" name="Elbow Connector 39"/>
+            <p:cNvCxnSpPr>
+              <a:stCxn id="31" idx="2"/>
+            </p:cNvCxnSpPr>
+            <p:nvPr/>
+          </p:nvCxnSpPr>
+          <p:spPr>
+            <a:xfrm rot="5400000">
+              <a:off x="3728664" y="5410528"/>
+              <a:ext cx="288020" cy="1000653"/>
+            </a:xfrm>
+            <a:prstGeom prst="bentConnector2">
+              <a:avLst/>
+            </a:prstGeom>
+            <a:ln w="19050">
+              <a:tailEnd type="arrow"/>
+            </a:ln>
+          </p:spPr>
+          <p:style>
+            <a:lnRef idx="2">
+              <a:schemeClr val="dk1"/>
+            </a:lnRef>
+            <a:fillRef idx="0">
+              <a:schemeClr val="dk1"/>
+            </a:fillRef>
+            <a:effectRef idx="1">
+              <a:schemeClr val="dk1"/>
+            </a:effectRef>
+            <a:fontRef idx="minor">
+              <a:schemeClr val="tx1"/>
+            </a:fontRef>
+          </p:style>
+        </p:cxnSp>
+      </p:grpSp>
     </p:spTree>
     <p:extLst>
       <p:ext uri="{BB962C8B-B14F-4D97-AF65-F5344CB8AC3E}">
@@ -16427,13 +16436,13 @@
   <p:clrMapOvr>
     <a:masterClrMapping/>
   </p:clrMapOvr>
-  <mc:AlternateContent xmlns:mc="http://schemas.openxmlformats.org/markup-compatibility/2006">
-    <mc:Choice xmlns:p14="http://schemas.microsoft.com/office/powerpoint/2010/main" Requires="p14">
+  <mc:AlternateContent xmlns:mc="http://schemas.openxmlformats.org/markup-compatibility/2006" xmlns:p14="http://schemas.microsoft.com/office/powerpoint/2010/main">
+    <mc:Choice Requires="p14">
       <p:transition spd="slow" p14:dur="900">
         <p14:warp dir="in"/>
       </p:transition>
     </mc:Choice>
-    <mc:Fallback>
+    <mc:Fallback xmlns="">
       <p:transition spd="slow">
         <p:fade/>
       </p:transition>
@@ -16502,87 +16511,64 @@
                                   </p:childTnLst>
                                 </p:cTn>
                               </p:par>
+                            </p:childTnLst>
+                          </p:cTn>
+                        </p:par>
+                      </p:childTnLst>
+                    </p:cTn>
+                  </p:par>
+                  <p:par>
+                    <p:cTn id="8" fill="hold">
+                      <p:stCondLst>
+                        <p:cond delay="indefinite"/>
+                      </p:stCondLst>
+                      <p:childTnLst>
+                        <p:par>
+                          <p:cTn id="9" fill="hold">
+                            <p:stCondLst>
+                              <p:cond delay="0"/>
+                            </p:stCondLst>
+                            <p:childTnLst>
                               <p:par>
-                                <p:cTn id="8" presetID="32" presetClass="emph" presetSubtype="0" fill="hold" grpId="0" nodeType="withEffect">
+                                <p:cTn id="10" presetID="16" presetClass="entr" presetSubtype="21" fill="hold" nodeType="clickEffect">
                                   <p:stCondLst>
                                     <p:cond delay="0"/>
                                   </p:stCondLst>
                                   <p:childTnLst>
-                                    <p:animRot by="120000">
-                                      <p:cBhvr>
-                                        <p:cTn id="9" dur="100" fill="hold">
+                                    <p:set>
+                                      <p:cBhvr>
+                                        <p:cTn id="11" dur="1" fill="hold">
                                           <p:stCondLst>
                                             <p:cond delay="0"/>
                                           </p:stCondLst>
                                         </p:cTn>
                                         <p:tgtEl>
-                                          <p:spTgt spid="36"/>
+                                          <p:spTgt spid="5">
+                                            <p:txEl>
+                                              <p:pRg st="1" end="1"/>
+                                            </p:txEl>
+                                          </p:spTgt>
                                         </p:tgtEl>
                                         <p:attrNameLst>
-                                          <p:attrName>r</p:attrName>
+                                          <p:attrName>style.visibility</p:attrName>
                                         </p:attrNameLst>
                                       </p:cBhvr>
-                                    </p:animRot>
-                                    <p:animRot by="-240000">
-                                      <p:cBhvr>
-                                        <p:cTn id="10" dur="200" fill="hold">
-                                          <p:stCondLst>
-                                            <p:cond delay="200"/>
-                                          </p:stCondLst>
-                                        </p:cTn>
-                                        <p:tgtEl>
-                                          <p:spTgt spid="36"/>
-                                        </p:tgtEl>
-                                        <p:attrNameLst>
-                                          <p:attrName>r</p:attrName>
-                                        </p:attrNameLst>
-                                      </p:cBhvr>
-                                    </p:animRot>
-                                    <p:animRot by="240000">
-                                      <p:cBhvr>
-                                        <p:cTn id="11" dur="200" fill="hold">
-                                          <p:stCondLst>
-                                            <p:cond delay="400"/>
-                                          </p:stCondLst>
-                                        </p:cTn>
-                                        <p:tgtEl>
-                                          <p:spTgt spid="36"/>
-                                        </p:tgtEl>
-                                        <p:attrNameLst>
-                                          <p:attrName>r</p:attrName>
-                                        </p:attrNameLst>
-                                      </p:cBhvr>
-                                    </p:animRot>
-                                    <p:animRot by="-240000">
-                                      <p:cBhvr>
-                                        <p:cTn id="12" dur="200" fill="hold">
-                                          <p:stCondLst>
-                                            <p:cond delay="600"/>
-                                          </p:stCondLst>
-                                        </p:cTn>
-                                        <p:tgtEl>
-                                          <p:spTgt spid="36"/>
-                                        </p:tgtEl>
-                                        <p:attrNameLst>
-                                          <p:attrName>r</p:attrName>
-                                        </p:attrNameLst>
-                                      </p:cBhvr>
-                                    </p:animRot>
-                                    <p:animRot by="120000">
-                                      <p:cBhvr>
-                                        <p:cTn id="13" dur="200" fill="hold">
-                                          <p:stCondLst>
-                                            <p:cond delay="800"/>
-                                          </p:stCondLst>
-                                        </p:cTn>
-                                        <p:tgtEl>
-                                          <p:spTgt spid="36"/>
-                                        </p:tgtEl>
-                                        <p:attrNameLst>
-                                          <p:attrName>r</p:attrName>
-                                        </p:attrNameLst>
-                                      </p:cBhvr>
-                                    </p:animRot>
+                                      <p:to>
+                                        <p:strVal val="visible"/>
+                                      </p:to>
+                                    </p:set>
+                                    <p:animEffect transition="in" filter="barn(inVertical)">
+                                      <p:cBhvr>
+                                        <p:cTn id="12" dur="500"/>
+                                        <p:tgtEl>
+                                          <p:spTgt spid="5">
+                                            <p:txEl>
+                                              <p:pRg st="1" end="1"/>
+                                            </p:txEl>
+                                          </p:spTgt>
+                                        </p:tgtEl>
+                                      </p:cBhvr>
+                                    </p:animEffect>
                                   </p:childTnLst>
                                 </p:cTn>
                               </p:par>
@@ -16593,26 +16579,26 @@
                     </p:cTn>
                   </p:par>
                   <p:par>
-                    <p:cTn id="14" fill="hold">
+                    <p:cTn id="13" fill="hold">
                       <p:stCondLst>
                         <p:cond delay="indefinite"/>
                       </p:stCondLst>
                       <p:childTnLst>
                         <p:par>
-                          <p:cTn id="15" fill="hold">
+                          <p:cTn id="14" fill="hold">
                             <p:stCondLst>
                               <p:cond delay="0"/>
                             </p:stCondLst>
                             <p:childTnLst>
                               <p:par>
-                                <p:cTn id="16" presetID="16" presetClass="entr" presetSubtype="21" fill="hold" nodeType="clickEffect">
+                                <p:cTn id="15" presetID="16" presetClass="entr" presetSubtype="21" fill="hold" nodeType="clickEffect">
                                   <p:stCondLst>
                                     <p:cond delay="0"/>
                                   </p:stCondLst>
                                   <p:childTnLst>
                                     <p:set>
                                       <p:cBhvr>
-                                        <p:cTn id="17" dur="1" fill="hold">
+                                        <p:cTn id="16" dur="1" fill="hold">
                                           <p:stCondLst>
                                             <p:cond delay="0"/>
                                           </p:stCondLst>
@@ -16620,7 +16606,7 @@
                                         <p:tgtEl>
                                           <p:spTgt spid="5">
                                             <p:txEl>
-                                              <p:pRg st="1" end="1"/>
+                                              <p:pRg st="2" end="2"/>
                                             </p:txEl>
                                           </p:spTgt>
                                         </p:tgtEl>
@@ -16634,100 +16620,16 @@
                                     </p:set>
                                     <p:animEffect transition="in" filter="barn(inVertical)">
                                       <p:cBhvr>
-                                        <p:cTn id="18" dur="500"/>
+                                        <p:cTn id="17" dur="500"/>
                                         <p:tgtEl>
                                           <p:spTgt spid="5">
                                             <p:txEl>
-                                              <p:pRg st="1" end="1"/>
+                                              <p:pRg st="2" end="2"/>
                                             </p:txEl>
                                           </p:spTgt>
                                         </p:tgtEl>
                                       </p:cBhvr>
                                     </p:animEffect>
-                                  </p:childTnLst>
-                                </p:cTn>
-                              </p:par>
-                              <p:par>
-                                <p:cTn id="19" presetID="32" presetClass="emph" presetSubtype="0" fill="hold" grpId="0" nodeType="withEffect">
-                                  <p:stCondLst>
-                                    <p:cond delay="0"/>
-                                  </p:stCondLst>
-                                  <p:childTnLst>
-                                    <p:animRot by="120000">
-                                      <p:cBhvr>
-                                        <p:cTn id="20" dur="100" fill="hold">
-                                          <p:stCondLst>
-                                            <p:cond delay="0"/>
-                                          </p:stCondLst>
-                                        </p:cTn>
-                                        <p:tgtEl>
-                                          <p:spTgt spid="31"/>
-                                        </p:tgtEl>
-                                        <p:attrNameLst>
-                                          <p:attrName>r</p:attrName>
-                                        </p:attrNameLst>
-                                      </p:cBhvr>
-                                    </p:animRot>
-                                    <p:animRot by="-240000">
-                                      <p:cBhvr>
-                                        <p:cTn id="21" dur="200" fill="hold">
-                                          <p:stCondLst>
-                                            <p:cond delay="200"/>
-                                          </p:stCondLst>
-                                        </p:cTn>
-                                        <p:tgtEl>
-                                          <p:spTgt spid="31"/>
-                                        </p:tgtEl>
-                                        <p:attrNameLst>
-                                          <p:attrName>r</p:attrName>
-                                        </p:attrNameLst>
-                                      </p:cBhvr>
-                                    </p:animRot>
-                                    <p:animRot by="240000">
-                                      <p:cBhvr>
-                                        <p:cTn id="22" dur="200" fill="hold">
-                                          <p:stCondLst>
-                                            <p:cond delay="400"/>
-                                          </p:stCondLst>
-                                        </p:cTn>
-                                        <p:tgtEl>
-                                          <p:spTgt spid="31"/>
-                                        </p:tgtEl>
-                                        <p:attrNameLst>
-                                          <p:attrName>r</p:attrName>
-                                        </p:attrNameLst>
-                                      </p:cBhvr>
-                                    </p:animRot>
-                                    <p:animRot by="-240000">
-                                      <p:cBhvr>
-                                        <p:cTn id="23" dur="200" fill="hold">
-                                          <p:stCondLst>
-                                            <p:cond delay="600"/>
-                                          </p:stCondLst>
-                                        </p:cTn>
-                                        <p:tgtEl>
-                                          <p:spTgt spid="31"/>
-                                        </p:tgtEl>
-                                        <p:attrNameLst>
-                                          <p:attrName>r</p:attrName>
-                                        </p:attrNameLst>
-                                      </p:cBhvr>
-                                    </p:animRot>
-                                    <p:animRot by="120000">
-                                      <p:cBhvr>
-                                        <p:cTn id="24" dur="200" fill="hold">
-                                          <p:stCondLst>
-                                            <p:cond delay="800"/>
-                                          </p:stCondLst>
-                                        </p:cTn>
-                                        <p:tgtEl>
-                                          <p:spTgt spid="31"/>
-                                        </p:tgtEl>
-                                        <p:attrNameLst>
-                                          <p:attrName>r</p:attrName>
-                                        </p:attrNameLst>
-                                      </p:cBhvr>
-                                    </p:animRot>
                                   </p:childTnLst>
                                 </p:cTn>
                               </p:par>
@@ -16738,26 +16640,26 @@
                     </p:cTn>
                   </p:par>
                   <p:par>
-                    <p:cTn id="25" fill="hold">
+                    <p:cTn id="18" fill="hold">
                       <p:stCondLst>
                         <p:cond delay="indefinite"/>
                       </p:stCondLst>
                       <p:childTnLst>
                         <p:par>
-                          <p:cTn id="26" fill="hold">
+                          <p:cTn id="19" fill="hold">
                             <p:stCondLst>
                               <p:cond delay="0"/>
                             </p:stCondLst>
                             <p:childTnLst>
                               <p:par>
-                                <p:cTn id="27" presetID="16" presetClass="entr" presetSubtype="21" fill="hold" nodeType="clickEffect">
+                                <p:cTn id="20" presetID="16" presetClass="entr" presetSubtype="21" fill="hold" nodeType="clickEffect">
                                   <p:stCondLst>
                                     <p:cond delay="0"/>
                                   </p:stCondLst>
                                   <p:childTnLst>
                                     <p:set>
                                       <p:cBhvr>
-                                        <p:cTn id="28" dur="1" fill="hold">
+                                        <p:cTn id="21" dur="1" fill="hold">
                                           <p:stCondLst>
                                             <p:cond delay="0"/>
                                           </p:stCondLst>
@@ -16765,7 +16667,7 @@
                                         <p:tgtEl>
                                           <p:spTgt spid="5">
                                             <p:txEl>
-                                              <p:pRg st="2" end="2"/>
+                                              <p:pRg st="3" end="3"/>
                                             </p:txEl>
                                           </p:spTgt>
                                         </p:tgtEl>
@@ -16779,134 +16681,7 @@
                                     </p:set>
                                     <p:animEffect transition="in" filter="barn(inVertical)">
                                       <p:cBhvr>
-                                        <p:cTn id="29" dur="500"/>
-                                        <p:tgtEl>
-                                          <p:spTgt spid="5">
-                                            <p:txEl>
-                                              <p:pRg st="2" end="2"/>
-                                            </p:txEl>
-                                          </p:spTgt>
-                                        </p:tgtEl>
-                                      </p:cBhvr>
-                                    </p:animEffect>
-                                  </p:childTnLst>
-                                </p:cTn>
-                              </p:par>
-                              <p:par>
-                                <p:cTn id="30" presetID="32" presetClass="emph" presetSubtype="0" fill="hold" grpId="0" nodeType="withEffect">
-                                  <p:stCondLst>
-                                    <p:cond delay="0"/>
-                                  </p:stCondLst>
-                                  <p:childTnLst>
-                                    <p:animRot by="120000">
-                                      <p:cBhvr>
-                                        <p:cTn id="31" dur="100" fill="hold">
-                                          <p:stCondLst>
-                                            <p:cond delay="0"/>
-                                          </p:stCondLst>
-                                        </p:cTn>
-                                        <p:tgtEl>
-                                          <p:spTgt spid="30"/>
-                                        </p:tgtEl>
-                                        <p:attrNameLst>
-                                          <p:attrName>r</p:attrName>
-                                        </p:attrNameLst>
-                                      </p:cBhvr>
-                                    </p:animRot>
-                                    <p:animRot by="-240000">
-                                      <p:cBhvr>
-                                        <p:cTn id="32" dur="200" fill="hold">
-                                          <p:stCondLst>
-                                            <p:cond delay="200"/>
-                                          </p:stCondLst>
-                                        </p:cTn>
-                                        <p:tgtEl>
-                                          <p:spTgt spid="30"/>
-                                        </p:tgtEl>
-                                        <p:attrNameLst>
-                                          <p:attrName>r</p:attrName>
-                                        </p:attrNameLst>
-                                      </p:cBhvr>
-                                    </p:animRot>
-                                    <p:animRot by="240000">
-                                      <p:cBhvr>
-                                        <p:cTn id="33" dur="200" fill="hold">
-                                          <p:stCondLst>
-                                            <p:cond delay="400"/>
-                                          </p:stCondLst>
-                                        </p:cTn>
-                                        <p:tgtEl>
-                                          <p:spTgt spid="30"/>
-                                        </p:tgtEl>
-                                        <p:attrNameLst>
-                                          <p:attrName>r</p:attrName>
-                                        </p:attrNameLst>
-                                      </p:cBhvr>
-                                    </p:animRot>
-                                    <p:animRot by="-240000">
-                                      <p:cBhvr>
-                                        <p:cTn id="34" dur="200" fill="hold">
-                                          <p:stCondLst>
-                                            <p:cond delay="600"/>
-                                          </p:stCondLst>
-                                        </p:cTn>
-                                        <p:tgtEl>
-                                          <p:spTgt spid="30"/>
-                                        </p:tgtEl>
-                                        <p:attrNameLst>
-                                          <p:attrName>r</p:attrName>
-                                        </p:attrNameLst>
-                                      </p:cBhvr>
-                                    </p:animRot>
-                                    <p:animRot by="120000">
-                                      <p:cBhvr>
-                                        <p:cTn id="35" dur="200" fill="hold">
-                                          <p:stCondLst>
-                                            <p:cond delay="800"/>
-                                          </p:stCondLst>
-                                        </p:cTn>
-                                        <p:tgtEl>
-                                          <p:spTgt spid="30"/>
-                                        </p:tgtEl>
-                                        <p:attrNameLst>
-                                          <p:attrName>r</p:attrName>
-                                        </p:attrNameLst>
-                                      </p:cBhvr>
-                                    </p:animRot>
-                                  </p:childTnLst>
-                                </p:cTn>
-                              </p:par>
-                            </p:childTnLst>
-                          </p:cTn>
-                        </p:par>
-                      </p:childTnLst>
-                    </p:cTn>
-                  </p:par>
-                  <p:par>
-                    <p:cTn id="36" fill="hold">
-                      <p:stCondLst>
-                        <p:cond delay="indefinite"/>
-                      </p:stCondLst>
-                      <p:childTnLst>
-                        <p:par>
-                          <p:cTn id="37" fill="hold">
-                            <p:stCondLst>
-                              <p:cond delay="0"/>
-                            </p:stCondLst>
-                            <p:childTnLst>
-                              <p:par>
-                                <p:cTn id="38" presetID="16" presetClass="entr" presetSubtype="21" fill="hold" nodeType="clickEffect">
-                                  <p:stCondLst>
-                                    <p:cond delay="0"/>
-                                  </p:stCondLst>
-                                  <p:childTnLst>
-                                    <p:set>
-                                      <p:cBhvr>
-                                        <p:cTn id="39" dur="1" fill="hold">
-                                          <p:stCondLst>
-                                            <p:cond delay="0"/>
-                                          </p:stCondLst>
-                                        </p:cTn>
+                                        <p:cTn id="22" dur="500"/>
                                         <p:tgtEl>
                                           <p:spTgt spid="5">
                                             <p:txEl>
@@ -16914,110 +16689,8 @@
                                             </p:txEl>
                                           </p:spTgt>
                                         </p:tgtEl>
-                                        <p:attrNameLst>
-                                          <p:attrName>style.visibility</p:attrName>
-                                        </p:attrNameLst>
-                                      </p:cBhvr>
-                                      <p:to>
-                                        <p:strVal val="visible"/>
-                                      </p:to>
-                                    </p:set>
-                                    <p:animEffect transition="in" filter="barn(inVertical)">
-                                      <p:cBhvr>
-                                        <p:cTn id="40" dur="500"/>
-                                        <p:tgtEl>
-                                          <p:spTgt spid="5">
-                                            <p:txEl>
-                                              <p:pRg st="3" end="3"/>
-                                            </p:txEl>
-                                          </p:spTgt>
-                                        </p:tgtEl>
                                       </p:cBhvr>
                                     </p:animEffect>
-                                  </p:childTnLst>
-                                </p:cTn>
-                              </p:par>
-                              <p:par>
-                                <p:cTn id="41" presetID="32" presetClass="emph" presetSubtype="0" fill="hold" grpId="0" nodeType="withEffect">
-                                  <p:stCondLst>
-                                    <p:cond delay="0"/>
-                                  </p:stCondLst>
-                                  <p:childTnLst>
-                                    <p:animRot by="120000">
-                                      <p:cBhvr>
-                                        <p:cTn id="42" dur="100" fill="hold">
-                                          <p:stCondLst>
-                                            <p:cond delay="0"/>
-                                          </p:stCondLst>
-                                        </p:cTn>
-                                        <p:tgtEl>
-                                          <p:spTgt spid="38"/>
-                                        </p:tgtEl>
-                                        <p:attrNameLst>
-                                          <p:attrName>r</p:attrName>
-                                        </p:attrNameLst>
-                                      </p:cBhvr>
-                                    </p:animRot>
-                                    <p:animRot by="-240000">
-                                      <p:cBhvr>
-                                        <p:cTn id="43" dur="200" fill="hold">
-                                          <p:stCondLst>
-                                            <p:cond delay="200"/>
-                                          </p:stCondLst>
-                                        </p:cTn>
-                                        <p:tgtEl>
-                                          <p:spTgt spid="38"/>
-                                        </p:tgtEl>
-                                        <p:attrNameLst>
-                                          <p:attrName>r</p:attrName>
-                                        </p:attrNameLst>
-                                      </p:cBhvr>
-                                    </p:animRot>
-                                    <p:animRot by="240000">
-                                      <p:cBhvr>
-                                        <p:cTn id="44" dur="200" fill="hold">
-                                          <p:stCondLst>
-                                            <p:cond delay="400"/>
-                                          </p:stCondLst>
-                                        </p:cTn>
-                                        <p:tgtEl>
-                                          <p:spTgt spid="38"/>
-                                        </p:tgtEl>
-                                        <p:attrNameLst>
-                                          <p:attrName>r</p:attrName>
-                                        </p:attrNameLst>
-                                      </p:cBhvr>
-                                    </p:animRot>
-                                    <p:animRot by="-240000">
-                                      <p:cBhvr>
-                                        <p:cTn id="45" dur="200" fill="hold">
-                                          <p:stCondLst>
-                                            <p:cond delay="600"/>
-                                          </p:stCondLst>
-                                        </p:cTn>
-                                        <p:tgtEl>
-                                          <p:spTgt spid="38"/>
-                                        </p:tgtEl>
-                                        <p:attrNameLst>
-                                          <p:attrName>r</p:attrName>
-                                        </p:attrNameLst>
-                                      </p:cBhvr>
-                                    </p:animRot>
-                                    <p:animRot by="120000">
-                                      <p:cBhvr>
-                                        <p:cTn id="46" dur="200" fill="hold">
-                                          <p:stCondLst>
-                                            <p:cond delay="800"/>
-                                          </p:stCondLst>
-                                        </p:cTn>
-                                        <p:tgtEl>
-                                          <p:spTgt spid="38"/>
-                                        </p:tgtEl>
-                                        <p:attrNameLst>
-                                          <p:attrName>r</p:attrName>
-                                        </p:attrNameLst>
-                                      </p:cBhvr>
-                                    </p:animRot>
                                   </p:childTnLst>
                                 </p:cTn>
                               </p:par>
@@ -17048,12 +16721,6 @@
         </p:cTn>
       </p:par>
     </p:tnLst>
-    <p:bldLst>
-      <p:bldP spid="30" grpId="0" animBg="1"/>
-      <p:bldP spid="31" grpId="0" animBg="1"/>
-      <p:bldP spid="36" grpId="0" animBg="1"/>
-      <p:bldP spid="38" grpId="0" animBg="1"/>
-    </p:bldLst>
   </p:timing>
 </p:sld>
 </file>
@@ -18226,7 +17893,6 @@
               <a:rPr lang="en-US" sz="600" dirty="0" smtClean="0"/>
               <a:t>Addr_calc</a:t>
             </a:r>
-            <a:endParaRPr lang="en-US" sz="600" dirty="0" smtClean="0"/>
           </a:p>
         </p:txBody>
       </p:sp>
@@ -18360,11 +18026,6 @@
               </a:rPr>
               <a:t>registers</a:t>
             </a:r>
-            <a:endParaRPr lang="en-US" sz="800" dirty="0" smtClean="0">
-              <a:solidFill>
-                <a:schemeClr val="tx1"/>
-              </a:solidFill>
-            </a:endParaRPr>
           </a:p>
         </p:txBody>
       </p:sp>
@@ -18930,7 +18591,6 @@
                 <a:rPr lang="en-US" sz="600" dirty="0" smtClean="0"/>
                 <a:t>Addr_calc</a:t>
               </a:r>
-              <a:endParaRPr lang="en-US" sz="600" dirty="0" smtClean="0"/>
             </a:p>
           </p:txBody>
         </p:sp>
@@ -19064,11 +18724,6 @@
                 </a:rPr>
                 <a:t>registers</a:t>
               </a:r>
-              <a:endParaRPr lang="en-US" sz="800" dirty="0" smtClean="0">
-                <a:solidFill>
-                  <a:schemeClr val="tx1"/>
-                </a:solidFill>
-              </a:endParaRPr>
             </a:p>
           </p:txBody>
         </p:sp>
@@ -19170,15 +18825,7 @@
             </a:r>
             <a:r>
               <a:rPr lang="en-US" dirty="0" smtClean="0"/>
-              <a:t>Parameter </a:t>
-            </a:r>
-            <a:r>
-              <a:rPr lang="en-US" dirty="0" smtClean="0"/>
-              <a:t>Registers </a:t>
-            </a:r>
-            <a:r>
-              <a:rPr lang="en-US" dirty="0" smtClean="0"/>
-              <a:t>– </a:t>
+              <a:t>Parameter Registers – </a:t>
             </a:r>
             <a:br>
               <a:rPr lang="en-US" dirty="0" smtClean="0"/>
@@ -19936,7 +19583,7 @@
           <a:graphicData uri="http://schemas.openxmlformats.org/presentationml/2006/ole">
             <mc:AlternateContent xmlns:mc="http://schemas.openxmlformats.org/markup-compatibility/2006">
               <mc:Choice xmlns:v="urn:schemas-microsoft-com:vml" Requires="v">
-                <p:oleObj spid="_x0000_s1112" name="Equation" r:id="rId3" imgW="6197400" imgH="888840" progId="Equation.DSMT4">
+                <p:oleObj spid="_x0000_s1115" name="Equation" r:id="rId3" imgW="6197400" imgH="888840" progId="Equation.DSMT4">
                   <p:embed/>
                 </p:oleObj>
               </mc:Choice>
@@ -20138,7 +19785,6 @@
               <a:rPr lang="en-US" sz="600" dirty="0" smtClean="0"/>
               <a:t>Addr_calc</a:t>
             </a:r>
-            <a:endParaRPr lang="en-US" sz="600" dirty="0" smtClean="0"/>
           </a:p>
         </p:txBody>
       </p:sp>
@@ -20272,11 +19918,6 @@
               </a:rPr>
               <a:t>registers</a:t>
             </a:r>
-            <a:endParaRPr lang="en-US" sz="800" dirty="0" smtClean="0">
-              <a:solidFill>
-                <a:schemeClr val="tx1"/>
-              </a:solidFill>
-            </a:endParaRPr>
           </a:p>
         </p:txBody>
       </p:sp>
@@ -21052,11 +20693,7 @@
             </a:r>
             <a:r>
               <a:rPr lang="en-US" sz="3600" dirty="0" smtClean="0"/>
-              <a:t> </a:t>
-            </a:r>
-            <a:r>
-              <a:rPr lang="en-US" sz="3600" dirty="0" smtClean="0"/>
-              <a:t>-</a:t>
+              <a:t> -</a:t>
             </a:r>
             <a:br>
               <a:rPr lang="en-US" sz="3600" dirty="0" smtClean="0"/>
@@ -21372,7 +21009,6 @@
                 <a:rPr lang="en-US" sz="600" dirty="0" smtClean="0"/>
                 <a:t>Addr_calc</a:t>
               </a:r>
-              <a:endParaRPr lang="en-US" sz="600" dirty="0" smtClean="0"/>
             </a:p>
           </p:txBody>
         </p:sp>
@@ -21506,11 +21142,6 @@
                 </a:rPr>
                 <a:t>registers</a:t>
               </a:r>
-              <a:endParaRPr lang="en-US" sz="800" dirty="0" smtClean="0">
-                <a:solidFill>
-                  <a:schemeClr val="tx1"/>
-                </a:solidFill>
-              </a:endParaRPr>
             </a:p>
           </p:txBody>
         </p:sp>
@@ -22498,7 +22129,6 @@
                 <a:rPr lang="en-US" sz="600" dirty="0" smtClean="0"/>
                 <a:t>Addr_calc</a:t>
               </a:r>
-              <a:endParaRPr lang="en-US" sz="600" dirty="0" smtClean="0"/>
             </a:p>
           </p:txBody>
         </p:sp>
@@ -22632,11 +22262,6 @@
                 </a:rPr>
                 <a:t>registers</a:t>
               </a:r>
-              <a:endParaRPr lang="en-US" sz="800" dirty="0" smtClean="0">
-                <a:solidFill>
-                  <a:schemeClr val="tx1"/>
-                </a:solidFill>
-              </a:endParaRPr>
             </a:p>
           </p:txBody>
         </p:sp>
@@ -23268,11 +22893,7 @@
             <a:pPr algn="l" rtl="0"/>
             <a:r>
               <a:rPr lang="en-US" dirty="0" smtClean="0"/>
-              <a:t>New Top Architecture – Additions and </a:t>
-            </a:r>
-            <a:r>
-              <a:rPr lang="en-US" dirty="0" smtClean="0"/>
-              <a:t>modifications</a:t>
+              <a:t>New Top Architecture – Additions and modifications</a:t>
             </a:r>
           </a:p>
           <a:p>
@@ -23295,11 +22916,7 @@
             <a:pPr algn="l" rtl="0"/>
             <a:r>
               <a:rPr lang="en-US" dirty="0" smtClean="0"/>
-              <a:t>Missions </a:t>
-            </a:r>
-            <a:r>
-              <a:rPr lang="en-US" dirty="0" smtClean="0"/>
-              <a:t>ahead + Time Table</a:t>
+              <a:t>Missions ahead + Time Table</a:t>
             </a:r>
           </a:p>
           <a:p>
@@ -23778,11 +23395,7 @@
           <a:p>
             <a:r>
               <a:rPr lang="he-IL" dirty="0" smtClean="0"/>
-              <a:t>להוסיף </a:t>
-            </a:r>
-            <a:r>
-              <a:rPr lang="he-IL" dirty="0" smtClean="0"/>
-              <a:t>תזמון – כרגע יש בעיה עם כלי הסינתזה</a:t>
+              <a:t>להוסיף תזמון – כרגע יש בעיה עם כלי הסינתזה</a:t>
             </a:r>
             <a:endParaRPr lang="he-IL" dirty="0"/>
           </a:p>
@@ -23969,7 +23582,6 @@
                 <a:rPr lang="en-US" sz="600" dirty="0" smtClean="0"/>
                 <a:t>Addr_calc</a:t>
               </a:r>
-              <a:endParaRPr lang="en-US" sz="600" dirty="0" smtClean="0"/>
             </a:p>
           </p:txBody>
         </p:sp>
@@ -24103,11 +23715,6 @@
                 </a:rPr>
                 <a:t>registers</a:t>
               </a:r>
-              <a:endParaRPr lang="en-US" sz="800" dirty="0" smtClean="0">
-                <a:solidFill>
-                  <a:schemeClr val="tx1"/>
-                </a:solidFill>
-              </a:endParaRPr>
             </a:p>
           </p:txBody>
         </p:sp>
@@ -24376,7 +23983,7 @@
           <a:graphicData uri="http://schemas.openxmlformats.org/presentationml/2006/ole">
             <mc:AlternateContent xmlns:mc="http://schemas.openxmlformats.org/markup-compatibility/2006">
               <mc:Choice xmlns:v="urn:schemas-microsoft-com:vml" Requires="v">
-                <p:oleObj spid="_x0000_s4182" name="Equation" r:id="rId5" imgW="190440" imgH="152280" progId="Equation.DSMT4">
+                <p:oleObj spid="_x0000_s4185" name="Equation" r:id="rId5" imgW="190440" imgH="152280" progId="Equation.DSMT4">
                   <p:embed/>
                 </p:oleObj>
               </mc:Choice>
@@ -24818,7 +24425,11 @@
           <a:p>
             <a:r>
               <a:rPr lang="en-US" sz="900" dirty="0" smtClean="0"/>
-              <a:t>Initiation time – 12 Cycles</a:t>
+              <a:t>latency </a:t>
+            </a:r>
+            <a:r>
+              <a:rPr lang="en-US" sz="900" dirty="0" smtClean="0"/>
+              <a:t>– 12 Cycles</a:t>
             </a:r>
             <a:endParaRPr lang="en-US" sz="900" dirty="0"/>
           </a:p>
@@ -25034,7 +24645,6 @@
                 <a:rPr lang="en-US" sz="600" dirty="0" smtClean="0"/>
                 <a:t>Addr_calc</a:t>
               </a:r>
-              <a:endParaRPr lang="en-US" sz="600" dirty="0" smtClean="0"/>
             </a:p>
           </p:txBody>
         </p:sp>
@@ -25168,11 +24778,6 @@
                 </a:rPr>
                 <a:t>registers</a:t>
               </a:r>
-              <a:endParaRPr lang="en-US" sz="800" dirty="0" smtClean="0">
-                <a:solidFill>
-                  <a:schemeClr val="tx1"/>
-                </a:solidFill>
-              </a:endParaRPr>
             </a:p>
           </p:txBody>
         </p:sp>
@@ -26346,7 +25951,6 @@
                 <a:rPr lang="en-US" sz="600" dirty="0" smtClean="0"/>
                 <a:t>Addr_calc</a:t>
               </a:r>
-              <a:endParaRPr lang="en-US" sz="600" dirty="0" smtClean="0"/>
             </a:p>
           </p:txBody>
         </p:sp>
@@ -26480,11 +26084,6 @@
                 </a:rPr>
                 <a:t>registers</a:t>
               </a:r>
-              <a:endParaRPr lang="en-US" sz="800" dirty="0" smtClean="0">
-                <a:solidFill>
-                  <a:schemeClr val="tx1"/>
-                </a:solidFill>
-              </a:endParaRPr>
             </a:p>
           </p:txBody>
         </p:sp>
@@ -26968,20 +26567,12 @@
               <a:rPr lang="en-US" sz="3700" dirty="0" smtClean="0"/>
               <a:t>– </a:t>
             </a:r>
-            <a:r>
-              <a:rPr lang="en-US" sz="3700" dirty="0" smtClean="0"/>
-              <a:t/>
-            </a:r>
             <a:br>
               <a:rPr lang="en-US" sz="3700" dirty="0" smtClean="0"/>
             </a:br>
             <a:r>
               <a:rPr lang="en-US" sz="3700" dirty="0" smtClean="0"/>
-              <a:t>end </a:t>
-            </a:r>
-            <a:r>
-              <a:rPr lang="en-US" sz="3700" dirty="0" smtClean="0"/>
-              <a:t>of calc. process</a:t>
+              <a:t>end of calc. process</a:t>
             </a:r>
             <a:endParaRPr lang="he-IL" sz="3700" dirty="0"/>
           </a:p>
@@ -27377,7 +26968,6 @@
                 <a:rPr lang="en-US" sz="600" dirty="0" smtClean="0"/>
                 <a:t>Addr_calc</a:t>
               </a:r>
-              <a:endParaRPr lang="en-US" sz="600" dirty="0" smtClean="0"/>
             </a:p>
           </p:txBody>
         </p:sp>
@@ -27511,11 +27101,6 @@
                 </a:rPr>
                 <a:t>registers</a:t>
               </a:r>
-              <a:endParaRPr lang="en-US" sz="800" dirty="0" smtClean="0">
-                <a:solidFill>
-                  <a:schemeClr val="tx1"/>
-                </a:solidFill>
-              </a:endParaRPr>
             </a:p>
           </p:txBody>
         </p:sp>
@@ -27938,15 +27523,7 @@
             </a:r>
             <a:r>
               <a:rPr lang="en-US" sz="3600" dirty="0" smtClean="0"/>
-              <a:t>. </a:t>
-            </a:r>
-            <a:r>
-              <a:rPr lang="en-US" sz="3600" dirty="0" smtClean="0"/>
-              <a:t>–Test </a:t>
-            </a:r>
-            <a:r>
-              <a:rPr lang="en-US" sz="3600" dirty="0" smtClean="0"/>
-              <a:t>Bench</a:t>
+              <a:t>. –Test Bench</a:t>
             </a:r>
             <a:endParaRPr lang="he-IL" sz="3600" dirty="0"/>
           </a:p>
@@ -28712,7 +28289,7 @@
         </p:blipFill>
         <p:spPr bwMode="auto">
           <a:xfrm>
-            <a:off x="5271914" y="1911499"/>
+            <a:off x="5661620" y="2176024"/>
             <a:ext cx="3581400" cy="2543175"/>
           </a:xfrm>
           <a:prstGeom prst="rect">
@@ -28946,7 +28523,6 @@
                 <a:rPr lang="en-US" sz="600" dirty="0" smtClean="0"/>
                 <a:t>Addr_calc</a:t>
               </a:r>
-              <a:endParaRPr lang="en-US" sz="600" dirty="0" smtClean="0"/>
             </a:p>
           </p:txBody>
         </p:sp>
@@ -29080,11 +28656,6 @@
                 </a:rPr>
                 <a:t>registers</a:t>
               </a:r>
-              <a:endParaRPr lang="en-US" sz="800" dirty="0" smtClean="0">
-                <a:solidFill>
-                  <a:schemeClr val="tx1"/>
-                </a:solidFill>
-              </a:endParaRPr>
             </a:p>
           </p:txBody>
         </p:sp>
@@ -31255,11 +30826,7 @@
             </a:br>
             <a:r>
               <a:rPr lang="en-US" sz="4400" dirty="0" smtClean="0"/>
-              <a:t>Testing with </a:t>
-            </a:r>
-            <a:r>
-              <a:rPr lang="en-US" sz="4400" dirty="0" smtClean="0"/>
-              <a:t>Matlab</a:t>
+              <a:t>Testing with Matlab</a:t>
             </a:r>
             <a:endParaRPr lang="he-IL" dirty="0"/>
           </a:p>
@@ -31860,7 +31427,6 @@
                 <a:rPr lang="en-US" sz="600" dirty="0" smtClean="0"/>
                 <a:t>Addr_calc</a:t>
               </a:r>
-              <a:endParaRPr lang="en-US" sz="600" dirty="0" smtClean="0"/>
             </a:p>
           </p:txBody>
         </p:sp>
@@ -31994,11 +31560,6 @@
                 </a:rPr>
                 <a:t>registers</a:t>
               </a:r>
-              <a:endParaRPr lang="en-US" sz="800" dirty="0" smtClean="0">
-                <a:solidFill>
-                  <a:schemeClr val="tx1"/>
-                </a:solidFill>
-              </a:endParaRPr>
             </a:p>
           </p:txBody>
         </p:sp>
@@ -32740,7 +32301,7 @@
           <a:graphicData uri="http://schemas.openxmlformats.org/presentationml/2006/ole">
             <mc:AlternateContent xmlns:mc="http://schemas.openxmlformats.org/markup-compatibility/2006">
               <mc:Choice xmlns:v="urn:schemas-microsoft-com:vml" Requires="v">
-                <p:oleObj spid="_x0000_s11324" name="Equation" r:id="rId4" imgW="3149280" imgH="761760" progId="Equation.DSMT4">
+                <p:oleObj spid="_x0000_s11327" name="Equation" r:id="rId4" imgW="3149280" imgH="761760" progId="Equation.DSMT4">
                   <p:embed/>
                 </p:oleObj>
               </mc:Choice>
@@ -32942,7 +32503,6 @@
               <a:rPr lang="en-US" sz="600" dirty="0" smtClean="0"/>
               <a:t>Addr_calc</a:t>
             </a:r>
-            <a:endParaRPr lang="en-US" sz="600" dirty="0" smtClean="0"/>
           </a:p>
         </p:txBody>
       </p:sp>
@@ -33076,11 +32636,6 @@
               </a:rPr>
               <a:t>registers</a:t>
             </a:r>
-            <a:endParaRPr lang="en-US" sz="800" dirty="0" smtClean="0">
-              <a:solidFill>
-                <a:schemeClr val="tx1"/>
-              </a:solidFill>
-            </a:endParaRPr>
           </a:p>
         </p:txBody>
       </p:sp>
@@ -34070,7 +33625,6 @@
                 <a:rPr lang="en-US" sz="600" dirty="0" smtClean="0"/>
                 <a:t>Addr_calc</a:t>
               </a:r>
-              <a:endParaRPr lang="en-US" sz="600" dirty="0" smtClean="0"/>
             </a:p>
           </p:txBody>
         </p:sp>
@@ -34204,11 +33758,6 @@
                 </a:rPr>
                 <a:t>registers</a:t>
               </a:r>
-              <a:endParaRPr lang="en-US" sz="800" dirty="0" smtClean="0">
-                <a:solidFill>
-                  <a:schemeClr val="tx1"/>
-                </a:solidFill>
-              </a:endParaRPr>
             </a:p>
           </p:txBody>
         </p:sp>
@@ -35645,7 +35194,6 @@
                 <a:rPr lang="en-US" sz="600" dirty="0" smtClean="0"/>
                 <a:t>Addr_calc</a:t>
               </a:r>
-              <a:endParaRPr lang="en-US" sz="600" dirty="0" smtClean="0"/>
             </a:p>
           </p:txBody>
         </p:sp>
@@ -35779,11 +35327,6 @@
                 </a:rPr>
                 <a:t>registers</a:t>
               </a:r>
-              <a:endParaRPr lang="en-US" sz="800" dirty="0" smtClean="0">
-                <a:solidFill>
-                  <a:schemeClr val="tx1"/>
-                </a:solidFill>
-              </a:endParaRPr>
             </a:p>
           </p:txBody>
         </p:sp>
@@ -37925,7 +37468,6 @@
               <a:rPr lang="en-US" sz="600" dirty="0" smtClean="0"/>
               <a:t>Addr_calc</a:t>
             </a:r>
-            <a:endParaRPr lang="en-US" sz="600" dirty="0" smtClean="0"/>
           </a:p>
         </p:txBody>
       </p:sp>
@@ -38059,11 +37601,6 @@
               </a:rPr>
               <a:t>registers</a:t>
             </a:r>
-            <a:endParaRPr lang="en-US" sz="800" dirty="0" smtClean="0">
-              <a:solidFill>
-                <a:schemeClr val="tx1"/>
-              </a:solidFill>
-            </a:endParaRPr>
           </a:p>
         </p:txBody>
       </p:sp>
@@ -40059,7 +39596,6 @@
                 <a:rPr lang="en-US" sz="600" dirty="0" smtClean="0"/>
                 <a:t>Addr_calc</a:t>
               </a:r>
-              <a:endParaRPr lang="en-US" sz="600" dirty="0" smtClean="0"/>
             </a:p>
           </p:txBody>
         </p:sp>
@@ -40193,11 +39729,6 @@
                 </a:rPr>
                 <a:t>registers</a:t>
               </a:r>
-              <a:endParaRPr lang="en-US" sz="800" dirty="0" smtClean="0">
-                <a:solidFill>
-                  <a:schemeClr val="tx1"/>
-                </a:solidFill>
-              </a:endParaRPr>
             </a:p>
           </p:txBody>
         </p:sp>
@@ -41164,7 +40695,6 @@
                 <a:rPr lang="en-US" sz="600" dirty="0" smtClean="0"/>
                 <a:t>Addr_calc</a:t>
               </a:r>
-              <a:endParaRPr lang="en-US" sz="600" dirty="0" smtClean="0"/>
             </a:p>
           </p:txBody>
         </p:sp>
@@ -41298,11 +40828,6 @@
                 </a:rPr>
                 <a:t>registers</a:t>
               </a:r>
-              <a:endParaRPr lang="en-US" sz="800" dirty="0" smtClean="0">
-                <a:solidFill>
-                  <a:schemeClr val="tx1"/>
-                </a:solidFill>
-              </a:endParaRPr>
             </a:p>
           </p:txBody>
         </p:sp>
@@ -41698,7 +41223,6 @@
               <a:rPr lang="en-US" dirty="0" smtClean="0"/>
               <a:t>Finish Image Man. Manager – complete read/write states</a:t>
             </a:r>
-            <a:endParaRPr lang="en-US" dirty="0" smtClean="0"/>
           </a:p>
           <a:p>
             <a:pPr algn="l" rtl="0"/>
@@ -41727,7 +41251,6 @@
               <a:rPr lang="en-US" dirty="0" smtClean="0"/>
               <a:t>Synthesis- working with DE2</a:t>
             </a:r>
-            <a:endParaRPr lang="en-US" dirty="0" smtClean="0"/>
           </a:p>
           <a:p>
             <a:pPr algn="l" rtl="0"/>
@@ -42246,7 +41769,6 @@
                         <a:rPr lang="en-US" dirty="0" smtClean="0"/>
                         <a:t>Complete Top Block, Integration with global system</a:t>
                       </a:r>
-                      <a:endParaRPr lang="en-US" dirty="0" smtClean="0"/>
                     </a:p>
                   </a:txBody>
                   <a:tcPr/>
@@ -42261,7 +41783,6 @@
                         <a:rPr lang="en-US" dirty="0" smtClean="0"/>
                         <a:t>December</a:t>
                       </a:r>
-                      <a:endParaRPr lang="en-US" dirty="0" smtClean="0"/>
                     </a:p>
                   </a:txBody>
                   <a:tcPr/>
@@ -42308,7 +41829,6 @@
                         <a:rPr lang="en-US" dirty="0" smtClean="0"/>
                         <a:t>January</a:t>
                       </a:r>
-                      <a:endParaRPr lang="en-US" dirty="0" smtClean="0"/>
                     </a:p>
                   </a:txBody>
                   <a:tcPr/>
@@ -42355,7 +41875,6 @@
                         <a:rPr lang="en-US" dirty="0" smtClean="0"/>
                         <a:t>February</a:t>
                       </a:r>
-                      <a:endParaRPr lang="en-US" dirty="0" smtClean="0"/>
                     </a:p>
                   </a:txBody>
                   <a:tcPr/>
@@ -42407,7 +41926,6 @@
                         <a:rPr lang="en-US" dirty="0" smtClean="0"/>
                         <a:t>March</a:t>
                       </a:r>
-                      <a:endParaRPr lang="en-US" dirty="0" smtClean="0"/>
                     </a:p>
                   </a:txBody>
                   <a:tcPr/>
@@ -42434,11 +41952,7 @@
           <a:p>
             <a:r>
               <a:rPr lang="en-US" dirty="0" smtClean="0"/>
-              <a:t>Time Table </a:t>
-            </a:r>
-            <a:r>
-              <a:rPr lang="en-US" dirty="0" smtClean="0"/>
-              <a:t>– 2012-2013</a:t>
+              <a:t>Time Table – 2012-2013</a:t>
             </a:r>
             <a:endParaRPr lang="he-IL" dirty="0"/>
           </a:p>

--- a/Presentation/Final_part_A_Presentation.pptx
+++ b/Presentation/Final_part_A_Presentation.pptx
@@ -5,7 +5,7 @@
     <p:sldMasterId id="2147483684" r:id="rId1"/>
   </p:sldMasterIdLst>
   <p:notesMasterIdLst>
-    <p:notesMasterId r:id="rId38"/>
+    <p:notesMasterId r:id="rId41"/>
   </p:notesMasterIdLst>
   <p:sldIdLst>
     <p:sldId id="256" r:id="rId2"/>
@@ -40,10 +40,13 @@
     <p:sldId id="317" r:id="rId31"/>
     <p:sldId id="318" r:id="rId32"/>
     <p:sldId id="319" r:id="rId33"/>
-    <p:sldId id="320" r:id="rId34"/>
-    <p:sldId id="321" r:id="rId35"/>
-    <p:sldId id="294" r:id="rId36"/>
-    <p:sldId id="301" r:id="rId37"/>
+    <p:sldId id="324" r:id="rId34"/>
+    <p:sldId id="320" r:id="rId35"/>
+    <p:sldId id="322" r:id="rId36"/>
+    <p:sldId id="321" r:id="rId37"/>
+    <p:sldId id="323" r:id="rId38"/>
+    <p:sldId id="294" r:id="rId39"/>
+    <p:sldId id="301" r:id="rId40"/>
   </p:sldIdLst>
   <p:sldSz cx="9144000" cy="6858000" type="screen4x3"/>
   <p:notesSz cx="6858000" cy="9144000"/>
@@ -194,7 +197,7 @@
             </a:lvl1pPr>
           </a:lstStyle>
           <a:p>
-            <a:endParaRPr lang="he-IL"/>
+            <a:endParaRPr lang="he-IL" dirty="0"/>
           </a:p>
         </p:txBody>
       </p:sp>
@@ -228,9 +231,9 @@
             <a:fld id="{CE9DB683-BA92-4AFD-AD8C-DE649E26BEE1}" type="datetimeFigureOut">
               <a:rPr lang="he-IL" smtClean="0"/>
               <a:pPr/>
-              <a:t>י"ח/חשון/תשע"ג</a:t>
+              <a:t>כ"א/חשון/תשע"ג</a:t>
             </a:fld>
-            <a:endParaRPr lang="he-IL"/>
+            <a:endParaRPr lang="he-IL" dirty="0"/>
           </a:p>
         </p:txBody>
       </p:sp>
@@ -263,7 +266,7 @@
           <a:bodyPr vert="horz" lIns="91440" tIns="45720" rIns="91440" bIns="45720" rtlCol="1" anchor="ctr"/>
           <a:lstStyle/>
           <a:p>
-            <a:endParaRPr lang="he-IL"/>
+            <a:endParaRPr lang="he-IL" dirty="0"/>
           </a:p>
         </p:txBody>
       </p:sp>
@@ -354,7 +357,7 @@
             </a:lvl1pPr>
           </a:lstStyle>
           <a:p>
-            <a:endParaRPr lang="he-IL"/>
+            <a:endParaRPr lang="he-IL" dirty="0"/>
           </a:p>
         </p:txBody>
       </p:sp>
@@ -390,7 +393,7 @@
               <a:pPr/>
               <a:t>‹#›</a:t>
             </a:fld>
-            <a:endParaRPr lang="he-IL"/>
+            <a:endParaRPr lang="he-IL" dirty="0"/>
           </a:p>
         </p:txBody>
       </p:sp>
@@ -1981,9 +1984,9 @@
             <a:fld id="{2C03A9CB-966F-4A57-B2C3-5A442A549DBA}" type="slidenum">
               <a:rPr lang="he-IL" smtClean="0"/>
               <a:pPr/>
-              <a:t>35</a:t>
+              <a:t>38</a:t>
             </a:fld>
-            <a:endParaRPr lang="he-IL"/>
+            <a:endParaRPr lang="he-IL" dirty="0"/>
           </a:p>
         </p:txBody>
       </p:sp>
@@ -2046,7 +2049,7 @@
           </a:bodyPr>
           <a:lstStyle/>
           <a:p>
-            <a:endParaRPr lang="he-IL"/>
+            <a:endParaRPr lang="he-IL" dirty="0"/>
           </a:p>
         </p:txBody>
       </p:sp>
@@ -2068,9 +2071,9 @@
             <a:fld id="{2C03A9CB-966F-4A57-B2C3-5A442A549DBA}" type="slidenum">
               <a:rPr lang="he-IL" smtClean="0"/>
               <a:pPr/>
-              <a:t>36</a:t>
+              <a:t>39</a:t>
             </a:fld>
-            <a:endParaRPr lang="he-IL"/>
+            <a:endParaRPr lang="he-IL" dirty="0"/>
           </a:p>
         </p:txBody>
       </p:sp>
@@ -2128,7 +2131,7 @@
           </a:bodyPr>
           <a:lstStyle/>
           <a:p>
-            <a:endParaRPr lang="he-IL"/>
+            <a:endParaRPr lang="he-IL" dirty="0"/>
           </a:p>
         </p:txBody>
       </p:sp>
@@ -2917,7 +2920,7 @@
           </a:lstStyle>
           <a:p>
             <a:pPr algn="ctr" eaLnBrk="1" latinLnBrk="0" hangingPunct="1"/>
-            <a:endParaRPr kumimoji="0" lang="en-US"/>
+            <a:endParaRPr kumimoji="0" lang="en-US" dirty="0"/>
           </a:p>
         </p:txBody>
       </p:sp>
@@ -3131,7 +3134,7 @@
               <a:extLst/>
             </a:lstStyle>
             <a:p>
-              <a:endParaRPr kumimoji="0" lang="en-US"/>
+              <a:endParaRPr kumimoji="0" lang="en-US" dirty="0"/>
             </a:p>
           </p:txBody>
         </p:sp>
@@ -3213,7 +3216,7 @@
               <a:extLst/>
             </a:lstStyle>
             <a:p>
-              <a:endParaRPr kumimoji="0" lang="en-US"/>
+              <a:endParaRPr kumimoji="0" lang="en-US" dirty="0"/>
             </a:p>
           </p:txBody>
         </p:sp>
@@ -3373,7 +3376,7 @@
             </a:lstStyle>
             <a:p>
               <a:pPr algn="ctr" eaLnBrk="1" latinLnBrk="0" hangingPunct="1"/>
-              <a:endParaRPr kumimoji="0" lang="en-US"/>
+              <a:endParaRPr kumimoji="0" lang="en-US" dirty="0"/>
             </a:p>
           </p:txBody>
         </p:sp>
@@ -3458,9 +3461,9 @@
             <a:fld id="{1D8BD707-D9CF-40AE-B4C6-C98DA3205C09}" type="datetimeFigureOut">
               <a:rPr lang="en-US" smtClean="0"/>
               <a:pPr/>
-              <a:t>11/3/2012</a:t>
+              <a:t>11/6/2012</a:t>
             </a:fld>
-            <a:endParaRPr lang="en-US"/>
+            <a:endParaRPr lang="en-US" dirty="0"/>
           </a:p>
         </p:txBody>
       </p:sp>
@@ -3490,7 +3493,7 @@
             <a:extLst/>
           </a:lstStyle>
           <a:p>
-            <a:endParaRPr lang="en-US"/>
+            <a:endParaRPr lang="en-US" dirty="0"/>
           </a:p>
         </p:txBody>
       </p:sp>
@@ -3523,7 +3526,7 @@
               <a:pPr/>
               <a:t>‹#›</a:t>
             </a:fld>
-            <a:endParaRPr lang="en-US"/>
+            <a:endParaRPr lang="en-US" dirty="0"/>
           </a:p>
         </p:txBody>
       </p:sp>
@@ -3656,9 +3659,9 @@
             <a:fld id="{1D8BD707-D9CF-40AE-B4C6-C98DA3205C09}" type="datetimeFigureOut">
               <a:rPr lang="en-US" smtClean="0"/>
               <a:pPr/>
-              <a:t>11/3/2012</a:t>
+              <a:t>11/6/2012</a:t>
             </a:fld>
-            <a:endParaRPr lang="en-US"/>
+            <a:endParaRPr lang="en-US" dirty="0"/>
           </a:p>
         </p:txBody>
       </p:sp>
@@ -3679,7 +3682,7 @@
             <a:extLst/>
           </a:lstStyle>
           <a:p>
-            <a:endParaRPr lang="en-US"/>
+            <a:endParaRPr lang="en-US" dirty="0"/>
           </a:p>
         </p:txBody>
       </p:sp>
@@ -3705,7 +3708,7 @@
               <a:pPr/>
               <a:t>‹#›</a:t>
             </a:fld>
-            <a:endParaRPr lang="en-US"/>
+            <a:endParaRPr lang="en-US" dirty="0"/>
           </a:p>
         </p:txBody>
       </p:sp>
@@ -3843,9 +3846,9 @@
             <a:fld id="{1D8BD707-D9CF-40AE-B4C6-C98DA3205C09}" type="datetimeFigureOut">
               <a:rPr lang="en-US" smtClean="0"/>
               <a:pPr/>
-              <a:t>11/3/2012</a:t>
+              <a:t>11/6/2012</a:t>
             </a:fld>
-            <a:endParaRPr lang="en-US"/>
+            <a:endParaRPr lang="en-US" dirty="0"/>
           </a:p>
         </p:txBody>
       </p:sp>
@@ -3866,7 +3869,7 @@
             <a:extLst/>
           </a:lstStyle>
           <a:p>
-            <a:endParaRPr lang="en-US"/>
+            <a:endParaRPr lang="en-US" dirty="0"/>
           </a:p>
         </p:txBody>
       </p:sp>
@@ -3892,7 +3895,7 @@
               <a:pPr/>
               <a:t>‹#›</a:t>
             </a:fld>
-            <a:endParaRPr lang="en-US"/>
+            <a:endParaRPr lang="en-US" dirty="0"/>
           </a:p>
         </p:txBody>
       </p:sp>
@@ -3995,9 +3998,9 @@
             <a:fld id="{1D8BD707-D9CF-40AE-B4C6-C98DA3205C09}" type="datetimeFigureOut">
               <a:rPr lang="en-US" smtClean="0"/>
               <a:pPr/>
-              <a:t>11/3/2012</a:t>
+              <a:t>11/6/2012</a:t>
             </a:fld>
-            <a:endParaRPr lang="en-US"/>
+            <a:endParaRPr lang="en-US" dirty="0"/>
           </a:p>
         </p:txBody>
       </p:sp>
@@ -4018,7 +4021,7 @@
             <a:extLst/>
           </a:lstStyle>
           <a:p>
-            <a:endParaRPr lang="en-US"/>
+            <a:endParaRPr lang="en-US" dirty="0"/>
           </a:p>
         </p:txBody>
       </p:sp>
@@ -4044,7 +4047,7 @@
               <a:pPr/>
               <a:t>‹#›</a:t>
             </a:fld>
-            <a:endParaRPr lang="en-US"/>
+            <a:endParaRPr lang="en-US" dirty="0"/>
           </a:p>
         </p:txBody>
       </p:sp>
@@ -4252,9 +4255,9 @@
             <a:fld id="{1D8BD707-D9CF-40AE-B4C6-C98DA3205C09}" type="datetimeFigureOut">
               <a:rPr lang="en-US" smtClean="0"/>
               <a:pPr/>
-              <a:t>11/3/2012</a:t>
+              <a:t>11/6/2012</a:t>
             </a:fld>
-            <a:endParaRPr lang="en-US"/>
+            <a:endParaRPr lang="en-US" dirty="0"/>
           </a:p>
         </p:txBody>
       </p:sp>
@@ -4275,7 +4278,7 @@
             <a:extLst/>
           </a:lstStyle>
           <a:p>
-            <a:endParaRPr lang="en-US"/>
+            <a:endParaRPr lang="en-US" dirty="0"/>
           </a:p>
         </p:txBody>
       </p:sp>
@@ -4301,7 +4304,7 @@
               <a:pPr/>
               <a:t>‹#›</a:t>
             </a:fld>
-            <a:endParaRPr lang="en-US"/>
+            <a:endParaRPr lang="en-US" dirty="0"/>
           </a:p>
         </p:txBody>
       </p:sp>
@@ -4381,7 +4384,7 @@
           </a:lstStyle>
           <a:p>
             <a:pPr algn="l" eaLnBrk="1" latinLnBrk="0" hangingPunct="1"/>
-            <a:endParaRPr kumimoji="0" lang="en-US"/>
+            <a:endParaRPr kumimoji="0" lang="en-US" dirty="0"/>
           </a:p>
         </p:txBody>
       </p:sp>
@@ -4461,7 +4464,7 @@
           </a:lstStyle>
           <a:p>
             <a:pPr algn="l" eaLnBrk="1" latinLnBrk="0" hangingPunct="1"/>
-            <a:endParaRPr kumimoji="0" lang="en-US"/>
+            <a:endParaRPr kumimoji="0" lang="en-US" dirty="0"/>
           </a:p>
         </p:txBody>
       </p:sp>
@@ -4663,9 +4666,9 @@
             <a:fld id="{1D8BD707-D9CF-40AE-B4C6-C98DA3205C09}" type="datetimeFigureOut">
               <a:rPr lang="en-US" smtClean="0"/>
               <a:pPr/>
-              <a:t>11/3/2012</a:t>
+              <a:t>11/6/2012</a:t>
             </a:fld>
-            <a:endParaRPr lang="en-US"/>
+            <a:endParaRPr lang="en-US" dirty="0"/>
           </a:p>
         </p:txBody>
       </p:sp>
@@ -4686,7 +4689,7 @@
             <a:extLst/>
           </a:lstStyle>
           <a:p>
-            <a:endParaRPr lang="en-US"/>
+            <a:endParaRPr lang="en-US" dirty="0"/>
           </a:p>
         </p:txBody>
       </p:sp>
@@ -4712,7 +4715,7 @@
               <a:pPr/>
               <a:t>‹#›</a:t>
             </a:fld>
-            <a:endParaRPr lang="en-US"/>
+            <a:endParaRPr lang="en-US" dirty="0"/>
           </a:p>
         </p:txBody>
       </p:sp>
@@ -5111,9 +5114,9 @@
             <a:fld id="{1D8BD707-D9CF-40AE-B4C6-C98DA3205C09}" type="datetimeFigureOut">
               <a:rPr lang="en-US" smtClean="0"/>
               <a:pPr/>
-              <a:t>11/3/2012</a:t>
+              <a:t>11/6/2012</a:t>
             </a:fld>
-            <a:endParaRPr lang="en-US"/>
+            <a:endParaRPr lang="en-US" dirty="0"/>
           </a:p>
         </p:txBody>
       </p:sp>
@@ -5134,7 +5137,7 @@
             <a:extLst/>
           </a:lstStyle>
           <a:p>
-            <a:endParaRPr lang="en-US"/>
+            <a:endParaRPr lang="en-US" dirty="0"/>
           </a:p>
         </p:txBody>
       </p:sp>
@@ -5160,7 +5163,7 @@
               <a:pPr/>
               <a:t>‹#›</a:t>
             </a:fld>
-            <a:endParaRPr lang="en-US"/>
+            <a:endParaRPr lang="en-US" dirty="0"/>
           </a:p>
         </p:txBody>
       </p:sp>
@@ -5214,9 +5217,9 @@
             <a:fld id="{1D8BD707-D9CF-40AE-B4C6-C98DA3205C09}" type="datetimeFigureOut">
               <a:rPr lang="en-US" smtClean="0"/>
               <a:pPr/>
-              <a:t>11/3/2012</a:t>
+              <a:t>11/6/2012</a:t>
             </a:fld>
-            <a:endParaRPr lang="en-US"/>
+            <a:endParaRPr lang="en-US" dirty="0"/>
           </a:p>
         </p:txBody>
       </p:sp>
@@ -5237,7 +5240,7 @@
             <a:extLst/>
           </a:lstStyle>
           <a:p>
-            <a:endParaRPr lang="en-US"/>
+            <a:endParaRPr lang="en-US" dirty="0"/>
           </a:p>
         </p:txBody>
       </p:sp>
@@ -5263,7 +5266,7 @@
               <a:pPr/>
               <a:t>‹#›</a:t>
             </a:fld>
-            <a:endParaRPr lang="en-US"/>
+            <a:endParaRPr lang="en-US" dirty="0"/>
           </a:p>
         </p:txBody>
       </p:sp>
@@ -5337,9 +5340,9 @@
             <a:fld id="{1D8BD707-D9CF-40AE-B4C6-C98DA3205C09}" type="datetimeFigureOut">
               <a:rPr lang="en-US" smtClean="0"/>
               <a:pPr/>
-              <a:t>11/3/2012</a:t>
+              <a:t>11/6/2012</a:t>
             </a:fld>
-            <a:endParaRPr lang="en-US"/>
+            <a:endParaRPr lang="en-US" dirty="0"/>
           </a:p>
         </p:txBody>
       </p:sp>
@@ -5360,7 +5363,7 @@
             <a:extLst/>
           </a:lstStyle>
           <a:p>
-            <a:endParaRPr lang="en-US"/>
+            <a:endParaRPr lang="en-US" dirty="0"/>
           </a:p>
         </p:txBody>
       </p:sp>
@@ -5386,7 +5389,7 @@
               <a:pPr/>
               <a:t>‹#›</a:t>
             </a:fld>
-            <a:endParaRPr lang="en-US"/>
+            <a:endParaRPr lang="en-US" dirty="0"/>
           </a:p>
         </p:txBody>
       </p:sp>
@@ -5613,9 +5616,9 @@
             <a:fld id="{1D8BD707-D9CF-40AE-B4C6-C98DA3205C09}" type="datetimeFigureOut">
               <a:rPr lang="en-US" smtClean="0"/>
               <a:pPr/>
-              <a:t>11/3/2012</a:t>
+              <a:t>11/6/2012</a:t>
             </a:fld>
-            <a:endParaRPr lang="en-US"/>
+            <a:endParaRPr lang="en-US" dirty="0"/>
           </a:p>
         </p:txBody>
       </p:sp>
@@ -5636,7 +5639,7 @@
             <a:extLst/>
           </a:lstStyle>
           <a:p>
-            <a:endParaRPr lang="en-US"/>
+            <a:endParaRPr lang="en-US" dirty="0"/>
           </a:p>
         </p:txBody>
       </p:sp>
@@ -5662,7 +5665,7 @@
               <a:pPr/>
               <a:t>‹#›</a:t>
             </a:fld>
-            <a:endParaRPr lang="en-US"/>
+            <a:endParaRPr lang="en-US" dirty="0"/>
           </a:p>
         </p:txBody>
       </p:sp>
@@ -5786,7 +5789,7 @@
           </a:lstStyle>
           <a:p>
             <a:r>
-              <a:rPr kumimoji="0" lang="en-US" smtClean="0"/>
+              <a:rPr kumimoji="0" lang="en-US" dirty="0" smtClean="0"/>
               <a:t>Click icon to add picture</a:t>
             </a:r>
             <a:endParaRPr kumimoji="0" lang="en-US" dirty="0"/>
@@ -5820,9 +5823,9 @@
             <a:fld id="{1D8BD707-D9CF-40AE-B4C6-C98DA3205C09}" type="datetimeFigureOut">
               <a:rPr lang="en-US" smtClean="0"/>
               <a:pPr/>
-              <a:t>11/3/2012</a:t>
+              <a:t>11/6/2012</a:t>
             </a:fld>
-            <a:endParaRPr lang="en-US"/>
+            <a:endParaRPr lang="en-US" dirty="0"/>
           </a:p>
         </p:txBody>
       </p:sp>
@@ -5855,7 +5858,7 @@
             <a:extLst/>
           </a:lstStyle>
           <a:p>
-            <a:endParaRPr lang="en-US"/>
+            <a:endParaRPr lang="en-US" dirty="0"/>
           </a:p>
         </p:txBody>
       </p:sp>
@@ -5888,7 +5891,7 @@
               <a:pPr/>
               <a:t>‹#›</a:t>
             </a:fld>
-            <a:endParaRPr lang="en-US"/>
+            <a:endParaRPr lang="en-US" dirty="0"/>
           </a:p>
         </p:txBody>
       </p:sp>
@@ -6020,7 +6023,7 @@
             <a:extLst/>
           </a:lstStyle>
           <a:p>
-            <a:endParaRPr kumimoji="0" lang="en-US"/>
+            <a:endParaRPr kumimoji="0" lang="en-US" dirty="0"/>
           </a:p>
         </p:txBody>
       </p:sp>
@@ -6102,7 +6105,7 @@
             <a:extLst/>
           </a:lstStyle>
           <a:p>
-            <a:endParaRPr kumimoji="0" lang="en-US"/>
+            <a:endParaRPr kumimoji="0" lang="en-US" dirty="0"/>
           </a:p>
         </p:txBody>
       </p:sp>
@@ -6213,7 +6216,7 @@
           </a:lstStyle>
           <a:p>
             <a:pPr algn="ctr" eaLnBrk="1" latinLnBrk="0" hangingPunct="1"/>
-            <a:endParaRPr kumimoji="0" lang="en-US"/>
+            <a:endParaRPr kumimoji="0" lang="en-US" dirty="0"/>
           </a:p>
         </p:txBody>
       </p:sp>
@@ -6346,7 +6349,7 @@
           </a:lstStyle>
           <a:p>
             <a:pPr algn="l" eaLnBrk="1" latinLnBrk="0" hangingPunct="1"/>
-            <a:endParaRPr kumimoji="0" lang="en-US"/>
+            <a:endParaRPr kumimoji="0" lang="en-US" dirty="0"/>
           </a:p>
         </p:txBody>
       </p:sp>
@@ -6426,7 +6429,7 @@
           </a:lstStyle>
           <a:p>
             <a:pPr algn="l" eaLnBrk="1" latinLnBrk="0" hangingPunct="1"/>
-            <a:endParaRPr kumimoji="0" lang="en-US"/>
+            <a:endParaRPr kumimoji="0" lang="en-US" dirty="0"/>
           </a:p>
         </p:txBody>
       </p:sp>
@@ -6540,7 +6543,7 @@
             <a:extLst/>
           </a:lstStyle>
           <a:p>
-            <a:endParaRPr kumimoji="0" lang="en-US"/>
+            <a:endParaRPr kumimoji="0" lang="en-US" dirty="0"/>
           </a:p>
         </p:txBody>
       </p:sp>
@@ -6622,7 +6625,7 @@
             <a:extLst/>
           </a:lstStyle>
           <a:p>
-            <a:endParaRPr kumimoji="0" lang="en-US"/>
+            <a:endParaRPr kumimoji="0" lang="en-US" dirty="0"/>
           </a:p>
         </p:txBody>
       </p:sp>
@@ -6733,7 +6736,7 @@
           </a:lstStyle>
           <a:p>
             <a:pPr algn="ctr" eaLnBrk="1" latinLnBrk="0" hangingPunct="1"/>
-            <a:endParaRPr kumimoji="0" lang="en-US"/>
+            <a:endParaRPr kumimoji="0" lang="en-US" dirty="0"/>
           </a:p>
         </p:txBody>
       </p:sp>
@@ -6931,9 +6934,9 @@
             <a:fld id="{1D8BD707-D9CF-40AE-B4C6-C98DA3205C09}" type="datetimeFigureOut">
               <a:rPr lang="en-US" smtClean="0"/>
               <a:pPr/>
-              <a:t>11/3/2012</a:t>
+              <a:t>11/6/2012</a:t>
             </a:fld>
-            <a:endParaRPr lang="en-US"/>
+            <a:endParaRPr lang="en-US" dirty="0"/>
           </a:p>
         </p:txBody>
       </p:sp>
@@ -6969,7 +6972,7 @@
             <a:extLst/>
           </a:lstStyle>
           <a:p>
-            <a:endParaRPr lang="en-US"/>
+            <a:endParaRPr lang="en-US" dirty="0"/>
           </a:p>
         </p:txBody>
       </p:sp>
@@ -7010,7 +7013,7 @@
               <a:pPr/>
               <a:t>‹#›</a:t>
             </a:fld>
-            <a:endParaRPr lang="en-US"/>
+            <a:endParaRPr lang="en-US" dirty="0"/>
           </a:p>
         </p:txBody>
       </p:sp>
@@ -7546,7 +7549,7 @@
             </a:lstStyle>
             <a:p>
               <a:pPr algn="ctr"/>
-              <a:endParaRPr lang="he-IL"/>
+              <a:endParaRPr lang="he-IL" dirty="0"/>
             </a:p>
           </p:txBody>
         </p:sp>
@@ -19583,7 +19586,7 @@
           <a:graphicData uri="http://schemas.openxmlformats.org/presentationml/2006/ole">
             <mc:AlternateContent xmlns:mc="http://schemas.openxmlformats.org/markup-compatibility/2006">
               <mc:Choice xmlns:v="urn:schemas-microsoft-com:vml" Requires="v">
-                <p:oleObj spid="_x0000_s1115" name="Equation" r:id="rId3" imgW="6197400" imgH="888840" progId="Equation.DSMT4">
+                <p:oleObj spid="_x0000_s1125" name="Equation" r:id="rId3" imgW="6197400" imgH="888840" progId="Equation.DSMT4">
                   <p:embed/>
                 </p:oleObj>
               </mc:Choice>
@@ -23983,7 +23986,7 @@
           <a:graphicData uri="http://schemas.openxmlformats.org/presentationml/2006/ole">
             <mc:AlternateContent xmlns:mc="http://schemas.openxmlformats.org/markup-compatibility/2006">
               <mc:Choice xmlns:v="urn:schemas-microsoft-com:vml" Requires="v">
-                <p:oleObj spid="_x0000_s4185" name="Equation" r:id="rId5" imgW="190440" imgH="152280" progId="Equation.DSMT4">
+                <p:oleObj spid="_x0000_s4195" name="Equation" r:id="rId5" imgW="190440" imgH="152280" progId="Equation.DSMT4">
                   <p:embed/>
                 </p:oleObj>
               </mc:Choice>
@@ -24425,11 +24428,7 @@
           <a:p>
             <a:r>
               <a:rPr lang="en-US" sz="900" dirty="0" smtClean="0"/>
-              <a:t>latency </a:t>
-            </a:r>
-            <a:r>
-              <a:rPr lang="en-US" sz="900" dirty="0" smtClean="0"/>
-              <a:t>– 12 Cycles</a:t>
+              <a:t>latency – 12 Cycles</a:t>
             </a:r>
             <a:endParaRPr lang="en-US" sz="900" dirty="0"/>
           </a:p>
@@ -32301,7 +32300,7 @@
           <a:graphicData uri="http://schemas.openxmlformats.org/presentationml/2006/ole">
             <mc:AlternateContent xmlns:mc="http://schemas.openxmlformats.org/markup-compatibility/2006">
               <mc:Choice xmlns:v="urn:schemas-microsoft-com:vml" Requires="v">
-                <p:oleObj spid="_x0000_s11327" name="Equation" r:id="rId4" imgW="3149280" imgH="761760" progId="Equation.DSMT4">
+                <p:oleObj spid="_x0000_s11337" name="Equation" r:id="rId4" imgW="3149280" imgH="761760" progId="Equation.DSMT4">
                   <p:embed/>
                 </p:oleObj>
               </mc:Choice>
@@ -41018,30 +41017,62 @@
           <a:bodyPr/>
           <a:lstStyle/>
           <a:p>
-            <a:r>
-              <a:rPr lang="he-IL" dirty="0" smtClean="0"/>
-              <a:t>עבודה עם שברים</a:t>
-            </a:r>
-          </a:p>
-          <a:p>
-            <a:r>
-              <a:rPr lang="he-IL" dirty="0" smtClean="0"/>
-              <a:t>חישוב טריגונומטרי</a:t>
-            </a:r>
-          </a:p>
-          <a:p>
-            <a:r>
-              <a:rPr lang="he-IL" dirty="0" smtClean="0"/>
-              <a:t>תדר + צנרת</a:t>
-            </a:r>
-          </a:p>
-          <a:p>
-            <a:r>
-              <a:rPr lang="he-IL" dirty="0" smtClean="0"/>
-              <a:t>...</a:t>
-            </a:r>
-          </a:p>
-          <a:p>
+            <a:pPr algn="l" rtl="0"/>
+            <a:r>
+              <a:rPr lang="en-US" dirty="0" smtClean="0"/>
+              <a:t>Top down design</a:t>
+            </a:r>
+          </a:p>
+          <a:p>
+            <a:pPr algn="l" rtl="0"/>
+            <a:r>
+              <a:rPr lang="en-US" dirty="0" smtClean="0"/>
+              <a:t>Pipeline</a:t>
+            </a:r>
+          </a:p>
+          <a:p>
+            <a:pPr algn="l" rtl="0"/>
+            <a:r>
+              <a:rPr lang="en-US" dirty="0" smtClean="0"/>
+              <a:t>Test bench</a:t>
+            </a:r>
+          </a:p>
+          <a:p>
+            <a:pPr algn="l" rtl="0"/>
+            <a:r>
+              <a:rPr lang="en-US" dirty="0" smtClean="0"/>
+              <a:t>Components </a:t>
+            </a:r>
+            <a:r>
+              <a:rPr lang="en-US" dirty="0" err="1" smtClean="0"/>
+              <a:t>documentig</a:t>
+            </a:r>
+            <a:endParaRPr lang="en-US" dirty="0" smtClean="0"/>
+          </a:p>
+          <a:p>
+            <a:pPr algn="l" rtl="0"/>
+            <a:r>
+              <a:rPr lang="en-US" dirty="0" smtClean="0"/>
+              <a:t>Results comparison with </a:t>
+            </a:r>
+            <a:r>
+              <a:rPr lang="en-US" dirty="0" err="1" smtClean="0"/>
+              <a:t>Matlab</a:t>
+            </a:r>
+            <a:r>
+              <a:rPr lang="en-US" dirty="0" smtClean="0"/>
+              <a:t> (Notepad++ plugin)</a:t>
+            </a:r>
+          </a:p>
+          <a:p>
+            <a:pPr algn="l" rtl="0"/>
+            <a:r>
+              <a:rPr lang="en-US" dirty="0" smtClean="0"/>
+              <a:t>Synchronize files via SVN.</a:t>
+            </a:r>
+          </a:p>
+          <a:p>
+            <a:pPr algn="l" rtl="0"/>
             <a:endParaRPr lang="he-IL" dirty="0"/>
           </a:p>
         </p:txBody>
@@ -41058,23 +41089,62 @@
         </p:nvSpPr>
         <p:spPr/>
         <p:txBody>
-          <a:bodyPr>
-            <a:normAutofit fontScale="90000"/>
-          </a:bodyPr>
+          <a:bodyPr/>
           <a:lstStyle/>
           <a:p>
             <a:r>
-              <a:rPr lang="he-IL" dirty="0" smtClean="0"/>
-              <a:t>בעיות שהתעוררו – טיפול בעמידה בתדר כדוגמא</a:t>
+              <a:rPr lang="en-US" dirty="0" smtClean="0"/>
+              <a:t>Working methods</a:t>
             </a:r>
             <a:endParaRPr lang="he-IL" dirty="0"/>
           </a:p>
         </p:txBody>
       </p:sp>
+      <p:pic>
+        <p:nvPicPr>
+          <p:cNvPr id="12290" name="Picture 2" descr="http://blogs.wandisco.com/wp-content/uploads/2012/09/tortoisesvn.png"/>
+          <p:cNvPicPr>
+            <a:picLocks noChangeAspect="1" noChangeArrowheads="1"/>
+          </p:cNvPicPr>
+          <p:nvPr/>
+        </p:nvPicPr>
+        <p:blipFill>
+          <a:blip r:embed="rId2" cstate="print">
+            <a:extLst>
+              <a:ext uri="{28A0092B-C50C-407E-A947-70E740481C1C}">
+                <a14:useLocalDpi xmlns:a14="http://schemas.microsoft.com/office/drawing/2010/main" val="0"/>
+              </a:ext>
+            </a:extLst>
+          </a:blip>
+          <a:srcRect/>
+          <a:stretch>
+            <a:fillRect/>
+          </a:stretch>
+        </p:blipFill>
+        <p:spPr bwMode="auto">
+          <a:xfrm>
+            <a:off x="7452320" y="332656"/>
+            <a:ext cx="1296144" cy="972108"/>
+          </a:xfrm>
+          <a:prstGeom prst="rect">
+            <a:avLst/>
+          </a:prstGeom>
+          <a:noFill/>
+          <a:extLst>
+            <a:ext uri="{909E8E84-426E-40DD-AFC4-6F175D3DCCD1}">
+              <a14:hiddenFill xmlns:a14="http://schemas.microsoft.com/office/drawing/2010/main">
+                <a:solidFill>
+                  <a:srgbClr val="FFFFFF"/>
+                </a:solidFill>
+              </a14:hiddenFill>
+            </a:ext>
+          </a:extLst>
+        </p:spPr>
+      </p:pic>
     </p:spTree>
     <p:extLst>
       <p:ext uri="{BB962C8B-B14F-4D97-AF65-F5344CB8AC3E}">
-        <p14:creationId xmlns:p14="http://schemas.microsoft.com/office/powerpoint/2010/main" val="2847505170"/>
+        <p14:creationId xmlns:p14="http://schemas.microsoft.com/office/powerpoint/2010/main" val="3320192049"/>
       </p:ext>
     </p:extLst>
   </p:cSld>
@@ -41084,9 +41154,401 @@
   <p:timing>
     <p:tnLst>
       <p:par>
-        <p:cTn id="1" dur="indefinite" restart="never" nodeType="tmRoot"/>
+        <p:cTn id="1" dur="indefinite" restart="never" nodeType="tmRoot">
+          <p:childTnLst>
+            <p:seq concurrent="1" nextAc="seek">
+              <p:cTn id="2" dur="indefinite" nodeType="mainSeq">
+                <p:childTnLst>
+                  <p:par>
+                    <p:cTn id="3" fill="hold">
+                      <p:stCondLst>
+                        <p:cond delay="indefinite"/>
+                      </p:stCondLst>
+                      <p:childTnLst>
+                        <p:par>
+                          <p:cTn id="4" fill="hold">
+                            <p:stCondLst>
+                              <p:cond delay="0"/>
+                            </p:stCondLst>
+                            <p:childTnLst>
+                              <p:par>
+                                <p:cTn id="5" presetID="10" presetClass="entr" presetSubtype="0" fill="hold" grpId="0" nodeType="clickEffect">
+                                  <p:stCondLst>
+                                    <p:cond delay="0"/>
+                                  </p:stCondLst>
+                                  <p:childTnLst>
+                                    <p:set>
+                                      <p:cBhvr>
+                                        <p:cTn id="6" dur="1" fill="hold">
+                                          <p:stCondLst>
+                                            <p:cond delay="0"/>
+                                          </p:stCondLst>
+                                        </p:cTn>
+                                        <p:tgtEl>
+                                          <p:spTgt spid="2">
+                                            <p:txEl>
+                                              <p:pRg st="0" end="0"/>
+                                            </p:txEl>
+                                          </p:spTgt>
+                                        </p:tgtEl>
+                                        <p:attrNameLst>
+                                          <p:attrName>style.visibility</p:attrName>
+                                        </p:attrNameLst>
+                                      </p:cBhvr>
+                                      <p:to>
+                                        <p:strVal val="visible"/>
+                                      </p:to>
+                                    </p:set>
+                                    <p:animEffect transition="in" filter="fade">
+                                      <p:cBhvr>
+                                        <p:cTn id="7" dur="500"/>
+                                        <p:tgtEl>
+                                          <p:spTgt spid="2">
+                                            <p:txEl>
+                                              <p:pRg st="0" end="0"/>
+                                            </p:txEl>
+                                          </p:spTgt>
+                                        </p:tgtEl>
+                                      </p:cBhvr>
+                                    </p:animEffect>
+                                  </p:childTnLst>
+                                </p:cTn>
+                              </p:par>
+                            </p:childTnLst>
+                          </p:cTn>
+                        </p:par>
+                      </p:childTnLst>
+                    </p:cTn>
+                  </p:par>
+                  <p:par>
+                    <p:cTn id="8" fill="hold">
+                      <p:stCondLst>
+                        <p:cond delay="indefinite"/>
+                      </p:stCondLst>
+                      <p:childTnLst>
+                        <p:par>
+                          <p:cTn id="9" fill="hold">
+                            <p:stCondLst>
+                              <p:cond delay="0"/>
+                            </p:stCondLst>
+                            <p:childTnLst>
+                              <p:par>
+                                <p:cTn id="10" presetID="10" presetClass="entr" presetSubtype="0" fill="hold" grpId="0" nodeType="clickEffect">
+                                  <p:stCondLst>
+                                    <p:cond delay="0"/>
+                                  </p:stCondLst>
+                                  <p:childTnLst>
+                                    <p:set>
+                                      <p:cBhvr>
+                                        <p:cTn id="11" dur="1" fill="hold">
+                                          <p:stCondLst>
+                                            <p:cond delay="0"/>
+                                          </p:stCondLst>
+                                        </p:cTn>
+                                        <p:tgtEl>
+                                          <p:spTgt spid="2">
+                                            <p:txEl>
+                                              <p:pRg st="1" end="1"/>
+                                            </p:txEl>
+                                          </p:spTgt>
+                                        </p:tgtEl>
+                                        <p:attrNameLst>
+                                          <p:attrName>style.visibility</p:attrName>
+                                        </p:attrNameLst>
+                                      </p:cBhvr>
+                                      <p:to>
+                                        <p:strVal val="visible"/>
+                                      </p:to>
+                                    </p:set>
+                                    <p:animEffect transition="in" filter="fade">
+                                      <p:cBhvr>
+                                        <p:cTn id="12" dur="500"/>
+                                        <p:tgtEl>
+                                          <p:spTgt spid="2">
+                                            <p:txEl>
+                                              <p:pRg st="1" end="1"/>
+                                            </p:txEl>
+                                          </p:spTgt>
+                                        </p:tgtEl>
+                                      </p:cBhvr>
+                                    </p:animEffect>
+                                  </p:childTnLst>
+                                </p:cTn>
+                              </p:par>
+                            </p:childTnLst>
+                          </p:cTn>
+                        </p:par>
+                      </p:childTnLst>
+                    </p:cTn>
+                  </p:par>
+                  <p:par>
+                    <p:cTn id="13" fill="hold">
+                      <p:stCondLst>
+                        <p:cond delay="indefinite"/>
+                      </p:stCondLst>
+                      <p:childTnLst>
+                        <p:par>
+                          <p:cTn id="14" fill="hold">
+                            <p:stCondLst>
+                              <p:cond delay="0"/>
+                            </p:stCondLst>
+                            <p:childTnLst>
+                              <p:par>
+                                <p:cTn id="15" presetID="10" presetClass="entr" presetSubtype="0" fill="hold" grpId="0" nodeType="clickEffect">
+                                  <p:stCondLst>
+                                    <p:cond delay="0"/>
+                                  </p:stCondLst>
+                                  <p:childTnLst>
+                                    <p:set>
+                                      <p:cBhvr>
+                                        <p:cTn id="16" dur="1" fill="hold">
+                                          <p:stCondLst>
+                                            <p:cond delay="0"/>
+                                          </p:stCondLst>
+                                        </p:cTn>
+                                        <p:tgtEl>
+                                          <p:spTgt spid="2">
+                                            <p:txEl>
+                                              <p:pRg st="2" end="2"/>
+                                            </p:txEl>
+                                          </p:spTgt>
+                                        </p:tgtEl>
+                                        <p:attrNameLst>
+                                          <p:attrName>style.visibility</p:attrName>
+                                        </p:attrNameLst>
+                                      </p:cBhvr>
+                                      <p:to>
+                                        <p:strVal val="visible"/>
+                                      </p:to>
+                                    </p:set>
+                                    <p:animEffect transition="in" filter="fade">
+                                      <p:cBhvr>
+                                        <p:cTn id="17" dur="500"/>
+                                        <p:tgtEl>
+                                          <p:spTgt spid="2">
+                                            <p:txEl>
+                                              <p:pRg st="2" end="2"/>
+                                            </p:txEl>
+                                          </p:spTgt>
+                                        </p:tgtEl>
+                                      </p:cBhvr>
+                                    </p:animEffect>
+                                  </p:childTnLst>
+                                </p:cTn>
+                              </p:par>
+                            </p:childTnLst>
+                          </p:cTn>
+                        </p:par>
+                      </p:childTnLst>
+                    </p:cTn>
+                  </p:par>
+                  <p:par>
+                    <p:cTn id="18" fill="hold">
+                      <p:stCondLst>
+                        <p:cond delay="indefinite"/>
+                      </p:stCondLst>
+                      <p:childTnLst>
+                        <p:par>
+                          <p:cTn id="19" fill="hold">
+                            <p:stCondLst>
+                              <p:cond delay="0"/>
+                            </p:stCondLst>
+                            <p:childTnLst>
+                              <p:par>
+                                <p:cTn id="20" presetID="10" presetClass="entr" presetSubtype="0" fill="hold" grpId="0" nodeType="clickEffect">
+                                  <p:stCondLst>
+                                    <p:cond delay="0"/>
+                                  </p:stCondLst>
+                                  <p:childTnLst>
+                                    <p:set>
+                                      <p:cBhvr>
+                                        <p:cTn id="21" dur="1" fill="hold">
+                                          <p:stCondLst>
+                                            <p:cond delay="0"/>
+                                          </p:stCondLst>
+                                        </p:cTn>
+                                        <p:tgtEl>
+                                          <p:spTgt spid="2">
+                                            <p:txEl>
+                                              <p:pRg st="3" end="3"/>
+                                            </p:txEl>
+                                          </p:spTgt>
+                                        </p:tgtEl>
+                                        <p:attrNameLst>
+                                          <p:attrName>style.visibility</p:attrName>
+                                        </p:attrNameLst>
+                                      </p:cBhvr>
+                                      <p:to>
+                                        <p:strVal val="visible"/>
+                                      </p:to>
+                                    </p:set>
+                                    <p:animEffect transition="in" filter="fade">
+                                      <p:cBhvr>
+                                        <p:cTn id="22" dur="500"/>
+                                        <p:tgtEl>
+                                          <p:spTgt spid="2">
+                                            <p:txEl>
+                                              <p:pRg st="3" end="3"/>
+                                            </p:txEl>
+                                          </p:spTgt>
+                                        </p:tgtEl>
+                                      </p:cBhvr>
+                                    </p:animEffect>
+                                  </p:childTnLst>
+                                </p:cTn>
+                              </p:par>
+                            </p:childTnLst>
+                          </p:cTn>
+                        </p:par>
+                      </p:childTnLst>
+                    </p:cTn>
+                  </p:par>
+                  <p:par>
+                    <p:cTn id="23" fill="hold">
+                      <p:stCondLst>
+                        <p:cond delay="indefinite"/>
+                      </p:stCondLst>
+                      <p:childTnLst>
+                        <p:par>
+                          <p:cTn id="24" fill="hold">
+                            <p:stCondLst>
+                              <p:cond delay="0"/>
+                            </p:stCondLst>
+                            <p:childTnLst>
+                              <p:par>
+                                <p:cTn id="25" presetID="10" presetClass="entr" presetSubtype="0" fill="hold" grpId="0" nodeType="clickEffect">
+                                  <p:stCondLst>
+                                    <p:cond delay="0"/>
+                                  </p:stCondLst>
+                                  <p:childTnLst>
+                                    <p:set>
+                                      <p:cBhvr>
+                                        <p:cTn id="26" dur="1" fill="hold">
+                                          <p:stCondLst>
+                                            <p:cond delay="0"/>
+                                          </p:stCondLst>
+                                        </p:cTn>
+                                        <p:tgtEl>
+                                          <p:spTgt spid="2">
+                                            <p:txEl>
+                                              <p:pRg st="4" end="4"/>
+                                            </p:txEl>
+                                          </p:spTgt>
+                                        </p:tgtEl>
+                                        <p:attrNameLst>
+                                          <p:attrName>style.visibility</p:attrName>
+                                        </p:attrNameLst>
+                                      </p:cBhvr>
+                                      <p:to>
+                                        <p:strVal val="visible"/>
+                                      </p:to>
+                                    </p:set>
+                                    <p:animEffect transition="in" filter="fade">
+                                      <p:cBhvr>
+                                        <p:cTn id="27" dur="500"/>
+                                        <p:tgtEl>
+                                          <p:spTgt spid="2">
+                                            <p:txEl>
+                                              <p:pRg st="4" end="4"/>
+                                            </p:txEl>
+                                          </p:spTgt>
+                                        </p:tgtEl>
+                                      </p:cBhvr>
+                                    </p:animEffect>
+                                  </p:childTnLst>
+                                </p:cTn>
+                              </p:par>
+                            </p:childTnLst>
+                          </p:cTn>
+                        </p:par>
+                      </p:childTnLst>
+                    </p:cTn>
+                  </p:par>
+                  <p:par>
+                    <p:cTn id="28" fill="hold">
+                      <p:stCondLst>
+                        <p:cond delay="indefinite"/>
+                      </p:stCondLst>
+                      <p:childTnLst>
+                        <p:par>
+                          <p:cTn id="29" fill="hold">
+                            <p:stCondLst>
+                              <p:cond delay="0"/>
+                            </p:stCondLst>
+                            <p:childTnLst>
+                              <p:par>
+                                <p:cTn id="30" presetID="10" presetClass="entr" presetSubtype="0" fill="hold" grpId="0" nodeType="clickEffect">
+                                  <p:stCondLst>
+                                    <p:cond delay="0"/>
+                                  </p:stCondLst>
+                                  <p:childTnLst>
+                                    <p:set>
+                                      <p:cBhvr>
+                                        <p:cTn id="31" dur="1" fill="hold">
+                                          <p:stCondLst>
+                                            <p:cond delay="0"/>
+                                          </p:stCondLst>
+                                        </p:cTn>
+                                        <p:tgtEl>
+                                          <p:spTgt spid="2">
+                                            <p:txEl>
+                                              <p:pRg st="5" end="5"/>
+                                            </p:txEl>
+                                          </p:spTgt>
+                                        </p:tgtEl>
+                                        <p:attrNameLst>
+                                          <p:attrName>style.visibility</p:attrName>
+                                        </p:attrNameLst>
+                                      </p:cBhvr>
+                                      <p:to>
+                                        <p:strVal val="visible"/>
+                                      </p:to>
+                                    </p:set>
+                                    <p:animEffect transition="in" filter="fade">
+                                      <p:cBhvr>
+                                        <p:cTn id="32" dur="500"/>
+                                        <p:tgtEl>
+                                          <p:spTgt spid="2">
+                                            <p:txEl>
+                                              <p:pRg st="5" end="5"/>
+                                            </p:txEl>
+                                          </p:spTgt>
+                                        </p:tgtEl>
+                                      </p:cBhvr>
+                                    </p:animEffect>
+                                  </p:childTnLst>
+                                </p:cTn>
+                              </p:par>
+                            </p:childTnLst>
+                          </p:cTn>
+                        </p:par>
+                      </p:childTnLst>
+                    </p:cTn>
+                  </p:par>
+                </p:childTnLst>
+              </p:cTn>
+              <p:prevCondLst>
+                <p:cond evt="onPrev" delay="0">
+                  <p:tgtEl>
+                    <p:sldTgt/>
+                  </p:tgtEl>
+                </p:cond>
+              </p:prevCondLst>
+              <p:nextCondLst>
+                <p:cond evt="onNext" delay="0">
+                  <p:tgtEl>
+                    <p:sldTgt/>
+                  </p:tgtEl>
+                </p:cond>
+              </p:nextCondLst>
+            </p:seq>
+          </p:childTnLst>
+        </p:cTn>
       </p:par>
     </p:tnLst>
+    <p:bldLst>
+      <p:bldP spid="2" grpId="0" build="p"/>
+    </p:bldLst>
   </p:timing>
 </p:sld>
 </file>
@@ -41125,6 +41587,601 @@
           <a:p>
             <a:r>
               <a:rPr lang="he-IL" dirty="0" smtClean="0"/>
+              <a:t>עבודה עם שברים</a:t>
+            </a:r>
+          </a:p>
+          <a:p>
+            <a:r>
+              <a:rPr lang="he-IL" dirty="0" smtClean="0"/>
+              <a:t>חישוב טריגונומטרי</a:t>
+            </a:r>
+          </a:p>
+          <a:p>
+            <a:r>
+              <a:rPr lang="he-IL" dirty="0" smtClean="0"/>
+              <a:t>תדר + צנרת</a:t>
+            </a:r>
+          </a:p>
+          <a:p>
+            <a:r>
+              <a:rPr lang="he-IL" dirty="0" smtClean="0"/>
+              <a:t>...</a:t>
+            </a:r>
+          </a:p>
+          <a:p>
+            <a:endParaRPr lang="he-IL" dirty="0"/>
+          </a:p>
+        </p:txBody>
+      </p:sp>
+      <p:sp>
+        <p:nvSpPr>
+          <p:cNvPr id="3" name="Title 2"/>
+          <p:cNvSpPr>
+            <a:spLocks noGrp="1"/>
+          </p:cNvSpPr>
+          <p:nvPr>
+            <p:ph type="title"/>
+          </p:nvPr>
+        </p:nvSpPr>
+        <p:spPr/>
+        <p:txBody>
+          <a:bodyPr>
+            <a:normAutofit fontScale="90000"/>
+          </a:bodyPr>
+          <a:lstStyle/>
+          <a:p>
+            <a:r>
+              <a:rPr lang="he-IL" dirty="0" smtClean="0"/>
+              <a:t>בעיות שהתעוררו – טיפול בעמידה בתדר כדוגמא</a:t>
+            </a:r>
+            <a:endParaRPr lang="he-IL" dirty="0"/>
+          </a:p>
+        </p:txBody>
+      </p:sp>
+    </p:spTree>
+    <p:extLst>
+      <p:ext uri="{BB962C8B-B14F-4D97-AF65-F5344CB8AC3E}">
+        <p14:creationId xmlns:p14="http://schemas.microsoft.com/office/powerpoint/2010/main" val="2847505170"/>
+      </p:ext>
+    </p:extLst>
+  </p:cSld>
+  <p:clrMapOvr>
+    <a:masterClrMapping/>
+  </p:clrMapOvr>
+  <p:timing>
+    <p:tnLst>
+      <p:par>
+        <p:cTn id="1" dur="indefinite" restart="never" nodeType="tmRoot"/>
+      </p:par>
+    </p:tnLst>
+  </p:timing>
+</p:sld>
+</file>
+
+<file path=ppt/slides/slide35.xml><?xml version="1.0" encoding="utf-8"?>
+<p:sld xmlns:a="http://schemas.openxmlformats.org/drawingml/2006/main" xmlns:r="http://schemas.openxmlformats.org/officeDocument/2006/relationships" xmlns:p="http://schemas.openxmlformats.org/presentationml/2006/main">
+  <p:cSld>
+    <p:spTree>
+      <p:nvGrpSpPr>
+        <p:cNvPr id="1" name=""/>
+        <p:cNvGrpSpPr/>
+        <p:nvPr/>
+      </p:nvGrpSpPr>
+      <p:grpSpPr>
+        <a:xfrm>
+          <a:off x="0" y="0"/>
+          <a:ext cx="0" cy="0"/>
+          <a:chOff x="0" y="0"/>
+          <a:chExt cx="0" cy="0"/>
+        </a:xfrm>
+      </p:grpSpPr>
+      <p:sp>
+        <p:nvSpPr>
+          <p:cNvPr id="6" name="Title 2"/>
+          <p:cNvSpPr>
+            <a:spLocks noGrp="1"/>
+          </p:cNvSpPr>
+          <p:nvPr>
+            <p:ph type="title"/>
+          </p:nvPr>
+        </p:nvSpPr>
+        <p:spPr>
+          <a:xfrm>
+            <a:off x="457200" y="274638"/>
+            <a:ext cx="8229600" cy="1143000"/>
+          </a:xfrm>
+        </p:spPr>
+        <p:txBody>
+          <a:bodyPr>
+            <a:normAutofit/>
+          </a:bodyPr>
+          <a:lstStyle/>
+          <a:p>
+            <a:pPr rtl="0"/>
+            <a:r>
+              <a:rPr lang="en-US" dirty="0" smtClean="0"/>
+              <a:t>Problems during the process</a:t>
+            </a:r>
+            <a:endParaRPr lang="he-IL" dirty="0"/>
+          </a:p>
+        </p:txBody>
+      </p:sp>
+      <p:sp>
+        <p:nvSpPr>
+          <p:cNvPr id="8" name="Content Placeholder 1"/>
+          <p:cNvSpPr>
+            <a:spLocks noGrp="1"/>
+          </p:cNvSpPr>
+          <p:nvPr>
+            <p:ph idx="1"/>
+          </p:nvPr>
+        </p:nvSpPr>
+        <p:spPr>
+          <a:xfrm>
+            <a:off x="457200" y="1340768"/>
+            <a:ext cx="8229600" cy="5400600"/>
+          </a:xfrm>
+        </p:spPr>
+        <p:txBody>
+          <a:bodyPr>
+            <a:normAutofit fontScale="92500" lnSpcReduction="20000"/>
+          </a:bodyPr>
+          <a:lstStyle/>
+          <a:p>
+            <a:pPr algn="l" rtl="0"/>
+            <a:r>
+              <a:rPr lang="en-US" sz="2600" dirty="0" smtClean="0"/>
+              <a:t>Working with fractures- attempt of work with new types (float/fixed).</a:t>
+            </a:r>
+            <a:br>
+              <a:rPr lang="en-US" sz="2600" dirty="0" smtClean="0"/>
+            </a:br>
+            <a:r>
+              <a:rPr lang="en-US" sz="2600" b="1" dirty="0" smtClean="0"/>
+              <a:t>Solution-</a:t>
+            </a:r>
+            <a:r>
+              <a:rPr lang="en-US" sz="2600" dirty="0" smtClean="0"/>
+              <a:t> work with regular std_logic_Vector, with relevant adjustments.</a:t>
+            </a:r>
+          </a:p>
+          <a:p>
+            <a:pPr algn="l" rtl="0"/>
+            <a:r>
+              <a:rPr lang="en-US" sz="2600" dirty="0" smtClean="0"/>
+              <a:t>Trigonometric calculating </a:t>
+            </a:r>
+            <a:r>
+              <a:rPr lang="en-US" sz="2600" dirty="0"/>
+              <a:t>first planed to be </a:t>
+            </a:r>
+            <a:r>
+              <a:rPr lang="en-US" sz="2600" dirty="0" smtClean="0"/>
+              <a:t>executed on VHD process, seems that consumes expensive hardware resources.</a:t>
+            </a:r>
+            <a:br>
+              <a:rPr lang="en-US" sz="2600" dirty="0" smtClean="0"/>
+            </a:br>
+            <a:r>
+              <a:rPr lang="en-US" sz="2600" b="1" dirty="0" smtClean="0"/>
+              <a:t>Solution-</a:t>
+            </a:r>
+            <a:r>
+              <a:rPr lang="en-US" sz="2600" dirty="0" smtClean="0"/>
+              <a:t> calculate Cos/Sin on </a:t>
+            </a:r>
+            <a:r>
+              <a:rPr lang="en-US" sz="2600" dirty="0" err="1" smtClean="0"/>
+              <a:t>Matlab</a:t>
+            </a:r>
+            <a:r>
+              <a:rPr lang="en-US" sz="2600" dirty="0" smtClean="0"/>
+              <a:t>.</a:t>
+            </a:r>
+          </a:p>
+          <a:p>
+            <a:pPr algn="l" rtl="0"/>
+            <a:r>
+              <a:rPr lang="en-US" sz="2600" dirty="0" smtClean="0"/>
+              <a:t>Timing issues- synthesis </a:t>
+            </a:r>
+            <a:r>
+              <a:rPr lang="en-US" sz="2600" dirty="0"/>
+              <a:t>timing results </a:t>
+            </a:r>
+            <a:r>
+              <a:rPr lang="en-US" sz="2600" dirty="0" smtClean="0"/>
+              <a:t>was not </a:t>
+            </a:r>
+            <a:r>
+              <a:rPr lang="en-US" sz="2600" dirty="0"/>
+              <a:t>meet the </a:t>
+            </a:r>
+            <a:r>
+              <a:rPr lang="en-US" sz="2600" dirty="0" smtClean="0"/>
+              <a:t>requirements.</a:t>
+            </a:r>
+            <a:br>
+              <a:rPr lang="en-US" sz="2600" dirty="0" smtClean="0"/>
+            </a:br>
+            <a:r>
+              <a:rPr lang="en-US" sz="2600" b="1" dirty="0" smtClean="0"/>
+              <a:t>solution-</a:t>
+            </a:r>
+            <a:r>
+              <a:rPr lang="en-US" sz="2600" dirty="0" smtClean="0"/>
+              <a:t> break arithmetic calculations into parts (piping).</a:t>
+            </a:r>
+          </a:p>
+          <a:p>
+            <a:pPr algn="l" rtl="0"/>
+            <a:r>
+              <a:rPr lang="en-US" sz="2600" dirty="0" smtClean="0"/>
+              <a:t>On the original design, the top block included </a:t>
+            </a:r>
+            <a:r>
+              <a:rPr lang="en-US" sz="2600" dirty="0" err="1" smtClean="0"/>
+              <a:t>addr_calc</a:t>
+            </a:r>
+            <a:r>
+              <a:rPr lang="en-US" sz="2600" dirty="0" smtClean="0"/>
+              <a:t> and </a:t>
+            </a:r>
+            <a:r>
+              <a:rPr lang="en-US" sz="2600" dirty="0" err="1" smtClean="0"/>
+              <a:t>addr_converter</a:t>
+            </a:r>
+            <a:r>
+              <a:rPr lang="en-US" sz="2600" dirty="0" smtClean="0"/>
+              <a:t>. During the design, combining the 2 blocks into </a:t>
+            </a:r>
+            <a:r>
+              <a:rPr lang="en-US" sz="2600" dirty="0"/>
+              <a:t>one block seemed </a:t>
+            </a:r>
+            <a:r>
+              <a:rPr lang="en-US" sz="2600" dirty="0" smtClean="0"/>
+              <a:t>inevitable.</a:t>
+            </a:r>
+          </a:p>
+          <a:p>
+            <a:pPr algn="l" rtl="0"/>
+            <a:endParaRPr lang="en-US" dirty="0" smtClean="0"/>
+          </a:p>
+          <a:p>
+            <a:pPr algn="l" rtl="0"/>
+            <a:endParaRPr lang="en-US" dirty="0" smtClean="0"/>
+          </a:p>
+          <a:p>
+            <a:pPr algn="l" rtl="0"/>
+            <a:endParaRPr lang="he-IL" dirty="0"/>
+          </a:p>
+        </p:txBody>
+      </p:sp>
+    </p:spTree>
+    <p:extLst>
+      <p:ext uri="{BB962C8B-B14F-4D97-AF65-F5344CB8AC3E}">
+        <p14:creationId xmlns:p14="http://schemas.microsoft.com/office/powerpoint/2010/main" val="804005646"/>
+      </p:ext>
+    </p:extLst>
+  </p:cSld>
+  <p:clrMapOvr>
+    <a:masterClrMapping/>
+  </p:clrMapOvr>
+  <p:timing>
+    <p:tnLst>
+      <p:par>
+        <p:cTn id="1" dur="indefinite" restart="never" nodeType="tmRoot">
+          <p:childTnLst>
+            <p:seq concurrent="1" nextAc="seek">
+              <p:cTn id="2" dur="indefinite" nodeType="mainSeq">
+                <p:childTnLst>
+                  <p:par>
+                    <p:cTn id="3" fill="hold">
+                      <p:stCondLst>
+                        <p:cond delay="indefinite"/>
+                      </p:stCondLst>
+                      <p:childTnLst>
+                        <p:par>
+                          <p:cTn id="4" fill="hold">
+                            <p:stCondLst>
+                              <p:cond delay="0"/>
+                            </p:stCondLst>
+                            <p:childTnLst>
+                              <p:par>
+                                <p:cTn id="5" presetID="22" presetClass="entr" presetSubtype="4" fill="hold" grpId="0" nodeType="clickEffect">
+                                  <p:stCondLst>
+                                    <p:cond delay="0"/>
+                                  </p:stCondLst>
+                                  <p:childTnLst>
+                                    <p:set>
+                                      <p:cBhvr>
+                                        <p:cTn id="6" dur="1" fill="hold">
+                                          <p:stCondLst>
+                                            <p:cond delay="0"/>
+                                          </p:stCondLst>
+                                        </p:cTn>
+                                        <p:tgtEl>
+                                          <p:spTgt spid="8">
+                                            <p:txEl>
+                                              <p:pRg st="0" end="0"/>
+                                            </p:txEl>
+                                          </p:spTgt>
+                                        </p:tgtEl>
+                                        <p:attrNameLst>
+                                          <p:attrName>style.visibility</p:attrName>
+                                        </p:attrNameLst>
+                                      </p:cBhvr>
+                                      <p:to>
+                                        <p:strVal val="visible"/>
+                                      </p:to>
+                                    </p:set>
+                                    <p:animEffect transition="in" filter="wipe(down)">
+                                      <p:cBhvr>
+                                        <p:cTn id="7" dur="500"/>
+                                        <p:tgtEl>
+                                          <p:spTgt spid="8">
+                                            <p:txEl>
+                                              <p:pRg st="0" end="0"/>
+                                            </p:txEl>
+                                          </p:spTgt>
+                                        </p:tgtEl>
+                                      </p:cBhvr>
+                                    </p:animEffect>
+                                  </p:childTnLst>
+                                </p:cTn>
+                              </p:par>
+                            </p:childTnLst>
+                          </p:cTn>
+                        </p:par>
+                      </p:childTnLst>
+                    </p:cTn>
+                  </p:par>
+                  <p:par>
+                    <p:cTn id="8" fill="hold">
+                      <p:stCondLst>
+                        <p:cond delay="indefinite"/>
+                      </p:stCondLst>
+                      <p:childTnLst>
+                        <p:par>
+                          <p:cTn id="9" fill="hold">
+                            <p:stCondLst>
+                              <p:cond delay="0"/>
+                            </p:stCondLst>
+                            <p:childTnLst>
+                              <p:par>
+                                <p:cTn id="10" presetID="22" presetClass="entr" presetSubtype="4" fill="hold" grpId="0" nodeType="clickEffect">
+                                  <p:stCondLst>
+                                    <p:cond delay="0"/>
+                                  </p:stCondLst>
+                                  <p:childTnLst>
+                                    <p:set>
+                                      <p:cBhvr>
+                                        <p:cTn id="11" dur="1" fill="hold">
+                                          <p:stCondLst>
+                                            <p:cond delay="0"/>
+                                          </p:stCondLst>
+                                        </p:cTn>
+                                        <p:tgtEl>
+                                          <p:spTgt spid="8">
+                                            <p:txEl>
+                                              <p:pRg st="1" end="1"/>
+                                            </p:txEl>
+                                          </p:spTgt>
+                                        </p:tgtEl>
+                                        <p:attrNameLst>
+                                          <p:attrName>style.visibility</p:attrName>
+                                        </p:attrNameLst>
+                                      </p:cBhvr>
+                                      <p:to>
+                                        <p:strVal val="visible"/>
+                                      </p:to>
+                                    </p:set>
+                                    <p:animEffect transition="in" filter="wipe(down)">
+                                      <p:cBhvr>
+                                        <p:cTn id="12" dur="500"/>
+                                        <p:tgtEl>
+                                          <p:spTgt spid="8">
+                                            <p:txEl>
+                                              <p:pRg st="1" end="1"/>
+                                            </p:txEl>
+                                          </p:spTgt>
+                                        </p:tgtEl>
+                                      </p:cBhvr>
+                                    </p:animEffect>
+                                  </p:childTnLst>
+                                </p:cTn>
+                              </p:par>
+                            </p:childTnLst>
+                          </p:cTn>
+                        </p:par>
+                      </p:childTnLst>
+                    </p:cTn>
+                  </p:par>
+                  <p:par>
+                    <p:cTn id="13" fill="hold">
+                      <p:stCondLst>
+                        <p:cond delay="indefinite"/>
+                      </p:stCondLst>
+                      <p:childTnLst>
+                        <p:par>
+                          <p:cTn id="14" fill="hold">
+                            <p:stCondLst>
+                              <p:cond delay="0"/>
+                            </p:stCondLst>
+                            <p:childTnLst>
+                              <p:par>
+                                <p:cTn id="15" presetID="22" presetClass="entr" presetSubtype="4" fill="hold" grpId="0" nodeType="clickEffect">
+                                  <p:stCondLst>
+                                    <p:cond delay="0"/>
+                                  </p:stCondLst>
+                                  <p:childTnLst>
+                                    <p:set>
+                                      <p:cBhvr>
+                                        <p:cTn id="16" dur="1" fill="hold">
+                                          <p:stCondLst>
+                                            <p:cond delay="0"/>
+                                          </p:stCondLst>
+                                        </p:cTn>
+                                        <p:tgtEl>
+                                          <p:spTgt spid="8">
+                                            <p:txEl>
+                                              <p:pRg st="2" end="2"/>
+                                            </p:txEl>
+                                          </p:spTgt>
+                                        </p:tgtEl>
+                                        <p:attrNameLst>
+                                          <p:attrName>style.visibility</p:attrName>
+                                        </p:attrNameLst>
+                                      </p:cBhvr>
+                                      <p:to>
+                                        <p:strVal val="visible"/>
+                                      </p:to>
+                                    </p:set>
+                                    <p:animEffect transition="in" filter="wipe(down)">
+                                      <p:cBhvr>
+                                        <p:cTn id="17" dur="500"/>
+                                        <p:tgtEl>
+                                          <p:spTgt spid="8">
+                                            <p:txEl>
+                                              <p:pRg st="2" end="2"/>
+                                            </p:txEl>
+                                          </p:spTgt>
+                                        </p:tgtEl>
+                                      </p:cBhvr>
+                                    </p:animEffect>
+                                  </p:childTnLst>
+                                </p:cTn>
+                              </p:par>
+                            </p:childTnLst>
+                          </p:cTn>
+                        </p:par>
+                      </p:childTnLst>
+                    </p:cTn>
+                  </p:par>
+                  <p:par>
+                    <p:cTn id="18" fill="hold">
+                      <p:stCondLst>
+                        <p:cond delay="indefinite"/>
+                      </p:stCondLst>
+                      <p:childTnLst>
+                        <p:par>
+                          <p:cTn id="19" fill="hold">
+                            <p:stCondLst>
+                              <p:cond delay="0"/>
+                            </p:stCondLst>
+                            <p:childTnLst>
+                              <p:par>
+                                <p:cTn id="20" presetID="22" presetClass="entr" presetSubtype="4" fill="hold" grpId="0" nodeType="clickEffect">
+                                  <p:stCondLst>
+                                    <p:cond delay="0"/>
+                                  </p:stCondLst>
+                                  <p:childTnLst>
+                                    <p:set>
+                                      <p:cBhvr>
+                                        <p:cTn id="21" dur="1" fill="hold">
+                                          <p:stCondLst>
+                                            <p:cond delay="0"/>
+                                          </p:stCondLst>
+                                        </p:cTn>
+                                        <p:tgtEl>
+                                          <p:spTgt spid="8">
+                                            <p:txEl>
+                                              <p:pRg st="3" end="3"/>
+                                            </p:txEl>
+                                          </p:spTgt>
+                                        </p:tgtEl>
+                                        <p:attrNameLst>
+                                          <p:attrName>style.visibility</p:attrName>
+                                        </p:attrNameLst>
+                                      </p:cBhvr>
+                                      <p:to>
+                                        <p:strVal val="visible"/>
+                                      </p:to>
+                                    </p:set>
+                                    <p:animEffect transition="in" filter="wipe(down)">
+                                      <p:cBhvr>
+                                        <p:cTn id="22" dur="500"/>
+                                        <p:tgtEl>
+                                          <p:spTgt spid="8">
+                                            <p:txEl>
+                                              <p:pRg st="3" end="3"/>
+                                            </p:txEl>
+                                          </p:spTgt>
+                                        </p:tgtEl>
+                                      </p:cBhvr>
+                                    </p:animEffect>
+                                  </p:childTnLst>
+                                </p:cTn>
+                              </p:par>
+                            </p:childTnLst>
+                          </p:cTn>
+                        </p:par>
+                      </p:childTnLst>
+                    </p:cTn>
+                  </p:par>
+                </p:childTnLst>
+              </p:cTn>
+              <p:prevCondLst>
+                <p:cond evt="onPrev" delay="0">
+                  <p:tgtEl>
+                    <p:sldTgt/>
+                  </p:tgtEl>
+                </p:cond>
+              </p:prevCondLst>
+              <p:nextCondLst>
+                <p:cond evt="onNext" delay="0">
+                  <p:tgtEl>
+                    <p:sldTgt/>
+                  </p:tgtEl>
+                </p:cond>
+              </p:nextCondLst>
+            </p:seq>
+          </p:childTnLst>
+        </p:cTn>
+      </p:par>
+    </p:tnLst>
+    <p:bldLst>
+      <p:bldP spid="8" grpId="0" build="p"/>
+    </p:bldLst>
+  </p:timing>
+</p:sld>
+</file>
+
+<file path=ppt/slides/slide36.xml><?xml version="1.0" encoding="utf-8"?>
+<p:sld xmlns:a="http://schemas.openxmlformats.org/drawingml/2006/main" xmlns:r="http://schemas.openxmlformats.org/officeDocument/2006/relationships" xmlns:p="http://schemas.openxmlformats.org/presentationml/2006/main">
+  <p:cSld>
+    <p:spTree>
+      <p:nvGrpSpPr>
+        <p:cNvPr id="1" name=""/>
+        <p:cNvGrpSpPr/>
+        <p:nvPr/>
+      </p:nvGrpSpPr>
+      <p:grpSpPr>
+        <a:xfrm>
+          <a:off x="0" y="0"/>
+          <a:ext cx="0" cy="0"/>
+          <a:chOff x="0" y="0"/>
+          <a:chExt cx="0" cy="0"/>
+        </a:xfrm>
+      </p:grpSpPr>
+      <p:sp>
+        <p:nvSpPr>
+          <p:cNvPr id="2" name="Content Placeholder 1"/>
+          <p:cNvSpPr>
+            <a:spLocks noGrp="1"/>
+          </p:cNvSpPr>
+          <p:nvPr>
+            <p:ph idx="1"/>
+          </p:nvPr>
+        </p:nvSpPr>
+        <p:spPr/>
+        <p:txBody>
+          <a:bodyPr/>
+          <a:lstStyle/>
+          <a:p>
+            <a:r>
+              <a:rPr lang="he-IL" dirty="0" smtClean="0"/>
               <a:t>יתרונות העבודה בפייפ</a:t>
             </a:r>
           </a:p>
@@ -41186,7 +42243,322 @@
 </p:sld>
 </file>
 
-<file path=ppt/slides/slide35.xml><?xml version="1.0" encoding="utf-8"?>
+<file path=ppt/slides/slide37.xml><?xml version="1.0" encoding="utf-8"?>
+<p:sld xmlns:a="http://schemas.openxmlformats.org/drawingml/2006/main" xmlns:r="http://schemas.openxmlformats.org/officeDocument/2006/relationships" xmlns:p="http://schemas.openxmlformats.org/presentationml/2006/main">
+  <p:cSld>
+    <p:spTree>
+      <p:nvGrpSpPr>
+        <p:cNvPr id="1" name=""/>
+        <p:cNvGrpSpPr/>
+        <p:nvPr/>
+      </p:nvGrpSpPr>
+      <p:grpSpPr>
+        <a:xfrm>
+          <a:off x="0" y="0"/>
+          <a:ext cx="0" cy="0"/>
+          <a:chOff x="0" y="0"/>
+          <a:chExt cx="0" cy="0"/>
+        </a:xfrm>
+      </p:grpSpPr>
+      <p:sp>
+        <p:nvSpPr>
+          <p:cNvPr id="2" name="Content Placeholder 1"/>
+          <p:cNvSpPr>
+            <a:spLocks noGrp="1"/>
+          </p:cNvSpPr>
+          <p:nvPr>
+            <p:ph idx="1"/>
+          </p:nvPr>
+        </p:nvSpPr>
+        <p:spPr/>
+        <p:txBody>
+          <a:bodyPr/>
+          <a:lstStyle/>
+          <a:p>
+            <a:pPr algn="l" rtl="0"/>
+            <a:r>
+              <a:rPr lang="en-US" dirty="0" smtClean="0"/>
+              <a:t>Pipeline working always makes the throughput shorter. With “heavy” calculations, it is recommended to break the arithmetic process.</a:t>
+            </a:r>
+          </a:p>
+          <a:p>
+            <a:pPr algn="l" rtl="0"/>
+            <a:r>
+              <a:rPr lang="en-US" dirty="0" smtClean="0"/>
+              <a:t>Working with generics parameters make the design more flexible.</a:t>
+            </a:r>
+          </a:p>
+          <a:p>
+            <a:pPr algn="l" rtl="0"/>
+            <a:r>
+              <a:rPr lang="en-US" dirty="0" smtClean="0">
+                <a:solidFill>
+                  <a:srgbClr val="FFC000"/>
+                </a:solidFill>
+              </a:rPr>
+              <a:t>Top down design makes the planning process easier.</a:t>
+            </a:r>
+          </a:p>
+          <a:p>
+            <a:pPr algn="l" rtl="0"/>
+            <a:endParaRPr lang="he-IL" dirty="0"/>
+          </a:p>
+        </p:txBody>
+      </p:sp>
+      <p:sp>
+        <p:nvSpPr>
+          <p:cNvPr id="3" name="Title 2"/>
+          <p:cNvSpPr>
+            <a:spLocks noGrp="1"/>
+          </p:cNvSpPr>
+          <p:nvPr>
+            <p:ph type="title"/>
+          </p:nvPr>
+        </p:nvSpPr>
+        <p:spPr/>
+        <p:txBody>
+          <a:bodyPr/>
+          <a:lstStyle/>
+          <a:p>
+            <a:pPr rtl="0"/>
+            <a:r>
+              <a:rPr lang="en-US" dirty="0" smtClean="0"/>
+              <a:t>Conclusions/lessons</a:t>
+            </a:r>
+            <a:endParaRPr lang="he-IL" dirty="0"/>
+          </a:p>
+        </p:txBody>
+      </p:sp>
+    </p:spTree>
+    <p:extLst>
+      <p:ext uri="{BB962C8B-B14F-4D97-AF65-F5344CB8AC3E}">
+        <p14:creationId xmlns:p14="http://schemas.microsoft.com/office/powerpoint/2010/main" val="3820280022"/>
+      </p:ext>
+    </p:extLst>
+  </p:cSld>
+  <p:clrMapOvr>
+    <a:masterClrMapping/>
+  </p:clrMapOvr>
+  <p:timing>
+    <p:tnLst>
+      <p:par>
+        <p:cTn id="1" dur="indefinite" restart="never" nodeType="tmRoot">
+          <p:childTnLst>
+            <p:seq concurrent="1" nextAc="seek">
+              <p:cTn id="2" dur="indefinite" nodeType="mainSeq">
+                <p:childTnLst>
+                  <p:par>
+                    <p:cTn id="3" fill="hold">
+                      <p:stCondLst>
+                        <p:cond delay="indefinite"/>
+                      </p:stCondLst>
+                      <p:childTnLst>
+                        <p:par>
+                          <p:cTn id="4" fill="hold">
+                            <p:stCondLst>
+                              <p:cond delay="0"/>
+                            </p:stCondLst>
+                            <p:childTnLst>
+                              <p:par>
+                                <p:cTn id="5" presetID="10" presetClass="entr" presetSubtype="0" fill="hold" grpId="0" nodeType="clickEffect">
+                                  <p:stCondLst>
+                                    <p:cond delay="0"/>
+                                  </p:stCondLst>
+                                  <p:childTnLst>
+                                    <p:set>
+                                      <p:cBhvr>
+                                        <p:cTn id="6" dur="1" fill="hold">
+                                          <p:stCondLst>
+                                            <p:cond delay="0"/>
+                                          </p:stCondLst>
+                                        </p:cTn>
+                                        <p:tgtEl>
+                                          <p:spTgt spid="2">
+                                            <p:txEl>
+                                              <p:pRg st="0" end="0"/>
+                                            </p:txEl>
+                                          </p:spTgt>
+                                        </p:tgtEl>
+                                        <p:attrNameLst>
+                                          <p:attrName>style.visibility</p:attrName>
+                                        </p:attrNameLst>
+                                      </p:cBhvr>
+                                      <p:to>
+                                        <p:strVal val="visible"/>
+                                      </p:to>
+                                    </p:set>
+                                    <p:animEffect transition="in" filter="fade">
+                                      <p:cBhvr>
+                                        <p:cTn id="7" dur="500"/>
+                                        <p:tgtEl>
+                                          <p:spTgt spid="2">
+                                            <p:txEl>
+                                              <p:pRg st="0" end="0"/>
+                                            </p:txEl>
+                                          </p:spTgt>
+                                        </p:tgtEl>
+                                      </p:cBhvr>
+                                    </p:animEffect>
+                                  </p:childTnLst>
+                                </p:cTn>
+                              </p:par>
+                            </p:childTnLst>
+                          </p:cTn>
+                        </p:par>
+                      </p:childTnLst>
+                    </p:cTn>
+                  </p:par>
+                  <p:par>
+                    <p:cTn id="8" fill="hold">
+                      <p:stCondLst>
+                        <p:cond delay="indefinite"/>
+                      </p:stCondLst>
+                      <p:childTnLst>
+                        <p:par>
+                          <p:cTn id="9" fill="hold">
+                            <p:stCondLst>
+                              <p:cond delay="0"/>
+                            </p:stCondLst>
+                            <p:childTnLst>
+                              <p:par>
+                                <p:cTn id="10" presetID="10" presetClass="entr" presetSubtype="0" fill="hold" grpId="0" nodeType="clickEffect">
+                                  <p:stCondLst>
+                                    <p:cond delay="0"/>
+                                  </p:stCondLst>
+                                  <p:childTnLst>
+                                    <p:set>
+                                      <p:cBhvr>
+                                        <p:cTn id="11" dur="1" fill="hold">
+                                          <p:stCondLst>
+                                            <p:cond delay="0"/>
+                                          </p:stCondLst>
+                                        </p:cTn>
+                                        <p:tgtEl>
+                                          <p:spTgt spid="2">
+                                            <p:txEl>
+                                              <p:pRg st="1" end="1"/>
+                                            </p:txEl>
+                                          </p:spTgt>
+                                        </p:tgtEl>
+                                        <p:attrNameLst>
+                                          <p:attrName>style.visibility</p:attrName>
+                                        </p:attrNameLst>
+                                      </p:cBhvr>
+                                      <p:to>
+                                        <p:strVal val="visible"/>
+                                      </p:to>
+                                    </p:set>
+                                    <p:animEffect transition="in" filter="fade">
+                                      <p:cBhvr>
+                                        <p:cTn id="12" dur="500"/>
+                                        <p:tgtEl>
+                                          <p:spTgt spid="2">
+                                            <p:txEl>
+                                              <p:pRg st="1" end="1"/>
+                                            </p:txEl>
+                                          </p:spTgt>
+                                        </p:tgtEl>
+                                      </p:cBhvr>
+                                    </p:animEffect>
+                                  </p:childTnLst>
+                                </p:cTn>
+                              </p:par>
+                            </p:childTnLst>
+                          </p:cTn>
+                        </p:par>
+                      </p:childTnLst>
+                    </p:cTn>
+                  </p:par>
+                  <p:par>
+                    <p:cTn id="13" fill="hold">
+                      <p:stCondLst>
+                        <p:cond delay="indefinite"/>
+                      </p:stCondLst>
+                      <p:childTnLst>
+                        <p:par>
+                          <p:cTn id="14" fill="hold">
+                            <p:stCondLst>
+                              <p:cond delay="0"/>
+                            </p:stCondLst>
+                            <p:childTnLst>
+                              <p:par>
+                                <p:cTn id="15" presetID="10" presetClass="entr" presetSubtype="0" fill="hold" grpId="0" nodeType="clickEffect">
+                                  <p:stCondLst>
+                                    <p:cond delay="0"/>
+                                  </p:stCondLst>
+                                  <p:childTnLst>
+                                    <p:set>
+                                      <p:cBhvr>
+                                        <p:cTn id="16" dur="1" fill="hold">
+                                          <p:stCondLst>
+                                            <p:cond delay="0"/>
+                                          </p:stCondLst>
+                                        </p:cTn>
+                                        <p:tgtEl>
+                                          <p:spTgt spid="2">
+                                            <p:txEl>
+                                              <p:pRg st="2" end="2"/>
+                                            </p:txEl>
+                                          </p:spTgt>
+                                        </p:tgtEl>
+                                        <p:attrNameLst>
+                                          <p:attrName>style.visibility</p:attrName>
+                                        </p:attrNameLst>
+                                      </p:cBhvr>
+                                      <p:to>
+                                        <p:strVal val="visible"/>
+                                      </p:to>
+                                    </p:set>
+                                    <p:animEffect transition="in" filter="fade">
+                                      <p:cBhvr>
+                                        <p:cTn id="17" dur="500"/>
+                                        <p:tgtEl>
+                                          <p:spTgt spid="2">
+                                            <p:txEl>
+                                              <p:pRg st="2" end="2"/>
+                                            </p:txEl>
+                                          </p:spTgt>
+                                        </p:tgtEl>
+                                      </p:cBhvr>
+                                    </p:animEffect>
+                                  </p:childTnLst>
+                                </p:cTn>
+                              </p:par>
+                            </p:childTnLst>
+                          </p:cTn>
+                        </p:par>
+                      </p:childTnLst>
+                    </p:cTn>
+                  </p:par>
+                </p:childTnLst>
+              </p:cTn>
+              <p:prevCondLst>
+                <p:cond evt="onPrev" delay="0">
+                  <p:tgtEl>
+                    <p:sldTgt/>
+                  </p:tgtEl>
+                </p:cond>
+              </p:prevCondLst>
+              <p:nextCondLst>
+                <p:cond evt="onNext" delay="0">
+                  <p:tgtEl>
+                    <p:sldTgt/>
+                  </p:tgtEl>
+                </p:cond>
+              </p:nextCondLst>
+            </p:seq>
+          </p:childTnLst>
+        </p:cTn>
+      </p:par>
+    </p:tnLst>
+    <p:bldLst>
+      <p:bldP spid="2" grpId="0" build="p"/>
+    </p:bldLst>
+  </p:timing>
+</p:sld>
+</file>
+
+<file path=ppt/slides/slide38.xml><?xml version="1.0" encoding="utf-8"?>
 <p:sld xmlns:a="http://schemas.openxmlformats.org/drawingml/2006/main" xmlns:r="http://schemas.openxmlformats.org/officeDocument/2006/relationships" xmlns:p="http://schemas.openxmlformats.org/presentationml/2006/main">
   <p:cSld>
     <p:spTree>
@@ -41633,7 +43005,7 @@
 </p:sld>
 </file>
 
-<file path=ppt/slides/slide36.xml><?xml version="1.0" encoding="utf-8"?>
+<file path=ppt/slides/slide39.xml><?xml version="1.0" encoding="utf-8"?>
 <p:sld xmlns:a="http://schemas.openxmlformats.org/drawingml/2006/main" xmlns:r="http://schemas.openxmlformats.org/officeDocument/2006/relationships" xmlns:p="http://schemas.openxmlformats.org/presentationml/2006/main">
   <p:cSld>
     <p:spTree>

--- a/Presentation/Final_part_A_Presentation.pptx
+++ b/Presentation/Final_part_A_Presentation.pptx
@@ -5,7 +5,7 @@
     <p:sldMasterId id="2147483684" r:id="rId1"/>
   </p:sldMasterIdLst>
   <p:notesMasterIdLst>
-    <p:notesMasterId r:id="rId41"/>
+    <p:notesMasterId r:id="rId38"/>
   </p:notesMasterIdLst>
   <p:sldIdLst>
     <p:sldId id="256" r:id="rId2"/>
@@ -38,15 +38,12 @@
     <p:sldId id="315" r:id="rId29"/>
     <p:sldId id="316" r:id="rId30"/>
     <p:sldId id="317" r:id="rId31"/>
-    <p:sldId id="318" r:id="rId32"/>
-    <p:sldId id="319" r:id="rId33"/>
-    <p:sldId id="324" r:id="rId34"/>
-    <p:sldId id="320" r:id="rId35"/>
-    <p:sldId id="322" r:id="rId36"/>
-    <p:sldId id="321" r:id="rId37"/>
-    <p:sldId id="323" r:id="rId38"/>
-    <p:sldId id="294" r:id="rId39"/>
-    <p:sldId id="301" r:id="rId40"/>
+    <p:sldId id="324" r:id="rId32"/>
+    <p:sldId id="322" r:id="rId33"/>
+    <p:sldId id="326" r:id="rId34"/>
+    <p:sldId id="323" r:id="rId35"/>
+    <p:sldId id="294" r:id="rId36"/>
+    <p:sldId id="301" r:id="rId37"/>
   </p:sldIdLst>
   <p:sldSz cx="9144000" cy="6858000" type="screen4x3"/>
   <p:notesSz cx="6858000" cy="9144000"/>
@@ -1569,7 +1566,7 @@
               <a:t>הפלט של </a:t>
             </a:r>
             <a:r>
-              <a:rPr lang="en-US" baseline="0" dirty="0" err="1" smtClean="0"/>
+              <a:rPr lang="en-US" baseline="0" dirty="0" smtClean="0"/>
               <a:t>addr_calc</a:t>
             </a:r>
             <a:r>
@@ -1962,6 +1959,115 @@
           <a:bodyPr/>
           <a:lstStyle/>
           <a:p>
+            <a:pPr marL="228600" indent="-228600">
+              <a:buAutoNum type="arabicPeriod"/>
+            </a:pPr>
+            <a:r>
+              <a:rPr lang="he-IL" baseline="0" dirty="0" smtClean="0"/>
+              <a:t>התכן נעשה על ידי בחינה של המערכת הכוללת, לאחר מכן תכן של הבלוק שלנו ואז בוצע תכן לכל רכיב בתוך הבלוק</a:t>
+            </a:r>
+          </a:p>
+          <a:p>
+            <a:pPr marL="228600" indent="-228600">
+              <a:buAutoNum type="arabicPeriod"/>
+            </a:pPr>
+            <a:r>
+              <a:rPr lang="he-IL" baseline="0" dirty="0" smtClean="0"/>
+              <a:t>האלגוריתם כולל </a:t>
+            </a:r>
+            <a:r>
+              <a:rPr lang="he-IL" baseline="0" dirty="0" err="1" smtClean="0"/>
+              <a:t>חיושבים</a:t>
+            </a:r>
+            <a:r>
+              <a:rPr lang="he-IL" baseline="0" dirty="0" smtClean="0"/>
+              <a:t> אריתמטיים עם הכפלות מרובות, והיות והכפלה הינה צרכן משאבים, פיצול החישוב משפר את הקצב התוצאות</a:t>
+            </a:r>
+          </a:p>
+          <a:p>
+            <a:pPr marL="228600" indent="-228600">
+              <a:buAutoNum type="arabicPeriod"/>
+            </a:pPr>
+            <a:r>
+              <a:rPr lang="he-IL" baseline="0" dirty="0" smtClean="0"/>
+              <a:t>בדיקת הרכיבים נעשתה על ידי יצירת קובץ </a:t>
+            </a:r>
+            <a:r>
+              <a:rPr lang="en-US" baseline="0" dirty="0" smtClean="0"/>
+              <a:t>TB</a:t>
+            </a:r>
+            <a:r>
+              <a:rPr lang="he-IL" baseline="0" dirty="0" smtClean="0"/>
+              <a:t> לכל </a:t>
+            </a:r>
+            <a:r>
+              <a:rPr lang="he-IL" baseline="0" dirty="0" err="1" smtClean="0"/>
+              <a:t>קומפוננטה</a:t>
+            </a:r>
+            <a:r>
+              <a:rPr lang="he-IL" baseline="0" dirty="0" smtClean="0"/>
+              <a:t>, שמטרתו לדמות כניסות אפשריות למערכת ובדיקת התוצאות</a:t>
+            </a:r>
+          </a:p>
+          <a:p>
+            <a:pPr marL="228600" indent="-228600">
+              <a:buAutoNum type="arabicPeriod"/>
+            </a:pPr>
+            <a:r>
+              <a:rPr lang="he-IL" baseline="0" dirty="0" smtClean="0"/>
+              <a:t>בדיקת התוצאות נעשה מול האלגוריתם שרץ בסביבת </a:t>
+            </a:r>
+            <a:r>
+              <a:rPr lang="en-US" baseline="0" dirty="0" smtClean="0"/>
+              <a:t>MATLAB</a:t>
+            </a:r>
+            <a:r>
+              <a:rPr lang="he-IL" baseline="0" dirty="0" smtClean="0"/>
+              <a:t>, השוואה עם פלט ויזואלי</a:t>
+            </a:r>
+          </a:p>
+          <a:p>
+            <a:pPr marL="228600" indent="-228600">
+              <a:buAutoNum type="arabicPeriod"/>
+            </a:pPr>
+            <a:r>
+              <a:rPr lang="he-IL" baseline="0" dirty="0" smtClean="0"/>
+              <a:t>תיעוד לאורך התהליך עזר </a:t>
+            </a:r>
+            <a:r>
+              <a:rPr lang="he-IL" baseline="0" dirty="0" err="1" smtClean="0"/>
+              <a:t>בבננית</a:t>
+            </a:r>
+            <a:r>
+              <a:rPr lang="he-IL" baseline="0" dirty="0" smtClean="0"/>
+              <a:t> המצגת, מסמך הפרויקט ולשימוש חוזר בעתיד</a:t>
+            </a:r>
+          </a:p>
+          <a:p>
+            <a:pPr marL="228600" indent="-228600">
+              <a:buAutoNum type="arabicPeriod"/>
+            </a:pPr>
+            <a:r>
+              <a:rPr lang="he-IL" baseline="0" dirty="0" smtClean="0"/>
+              <a:t>מאפשר עבודה מנקודות קצה שונות ושחזור במקרה של באגים</a:t>
+            </a:r>
+          </a:p>
+          <a:p>
+            <a:pPr marL="228600" indent="-228600">
+              <a:buAutoNum type="arabicPeriod"/>
+            </a:pPr>
+            <a:endParaRPr lang="he-IL" baseline="0" dirty="0" smtClean="0"/>
+          </a:p>
+          <a:p>
+            <a:pPr marL="228600" indent="-228600">
+              <a:buAutoNum type="arabicPeriod"/>
+            </a:pPr>
+            <a:endParaRPr lang="he-IL" baseline="0" dirty="0" smtClean="0"/>
+          </a:p>
+          <a:p>
+            <a:pPr marL="228600" indent="-228600">
+              <a:buAutoNum type="arabicPeriod"/>
+            </a:pPr>
             <a:endParaRPr lang="he-IL" dirty="0"/>
           </a:p>
         </p:txBody>
@@ -1984,7 +2090,7 @@
             <a:fld id="{2C03A9CB-966F-4A57-B2C3-5A442A549DBA}" type="slidenum">
               <a:rPr lang="he-IL" smtClean="0"/>
               <a:pPr/>
-              <a:t>38</a:t>
+              <a:t>31</a:t>
             </a:fld>
             <a:endParaRPr lang="he-IL" dirty="0"/>
           </a:p>
@@ -1993,7 +2099,7 @@
     </p:spTree>
     <p:extLst>
       <p:ext uri="{BB962C8B-B14F-4D97-AF65-F5344CB8AC3E}">
-        <p14:creationId xmlns:p14="http://schemas.microsoft.com/office/powerpoint/2010/main" val="1491151206"/>
+        <p14:creationId xmlns:p14="http://schemas.microsoft.com/office/powerpoint/2010/main" val="1896191370"/>
       </p:ext>
     </p:extLst>
   </p:cSld>
@@ -2044,9 +2150,7 @@
         </p:nvSpPr>
         <p:spPr/>
         <p:txBody>
-          <a:bodyPr>
-            <a:normAutofit/>
-          </a:bodyPr>
+          <a:bodyPr/>
           <a:lstStyle/>
           <a:p>
             <a:endParaRPr lang="he-IL" dirty="0"/>
@@ -2071,7 +2175,94 @@
             <a:fld id="{2C03A9CB-966F-4A57-B2C3-5A442A549DBA}" type="slidenum">
               <a:rPr lang="he-IL" smtClean="0"/>
               <a:pPr/>
-              <a:t>39</a:t>
+              <a:t>35</a:t>
+            </a:fld>
+            <a:endParaRPr lang="he-IL" dirty="0"/>
+          </a:p>
+        </p:txBody>
+      </p:sp>
+    </p:spTree>
+    <p:extLst>
+      <p:ext uri="{BB962C8B-B14F-4D97-AF65-F5344CB8AC3E}">
+        <p14:creationId xmlns:p14="http://schemas.microsoft.com/office/powerpoint/2010/main" val="1491151206"/>
+      </p:ext>
+    </p:extLst>
+  </p:cSld>
+  <p:clrMapOvr>
+    <a:masterClrMapping/>
+  </p:clrMapOvr>
+</p:notes>
+</file>
+
+<file path=ppt/notesSlides/notesSlide23.xml><?xml version="1.0" encoding="utf-8"?>
+<p:notes xmlns:a="http://schemas.openxmlformats.org/drawingml/2006/main" xmlns:r="http://schemas.openxmlformats.org/officeDocument/2006/relationships" xmlns:p="http://schemas.openxmlformats.org/presentationml/2006/main">
+  <p:cSld>
+    <p:spTree>
+      <p:nvGrpSpPr>
+        <p:cNvPr id="1" name=""/>
+        <p:cNvGrpSpPr/>
+        <p:nvPr/>
+      </p:nvGrpSpPr>
+      <p:grpSpPr>
+        <a:xfrm>
+          <a:off x="0" y="0"/>
+          <a:ext cx="0" cy="0"/>
+          <a:chOff x="0" y="0"/>
+          <a:chExt cx="0" cy="0"/>
+        </a:xfrm>
+      </p:grpSpPr>
+      <p:sp>
+        <p:nvSpPr>
+          <p:cNvPr id="2" name="Slide Image Placeholder 1"/>
+          <p:cNvSpPr>
+            <a:spLocks noGrp="1" noRot="1" noChangeAspect="1"/>
+          </p:cNvSpPr>
+          <p:nvPr>
+            <p:ph type="sldImg"/>
+          </p:nvPr>
+        </p:nvSpPr>
+        <p:spPr/>
+      </p:sp>
+      <p:sp>
+        <p:nvSpPr>
+          <p:cNvPr id="3" name="Notes Placeholder 2"/>
+          <p:cNvSpPr>
+            <a:spLocks noGrp="1"/>
+          </p:cNvSpPr>
+          <p:nvPr>
+            <p:ph type="body" idx="1"/>
+          </p:nvPr>
+        </p:nvSpPr>
+        <p:spPr/>
+        <p:txBody>
+          <a:bodyPr>
+            <a:normAutofit/>
+          </a:bodyPr>
+          <a:lstStyle/>
+          <a:p>
+            <a:endParaRPr lang="he-IL" dirty="0"/>
+          </a:p>
+        </p:txBody>
+      </p:sp>
+      <p:sp>
+        <p:nvSpPr>
+          <p:cNvPr id="4" name="Slide Number Placeholder 3"/>
+          <p:cNvSpPr>
+            <a:spLocks noGrp="1"/>
+          </p:cNvSpPr>
+          <p:nvPr>
+            <p:ph type="sldNum" sz="quarter" idx="10"/>
+          </p:nvPr>
+        </p:nvSpPr>
+        <p:spPr/>
+        <p:txBody>
+          <a:bodyPr/>
+          <a:lstStyle/>
+          <a:p>
+            <a:fld id="{2C03A9CB-966F-4A57-B2C3-5A442A549DBA}" type="slidenum">
+              <a:rPr lang="he-IL" smtClean="0"/>
+              <a:pPr/>
+              <a:t>36</a:t>
             </a:fld>
             <a:endParaRPr lang="he-IL" dirty="0"/>
           </a:p>
@@ -19586,7 +19777,7 @@
           <a:graphicData uri="http://schemas.openxmlformats.org/presentationml/2006/ole">
             <mc:AlternateContent xmlns:mc="http://schemas.openxmlformats.org/markup-compatibility/2006">
               <mc:Choice xmlns:v="urn:schemas-microsoft-com:vml" Requires="v">
-                <p:oleObj spid="_x0000_s1125" name="Equation" r:id="rId3" imgW="6197400" imgH="888840" progId="Equation.DSMT4">
+                <p:oleObj spid="_x0000_s1135" name="Equation" r:id="rId3" imgW="6197400" imgH="888840" progId="Equation.DSMT4">
                   <p:embed/>
                 </p:oleObj>
               </mc:Choice>
@@ -23359,51 +23550,6 @@
           </a:p>
         </p:txBody>
       </p:sp>
-      <p:sp>
-        <p:nvSpPr>
-          <p:cNvPr id="5" name="TextBox 4"/>
-          <p:cNvSpPr txBox="1"/>
-          <p:nvPr/>
-        </p:nvSpPr>
-        <p:spPr>
-          <a:xfrm>
-            <a:off x="1543818" y="5909697"/>
-            <a:ext cx="5256584" cy="369332"/>
-          </a:xfrm>
-          <a:prstGeom prst="rect">
-            <a:avLst/>
-          </a:prstGeom>
-        </p:spPr>
-        <p:style>
-          <a:lnRef idx="2">
-            <a:schemeClr val="accent3">
-              <a:shade val="50000"/>
-            </a:schemeClr>
-          </a:lnRef>
-          <a:fillRef idx="1">
-            <a:schemeClr val="accent3"/>
-          </a:fillRef>
-          <a:effectRef idx="0">
-            <a:schemeClr val="accent3"/>
-          </a:effectRef>
-          <a:fontRef idx="minor">
-            <a:schemeClr val="lt1"/>
-          </a:fontRef>
-        </p:style>
-        <p:txBody>
-          <a:bodyPr wrap="square" rtlCol="1">
-            <a:spAutoFit/>
-          </a:bodyPr>
-          <a:lstStyle/>
-          <a:p>
-            <a:r>
-              <a:rPr lang="he-IL" dirty="0" smtClean="0"/>
-              <a:t>להוסיף תזמון – כרגע יש בעיה עם כלי הסינתזה</a:t>
-            </a:r>
-            <a:endParaRPr lang="he-IL" dirty="0"/>
-          </a:p>
-        </p:txBody>
-      </p:sp>
       <p:grpSp>
         <p:nvGrpSpPr>
           <p:cNvPr id="6" name="Group 5"/>
@@ -23828,6 +23974,68 @@
           </a:extLst>
         </p:spPr>
       </p:pic>
+      <p:pic>
+        <p:nvPicPr>
+          <p:cNvPr id="12290" name="Picture 2"/>
+          <p:cNvPicPr>
+            <a:picLocks noChangeAspect="1" noChangeArrowheads="1"/>
+          </p:cNvPicPr>
+          <p:nvPr/>
+        </p:nvPicPr>
+        <p:blipFill rotWithShape="1">
+          <a:blip r:embed="rId3">
+            <a:extLst>
+              <a:ext uri="{28A0092B-C50C-407E-A947-70E740481C1C}">
+                <a14:useLocalDpi xmlns:a14="http://schemas.microsoft.com/office/drawing/2010/main" val="0"/>
+              </a:ext>
+            </a:extLst>
+          </a:blip>
+          <a:srcRect t="50000"/>
+          <a:stretch/>
+        </p:blipFill>
+        <p:spPr bwMode="auto">
+          <a:xfrm>
+            <a:off x="410666" y="5772639"/>
+            <a:ext cx="8324850" cy="800100"/>
+          </a:xfrm>
+          <a:prstGeom prst="rect">
+            <a:avLst/>
+          </a:prstGeom>
+          <a:noFill/>
+          <a:ln>
+            <a:noFill/>
+          </a:ln>
+          <a:effectLst/>
+          <a:extLst>
+            <a:ext uri="{909E8E84-426E-40DD-AFC4-6F175D3DCCD1}">
+              <a14:hiddenFill xmlns:a14="http://schemas.microsoft.com/office/drawing/2010/main">
+                <a:solidFill>
+                  <a:schemeClr val="accent1"/>
+                </a:solidFill>
+              </a14:hiddenFill>
+            </a:ext>
+            <a:ext uri="{91240B29-F687-4F45-9708-019B960494DF}">
+              <a14:hiddenLine xmlns:a14="http://schemas.microsoft.com/office/drawing/2010/main" w="9525">
+                <a:solidFill>
+                  <a:schemeClr val="tx1"/>
+                </a:solidFill>
+                <a:miter lim="800000"/>
+                <a:headEnd/>
+                <a:tailEnd/>
+              </a14:hiddenLine>
+            </a:ext>
+            <a:ext uri="{AF507438-7753-43E0-B8FC-AC1667EBCBE1}">
+              <a14:hiddenEffects xmlns:a14="http://schemas.microsoft.com/office/drawing/2010/main">
+                <a:effectLst>
+                  <a:outerShdw dist="35921" dir="2700000" algn="ctr" rotWithShape="0">
+                    <a:schemeClr val="bg2"/>
+                  </a:outerShdw>
+                </a:effectLst>
+              </a14:hiddenEffects>
+            </a:ext>
+          </a:extLst>
+        </p:spPr>
+      </p:pic>
     </p:spTree>
     <p:extLst>
       <p:ext uri="{BB962C8B-B14F-4D97-AF65-F5344CB8AC3E}">
@@ -23841,7 +24049,129 @@
   <p:timing>
     <p:tnLst>
       <p:par>
-        <p:cTn id="1" dur="indefinite" restart="never" nodeType="tmRoot"/>
+        <p:cTn id="1" dur="indefinite" restart="never" nodeType="tmRoot">
+          <p:childTnLst>
+            <p:seq concurrent="1" nextAc="seek">
+              <p:cTn id="2" dur="indefinite" nodeType="mainSeq">
+                <p:childTnLst>
+                  <p:par>
+                    <p:cTn id="3" fill="hold">
+                      <p:stCondLst>
+                        <p:cond delay="indefinite"/>
+                      </p:stCondLst>
+                      <p:childTnLst>
+                        <p:par>
+                          <p:cTn id="4" fill="hold">
+                            <p:stCondLst>
+                              <p:cond delay="0"/>
+                            </p:stCondLst>
+                            <p:childTnLst>
+                              <p:par>
+                                <p:cTn id="5" presetID="53" presetClass="entr" presetSubtype="16" fill="hold" nodeType="clickEffect">
+                                  <p:stCondLst>
+                                    <p:cond delay="0"/>
+                                  </p:stCondLst>
+                                  <p:childTnLst>
+                                    <p:set>
+                                      <p:cBhvr>
+                                        <p:cTn id="6" dur="1" fill="hold">
+                                          <p:stCondLst>
+                                            <p:cond delay="0"/>
+                                          </p:stCondLst>
+                                        </p:cTn>
+                                        <p:tgtEl>
+                                          <p:spTgt spid="12290"/>
+                                        </p:tgtEl>
+                                        <p:attrNameLst>
+                                          <p:attrName>style.visibility</p:attrName>
+                                        </p:attrNameLst>
+                                      </p:cBhvr>
+                                      <p:to>
+                                        <p:strVal val="visible"/>
+                                      </p:to>
+                                    </p:set>
+                                    <p:anim calcmode="lin" valueType="num">
+                                      <p:cBhvr>
+                                        <p:cTn id="7" dur="500" fill="hold"/>
+                                        <p:tgtEl>
+                                          <p:spTgt spid="12290"/>
+                                        </p:tgtEl>
+                                        <p:attrNameLst>
+                                          <p:attrName>ppt_w</p:attrName>
+                                        </p:attrNameLst>
+                                      </p:cBhvr>
+                                      <p:tavLst>
+                                        <p:tav tm="0">
+                                          <p:val>
+                                            <p:fltVal val="0"/>
+                                          </p:val>
+                                        </p:tav>
+                                        <p:tav tm="100000">
+                                          <p:val>
+                                            <p:strVal val="#ppt_w"/>
+                                          </p:val>
+                                        </p:tav>
+                                      </p:tavLst>
+                                    </p:anim>
+                                    <p:anim calcmode="lin" valueType="num">
+                                      <p:cBhvr>
+                                        <p:cTn id="8" dur="500" fill="hold"/>
+                                        <p:tgtEl>
+                                          <p:spTgt spid="12290"/>
+                                        </p:tgtEl>
+                                        <p:attrNameLst>
+                                          <p:attrName>ppt_h</p:attrName>
+                                        </p:attrNameLst>
+                                      </p:cBhvr>
+                                      <p:tavLst>
+                                        <p:tav tm="0">
+                                          <p:val>
+                                            <p:fltVal val="0"/>
+                                          </p:val>
+                                        </p:tav>
+                                        <p:tav tm="100000">
+                                          <p:val>
+                                            <p:strVal val="#ppt_h"/>
+                                          </p:val>
+                                        </p:tav>
+                                      </p:tavLst>
+                                    </p:anim>
+                                    <p:animEffect transition="in" filter="fade">
+                                      <p:cBhvr>
+                                        <p:cTn id="9" dur="500"/>
+                                        <p:tgtEl>
+                                          <p:spTgt spid="12290"/>
+                                        </p:tgtEl>
+                                      </p:cBhvr>
+                                    </p:animEffect>
+                                  </p:childTnLst>
+                                </p:cTn>
+                              </p:par>
+                            </p:childTnLst>
+                          </p:cTn>
+                        </p:par>
+                      </p:childTnLst>
+                    </p:cTn>
+                  </p:par>
+                </p:childTnLst>
+              </p:cTn>
+              <p:prevCondLst>
+                <p:cond evt="onPrev" delay="0">
+                  <p:tgtEl>
+                    <p:sldTgt/>
+                  </p:tgtEl>
+                </p:cond>
+              </p:prevCondLst>
+              <p:nextCondLst>
+                <p:cond evt="onNext" delay="0">
+                  <p:tgtEl>
+                    <p:sldTgt/>
+                  </p:tgtEl>
+                </p:cond>
+              </p:nextCondLst>
+            </p:seq>
+          </p:childTnLst>
+        </p:cTn>
       </p:par>
     </p:tnLst>
   </p:timing>
@@ -23986,7 +24316,7 @@
           <a:graphicData uri="http://schemas.openxmlformats.org/presentationml/2006/ole">
             <mc:AlternateContent xmlns:mc="http://schemas.openxmlformats.org/markup-compatibility/2006">
               <mc:Choice xmlns:v="urn:schemas-microsoft-com:vml" Requires="v">
-                <p:oleObj spid="_x0000_s4195" name="Equation" r:id="rId5" imgW="190440" imgH="152280" progId="Equation.DSMT4">
+                <p:oleObj spid="_x0000_s4205" name="Equation" r:id="rId5" imgW="190440" imgH="152280" progId="Equation.DSMT4">
                   <p:embed/>
                 </p:oleObj>
               </mc:Choice>
@@ -32300,7 +32630,7 @@
           <a:graphicData uri="http://schemas.openxmlformats.org/presentationml/2006/ole">
             <mc:AlternateContent xmlns:mc="http://schemas.openxmlformats.org/markup-compatibility/2006">
               <mc:Choice xmlns:v="urn:schemas-microsoft-com:vml" Requires="v">
-                <p:oleObj spid="_x0000_s11337" name="Equation" r:id="rId4" imgW="3149280" imgH="761760" progId="Equation.DSMT4">
+                <p:oleObj spid="_x0000_s11347" name="Equation" r:id="rId4" imgW="3149280" imgH="761760" progId="Equation.DSMT4">
                   <p:embed/>
                 </p:oleObj>
               </mc:Choice>
@@ -40465,479 +40795,67 @@
           <a:bodyPr/>
           <a:lstStyle/>
           <a:p>
-            <a:r>
-              <a:rPr lang="he-IL" dirty="0" smtClean="0"/>
-              <a:t>להוסיף סימולציה של מה שעובד עד עכשיו במכונת מצבים</a:t>
-            </a:r>
-          </a:p>
-          <a:p>
-            <a:endParaRPr lang="he-IL" dirty="0"/>
-          </a:p>
-        </p:txBody>
-      </p:sp>
-      <p:sp>
-        <p:nvSpPr>
-          <p:cNvPr id="3" name="Title 2"/>
-          <p:cNvSpPr>
-            <a:spLocks noGrp="1"/>
-          </p:cNvSpPr>
-          <p:nvPr>
-            <p:ph type="title"/>
-          </p:nvPr>
-        </p:nvSpPr>
-        <p:spPr>
-          <a:xfrm>
-            <a:off x="319680" y="224838"/>
-            <a:ext cx="5980512" cy="1115930"/>
-          </a:xfrm>
-        </p:spPr>
-        <p:txBody>
-          <a:bodyPr>
-            <a:normAutofit fontScale="90000"/>
-          </a:bodyPr>
-          <a:lstStyle/>
-          <a:p>
-            <a:r>
-              <a:rPr lang="he-IL" sz="4400" dirty="0"/>
-              <a:t> </a:t>
-            </a:r>
-            <a:r>
-              <a:rPr lang="en-US" sz="4400" dirty="0"/>
-              <a:t>Img. Man. Manager </a:t>
-            </a:r>
-            <a:r>
-              <a:rPr lang="en-US" sz="4400" dirty="0" smtClean="0"/>
-              <a:t>– FSM simulation</a:t>
-            </a:r>
-            <a:endParaRPr lang="he-IL" dirty="0"/>
-          </a:p>
-        </p:txBody>
-      </p:sp>
-      <p:grpSp>
-        <p:nvGrpSpPr>
-          <p:cNvPr id="4" name="Group 3"/>
-          <p:cNvGrpSpPr/>
-          <p:nvPr/>
-        </p:nvGrpSpPr>
-        <p:grpSpPr>
-          <a:xfrm>
-            <a:off x="7088615" y="112834"/>
-            <a:ext cx="1996335" cy="927823"/>
-            <a:chOff x="7088615" y="112834"/>
-            <a:chExt cx="1996335" cy="927823"/>
-          </a:xfrm>
-        </p:grpSpPr>
-        <p:sp>
-          <p:nvSpPr>
-            <p:cNvPr id="5" name="Rectangle 4"/>
-            <p:cNvSpPr/>
-            <p:nvPr/>
-          </p:nvSpPr>
-          <p:spPr>
-            <a:xfrm>
-              <a:off x="7109616" y="198110"/>
-              <a:ext cx="1694942" cy="752116"/>
-            </a:xfrm>
-            <a:prstGeom prst="rect">
-              <a:avLst/>
-            </a:prstGeom>
-            <a:ln/>
-          </p:spPr>
-          <p:style>
-            <a:lnRef idx="1">
-              <a:schemeClr val="accent6"/>
-            </a:lnRef>
-            <a:fillRef idx="2">
-              <a:schemeClr val="accent6"/>
-            </a:fillRef>
-            <a:effectRef idx="1">
-              <a:schemeClr val="accent6"/>
-            </a:effectRef>
-            <a:fontRef idx="minor">
-              <a:schemeClr val="dk1"/>
-            </a:fontRef>
-          </p:style>
-          <p:txBody>
-            <a:bodyPr rtlCol="1" anchor="ctr"/>
-            <a:lstStyle/>
-            <a:p>
-              <a:pPr algn="ctr"/>
-              <a:endParaRPr lang="he-IL"/>
-            </a:p>
-          </p:txBody>
-        </p:sp>
-        <p:sp>
-          <p:nvSpPr>
-            <p:cNvPr id="6" name="TextBox 5"/>
-            <p:cNvSpPr txBox="1"/>
-            <p:nvPr/>
-          </p:nvSpPr>
-          <p:spPr>
-            <a:xfrm rot="16200000">
-              <a:off x="7007189" y="661094"/>
-              <a:ext cx="316740" cy="153888"/>
-            </a:xfrm>
-            <a:prstGeom prst="rect">
-              <a:avLst/>
-            </a:prstGeom>
-          </p:spPr>
-          <p:style>
-            <a:lnRef idx="1">
-              <a:schemeClr val="accent5"/>
-            </a:lnRef>
-            <a:fillRef idx="2">
-              <a:schemeClr val="accent5"/>
-            </a:fillRef>
-            <a:effectRef idx="1">
-              <a:schemeClr val="accent5"/>
-            </a:effectRef>
-            <a:fontRef idx="minor">
-              <a:schemeClr val="dk1"/>
-            </a:fontRef>
-          </p:style>
-          <p:txBody>
-            <a:bodyPr wrap="square" rtlCol="1">
-              <a:spAutoFit/>
-            </a:bodyPr>
-            <a:lstStyle/>
-            <a:p>
-              <a:pPr algn="ctr"/>
-              <a:r>
-                <a:rPr lang="en-US" sz="400" dirty="0" smtClean="0"/>
-                <a:t>WBM</a:t>
-              </a:r>
-              <a:endParaRPr lang="he-IL" sz="1400" dirty="0"/>
-            </a:p>
-          </p:txBody>
-        </p:sp>
-        <p:sp>
-          <p:nvSpPr>
-            <p:cNvPr id="7" name="TextBox 6"/>
-            <p:cNvSpPr txBox="1"/>
-            <p:nvPr/>
-          </p:nvSpPr>
-          <p:spPr>
-            <a:xfrm>
-              <a:off x="7978955" y="531045"/>
-              <a:ext cx="604447" cy="200055"/>
-            </a:xfrm>
-            <a:prstGeom prst="rect">
-              <a:avLst/>
-            </a:prstGeom>
-          </p:spPr>
-          <p:style>
-            <a:lnRef idx="1">
-              <a:schemeClr val="accent5"/>
-            </a:lnRef>
-            <a:fillRef idx="2">
-              <a:schemeClr val="accent5"/>
-            </a:fillRef>
-            <a:effectRef idx="1">
-              <a:schemeClr val="accent5"/>
-            </a:effectRef>
-            <a:fontRef idx="minor">
-              <a:schemeClr val="dk1"/>
-            </a:fontRef>
-          </p:style>
-          <p:txBody>
-            <a:bodyPr wrap="square" rtlCol="1">
-              <a:spAutoFit/>
-            </a:bodyPr>
-            <a:lstStyle/>
-            <a:p>
-              <a:pPr algn="ctr" rtl="0"/>
-              <a:r>
-                <a:rPr lang="en-US" sz="700" dirty="0" smtClean="0"/>
-                <a:t>Biliniar</a:t>
-              </a:r>
-              <a:endParaRPr lang="en-US" sz="1400" dirty="0"/>
-            </a:p>
-          </p:txBody>
-        </p:sp>
-        <p:sp>
-          <p:nvSpPr>
-            <p:cNvPr id="8" name="TextBox 7"/>
-            <p:cNvSpPr txBox="1"/>
-            <p:nvPr/>
-          </p:nvSpPr>
-          <p:spPr>
-            <a:xfrm>
-              <a:off x="7306029" y="523870"/>
-              <a:ext cx="576844" cy="184666"/>
-            </a:xfrm>
-            <a:prstGeom prst="rect">
-              <a:avLst/>
-            </a:prstGeom>
-          </p:spPr>
-          <p:style>
-            <a:lnRef idx="1">
-              <a:schemeClr val="accent5"/>
-            </a:lnRef>
-            <a:fillRef idx="2">
-              <a:schemeClr val="accent5"/>
-            </a:fillRef>
-            <a:effectRef idx="1">
-              <a:schemeClr val="accent5"/>
-            </a:effectRef>
-            <a:fontRef idx="minor">
-              <a:schemeClr val="dk1"/>
-            </a:fontRef>
-          </p:style>
-          <p:txBody>
-            <a:bodyPr wrap="square" rtlCol="1">
-              <a:spAutoFit/>
-            </a:bodyPr>
-            <a:lstStyle/>
-            <a:p>
-              <a:pPr algn="ctr" rtl="0"/>
-              <a:r>
-                <a:rPr lang="en-US" sz="600" dirty="0" smtClean="0"/>
-                <a:t>Addr_calc</a:t>
-              </a:r>
-            </a:p>
-          </p:txBody>
-        </p:sp>
-        <p:sp>
-          <p:nvSpPr>
-            <p:cNvPr id="9" name="TextBox 8"/>
-            <p:cNvSpPr txBox="1"/>
-            <p:nvPr/>
-          </p:nvSpPr>
-          <p:spPr>
-            <a:xfrm>
-              <a:off x="7348184" y="796338"/>
-              <a:ext cx="291581" cy="153888"/>
-            </a:xfrm>
-            <a:prstGeom prst="rect">
-              <a:avLst/>
-            </a:prstGeom>
-            <a:ln/>
-          </p:spPr>
-          <p:style>
-            <a:lnRef idx="1">
-              <a:schemeClr val="accent5"/>
-            </a:lnRef>
-            <a:fillRef idx="2">
-              <a:schemeClr val="accent5"/>
-            </a:fillRef>
-            <a:effectRef idx="1">
-              <a:schemeClr val="accent5"/>
-            </a:effectRef>
-            <a:fontRef idx="minor">
-              <a:schemeClr val="dk1"/>
-            </a:fontRef>
-          </p:style>
-          <p:txBody>
-            <a:bodyPr wrap="square" rtlCol="1">
-              <a:spAutoFit/>
-            </a:bodyPr>
-            <a:lstStyle/>
-            <a:p>
-              <a:pPr algn="ctr"/>
-              <a:r>
-                <a:rPr lang="en-US" sz="400" dirty="0" smtClean="0"/>
-                <a:t>WBS</a:t>
-              </a:r>
-              <a:endParaRPr lang="he-IL" sz="800" dirty="0"/>
-            </a:p>
-          </p:txBody>
-        </p:sp>
-        <p:sp>
-          <p:nvSpPr>
-            <p:cNvPr id="10" name="Rounded Rectangle 9"/>
-            <p:cNvSpPr/>
-            <p:nvPr/>
-          </p:nvSpPr>
-          <p:spPr>
-            <a:xfrm>
-              <a:off x="8276697" y="112834"/>
-              <a:ext cx="808253" cy="170553"/>
-            </a:xfrm>
-            <a:prstGeom prst="roundRect">
-              <a:avLst/>
-            </a:prstGeom>
-          </p:spPr>
-          <p:style>
-            <a:lnRef idx="1">
-              <a:schemeClr val="accent5"/>
-            </a:lnRef>
-            <a:fillRef idx="2">
-              <a:schemeClr val="accent5"/>
-            </a:fillRef>
-            <a:effectRef idx="1">
-              <a:schemeClr val="accent5"/>
-            </a:effectRef>
-            <a:fontRef idx="minor">
-              <a:schemeClr val="dk1"/>
-            </a:fontRef>
-          </p:style>
-          <p:txBody>
-            <a:bodyPr rtlCol="1" anchor="ctr"/>
-            <a:lstStyle/>
-            <a:p>
-              <a:pPr algn="ctr"/>
-              <a:r>
-                <a:rPr lang="en-US" sz="600" dirty="0" smtClean="0"/>
-                <a:t>Image Manipulation</a:t>
-              </a:r>
-            </a:p>
-          </p:txBody>
-        </p:sp>
-        <p:sp>
-          <p:nvSpPr>
-            <p:cNvPr id="11" name="TextBox 10"/>
-            <p:cNvSpPr txBox="1"/>
-            <p:nvPr/>
-          </p:nvSpPr>
-          <p:spPr>
-            <a:xfrm>
-              <a:off x="8144782" y="825213"/>
-              <a:ext cx="623059" cy="215444"/>
-            </a:xfrm>
-            <a:prstGeom prst="rect">
-              <a:avLst/>
-            </a:prstGeom>
-          </p:spPr>
-          <p:style>
-            <a:lnRef idx="1">
-              <a:schemeClr val="accent5"/>
-            </a:lnRef>
-            <a:fillRef idx="2">
-              <a:schemeClr val="accent5"/>
-            </a:fillRef>
-            <a:effectRef idx="1">
-              <a:schemeClr val="accent5"/>
-            </a:effectRef>
-            <a:fontRef idx="minor">
-              <a:schemeClr val="dk1"/>
-            </a:fontRef>
-          </p:style>
-          <p:txBody>
-            <a:bodyPr wrap="square" rtlCol="1">
-              <a:spAutoFit/>
-            </a:bodyPr>
-            <a:lstStyle/>
-            <a:p>
-              <a:pPr algn="ctr" rtl="0"/>
-              <a:r>
-                <a:rPr lang="en-US" sz="800" dirty="0" smtClean="0">
-                  <a:solidFill>
-                    <a:schemeClr val="tx1"/>
-                  </a:solidFill>
-                </a:rPr>
-                <a:t>registers</a:t>
-              </a:r>
-            </a:p>
-          </p:txBody>
-        </p:sp>
-        <p:sp>
-          <p:nvSpPr>
-            <p:cNvPr id="12" name="TextBox 11"/>
-            <p:cNvSpPr txBox="1"/>
-            <p:nvPr/>
-          </p:nvSpPr>
-          <p:spPr>
-            <a:xfrm>
-              <a:off x="7639765" y="267987"/>
-              <a:ext cx="623163" cy="215444"/>
-            </a:xfrm>
-            <a:prstGeom prst="rect">
-              <a:avLst/>
-            </a:prstGeom>
-          </p:spPr>
-          <p:style>
-            <a:lnRef idx="0">
-              <a:schemeClr val="accent6"/>
-            </a:lnRef>
-            <a:fillRef idx="3">
-              <a:schemeClr val="accent6"/>
-            </a:fillRef>
-            <a:effectRef idx="3">
-              <a:schemeClr val="accent6"/>
-            </a:effectRef>
-            <a:fontRef idx="minor">
-              <a:schemeClr val="lt1"/>
-            </a:fontRef>
-          </p:style>
-          <p:txBody>
-            <a:bodyPr wrap="square" rtlCol="1">
-              <a:spAutoFit/>
-            </a:bodyPr>
-            <a:lstStyle/>
-            <a:p>
-              <a:pPr algn="ctr" rtl="0"/>
-              <a:r>
-                <a:rPr lang="en-US" sz="800" dirty="0" smtClean="0"/>
-                <a:t>manager</a:t>
-              </a:r>
-              <a:endParaRPr lang="he-IL" sz="600" dirty="0"/>
-            </a:p>
-          </p:txBody>
-        </p:sp>
-      </p:grpSp>
-    </p:spTree>
-    <p:extLst>
-      <p:ext uri="{BB962C8B-B14F-4D97-AF65-F5344CB8AC3E}">
-        <p14:creationId xmlns:p14="http://schemas.microsoft.com/office/powerpoint/2010/main" val="1605802611"/>
-      </p:ext>
-    </p:extLst>
-  </p:cSld>
-  <p:clrMapOvr>
-    <a:masterClrMapping/>
-  </p:clrMapOvr>
-  <p:timing>
-    <p:tnLst>
-      <p:par>
-        <p:cTn id="1" dur="indefinite" restart="never" nodeType="tmRoot"/>
-      </p:par>
-    </p:tnLst>
-  </p:timing>
-</p:sld>
-</file>
-
-<file path=ppt/slides/slide32.xml><?xml version="1.0" encoding="utf-8"?>
-<p:sld xmlns:a="http://schemas.openxmlformats.org/drawingml/2006/main" xmlns:r="http://schemas.openxmlformats.org/officeDocument/2006/relationships" xmlns:p="http://schemas.openxmlformats.org/presentationml/2006/main">
-  <p:cSld>
-    <p:spTree>
-      <p:nvGrpSpPr>
-        <p:cNvPr id="1" name=""/>
-        <p:cNvGrpSpPr/>
-        <p:nvPr/>
-      </p:nvGrpSpPr>
-      <p:grpSpPr>
-        <a:xfrm>
-          <a:off x="0" y="0"/>
-          <a:ext cx="0" cy="0"/>
-          <a:chOff x="0" y="0"/>
-          <a:chExt cx="0" cy="0"/>
-        </a:xfrm>
-      </p:grpSpPr>
-      <p:sp>
-        <p:nvSpPr>
-          <p:cNvPr id="2" name="Content Placeholder 1"/>
-          <p:cNvSpPr>
-            <a:spLocks noGrp="1"/>
-          </p:cNvSpPr>
-          <p:nvPr>
-            <p:ph idx="1"/>
-          </p:nvPr>
-        </p:nvSpPr>
-        <p:spPr/>
-        <p:txBody>
-          <a:bodyPr/>
-          <a:lstStyle/>
-          <a:p>
-            <a:r>
-              <a:rPr lang="en-US" dirty="0" err="1" smtClean="0"/>
-              <a:t>Svn</a:t>
+            <a:pPr algn="l" rtl="0"/>
+            <a:r>
+              <a:rPr lang="en-US" dirty="0" smtClean="0"/>
+              <a:t>Top down design</a:t>
+            </a:r>
+          </a:p>
+          <a:p>
+            <a:pPr algn="l" rtl="0"/>
+            <a:r>
+              <a:rPr lang="en-US" dirty="0" smtClean="0"/>
+              <a:t>Pipeline</a:t>
+            </a:r>
+          </a:p>
+          <a:p>
+            <a:pPr algn="l" rtl="0"/>
+            <a:r>
+              <a:rPr lang="en-US" dirty="0" smtClean="0"/>
+              <a:t>Test bench</a:t>
+            </a:r>
+          </a:p>
+          <a:p>
+            <a:pPr algn="l" rtl="0"/>
+            <a:r>
+              <a:rPr lang="en-US" dirty="0"/>
+              <a:t>Results comparison with </a:t>
+            </a:r>
+            <a:r>
+              <a:rPr lang="en-US" dirty="0" err="1"/>
+              <a:t>Matlab</a:t>
+            </a:r>
+            <a:r>
+              <a:rPr lang="en-US" dirty="0"/>
+              <a:t> (Notepad++ plugin</a:t>
+            </a:r>
+            <a:r>
+              <a:rPr lang="en-US" dirty="0" smtClean="0"/>
+              <a:t>)</a:t>
             </a:r>
             <a:endParaRPr lang="en-US" dirty="0" smtClean="0"/>
           </a:p>
           <a:p>
+            <a:pPr algn="l" rtl="0"/>
             <a:r>
               <a:rPr lang="en-US" dirty="0" smtClean="0"/>
-              <a:t>Coding guideline</a:t>
-            </a:r>
+              <a:t>Components documenting</a:t>
+            </a:r>
+            <a:endParaRPr lang="en-US" dirty="0" smtClean="0"/>
+          </a:p>
+          <a:p>
+            <a:pPr algn="l" rtl="0"/>
+            <a:r>
+              <a:rPr lang="en-US" dirty="0" smtClean="0"/>
+              <a:t>Synchronize </a:t>
+            </a:r>
+            <a:r>
+              <a:rPr lang="en-US" dirty="0" smtClean="0"/>
+              <a:t>files via SVN.</a:t>
+            </a:r>
+          </a:p>
+          <a:p>
+            <a:pPr algn="l" rtl="0"/>
             <a:endParaRPr lang="he-IL" dirty="0"/>
           </a:p>
         </p:txBody>
@@ -40958,141 +40876,6 @@
           <a:lstStyle/>
           <a:p>
             <a:r>
-              <a:rPr lang="he-IL" dirty="0" smtClean="0"/>
-              <a:t>שקופית על שיטות עבודה</a:t>
-            </a:r>
-            <a:endParaRPr lang="he-IL" dirty="0"/>
-          </a:p>
-        </p:txBody>
-      </p:sp>
-    </p:spTree>
-    <p:extLst>
-      <p:ext uri="{BB962C8B-B14F-4D97-AF65-F5344CB8AC3E}">
-        <p14:creationId xmlns:p14="http://schemas.microsoft.com/office/powerpoint/2010/main" val="2228778900"/>
-      </p:ext>
-    </p:extLst>
-  </p:cSld>
-  <p:clrMapOvr>
-    <a:masterClrMapping/>
-  </p:clrMapOvr>
-  <p:timing>
-    <p:tnLst>
-      <p:par>
-        <p:cTn id="1" dur="indefinite" restart="never" nodeType="tmRoot"/>
-      </p:par>
-    </p:tnLst>
-  </p:timing>
-</p:sld>
-</file>
-
-<file path=ppt/slides/slide33.xml><?xml version="1.0" encoding="utf-8"?>
-<p:sld xmlns:a="http://schemas.openxmlformats.org/drawingml/2006/main" xmlns:r="http://schemas.openxmlformats.org/officeDocument/2006/relationships" xmlns:p="http://schemas.openxmlformats.org/presentationml/2006/main">
-  <p:cSld>
-    <p:spTree>
-      <p:nvGrpSpPr>
-        <p:cNvPr id="1" name=""/>
-        <p:cNvGrpSpPr/>
-        <p:nvPr/>
-      </p:nvGrpSpPr>
-      <p:grpSpPr>
-        <a:xfrm>
-          <a:off x="0" y="0"/>
-          <a:ext cx="0" cy="0"/>
-          <a:chOff x="0" y="0"/>
-          <a:chExt cx="0" cy="0"/>
-        </a:xfrm>
-      </p:grpSpPr>
-      <p:sp>
-        <p:nvSpPr>
-          <p:cNvPr id="2" name="Content Placeholder 1"/>
-          <p:cNvSpPr>
-            <a:spLocks noGrp="1"/>
-          </p:cNvSpPr>
-          <p:nvPr>
-            <p:ph idx="1"/>
-          </p:nvPr>
-        </p:nvSpPr>
-        <p:spPr/>
-        <p:txBody>
-          <a:bodyPr/>
-          <a:lstStyle/>
-          <a:p>
-            <a:pPr algn="l" rtl="0"/>
-            <a:r>
-              <a:rPr lang="en-US" dirty="0" smtClean="0"/>
-              <a:t>Top down design</a:t>
-            </a:r>
-          </a:p>
-          <a:p>
-            <a:pPr algn="l" rtl="0"/>
-            <a:r>
-              <a:rPr lang="en-US" dirty="0" smtClean="0"/>
-              <a:t>Pipeline</a:t>
-            </a:r>
-          </a:p>
-          <a:p>
-            <a:pPr algn="l" rtl="0"/>
-            <a:r>
-              <a:rPr lang="en-US" dirty="0" smtClean="0"/>
-              <a:t>Test bench</a:t>
-            </a:r>
-          </a:p>
-          <a:p>
-            <a:pPr algn="l" rtl="0"/>
-            <a:r>
-              <a:rPr lang="en-US" dirty="0" smtClean="0"/>
-              <a:t>Components </a:t>
-            </a:r>
-            <a:r>
-              <a:rPr lang="en-US" dirty="0" err="1" smtClean="0"/>
-              <a:t>documentig</a:t>
-            </a:r>
-            <a:endParaRPr lang="en-US" dirty="0" smtClean="0"/>
-          </a:p>
-          <a:p>
-            <a:pPr algn="l" rtl="0"/>
-            <a:r>
-              <a:rPr lang="en-US" dirty="0" smtClean="0"/>
-              <a:t>Results comparison with </a:t>
-            </a:r>
-            <a:r>
-              <a:rPr lang="en-US" dirty="0" err="1" smtClean="0"/>
-              <a:t>Matlab</a:t>
-            </a:r>
-            <a:r>
-              <a:rPr lang="en-US" dirty="0" smtClean="0"/>
-              <a:t> (Notepad++ plugin)</a:t>
-            </a:r>
-          </a:p>
-          <a:p>
-            <a:pPr algn="l" rtl="0"/>
-            <a:r>
-              <a:rPr lang="en-US" dirty="0" smtClean="0"/>
-              <a:t>Synchronize files via SVN.</a:t>
-            </a:r>
-          </a:p>
-          <a:p>
-            <a:pPr algn="l" rtl="0"/>
-            <a:endParaRPr lang="he-IL" dirty="0"/>
-          </a:p>
-        </p:txBody>
-      </p:sp>
-      <p:sp>
-        <p:nvSpPr>
-          <p:cNvPr id="3" name="Title 2"/>
-          <p:cNvSpPr>
-            <a:spLocks noGrp="1"/>
-          </p:cNvSpPr>
-          <p:nvPr>
-            <p:ph type="title"/>
-          </p:nvPr>
-        </p:nvSpPr>
-        <p:spPr/>
-        <p:txBody>
-          <a:bodyPr/>
-          <a:lstStyle/>
-          <a:p>
-            <a:r>
               <a:rPr lang="en-US" dirty="0" smtClean="0"/>
               <a:t>Working methods</a:t>
             </a:r>
@@ -41109,7 +40892,7 @@
           <p:nvPr/>
         </p:nvPicPr>
         <p:blipFill>
-          <a:blip r:embed="rId2" cstate="print">
+          <a:blip r:embed="rId3" cstate="print">
             <a:extLst>
               <a:ext uri="{28A0092B-C50C-407E-A947-70E740481C1C}">
                 <a14:useLocalDpi xmlns:a14="http://schemas.microsoft.com/office/drawing/2010/main" val="0"/>
@@ -41123,7 +40906,7 @@
         </p:blipFill>
         <p:spPr bwMode="auto">
           <a:xfrm>
-            <a:off x="7452320" y="332656"/>
+            <a:off x="5220072" y="4077072"/>
             <a:ext cx="1296144" cy="972108"/>
           </a:xfrm>
           <a:prstGeom prst="rect">
@@ -41553,112 +41336,7 @@
 </p:sld>
 </file>
 
-<file path=ppt/slides/slide34.xml><?xml version="1.0" encoding="utf-8"?>
-<p:sld xmlns:a="http://schemas.openxmlformats.org/drawingml/2006/main" xmlns:r="http://schemas.openxmlformats.org/officeDocument/2006/relationships" xmlns:p="http://schemas.openxmlformats.org/presentationml/2006/main">
-  <p:cSld>
-    <p:spTree>
-      <p:nvGrpSpPr>
-        <p:cNvPr id="1" name=""/>
-        <p:cNvGrpSpPr/>
-        <p:nvPr/>
-      </p:nvGrpSpPr>
-      <p:grpSpPr>
-        <a:xfrm>
-          <a:off x="0" y="0"/>
-          <a:ext cx="0" cy="0"/>
-          <a:chOff x="0" y="0"/>
-          <a:chExt cx="0" cy="0"/>
-        </a:xfrm>
-      </p:grpSpPr>
-      <p:sp>
-        <p:nvSpPr>
-          <p:cNvPr id="2" name="Content Placeholder 1"/>
-          <p:cNvSpPr>
-            <a:spLocks noGrp="1"/>
-          </p:cNvSpPr>
-          <p:nvPr>
-            <p:ph idx="1"/>
-          </p:nvPr>
-        </p:nvSpPr>
-        <p:spPr/>
-        <p:txBody>
-          <a:bodyPr/>
-          <a:lstStyle/>
-          <a:p>
-            <a:r>
-              <a:rPr lang="he-IL" dirty="0" smtClean="0"/>
-              <a:t>עבודה עם שברים</a:t>
-            </a:r>
-          </a:p>
-          <a:p>
-            <a:r>
-              <a:rPr lang="he-IL" dirty="0" smtClean="0"/>
-              <a:t>חישוב טריגונומטרי</a:t>
-            </a:r>
-          </a:p>
-          <a:p>
-            <a:r>
-              <a:rPr lang="he-IL" dirty="0" smtClean="0"/>
-              <a:t>תדר + צנרת</a:t>
-            </a:r>
-          </a:p>
-          <a:p>
-            <a:r>
-              <a:rPr lang="he-IL" dirty="0" smtClean="0"/>
-              <a:t>...</a:t>
-            </a:r>
-          </a:p>
-          <a:p>
-            <a:endParaRPr lang="he-IL" dirty="0"/>
-          </a:p>
-        </p:txBody>
-      </p:sp>
-      <p:sp>
-        <p:nvSpPr>
-          <p:cNvPr id="3" name="Title 2"/>
-          <p:cNvSpPr>
-            <a:spLocks noGrp="1"/>
-          </p:cNvSpPr>
-          <p:nvPr>
-            <p:ph type="title"/>
-          </p:nvPr>
-        </p:nvSpPr>
-        <p:spPr/>
-        <p:txBody>
-          <a:bodyPr>
-            <a:normAutofit fontScale="90000"/>
-          </a:bodyPr>
-          <a:lstStyle/>
-          <a:p>
-            <a:r>
-              <a:rPr lang="he-IL" dirty="0" smtClean="0"/>
-              <a:t>בעיות שהתעוררו – טיפול בעמידה בתדר כדוגמא</a:t>
-            </a:r>
-            <a:endParaRPr lang="he-IL" dirty="0"/>
-          </a:p>
-        </p:txBody>
-      </p:sp>
-    </p:spTree>
-    <p:extLst>
-      <p:ext uri="{BB962C8B-B14F-4D97-AF65-F5344CB8AC3E}">
-        <p14:creationId xmlns:p14="http://schemas.microsoft.com/office/powerpoint/2010/main" val="2847505170"/>
-      </p:ext>
-    </p:extLst>
-  </p:cSld>
-  <p:clrMapOvr>
-    <a:masterClrMapping/>
-  </p:clrMapOvr>
-  <p:timing>
-    <p:tnLst>
-      <p:par>
-        <p:cTn id="1" dur="indefinite" restart="never" nodeType="tmRoot"/>
-      </p:par>
-    </p:tnLst>
-  </p:timing>
-</p:sld>
-</file>
-
-<file path=ppt/slides/slide35.xml><?xml version="1.0" encoding="utf-8"?>
+<file path=ppt/slides/slide32.xml><?xml version="1.0" encoding="utf-8"?>
 <p:sld xmlns:a="http://schemas.openxmlformats.org/drawingml/2006/main" xmlns:r="http://schemas.openxmlformats.org/officeDocument/2006/relationships" xmlns:p="http://schemas.openxmlformats.org/presentationml/2006/main">
   <p:cSld>
     <p:spTree>
@@ -41700,7 +41378,11 @@
             <a:pPr rtl="0"/>
             <a:r>
               <a:rPr lang="en-US" dirty="0" smtClean="0"/>
-              <a:t>Problems during the process</a:t>
+              <a:t>Problems during the </a:t>
+            </a:r>
+            <a:r>
+              <a:rPr lang="en-US" dirty="0" smtClean="0"/>
+              <a:t>process </a:t>
             </a:r>
             <a:endParaRPr lang="he-IL" dirty="0"/>
           </a:p>
@@ -41724,14 +41406,47 @@
         </p:spPr>
         <p:txBody>
           <a:bodyPr>
-            <a:normAutofit fontScale="92500" lnSpcReduction="20000"/>
+            <a:normAutofit/>
           </a:bodyPr>
           <a:lstStyle/>
           <a:p>
-            <a:pPr algn="l" rtl="0"/>
+            <a:pPr marL="624078" indent="-514350" algn="l" rtl="0">
+              <a:buFont typeface="+mj-lt"/>
+              <a:buAutoNum type="arabicPeriod"/>
+            </a:pPr>
             <a:r>
               <a:rPr lang="en-US" sz="2600" dirty="0" smtClean="0"/>
-              <a:t>Working with fractures- attempt of work with new types (float/fixed).</a:t>
+              <a:t>Working with </a:t>
+            </a:r>
+            <a:r>
+              <a:rPr lang="en-US" sz="2600" dirty="0" smtClean="0"/>
+              <a:t>fractures </a:t>
+            </a:r>
+          </a:p>
+          <a:p>
+            <a:pPr marL="109728" indent="0" algn="l" rtl="0">
+              <a:buNone/>
+            </a:pPr>
+            <a:r>
+              <a:rPr lang="en-US" sz="2600" dirty="0" smtClean="0"/>
+              <a:t>First version of  addr_calc used fixed point package.</a:t>
+            </a:r>
+          </a:p>
+          <a:p>
+            <a:pPr marL="109728" indent="0" algn="l" rtl="0">
+              <a:buNone/>
+            </a:pPr>
+            <a:r>
+              <a:rPr lang="en-US" sz="2600" dirty="0" smtClean="0"/>
+              <a:t>Problem</a:t>
+            </a:r>
+            <a:r>
+              <a:rPr lang="en-US" sz="2600" b="1" dirty="0" smtClean="0"/>
+              <a:t> </a:t>
+            </a:r>
+            <a:r>
+              <a:rPr lang="en-US" sz="2600" dirty="0" smtClean="0"/>
+              <a:t> occurred during synthesis.</a:t>
             </a:r>
             <a:br>
               <a:rPr lang="en-US" sz="2600" dirty="0" smtClean="0"/>
@@ -41742,37 +41457,11 @@
             </a:r>
             <a:r>
               <a:rPr lang="en-US" sz="2600" dirty="0" smtClean="0"/>
-              <a:t> work with regular std_logic_Vector, with relevant adjustments.</a:t>
-            </a:r>
-          </a:p>
-          <a:p>
-            <a:pPr algn="l" rtl="0"/>
+              <a:t> </a:t>
+            </a:r>
             <a:r>
               <a:rPr lang="en-US" sz="2600" dirty="0" smtClean="0"/>
-              <a:t>Trigonometric calculating </a:t>
-            </a:r>
-            <a:r>
-              <a:rPr lang="en-US" sz="2600" dirty="0"/>
-              <a:t>first planed to be </a:t>
-            </a:r>
-            <a:r>
-              <a:rPr lang="en-US" sz="2600" dirty="0" smtClean="0"/>
-              <a:t>executed on VHD process, seems that consumes expensive hardware resources.</a:t>
-            </a:r>
-            <a:br>
-              <a:rPr lang="en-US" sz="2600" dirty="0" smtClean="0"/>
-            </a:br>
-            <a:r>
-              <a:rPr lang="en-US" sz="2600" b="1" dirty="0" smtClean="0"/>
-              <a:t>Solution-</a:t>
-            </a:r>
-            <a:r>
-              <a:rPr lang="en-US" sz="2600" dirty="0" smtClean="0"/>
-              <a:t> calculate Cos/Sin on </a:t>
-            </a:r>
-            <a:r>
-              <a:rPr lang="en-US" sz="2600" dirty="0" err="1" smtClean="0"/>
-              <a:t>Matlab</a:t>
+              <a:t>work with regular std_logic_Vector, with relevant adjustments</a:t>
             </a:r>
             <a:r>
               <a:rPr lang="en-US" sz="2600" dirty="0" smtClean="0"/>
@@ -41780,69 +41469,72 @@
             </a:r>
           </a:p>
           <a:p>
-            <a:pPr algn="l" rtl="0"/>
+            <a:pPr marL="624078" indent="-514350" algn="l" rtl="0">
+              <a:buFont typeface="+mj-lt"/>
+              <a:buAutoNum type="arabicPeriod" startAt="2"/>
+            </a:pPr>
             <a:r>
               <a:rPr lang="en-US" sz="2600" dirty="0" smtClean="0"/>
-              <a:t>Timing issues- synthesis </a:t>
+              <a:t>Trigonometric </a:t>
             </a:r>
             <a:r>
               <a:rPr lang="en-US" sz="2600" dirty="0"/>
-              <a:t>timing results </a:t>
-            </a:r>
+              <a:t>calculations (sine, cosine) </a:t>
+            </a:r>
+          </a:p>
+          <a:p>
+            <a:pPr marL="109728" indent="0" algn="l" rtl="0">
+              <a:buNone/>
+            </a:pPr>
             <a:r>
               <a:rPr lang="en-US" sz="2600" dirty="0" smtClean="0"/>
-              <a:t>was not </a:t>
+              <a:t>planed </a:t>
             </a:r>
             <a:r>
               <a:rPr lang="en-US" sz="2600" dirty="0"/>
-              <a:t>meet the </a:t>
+              <a:t>to be executed by VHD </a:t>
             </a:r>
             <a:r>
               <a:rPr lang="en-US" sz="2600" dirty="0" smtClean="0"/>
-              <a:t>requirements.</a:t>
+              <a:t>process</a:t>
+            </a:r>
+            <a:r>
+              <a:rPr lang="en-US" sz="2600" dirty="0"/>
+              <a:t>,</a:t>
+            </a:r>
+            <a:r>
+              <a:rPr lang="en-US" sz="2600" dirty="0" smtClean="0"/>
+              <a:t>  </a:t>
+            </a:r>
+            <a:r>
+              <a:rPr lang="en-US" sz="2600" dirty="0"/>
+              <a:t>consumes expensive hardware resources.</a:t>
             </a:r>
             <a:br>
-              <a:rPr lang="en-US" sz="2600" dirty="0" smtClean="0"/>
+              <a:rPr lang="en-US" sz="2600" dirty="0"/>
             </a:br>
             <a:r>
-              <a:rPr lang="en-US" sz="2600" b="1" dirty="0" smtClean="0"/>
-              <a:t>solution-</a:t>
-            </a:r>
-            <a:r>
-              <a:rPr lang="en-US" sz="2600" dirty="0" smtClean="0"/>
-              <a:t> break arithmetic calculations into parts (piping).</a:t>
-            </a:r>
-          </a:p>
-          <a:p>
-            <a:pPr algn="l" rtl="0"/>
-            <a:r>
-              <a:rPr lang="en-US" sz="2600" dirty="0" smtClean="0"/>
-              <a:t>On the original design, the top block included </a:t>
-            </a:r>
-            <a:r>
-              <a:rPr lang="en-US" sz="2600" dirty="0" err="1" smtClean="0"/>
-              <a:t>addr_calc</a:t>
-            </a:r>
-            <a:r>
-              <a:rPr lang="en-US" sz="2600" dirty="0" smtClean="0"/>
-              <a:t> and </a:t>
-            </a:r>
-            <a:r>
-              <a:rPr lang="en-US" sz="2600" dirty="0" err="1" smtClean="0"/>
-              <a:t>addr_converter</a:t>
-            </a:r>
-            <a:r>
-              <a:rPr lang="en-US" sz="2600" dirty="0" smtClean="0"/>
-              <a:t>. During the design, combining the 2 blocks into </a:t>
+              <a:rPr lang="en-US" sz="2600" b="1" dirty="0"/>
+              <a:t>Solution-</a:t>
             </a:r>
             <a:r>
               <a:rPr lang="en-US" sz="2600" dirty="0"/>
-              <a:t>one block seemed </a:t>
-            </a:r>
-            <a:r>
-              <a:rPr lang="en-US" sz="2600" dirty="0" smtClean="0"/>
-              <a:t>inevitable.</a:t>
-            </a:r>
+              <a:t> calculate Cos/Sin by software (</a:t>
+            </a:r>
+            <a:r>
+              <a:rPr lang="en-US" sz="2600" dirty="0" err="1"/>
+              <a:t>Matlab</a:t>
+            </a:r>
+            <a:r>
+              <a:rPr lang="en-US" sz="2600" dirty="0"/>
+              <a:t>).</a:t>
+            </a:r>
+          </a:p>
+          <a:p>
+            <a:pPr marL="109728" indent="0" algn="l" rtl="0">
+              <a:buNone/>
+            </a:pPr>
+            <a:endParaRPr lang="en-US" sz="2600" dirty="0" smtClean="0"/>
           </a:p>
           <a:p>
             <a:pPr algn="l" rtl="0"/>
@@ -42120,6 +41812,67 @@
                       </p:childTnLst>
                     </p:cTn>
                   </p:par>
+                  <p:par>
+                    <p:cTn id="23" fill="hold">
+                      <p:stCondLst>
+                        <p:cond delay="indefinite"/>
+                      </p:stCondLst>
+                      <p:childTnLst>
+                        <p:par>
+                          <p:cTn id="24" fill="hold">
+                            <p:stCondLst>
+                              <p:cond delay="0"/>
+                            </p:stCondLst>
+                            <p:childTnLst>
+                              <p:par>
+                                <p:cTn id="25" presetID="22" presetClass="entr" presetSubtype="4" fill="hold" grpId="0" nodeType="clickEffect">
+                                  <p:stCondLst>
+                                    <p:cond delay="0"/>
+                                  </p:stCondLst>
+                                  <p:childTnLst>
+                                    <p:set>
+                                      <p:cBhvr>
+                                        <p:cTn id="26" dur="1" fill="hold">
+                                          <p:stCondLst>
+                                            <p:cond delay="0"/>
+                                          </p:stCondLst>
+                                        </p:cTn>
+                                        <p:tgtEl>
+                                          <p:spTgt spid="8">
+                                            <p:txEl>
+                                              <p:pRg st="4" end="4"/>
+                                            </p:txEl>
+                                          </p:spTgt>
+                                        </p:tgtEl>
+                                        <p:attrNameLst>
+                                          <p:attrName>style.visibility</p:attrName>
+                                        </p:attrNameLst>
+                                      </p:cBhvr>
+                                      <p:to>
+                                        <p:strVal val="visible"/>
+                                      </p:to>
+                                    </p:set>
+                                    <p:animEffect transition="in" filter="wipe(down)">
+                                      <p:cBhvr>
+                                        <p:cTn id="27" dur="500"/>
+                                        <p:tgtEl>
+                                          <p:spTgt spid="8">
+                                            <p:txEl>
+                                              <p:pRg st="4" end="4"/>
+                                            </p:txEl>
+                                          </p:spTgt>
+                                        </p:tgtEl>
+                                      </p:cBhvr>
+                                    </p:animEffect>
+                                  </p:childTnLst>
+                                </p:cTn>
+                              </p:par>
+                            </p:childTnLst>
+                          </p:cTn>
+                        </p:par>
+                      </p:childTnLst>
+                    </p:cTn>
+                  </p:par>
                 </p:childTnLst>
               </p:cTn>
               <p:prevCondLst>
@@ -42148,7 +41901,577 @@
 </p:sld>
 </file>
 
-<file path=ppt/slides/slide36.xml><?xml version="1.0" encoding="utf-8"?>
+<file path=ppt/slides/slide33.xml><?xml version="1.0" encoding="utf-8"?>
+<p:sld xmlns:a="http://schemas.openxmlformats.org/drawingml/2006/main" xmlns:r="http://schemas.openxmlformats.org/officeDocument/2006/relationships" xmlns:p="http://schemas.openxmlformats.org/presentationml/2006/main">
+  <p:cSld>
+    <p:spTree>
+      <p:nvGrpSpPr>
+        <p:cNvPr id="1" name=""/>
+        <p:cNvGrpSpPr/>
+        <p:nvPr/>
+      </p:nvGrpSpPr>
+      <p:grpSpPr>
+        <a:xfrm>
+          <a:off x="0" y="0"/>
+          <a:ext cx="0" cy="0"/>
+          <a:chOff x="0" y="0"/>
+          <a:chExt cx="0" cy="0"/>
+        </a:xfrm>
+      </p:grpSpPr>
+      <p:sp>
+        <p:nvSpPr>
+          <p:cNvPr id="6" name="Title 2"/>
+          <p:cNvSpPr>
+            <a:spLocks noGrp="1"/>
+          </p:cNvSpPr>
+          <p:nvPr>
+            <p:ph type="title"/>
+          </p:nvPr>
+        </p:nvSpPr>
+        <p:spPr>
+          <a:xfrm>
+            <a:off x="457200" y="274638"/>
+            <a:ext cx="8229600" cy="1143000"/>
+          </a:xfrm>
+        </p:spPr>
+        <p:txBody>
+          <a:bodyPr>
+            <a:normAutofit/>
+          </a:bodyPr>
+          <a:lstStyle/>
+          <a:p>
+            <a:pPr rtl="0"/>
+            <a:r>
+              <a:rPr lang="en-US" dirty="0" smtClean="0"/>
+              <a:t>Problems during the process</a:t>
+            </a:r>
+            <a:endParaRPr lang="he-IL" dirty="0"/>
+          </a:p>
+        </p:txBody>
+      </p:sp>
+      <p:sp>
+        <p:nvSpPr>
+          <p:cNvPr id="8" name="Content Placeholder 1"/>
+          <p:cNvSpPr>
+            <a:spLocks noGrp="1"/>
+          </p:cNvSpPr>
+          <p:nvPr>
+            <p:ph idx="1"/>
+          </p:nvPr>
+        </p:nvSpPr>
+        <p:spPr>
+          <a:xfrm>
+            <a:off x="457200" y="1340768"/>
+            <a:ext cx="8229600" cy="5400600"/>
+          </a:xfrm>
+        </p:spPr>
+        <p:txBody>
+          <a:bodyPr>
+            <a:normAutofit/>
+          </a:bodyPr>
+          <a:lstStyle/>
+          <a:p>
+            <a:pPr marL="624078" indent="-514350" algn="l" rtl="0">
+              <a:buFont typeface="+mj-lt"/>
+              <a:buAutoNum type="arabicPeriod" startAt="3"/>
+            </a:pPr>
+            <a:r>
+              <a:rPr lang="en-US" sz="2600" dirty="0" smtClean="0"/>
+              <a:t>Timing </a:t>
+            </a:r>
+            <a:r>
+              <a:rPr lang="en-US" sz="2600" dirty="0" smtClean="0"/>
+              <a:t>issues- synthesis </a:t>
+            </a:r>
+            <a:r>
+              <a:rPr lang="en-US" sz="2600" dirty="0"/>
+              <a:t>timing </a:t>
+            </a:r>
+            <a:r>
+              <a:rPr lang="en-US" sz="2600" dirty="0" smtClean="0"/>
+              <a:t>results did</a:t>
+            </a:r>
+          </a:p>
+          <a:p>
+            <a:pPr marL="109728" indent="0" algn="l" rtl="0">
+              <a:buNone/>
+            </a:pPr>
+            <a:r>
+              <a:rPr lang="en-US" sz="2600" dirty="0" smtClean="0"/>
+              <a:t>not </a:t>
+            </a:r>
+            <a:r>
+              <a:rPr lang="en-US" sz="2600" dirty="0"/>
+              <a:t>meet the </a:t>
+            </a:r>
+            <a:r>
+              <a:rPr lang="en-US" sz="2600" dirty="0" smtClean="0"/>
+              <a:t>requirements.</a:t>
+            </a:r>
+            <a:br>
+              <a:rPr lang="en-US" sz="2600" dirty="0" smtClean="0"/>
+            </a:br>
+            <a:r>
+              <a:rPr lang="en-US" sz="2600" b="1" dirty="0" smtClean="0"/>
+              <a:t>solution-</a:t>
+            </a:r>
+            <a:r>
+              <a:rPr lang="en-US" sz="2600" dirty="0" smtClean="0"/>
+              <a:t> break arithmetic calculations into parts (piping</a:t>
+            </a:r>
+            <a:r>
+              <a:rPr lang="en-US" sz="2600" dirty="0" smtClean="0"/>
+              <a:t>).</a:t>
+            </a:r>
+          </a:p>
+          <a:p>
+            <a:pPr marL="109728" indent="0" algn="l" rtl="0">
+              <a:buNone/>
+            </a:pPr>
+            <a:endParaRPr lang="en-US" sz="2600" dirty="0" smtClean="0"/>
+          </a:p>
+          <a:p>
+            <a:pPr marL="624078" indent="-514350" algn="l" rtl="0">
+              <a:buFont typeface="+mj-lt"/>
+              <a:buAutoNum type="arabicPeriod" startAt="4"/>
+            </a:pPr>
+            <a:r>
+              <a:rPr lang="en-US" sz="2600" dirty="0" smtClean="0"/>
+              <a:t>Architectural changes </a:t>
+            </a:r>
+          </a:p>
+          <a:p>
+            <a:pPr marL="109728" indent="0" algn="l" rtl="0">
+              <a:buNone/>
+            </a:pPr>
+            <a:r>
+              <a:rPr lang="en-US" sz="2600" dirty="0" smtClean="0"/>
+              <a:t>In the original </a:t>
+            </a:r>
+            <a:r>
+              <a:rPr lang="en-US" sz="2600" dirty="0" smtClean="0"/>
+              <a:t>design, the top block included </a:t>
+            </a:r>
+            <a:endParaRPr lang="en-US" sz="2600" dirty="0" smtClean="0"/>
+          </a:p>
+          <a:p>
+            <a:pPr marL="109728" indent="0" algn="l" rtl="0">
+              <a:buNone/>
+            </a:pPr>
+            <a:r>
+              <a:rPr lang="en-US" sz="2600" dirty="0" smtClean="0"/>
+              <a:t>addr_calc </a:t>
+            </a:r>
+            <a:r>
+              <a:rPr lang="en-US" sz="2600" dirty="0" smtClean="0"/>
+              <a:t>and addr_converter</a:t>
+            </a:r>
+            <a:r>
+              <a:rPr lang="en-US" sz="2600" dirty="0" smtClean="0"/>
+              <a:t>.</a:t>
+            </a:r>
+            <a:br>
+              <a:rPr lang="en-US" sz="2600" dirty="0" smtClean="0"/>
+            </a:br>
+            <a:r>
+              <a:rPr lang="en-US" sz="2600" dirty="0" smtClean="0"/>
+              <a:t>During </a:t>
+            </a:r>
+            <a:r>
+              <a:rPr lang="en-US" sz="2600" dirty="0" smtClean="0"/>
+              <a:t>the design, </a:t>
+            </a:r>
+            <a:r>
+              <a:rPr lang="en-US" sz="2600" dirty="0" smtClean="0"/>
+              <a:t>the </a:t>
+            </a:r>
+            <a:r>
+              <a:rPr lang="en-US" sz="2600" dirty="0" smtClean="0"/>
+              <a:t>2 </a:t>
+            </a:r>
+            <a:r>
+              <a:rPr lang="en-US" sz="2600" dirty="0" smtClean="0"/>
+              <a:t>blocks were combined </a:t>
+            </a:r>
+            <a:r>
+              <a:rPr lang="en-US" sz="2600" dirty="0" smtClean="0"/>
+              <a:t>into </a:t>
+            </a:r>
+            <a:r>
+              <a:rPr lang="en-US" sz="2600" dirty="0"/>
+              <a:t>one block seemed </a:t>
+            </a:r>
+            <a:r>
+              <a:rPr lang="en-US" sz="2600" dirty="0" smtClean="0"/>
+              <a:t>inevitable.</a:t>
+            </a:r>
+          </a:p>
+          <a:p>
+            <a:pPr algn="l" rtl="0"/>
+            <a:endParaRPr lang="en-US" dirty="0" smtClean="0"/>
+          </a:p>
+          <a:p>
+            <a:pPr algn="l" rtl="0"/>
+            <a:endParaRPr lang="en-US" dirty="0" smtClean="0"/>
+          </a:p>
+          <a:p>
+            <a:pPr algn="l" rtl="0"/>
+            <a:endParaRPr lang="he-IL" dirty="0"/>
+          </a:p>
+        </p:txBody>
+      </p:sp>
+    </p:spTree>
+    <p:extLst>
+      <p:ext uri="{BB962C8B-B14F-4D97-AF65-F5344CB8AC3E}">
+        <p14:creationId xmlns:p14="http://schemas.microsoft.com/office/powerpoint/2010/main" val="3623225998"/>
+      </p:ext>
+    </p:extLst>
+  </p:cSld>
+  <p:clrMapOvr>
+    <a:masterClrMapping/>
+  </p:clrMapOvr>
+  <p:timing>
+    <p:tnLst>
+      <p:par>
+        <p:cTn id="1" dur="indefinite" restart="never" nodeType="tmRoot">
+          <p:childTnLst>
+            <p:seq concurrent="1" nextAc="seek">
+              <p:cTn id="2" dur="indefinite" nodeType="mainSeq">
+                <p:childTnLst>
+                  <p:par>
+                    <p:cTn id="3" fill="hold">
+                      <p:stCondLst>
+                        <p:cond delay="indefinite"/>
+                      </p:stCondLst>
+                      <p:childTnLst>
+                        <p:par>
+                          <p:cTn id="4" fill="hold">
+                            <p:stCondLst>
+                              <p:cond delay="0"/>
+                            </p:stCondLst>
+                            <p:childTnLst>
+                              <p:par>
+                                <p:cTn id="5" presetID="22" presetClass="entr" presetSubtype="4" fill="hold" grpId="0" nodeType="clickEffect">
+                                  <p:stCondLst>
+                                    <p:cond delay="0"/>
+                                  </p:stCondLst>
+                                  <p:childTnLst>
+                                    <p:set>
+                                      <p:cBhvr>
+                                        <p:cTn id="6" dur="1" fill="hold">
+                                          <p:stCondLst>
+                                            <p:cond delay="0"/>
+                                          </p:stCondLst>
+                                        </p:cTn>
+                                        <p:tgtEl>
+                                          <p:spTgt spid="8">
+                                            <p:txEl>
+                                              <p:pRg st="0" end="0"/>
+                                            </p:txEl>
+                                          </p:spTgt>
+                                        </p:tgtEl>
+                                        <p:attrNameLst>
+                                          <p:attrName>style.visibility</p:attrName>
+                                        </p:attrNameLst>
+                                      </p:cBhvr>
+                                      <p:to>
+                                        <p:strVal val="visible"/>
+                                      </p:to>
+                                    </p:set>
+                                    <p:animEffect transition="in" filter="wipe(down)">
+                                      <p:cBhvr>
+                                        <p:cTn id="7" dur="500"/>
+                                        <p:tgtEl>
+                                          <p:spTgt spid="8">
+                                            <p:txEl>
+                                              <p:pRg st="0" end="0"/>
+                                            </p:txEl>
+                                          </p:spTgt>
+                                        </p:tgtEl>
+                                      </p:cBhvr>
+                                    </p:animEffect>
+                                  </p:childTnLst>
+                                </p:cTn>
+                              </p:par>
+                            </p:childTnLst>
+                          </p:cTn>
+                        </p:par>
+                      </p:childTnLst>
+                    </p:cTn>
+                  </p:par>
+                  <p:par>
+                    <p:cTn id="8" fill="hold">
+                      <p:stCondLst>
+                        <p:cond delay="indefinite"/>
+                      </p:stCondLst>
+                      <p:childTnLst>
+                        <p:par>
+                          <p:cTn id="9" fill="hold">
+                            <p:stCondLst>
+                              <p:cond delay="0"/>
+                            </p:stCondLst>
+                            <p:childTnLst>
+                              <p:par>
+                                <p:cTn id="10" presetID="22" presetClass="entr" presetSubtype="4" fill="hold" grpId="0" nodeType="clickEffect">
+                                  <p:stCondLst>
+                                    <p:cond delay="0"/>
+                                  </p:stCondLst>
+                                  <p:childTnLst>
+                                    <p:set>
+                                      <p:cBhvr>
+                                        <p:cTn id="11" dur="1" fill="hold">
+                                          <p:stCondLst>
+                                            <p:cond delay="0"/>
+                                          </p:stCondLst>
+                                        </p:cTn>
+                                        <p:tgtEl>
+                                          <p:spTgt spid="8">
+                                            <p:txEl>
+                                              <p:pRg st="1" end="1"/>
+                                            </p:txEl>
+                                          </p:spTgt>
+                                        </p:tgtEl>
+                                        <p:attrNameLst>
+                                          <p:attrName>style.visibility</p:attrName>
+                                        </p:attrNameLst>
+                                      </p:cBhvr>
+                                      <p:to>
+                                        <p:strVal val="visible"/>
+                                      </p:to>
+                                    </p:set>
+                                    <p:animEffect transition="in" filter="wipe(down)">
+                                      <p:cBhvr>
+                                        <p:cTn id="12" dur="500"/>
+                                        <p:tgtEl>
+                                          <p:spTgt spid="8">
+                                            <p:txEl>
+                                              <p:pRg st="1" end="1"/>
+                                            </p:txEl>
+                                          </p:spTgt>
+                                        </p:tgtEl>
+                                      </p:cBhvr>
+                                    </p:animEffect>
+                                  </p:childTnLst>
+                                </p:cTn>
+                              </p:par>
+                            </p:childTnLst>
+                          </p:cTn>
+                        </p:par>
+                      </p:childTnLst>
+                    </p:cTn>
+                  </p:par>
+                  <p:par>
+                    <p:cTn id="13" fill="hold">
+                      <p:stCondLst>
+                        <p:cond delay="indefinite"/>
+                      </p:stCondLst>
+                      <p:childTnLst>
+                        <p:par>
+                          <p:cTn id="14" fill="hold">
+                            <p:stCondLst>
+                              <p:cond delay="0"/>
+                            </p:stCondLst>
+                            <p:childTnLst>
+                              <p:par>
+                                <p:cTn id="15" presetID="22" presetClass="entr" presetSubtype="4" fill="hold" grpId="0" nodeType="clickEffect">
+                                  <p:stCondLst>
+                                    <p:cond delay="0"/>
+                                  </p:stCondLst>
+                                  <p:childTnLst>
+                                    <p:set>
+                                      <p:cBhvr>
+                                        <p:cTn id="16" dur="1" fill="hold">
+                                          <p:stCondLst>
+                                            <p:cond delay="0"/>
+                                          </p:stCondLst>
+                                        </p:cTn>
+                                        <p:tgtEl>
+                                          <p:spTgt spid="8">
+                                            <p:txEl>
+                                              <p:pRg st="3" end="3"/>
+                                            </p:txEl>
+                                          </p:spTgt>
+                                        </p:tgtEl>
+                                        <p:attrNameLst>
+                                          <p:attrName>style.visibility</p:attrName>
+                                        </p:attrNameLst>
+                                      </p:cBhvr>
+                                      <p:to>
+                                        <p:strVal val="visible"/>
+                                      </p:to>
+                                    </p:set>
+                                    <p:animEffect transition="in" filter="wipe(down)">
+                                      <p:cBhvr>
+                                        <p:cTn id="17" dur="500"/>
+                                        <p:tgtEl>
+                                          <p:spTgt spid="8">
+                                            <p:txEl>
+                                              <p:pRg st="3" end="3"/>
+                                            </p:txEl>
+                                          </p:spTgt>
+                                        </p:tgtEl>
+                                      </p:cBhvr>
+                                    </p:animEffect>
+                                  </p:childTnLst>
+                                </p:cTn>
+                              </p:par>
+                            </p:childTnLst>
+                          </p:cTn>
+                        </p:par>
+                      </p:childTnLst>
+                    </p:cTn>
+                  </p:par>
+                  <p:par>
+                    <p:cTn id="18" fill="hold">
+                      <p:stCondLst>
+                        <p:cond delay="indefinite"/>
+                      </p:stCondLst>
+                      <p:childTnLst>
+                        <p:par>
+                          <p:cTn id="19" fill="hold">
+                            <p:stCondLst>
+                              <p:cond delay="0"/>
+                            </p:stCondLst>
+                            <p:childTnLst>
+                              <p:par>
+                                <p:cTn id="20" presetID="22" presetClass="entr" presetSubtype="4" fill="hold" grpId="0" nodeType="clickEffect">
+                                  <p:stCondLst>
+                                    <p:cond delay="0"/>
+                                  </p:stCondLst>
+                                  <p:childTnLst>
+                                    <p:set>
+                                      <p:cBhvr>
+                                        <p:cTn id="21" dur="1" fill="hold">
+                                          <p:stCondLst>
+                                            <p:cond delay="0"/>
+                                          </p:stCondLst>
+                                        </p:cTn>
+                                        <p:tgtEl>
+                                          <p:spTgt spid="8">
+                                            <p:txEl>
+                                              <p:pRg st="4" end="4"/>
+                                            </p:txEl>
+                                          </p:spTgt>
+                                        </p:tgtEl>
+                                        <p:attrNameLst>
+                                          <p:attrName>style.visibility</p:attrName>
+                                        </p:attrNameLst>
+                                      </p:cBhvr>
+                                      <p:to>
+                                        <p:strVal val="visible"/>
+                                      </p:to>
+                                    </p:set>
+                                    <p:animEffect transition="in" filter="wipe(down)">
+                                      <p:cBhvr>
+                                        <p:cTn id="22" dur="500"/>
+                                        <p:tgtEl>
+                                          <p:spTgt spid="8">
+                                            <p:txEl>
+                                              <p:pRg st="4" end="4"/>
+                                            </p:txEl>
+                                          </p:spTgt>
+                                        </p:tgtEl>
+                                      </p:cBhvr>
+                                    </p:animEffect>
+                                  </p:childTnLst>
+                                </p:cTn>
+                              </p:par>
+                            </p:childTnLst>
+                          </p:cTn>
+                        </p:par>
+                      </p:childTnLst>
+                    </p:cTn>
+                  </p:par>
+                  <p:par>
+                    <p:cTn id="23" fill="hold">
+                      <p:stCondLst>
+                        <p:cond delay="indefinite"/>
+                      </p:stCondLst>
+                      <p:childTnLst>
+                        <p:par>
+                          <p:cTn id="24" fill="hold">
+                            <p:stCondLst>
+                              <p:cond delay="0"/>
+                            </p:stCondLst>
+                            <p:childTnLst>
+                              <p:par>
+                                <p:cTn id="25" presetID="22" presetClass="entr" presetSubtype="4" fill="hold" grpId="0" nodeType="clickEffect">
+                                  <p:stCondLst>
+                                    <p:cond delay="0"/>
+                                  </p:stCondLst>
+                                  <p:childTnLst>
+                                    <p:set>
+                                      <p:cBhvr>
+                                        <p:cTn id="26" dur="1" fill="hold">
+                                          <p:stCondLst>
+                                            <p:cond delay="0"/>
+                                          </p:stCondLst>
+                                        </p:cTn>
+                                        <p:tgtEl>
+                                          <p:spTgt spid="8">
+                                            <p:txEl>
+                                              <p:pRg st="5" end="5"/>
+                                            </p:txEl>
+                                          </p:spTgt>
+                                        </p:tgtEl>
+                                        <p:attrNameLst>
+                                          <p:attrName>style.visibility</p:attrName>
+                                        </p:attrNameLst>
+                                      </p:cBhvr>
+                                      <p:to>
+                                        <p:strVal val="visible"/>
+                                      </p:to>
+                                    </p:set>
+                                    <p:animEffect transition="in" filter="wipe(down)">
+                                      <p:cBhvr>
+                                        <p:cTn id="27" dur="500"/>
+                                        <p:tgtEl>
+                                          <p:spTgt spid="8">
+                                            <p:txEl>
+                                              <p:pRg st="5" end="5"/>
+                                            </p:txEl>
+                                          </p:spTgt>
+                                        </p:tgtEl>
+                                      </p:cBhvr>
+                                    </p:animEffect>
+                                  </p:childTnLst>
+                                </p:cTn>
+                              </p:par>
+                            </p:childTnLst>
+                          </p:cTn>
+                        </p:par>
+                      </p:childTnLst>
+                    </p:cTn>
+                  </p:par>
+                </p:childTnLst>
+              </p:cTn>
+              <p:prevCondLst>
+                <p:cond evt="onPrev" delay="0">
+                  <p:tgtEl>
+                    <p:sldTgt/>
+                  </p:tgtEl>
+                </p:cond>
+              </p:prevCondLst>
+              <p:nextCondLst>
+                <p:cond evt="onNext" delay="0">
+                  <p:tgtEl>
+                    <p:sldTgt/>
+                  </p:tgtEl>
+                </p:cond>
+              </p:nextCondLst>
+            </p:seq>
+          </p:childTnLst>
+        </p:cTn>
+      </p:par>
+    </p:tnLst>
+    <p:bldLst>
+      <p:bldP spid="8" grpId="0" build="p"/>
+    </p:bldLst>
+  </p:timing>
+</p:sld>
+</file>
+
+<file path=ppt/slides/slide34.xml><?xml version="1.0" encoding="utf-8"?>
 <p:sld xmlns:a="http://schemas.openxmlformats.org/drawingml/2006/main" xmlns:r="http://schemas.openxmlformats.org/officeDocument/2006/relationships" xmlns:p="http://schemas.openxmlformats.org/presentationml/2006/main">
   <p:cSld>
     <p:spTree>
@@ -42180,105 +42503,18 @@
           <a:bodyPr/>
           <a:lstStyle/>
           <a:p>
-            <a:r>
-              <a:rPr lang="he-IL" dirty="0" smtClean="0"/>
-              <a:t>יתרונות העבודה בפייפ</a:t>
-            </a:r>
-          </a:p>
-          <a:p>
+            <a:pPr algn="l" rtl="0"/>
             <a:r>
               <a:rPr lang="en-US" dirty="0" smtClean="0"/>
-              <a:t>Top down design</a:t>
-            </a:r>
-          </a:p>
-          <a:p>
+              <a:t>Pipeline </a:t>
+            </a:r>
             <a:r>
               <a:rPr lang="en-US" dirty="0" smtClean="0"/>
-              <a:t>Fun with generics</a:t>
-            </a:r>
-            <a:endParaRPr lang="he-IL" dirty="0"/>
-          </a:p>
-        </p:txBody>
-      </p:sp>
-      <p:sp>
-        <p:nvSpPr>
-          <p:cNvPr id="3" name="Title 2"/>
-          <p:cNvSpPr>
-            <a:spLocks noGrp="1"/>
-          </p:cNvSpPr>
-          <p:nvPr>
-            <p:ph type="title"/>
-          </p:nvPr>
-        </p:nvSpPr>
-        <p:spPr/>
-        <p:txBody>
-          <a:bodyPr/>
-          <a:lstStyle/>
-          <a:p>
-            <a:r>
-              <a:rPr lang="he-IL" dirty="0" smtClean="0"/>
-              <a:t>מסקנות ולקחים</a:t>
-            </a:r>
-            <a:endParaRPr lang="he-IL" dirty="0"/>
-          </a:p>
-        </p:txBody>
-      </p:sp>
-    </p:spTree>
-    <p:extLst>
-      <p:ext uri="{BB962C8B-B14F-4D97-AF65-F5344CB8AC3E}">
-        <p14:creationId xmlns:p14="http://schemas.microsoft.com/office/powerpoint/2010/main" val="458286212"/>
-      </p:ext>
-    </p:extLst>
-  </p:cSld>
-  <p:clrMapOvr>
-    <a:masterClrMapping/>
-  </p:clrMapOvr>
-  <p:timing>
-    <p:tnLst>
-      <p:par>
-        <p:cTn id="1" dur="indefinite" restart="never" nodeType="tmRoot"/>
-      </p:par>
-    </p:tnLst>
-  </p:timing>
-</p:sld>
-</file>
-
-<file path=ppt/slides/slide37.xml><?xml version="1.0" encoding="utf-8"?>
-<p:sld xmlns:a="http://schemas.openxmlformats.org/drawingml/2006/main" xmlns:r="http://schemas.openxmlformats.org/officeDocument/2006/relationships" xmlns:p="http://schemas.openxmlformats.org/presentationml/2006/main">
-  <p:cSld>
-    <p:spTree>
-      <p:nvGrpSpPr>
-        <p:cNvPr id="1" name=""/>
-        <p:cNvGrpSpPr/>
-        <p:nvPr/>
-      </p:nvGrpSpPr>
-      <p:grpSpPr>
-        <a:xfrm>
-          <a:off x="0" y="0"/>
-          <a:ext cx="0" cy="0"/>
-          <a:chOff x="0" y="0"/>
-          <a:chExt cx="0" cy="0"/>
-        </a:xfrm>
-      </p:grpSpPr>
-      <p:sp>
-        <p:nvSpPr>
-          <p:cNvPr id="2" name="Content Placeholder 1"/>
-          <p:cNvSpPr>
-            <a:spLocks noGrp="1"/>
-          </p:cNvSpPr>
-          <p:nvPr>
-            <p:ph idx="1"/>
-          </p:nvPr>
-        </p:nvSpPr>
-        <p:spPr/>
-        <p:txBody>
-          <a:bodyPr/>
-          <a:lstStyle/>
-          <a:p>
-            <a:pPr algn="l" rtl="0"/>
+              <a:t>makes </a:t>
+            </a:r>
             <a:r>
               <a:rPr lang="en-US" dirty="0" smtClean="0"/>
-              <a:t>Pipeline working always makes the throughput shorter. With “heavy” calculations, it is recommended to break the arithmetic process.</a:t>
+              <a:t>the throughput shorter. With “heavy” calculations, it is recommended to break the arithmetic process.</a:t>
             </a:r>
           </a:p>
           <a:p>
@@ -42293,11 +42529,24 @@
             <a:r>
               <a:rPr lang="en-US" dirty="0" smtClean="0">
                 <a:solidFill>
-                  <a:srgbClr val="FFC000"/>
+                  <a:srgbClr val="000000"/>
                 </a:solidFill>
               </a:rPr>
-              <a:t>Top down design makes the planning process easier.</a:t>
-            </a:r>
+              <a:t>Top down design </a:t>
+            </a:r>
+            <a:r>
+              <a:rPr lang="en-US" dirty="0" smtClean="0">
+                <a:solidFill>
+                  <a:srgbClr val="000000"/>
+                </a:solidFill>
+              </a:rPr>
+              <a:t>divides the coding procedure into stages, allows more than one person to work on solution, allows parallel work.</a:t>
+            </a:r>
+            <a:endParaRPr lang="en-US" dirty="0" smtClean="0">
+              <a:solidFill>
+                <a:srgbClr val="000000"/>
+              </a:solidFill>
+            </a:endParaRPr>
           </a:p>
           <a:p>
             <a:pPr algn="l" rtl="0"/>
@@ -42558,7 +42807,7 @@
 </p:sld>
 </file>
 
-<file path=ppt/slides/slide38.xml><?xml version="1.0" encoding="utf-8"?>
+<file path=ppt/slides/slide35.xml><?xml version="1.0" encoding="utf-8"?>
 <p:sld xmlns:a="http://schemas.openxmlformats.org/drawingml/2006/main" xmlns:r="http://schemas.openxmlformats.org/officeDocument/2006/relationships" xmlns:p="http://schemas.openxmlformats.org/presentationml/2006/main">
   <p:cSld>
     <p:spTree>
@@ -43005,7 +43254,7 @@
 </p:sld>
 </file>
 
-<file path=ppt/slides/slide39.xml><?xml version="1.0" encoding="utf-8"?>
+<file path=ppt/slides/slide36.xml><?xml version="1.0" encoding="utf-8"?>
 <p:sld xmlns:a="http://schemas.openxmlformats.org/drawingml/2006/main" xmlns:r="http://schemas.openxmlformats.org/officeDocument/2006/relationships" xmlns:p="http://schemas.openxmlformats.org/presentationml/2006/main">
   <p:cSld>
     <p:spTree>
